--- a/Arduino Basics.pptx
+++ b/Arduino Basics.pptx
@@ -11,26 +11,31 @@
     <p:sldMasterId id="2147483662" r:id="rId8"/>
     <p:sldMasterId id="2147483664" r:id="rId9"/>
     <p:sldMasterId id="2147483666" r:id="rId10"/>
+    <p:sldMasterId id="2147483668" r:id="rId11"/>
+    <p:sldMasterId id="2147483670" r:id="rId12"/>
+    <p:sldMasterId id="2147483672" r:id="rId13"/>
+    <p:sldMasterId id="2147483674" r:id="rId14"/>
   </p:sldMasterIdLst>
   <p:sldIdLst>
-    <p:sldId id="256" r:id="rId11"/>
-    <p:sldId id="257" r:id="rId12"/>
-    <p:sldId id="258" r:id="rId13"/>
-    <p:sldId id="259" r:id="rId14"/>
-    <p:sldId id="260" r:id="rId15"/>
-    <p:sldId id="261" r:id="rId16"/>
-    <p:sldId id="262" r:id="rId17"/>
-    <p:sldId id="263" r:id="rId18"/>
-    <p:sldId id="264" r:id="rId19"/>
-    <p:sldId id="265" r:id="rId20"/>
-    <p:sldId id="266" r:id="rId21"/>
-    <p:sldId id="267" r:id="rId22"/>
-    <p:sldId id="268" r:id="rId23"/>
-    <p:sldId id="269" r:id="rId24"/>
-    <p:sldId id="270" r:id="rId25"/>
-    <p:sldId id="271" r:id="rId26"/>
-    <p:sldId id="272" r:id="rId27"/>
-    <p:sldId id="273" r:id="rId28"/>
+    <p:sldId id="256" r:id="rId15"/>
+    <p:sldId id="257" r:id="rId16"/>
+    <p:sldId id="258" r:id="rId17"/>
+    <p:sldId id="259" r:id="rId18"/>
+    <p:sldId id="260" r:id="rId19"/>
+    <p:sldId id="261" r:id="rId20"/>
+    <p:sldId id="262" r:id="rId21"/>
+    <p:sldId id="263" r:id="rId22"/>
+    <p:sldId id="264" r:id="rId23"/>
+    <p:sldId id="265" r:id="rId24"/>
+    <p:sldId id="266" r:id="rId25"/>
+    <p:sldId id="267" r:id="rId26"/>
+    <p:sldId id="268" r:id="rId27"/>
+    <p:sldId id="269" r:id="rId28"/>
+    <p:sldId id="270" r:id="rId29"/>
+    <p:sldId id="271" r:id="rId30"/>
+    <p:sldId id="272" r:id="rId31"/>
+    <p:sldId id="273" r:id="rId32"/>
+    <p:sldId id="274" r:id="rId33"/>
   </p:sldIdLst>
   <p:sldSz cx="10080625" cy="5670550"/>
   <p:notesSz cx="7772400" cy="10058400"/>
@@ -88,7 +93,7 @@
         <p:txBody>
           <a:bodyPr/>
           <a:p>
-            <a:fld id="{0A10F7BD-B732-481B-9250-A1DE6F483409}" type="slidenum">
+            <a:fld id="{7ADF069D-697B-4901-BD64-33DA1FC46942}" type="slidenum">
               <a:t>&lt;#&gt;</a:t>
             </a:fld>
           </a:p>
@@ -258,7 +263,7 @@
         <p:txBody>
           <a:bodyPr/>
           <a:p>
-            <a:fld id="{61AC07C4-63FD-4E8E-859F-F0F5358F574A}" type="slidenum">
+            <a:fld id="{C012D628-DE2E-4812-9B04-748026964A50}" type="slidenum">
               <a:t>&lt;#&gt;</a:t>
             </a:fld>
           </a:p>
@@ -291,6 +296,680 @@
 </file>
 
 <file path=ppt/slideLayouts/slideLayout11.xml><?xml version="1.0" encoding="utf-8"?>
+<p:sldLayout xmlns:a="http://schemas.openxmlformats.org/drawingml/2006/main" xmlns:p="http://schemas.openxmlformats.org/presentationml/2006/main" xmlns:r="http://schemas.openxmlformats.org/officeDocument/2006/relationships" xmlns:p14="http://schemas.microsoft.com/office/powerpoint/2010/main" xmlns:p15="http://schemas.microsoft.com/office/powerpoint/2012/main" xmlns:mc="http://schemas.openxmlformats.org/markup-compatibility/2006" type="title" preserve="1">
+  <p:cSld name="Default 4">
+    <p:spTree>
+      <p:nvGrpSpPr>
+        <p:cNvPr id="1" name=""/>
+        <p:cNvGrpSpPr/>
+        <p:nvPr/>
+      </p:nvGrpSpPr>
+      <p:grpSpPr>
+        <a:xfrm>
+          <a:off x="0" y="0"/>
+          <a:ext cx="0" cy="0"/>
+          <a:chOff x="0" y="0"/>
+          <a:chExt cx="0" cy="0"/>
+        </a:xfrm>
+      </p:grpSpPr>
+      <p:sp>
+        <p:nvSpPr>
+          <p:cNvPr id="65" name="PlaceHolder 1"/>
+          <p:cNvSpPr>
+            <a:spLocks noGrp="1"/>
+          </p:cNvSpPr>
+          <p:nvPr>
+            <p:ph type="title"/>
+          </p:nvPr>
+        </p:nvSpPr>
+        <p:spPr>
+          <a:xfrm>
+            <a:off x="504000" y="226080"/>
+            <a:ext cx="9072000" cy="946440"/>
+          </a:xfrm>
+          <a:prstGeom prst="rect">
+            <a:avLst/>
+          </a:prstGeom>
+          <a:noFill/>
+          <a:ln w="0">
+            <a:noFill/>
+          </a:ln>
+        </p:spPr>
+        <p:txBody>
+          <a:bodyPr lIns="0" rIns="0" tIns="0" bIns="0" anchor="ctr">
+            <a:spAutoFit/>
+          </a:bodyPr>
+          <a:p>
+            <a:pPr indent="0" algn="ctr">
+              <a:buNone/>
+            </a:pPr>
+            <a:endParaRPr b="0" lang="en-US" sz="4400" strike="noStrike" u="none">
+              <a:solidFill>
+                <a:srgbClr val="000000"/>
+              </a:solidFill>
+              <a:effectLst/>
+              <a:uFillTx/>
+              <a:latin typeface="Arial"/>
+            </a:endParaRPr>
+          </a:p>
+        </p:txBody>
+      </p:sp>
+      <p:sp>
+        <p:nvSpPr>
+          <p:cNvPr id="66" name="PlaceHolder 2"/>
+          <p:cNvSpPr>
+            <a:spLocks noGrp="1"/>
+          </p:cNvSpPr>
+          <p:nvPr>
+            <p:ph type="subTitle"/>
+          </p:nvPr>
+        </p:nvSpPr>
+        <p:spPr>
+          <a:xfrm>
+            <a:off x="504000" y="1326600"/>
+            <a:ext cx="9072000" cy="3288600"/>
+          </a:xfrm>
+          <a:prstGeom prst="rect">
+            <a:avLst/>
+          </a:prstGeom>
+          <a:noFill/>
+          <a:ln w="0">
+            <a:noFill/>
+          </a:ln>
+        </p:spPr>
+        <p:txBody>
+          <a:bodyPr lIns="0" rIns="0" tIns="0" bIns="0" anchor="ctr">
+            <a:spAutoFit/>
+          </a:bodyPr>
+          <a:p>
+            <a:pPr indent="0" algn="ctr">
+              <a:buNone/>
+            </a:pPr>
+            <a:endParaRPr b="0" lang="en-US" sz="3200" strike="noStrike" u="none">
+              <a:solidFill>
+                <a:srgbClr val="000000"/>
+              </a:solidFill>
+              <a:effectLst/>
+              <a:uFillTx/>
+              <a:latin typeface="Arial"/>
+            </a:endParaRPr>
+          </a:p>
+        </p:txBody>
+      </p:sp>
+      <p:sp>
+        <p:nvSpPr>
+          <p:cNvPr id="4" name="PlaceHolder 3"/>
+          <p:cNvSpPr>
+            <a:spLocks noGrp="1"/>
+          </p:cNvSpPr>
+          <p:nvPr>
+            <p:ph type="ftr" idx="25"/>
+          </p:nvPr>
+        </p:nvSpPr>
+        <p:spPr/>
+        <p:txBody>
+          <a:bodyPr/>
+          <a:p>
+            <a:r>
+              <a:t>Footer</a:t>
+            </a:r>
+          </a:p>
+        </p:txBody>
+      </p:sp>
+      <p:sp>
+        <p:nvSpPr>
+          <p:cNvPr id="5" name="PlaceHolder 4"/>
+          <p:cNvSpPr>
+            <a:spLocks noGrp="1"/>
+          </p:cNvSpPr>
+          <p:nvPr>
+            <p:ph type="sldNum" idx="26"/>
+          </p:nvPr>
+        </p:nvSpPr>
+        <p:spPr/>
+        <p:txBody>
+          <a:bodyPr/>
+          <a:p>
+            <a:fld id="{D54C378C-BB49-43FC-B9FD-F3F0E7F562C8}" type="slidenum">
+              <a:t>&lt;#&gt;</a:t>
+            </a:fld>
+          </a:p>
+        </p:txBody>
+      </p:sp>
+      <p:sp>
+        <p:nvSpPr>
+          <p:cNvPr id="6" name="PlaceHolder 5"/>
+          <p:cNvSpPr>
+            <a:spLocks noGrp="1"/>
+          </p:cNvSpPr>
+          <p:nvPr>
+            <p:ph type="dt" idx="27"/>
+          </p:nvPr>
+        </p:nvSpPr>
+        <p:spPr/>
+        <p:txBody>
+          <a:bodyPr/>
+          <a:p>
+            <a:r>
+              <a:rPr lang="en-US"/>
+              <a:t/>
+            </a:r>
+          </a:p>
+        </p:txBody>
+      </p:sp>
+    </p:spTree>
+  </p:cSld>
+</p:sldLayout>
+</file>
+
+<file path=ppt/slideLayouts/slideLayout12.xml><?xml version="1.0" encoding="utf-8"?>
+<p:sldLayout xmlns:a="http://schemas.openxmlformats.org/drawingml/2006/main" xmlns:p="http://schemas.openxmlformats.org/presentationml/2006/main" xmlns:r="http://schemas.openxmlformats.org/officeDocument/2006/relationships" xmlns:p14="http://schemas.microsoft.com/office/powerpoint/2010/main" xmlns:p15="http://schemas.microsoft.com/office/powerpoint/2012/main" xmlns:mc="http://schemas.openxmlformats.org/markup-compatibility/2006" type="tx" preserve="1">
+  <p:cSld name="Default 5">
+    <p:spTree>
+      <p:nvGrpSpPr>
+        <p:cNvPr id="1" name=""/>
+        <p:cNvGrpSpPr/>
+        <p:nvPr/>
+      </p:nvGrpSpPr>
+      <p:grpSpPr>
+        <a:xfrm>
+          <a:off x="0" y="0"/>
+          <a:ext cx="0" cy="0"/>
+          <a:chOff x="0" y="0"/>
+          <a:chExt cx="0" cy="0"/>
+        </a:xfrm>
+      </p:grpSpPr>
+      <p:sp>
+        <p:nvSpPr>
+          <p:cNvPr id="74" name="PlaceHolder 1"/>
+          <p:cNvSpPr>
+            <a:spLocks noGrp="1"/>
+          </p:cNvSpPr>
+          <p:nvPr>
+            <p:ph type="title"/>
+          </p:nvPr>
+        </p:nvSpPr>
+        <p:spPr>
+          <a:xfrm>
+            <a:off x="504000" y="226080"/>
+            <a:ext cx="9072000" cy="946440"/>
+          </a:xfrm>
+          <a:prstGeom prst="rect">
+            <a:avLst/>
+          </a:prstGeom>
+          <a:noFill/>
+          <a:ln w="0">
+            <a:noFill/>
+          </a:ln>
+        </p:spPr>
+        <p:txBody>
+          <a:bodyPr lIns="0" rIns="0" tIns="0" bIns="0" anchor="ctr">
+            <a:spAutoFit/>
+          </a:bodyPr>
+          <a:p>
+            <a:pPr indent="0" algn="ctr">
+              <a:buNone/>
+            </a:pPr>
+            <a:endParaRPr b="0" lang="en-US" sz="4400" strike="noStrike" u="none">
+              <a:solidFill>
+                <a:srgbClr val="000000"/>
+              </a:solidFill>
+              <a:effectLst/>
+              <a:uFillTx/>
+              <a:latin typeface="Arial"/>
+            </a:endParaRPr>
+          </a:p>
+        </p:txBody>
+      </p:sp>
+      <p:sp>
+        <p:nvSpPr>
+          <p:cNvPr id="75" name="PlaceHolder 2"/>
+          <p:cNvSpPr>
+            <a:spLocks noGrp="1"/>
+          </p:cNvSpPr>
+          <p:nvPr>
+            <p:ph/>
+          </p:nvPr>
+        </p:nvSpPr>
+        <p:spPr>
+          <a:xfrm>
+            <a:off x="504000" y="1326600"/>
+            <a:ext cx="9072000" cy="3288600"/>
+          </a:xfrm>
+          <a:prstGeom prst="rect">
+            <a:avLst/>
+          </a:prstGeom>
+          <a:noFill/>
+          <a:ln w="0">
+            <a:noFill/>
+          </a:ln>
+        </p:spPr>
+        <p:txBody>
+          <a:bodyPr lIns="0" rIns="0" tIns="0" bIns="0" anchor="t">
+            <a:normAutofit/>
+          </a:bodyPr>
+          <a:p>
+            <a:pPr indent="0">
+              <a:spcBef>
+                <a:spcPts val="1417"/>
+              </a:spcBef>
+              <a:buNone/>
+            </a:pPr>
+            <a:endParaRPr b="0" lang="en-US" sz="3200" strike="noStrike" u="none">
+              <a:solidFill>
+                <a:srgbClr val="000000"/>
+              </a:solidFill>
+              <a:effectLst/>
+              <a:uFillTx/>
+              <a:latin typeface="Arial"/>
+            </a:endParaRPr>
+          </a:p>
+        </p:txBody>
+      </p:sp>
+      <p:sp>
+        <p:nvSpPr>
+          <p:cNvPr id="4" name="PlaceHolder 3"/>
+          <p:cNvSpPr>
+            <a:spLocks noGrp="1"/>
+          </p:cNvSpPr>
+          <p:nvPr>
+            <p:ph type="ftr" idx="28"/>
+          </p:nvPr>
+        </p:nvSpPr>
+        <p:spPr/>
+        <p:txBody>
+          <a:bodyPr/>
+          <a:p>
+            <a:r>
+              <a:t>Footer</a:t>
+            </a:r>
+          </a:p>
+        </p:txBody>
+      </p:sp>
+      <p:sp>
+        <p:nvSpPr>
+          <p:cNvPr id="5" name="PlaceHolder 4"/>
+          <p:cNvSpPr>
+            <a:spLocks noGrp="1"/>
+          </p:cNvSpPr>
+          <p:nvPr>
+            <p:ph type="sldNum" idx="29"/>
+          </p:nvPr>
+        </p:nvSpPr>
+        <p:spPr/>
+        <p:txBody>
+          <a:bodyPr/>
+          <a:p>
+            <a:fld id="{C2AE1470-D973-4393-A02C-F12D9C73FB9A}" type="slidenum">
+              <a:t>&lt;#&gt;</a:t>
+            </a:fld>
+          </a:p>
+        </p:txBody>
+      </p:sp>
+      <p:sp>
+        <p:nvSpPr>
+          <p:cNvPr id="6" name="PlaceHolder 5"/>
+          <p:cNvSpPr>
+            <a:spLocks noGrp="1"/>
+          </p:cNvSpPr>
+          <p:nvPr>
+            <p:ph type="dt" idx="30"/>
+          </p:nvPr>
+        </p:nvSpPr>
+        <p:spPr/>
+        <p:txBody>
+          <a:bodyPr/>
+          <a:p>
+            <a:r>
+              <a:rPr lang="en-US"/>
+              <a:t/>
+            </a:r>
+          </a:p>
+        </p:txBody>
+      </p:sp>
+    </p:spTree>
+  </p:cSld>
+</p:sldLayout>
+</file>
+
+<file path=ppt/slideLayouts/slideLayout13.xml><?xml version="1.0" encoding="utf-8"?>
+<p:sldLayout xmlns:a="http://schemas.openxmlformats.org/drawingml/2006/main" xmlns:p="http://schemas.openxmlformats.org/presentationml/2006/main" xmlns:r="http://schemas.openxmlformats.org/officeDocument/2006/relationships" xmlns:p14="http://schemas.microsoft.com/office/powerpoint/2010/main" xmlns:p15="http://schemas.microsoft.com/office/powerpoint/2012/main" xmlns:mc="http://schemas.openxmlformats.org/markup-compatibility/2006" type="title" preserve="1">
+  <p:cSld name="Default 6">
+    <p:spTree>
+      <p:nvGrpSpPr>
+        <p:cNvPr id="1" name=""/>
+        <p:cNvGrpSpPr/>
+        <p:nvPr/>
+      </p:nvGrpSpPr>
+      <p:grpSpPr>
+        <a:xfrm>
+          <a:off x="0" y="0"/>
+          <a:ext cx="0" cy="0"/>
+          <a:chOff x="0" y="0"/>
+          <a:chExt cx="0" cy="0"/>
+        </a:xfrm>
+      </p:grpSpPr>
+      <p:sp>
+        <p:nvSpPr>
+          <p:cNvPr id="82" name="PlaceHolder 1"/>
+          <p:cNvSpPr>
+            <a:spLocks noGrp="1"/>
+          </p:cNvSpPr>
+          <p:nvPr>
+            <p:ph type="title"/>
+          </p:nvPr>
+        </p:nvSpPr>
+        <p:spPr>
+          <a:xfrm>
+            <a:off x="504000" y="226080"/>
+            <a:ext cx="9072000" cy="946440"/>
+          </a:xfrm>
+          <a:prstGeom prst="rect">
+            <a:avLst/>
+          </a:prstGeom>
+          <a:noFill/>
+          <a:ln w="0">
+            <a:noFill/>
+          </a:ln>
+        </p:spPr>
+        <p:txBody>
+          <a:bodyPr lIns="0" rIns="0" tIns="0" bIns="0" anchor="ctr">
+            <a:spAutoFit/>
+          </a:bodyPr>
+          <a:p>
+            <a:pPr indent="0" algn="ctr">
+              <a:buNone/>
+            </a:pPr>
+            <a:endParaRPr b="0" lang="en-US" sz="4400" strike="noStrike" u="none">
+              <a:solidFill>
+                <a:srgbClr val="000000"/>
+              </a:solidFill>
+              <a:effectLst/>
+              <a:uFillTx/>
+              <a:latin typeface="Arial"/>
+            </a:endParaRPr>
+          </a:p>
+        </p:txBody>
+      </p:sp>
+      <p:sp>
+        <p:nvSpPr>
+          <p:cNvPr id="83" name="PlaceHolder 2"/>
+          <p:cNvSpPr>
+            <a:spLocks noGrp="1"/>
+          </p:cNvSpPr>
+          <p:nvPr>
+            <p:ph type="subTitle"/>
+          </p:nvPr>
+        </p:nvSpPr>
+        <p:spPr>
+          <a:xfrm>
+            <a:off x="504000" y="1326600"/>
+            <a:ext cx="9072000" cy="3288600"/>
+          </a:xfrm>
+          <a:prstGeom prst="rect">
+            <a:avLst/>
+          </a:prstGeom>
+          <a:noFill/>
+          <a:ln w="0">
+            <a:noFill/>
+          </a:ln>
+        </p:spPr>
+        <p:txBody>
+          <a:bodyPr lIns="0" rIns="0" tIns="0" bIns="0" anchor="ctr">
+            <a:spAutoFit/>
+          </a:bodyPr>
+          <a:p>
+            <a:pPr indent="0" algn="ctr">
+              <a:buNone/>
+            </a:pPr>
+            <a:endParaRPr b="0" lang="en-US" sz="3200" strike="noStrike" u="none">
+              <a:solidFill>
+                <a:srgbClr val="000000"/>
+              </a:solidFill>
+              <a:effectLst/>
+              <a:uFillTx/>
+              <a:latin typeface="Arial"/>
+            </a:endParaRPr>
+          </a:p>
+        </p:txBody>
+      </p:sp>
+      <p:sp>
+        <p:nvSpPr>
+          <p:cNvPr id="4" name="PlaceHolder 3"/>
+          <p:cNvSpPr>
+            <a:spLocks noGrp="1"/>
+          </p:cNvSpPr>
+          <p:nvPr>
+            <p:ph type="ftr" idx="31"/>
+          </p:nvPr>
+        </p:nvSpPr>
+        <p:spPr/>
+        <p:txBody>
+          <a:bodyPr/>
+          <a:p>
+            <a:r>
+              <a:t>Footer</a:t>
+            </a:r>
+          </a:p>
+        </p:txBody>
+      </p:sp>
+      <p:sp>
+        <p:nvSpPr>
+          <p:cNvPr id="5" name="PlaceHolder 4"/>
+          <p:cNvSpPr>
+            <a:spLocks noGrp="1"/>
+          </p:cNvSpPr>
+          <p:nvPr>
+            <p:ph type="sldNum" idx="32"/>
+          </p:nvPr>
+        </p:nvSpPr>
+        <p:spPr/>
+        <p:txBody>
+          <a:bodyPr/>
+          <a:p>
+            <a:fld id="{A8EBF57A-9597-407F-AA2F-4758EEC33C70}" type="slidenum">
+              <a:t>&lt;#&gt;</a:t>
+            </a:fld>
+          </a:p>
+        </p:txBody>
+      </p:sp>
+      <p:sp>
+        <p:nvSpPr>
+          <p:cNvPr id="6" name="PlaceHolder 5"/>
+          <p:cNvSpPr>
+            <a:spLocks noGrp="1"/>
+          </p:cNvSpPr>
+          <p:nvPr>
+            <p:ph type="dt" idx="33"/>
+          </p:nvPr>
+        </p:nvSpPr>
+        <p:spPr/>
+        <p:txBody>
+          <a:bodyPr/>
+          <a:p>
+            <a:r>
+              <a:rPr lang="en-US"/>
+              <a:t/>
+            </a:r>
+          </a:p>
+        </p:txBody>
+      </p:sp>
+    </p:spTree>
+  </p:cSld>
+</p:sldLayout>
+</file>
+
+<file path=ppt/slideLayouts/slideLayout14.xml><?xml version="1.0" encoding="utf-8"?>
+<p:sldLayout xmlns:a="http://schemas.openxmlformats.org/drawingml/2006/main" xmlns:p="http://schemas.openxmlformats.org/presentationml/2006/main" xmlns:r="http://schemas.openxmlformats.org/officeDocument/2006/relationships" xmlns:p14="http://schemas.microsoft.com/office/powerpoint/2010/main" xmlns:p15="http://schemas.microsoft.com/office/powerpoint/2012/main" xmlns:mc="http://schemas.openxmlformats.org/markup-compatibility/2006" type="tx" preserve="1">
+  <p:cSld name="Default 7">
+    <p:spTree>
+      <p:nvGrpSpPr>
+        <p:cNvPr id="1" name=""/>
+        <p:cNvGrpSpPr/>
+        <p:nvPr/>
+      </p:nvGrpSpPr>
+      <p:grpSpPr>
+        <a:xfrm>
+          <a:off x="0" y="0"/>
+          <a:ext cx="0" cy="0"/>
+          <a:chOff x="0" y="0"/>
+          <a:chExt cx="0" cy="0"/>
+        </a:xfrm>
+      </p:grpSpPr>
+      <p:sp>
+        <p:nvSpPr>
+          <p:cNvPr id="91" name="PlaceHolder 1"/>
+          <p:cNvSpPr>
+            <a:spLocks noGrp="1"/>
+          </p:cNvSpPr>
+          <p:nvPr>
+            <p:ph type="title"/>
+          </p:nvPr>
+        </p:nvSpPr>
+        <p:spPr>
+          <a:xfrm>
+            <a:off x="504000" y="226080"/>
+            <a:ext cx="9072000" cy="946440"/>
+          </a:xfrm>
+          <a:prstGeom prst="rect">
+            <a:avLst/>
+          </a:prstGeom>
+          <a:noFill/>
+          <a:ln w="0">
+            <a:noFill/>
+          </a:ln>
+        </p:spPr>
+        <p:txBody>
+          <a:bodyPr lIns="0" rIns="0" tIns="0" bIns="0" anchor="ctr">
+            <a:spAutoFit/>
+          </a:bodyPr>
+          <a:p>
+            <a:pPr indent="0" algn="ctr">
+              <a:buNone/>
+            </a:pPr>
+            <a:endParaRPr b="0" lang="en-US" sz="4400" strike="noStrike" u="none">
+              <a:solidFill>
+                <a:srgbClr val="000000"/>
+              </a:solidFill>
+              <a:effectLst/>
+              <a:uFillTx/>
+              <a:latin typeface="Arial"/>
+            </a:endParaRPr>
+          </a:p>
+        </p:txBody>
+      </p:sp>
+      <p:sp>
+        <p:nvSpPr>
+          <p:cNvPr id="92" name="PlaceHolder 2"/>
+          <p:cNvSpPr>
+            <a:spLocks noGrp="1"/>
+          </p:cNvSpPr>
+          <p:nvPr>
+            <p:ph/>
+          </p:nvPr>
+        </p:nvSpPr>
+        <p:spPr>
+          <a:xfrm>
+            <a:off x="504000" y="1326600"/>
+            <a:ext cx="9072000" cy="3288600"/>
+          </a:xfrm>
+          <a:prstGeom prst="rect">
+            <a:avLst/>
+          </a:prstGeom>
+          <a:noFill/>
+          <a:ln w="0">
+            <a:noFill/>
+          </a:ln>
+        </p:spPr>
+        <p:txBody>
+          <a:bodyPr lIns="0" rIns="0" tIns="0" bIns="0" anchor="t">
+            <a:normAutofit/>
+          </a:bodyPr>
+          <a:p>
+            <a:pPr indent="0">
+              <a:spcBef>
+                <a:spcPts val="1417"/>
+              </a:spcBef>
+              <a:buNone/>
+            </a:pPr>
+            <a:endParaRPr b="0" lang="en-US" sz="3200" strike="noStrike" u="none">
+              <a:solidFill>
+                <a:srgbClr val="000000"/>
+              </a:solidFill>
+              <a:effectLst/>
+              <a:uFillTx/>
+              <a:latin typeface="Arial"/>
+            </a:endParaRPr>
+          </a:p>
+        </p:txBody>
+      </p:sp>
+      <p:sp>
+        <p:nvSpPr>
+          <p:cNvPr id="4" name="PlaceHolder 3"/>
+          <p:cNvSpPr>
+            <a:spLocks noGrp="1"/>
+          </p:cNvSpPr>
+          <p:nvPr>
+            <p:ph type="ftr" idx="34"/>
+          </p:nvPr>
+        </p:nvSpPr>
+        <p:spPr/>
+        <p:txBody>
+          <a:bodyPr/>
+          <a:p>
+            <a:r>
+              <a:t>Footer</a:t>
+            </a:r>
+          </a:p>
+        </p:txBody>
+      </p:sp>
+      <p:sp>
+        <p:nvSpPr>
+          <p:cNvPr id="5" name="PlaceHolder 4"/>
+          <p:cNvSpPr>
+            <a:spLocks noGrp="1"/>
+          </p:cNvSpPr>
+          <p:nvPr>
+            <p:ph type="sldNum" idx="35"/>
+          </p:nvPr>
+        </p:nvSpPr>
+        <p:spPr/>
+        <p:txBody>
+          <a:bodyPr/>
+          <a:p>
+            <a:fld id="{0329818B-D0F8-4F16-AE17-D9794E11E830}" type="slidenum">
+              <a:t>&lt;#&gt;</a:t>
+            </a:fld>
+          </a:p>
+        </p:txBody>
+      </p:sp>
+      <p:sp>
+        <p:nvSpPr>
+          <p:cNvPr id="6" name="PlaceHolder 5"/>
+          <p:cNvSpPr>
+            <a:spLocks noGrp="1"/>
+          </p:cNvSpPr>
+          <p:nvPr>
+            <p:ph type="dt" idx="36"/>
+          </p:nvPr>
+        </p:nvSpPr>
+        <p:spPr/>
+        <p:txBody>
+          <a:bodyPr/>
+          <a:p>
+            <a:r>
+              <a:rPr lang="en-US"/>
+              <a:t/>
+            </a:r>
+          </a:p>
+        </p:txBody>
+      </p:sp>
+    </p:spTree>
+  </p:cSld>
+</p:sldLayout>
+</file>
+
+<file path=ppt/slideLayouts/slideLayout15.xml><?xml version="1.0" encoding="utf-8"?>
 <p:sldLayout xmlns:a="http://schemas.openxmlformats.org/drawingml/2006/main" xmlns:p="http://schemas.openxmlformats.org/presentationml/2006/main" xmlns:r="http://schemas.openxmlformats.org/officeDocument/2006/relationships" xmlns:p14="http://schemas.microsoft.com/office/powerpoint/2010/main" xmlns:p15="http://schemas.microsoft.com/office/powerpoint/2012/main" xmlns:mc="http://schemas.openxmlformats.org/markup-compatibility/2006" type="blank" preserve="1">
   <p:cSld name="Vivid2__">
     <p:spTree>
@@ -314,7 +993,7 @@
             <a:spLocks noGrp="1"/>
           </p:cNvSpPr>
           <p:nvPr>
-            <p:ph type="ftr" idx="25"/>
+            <p:ph type="ftr" idx="37"/>
           </p:nvPr>
         </p:nvSpPr>
         <p:spPr/>
@@ -334,14 +1013,14 @@
             <a:spLocks noGrp="1"/>
           </p:cNvSpPr>
           <p:nvPr>
-            <p:ph type="sldNum" idx="26"/>
+            <p:ph type="sldNum" idx="38"/>
           </p:nvPr>
         </p:nvSpPr>
         <p:spPr/>
         <p:txBody>
           <a:bodyPr/>
           <a:p>
-            <a:fld id="{ABDD979A-CDFF-462B-95EF-E4FDDE6496D8}" type="slidenum">
+            <a:fld id="{2FABFCDD-33B7-4593-B7D7-2643F0900E36}" type="slidenum">
               <a:t>&lt;#&gt;</a:t>
             </a:fld>
           </a:p>
@@ -354,7 +1033,7 @@
             <a:spLocks noGrp="1"/>
           </p:cNvSpPr>
           <p:nvPr>
-            <p:ph type="dt" idx="27"/>
+            <p:ph type="dt" idx="39"/>
           </p:nvPr>
         </p:nvSpPr>
         <p:spPr/>
@@ -508,7 +1187,7 @@
         <p:txBody>
           <a:bodyPr/>
           <a:p>
-            <a:fld id="{1C150135-DAD5-4309-9573-918388295F0D}" type="slidenum">
+            <a:fld id="{FA69893B-D343-46C9-8F41-31BDF4CC0FA6}" type="slidenum">
               <a:t>&lt;#&gt;</a:t>
             </a:fld>
           </a:p>
@@ -678,7 +1357,7 @@
         <p:txBody>
           <a:bodyPr/>
           <a:p>
-            <a:fld id="{8926737C-2A76-44BB-A061-AF907C02FDD9}" type="slidenum">
+            <a:fld id="{4232313B-C15F-4503-AB93-FE05F26B17D5}" type="slidenum">
               <a:t>&lt;#&gt;</a:t>
             </a:fld>
           </a:p>
@@ -761,7 +1440,7 @@
         <p:txBody>
           <a:bodyPr/>
           <a:p>
-            <a:fld id="{E8ED678C-E726-4961-B99E-909DDB03437F}" type="slidenum">
+            <a:fld id="{C651D78C-C048-43FB-8C18-7EDBB2E66752}" type="slidenum">
               <a:t>&lt;#&gt;</a:t>
             </a:fld>
           </a:p>
@@ -844,7 +1523,7 @@
         <p:txBody>
           <a:bodyPr/>
           <a:p>
-            <a:fld id="{B7FA48AB-F25D-4EB9-B80C-21EDA0503FC3}" type="slidenum">
+            <a:fld id="{00CA2E6C-901F-48AC-9CDD-1E36600C8336}" type="slidenum">
               <a:t>&lt;#&gt;</a:t>
             </a:fld>
           </a:p>
@@ -927,7 +1606,7 @@
         <p:txBody>
           <a:bodyPr/>
           <a:p>
-            <a:fld id="{6D025487-76C7-4828-83FD-BCF8551D8596}" type="slidenum">
+            <a:fld id="{6BF6FFC0-6A76-46A1-856A-13A447F623E8}" type="slidenum">
               <a:t>&lt;#&gt;</a:t>
             </a:fld>
           </a:p>
@@ -1094,7 +1773,7 @@
         <p:txBody>
           <a:bodyPr/>
           <a:p>
-            <a:fld id="{C9A4D44F-B5CF-4D06-885D-E91822088069}" type="slidenum">
+            <a:fld id="{FBA82A52-981F-4B94-84CC-112C9682DE84}" type="slidenum">
               <a:t>&lt;#&gt;</a:t>
             </a:fld>
           </a:p>
@@ -1264,7 +1943,7 @@
         <p:txBody>
           <a:bodyPr/>
           <a:p>
-            <a:fld id="{5BAAA1AE-DF2B-4A23-935C-F1012D0CCBD4}" type="slidenum">
+            <a:fld id="{DD7B50CF-5C74-46F1-8EBD-CD0E4E37A7D8}" type="slidenum">
               <a:t>&lt;#&gt;</a:t>
             </a:fld>
           </a:p>
@@ -1431,7 +2110,7 @@
         <p:txBody>
           <a:bodyPr/>
           <a:p>
-            <a:fld id="{A841186F-D2B8-4877-A397-3311426EB418}" type="slidenum">
+            <a:fld id="{FA0C7B9C-0F74-4B3C-AAC5-6D116863A403}" type="slidenum">
               <a:t>&lt;#&gt;</a:t>
             </a:fld>
           </a:p>
@@ -1489,7 +2168,7 @@
         <p:spPr>
           <a:xfrm>
             <a:off x="0" y="3780000"/>
-            <a:ext cx="10079280" cy="1889280"/>
+            <a:ext cx="10078560" cy="1888560"/>
           </a:xfrm>
           <a:prstGeom prst="rect">
             <a:avLst/>
@@ -1552,7 +2231,7 @@
         <p:spPr>
           <a:xfrm>
             <a:off x="3420000" y="5130000"/>
-            <a:ext cx="3239280" cy="449280"/>
+            <a:ext cx="3238560" cy="448560"/>
           </a:xfrm>
           <a:prstGeom prst="rect">
             <a:avLst/>
@@ -1604,7 +2283,7 @@
                 <a:uFillTx/>
                 <a:latin typeface="Noto Sans"/>
               </a:rPr>
-              <a:t> </a:t>
+              <a:t>&lt;footer&gt;</a:t>
             </a:r>
             <a:endParaRPr b="0" lang="en-US" sz="1400" strike="noStrike" u="none">
               <a:solidFill>
@@ -1630,7 +2309,7 @@
         <p:spPr>
           <a:xfrm>
             <a:off x="7236000" y="5130000"/>
-            <a:ext cx="2339280" cy="449280"/>
+            <a:ext cx="2338560" cy="448560"/>
           </a:xfrm>
           <a:prstGeom prst="rect">
             <a:avLst/>
@@ -1673,7 +2352,7 @@
                 <a:tab algn="l" pos="0"/>
               </a:tabLst>
             </a:pPr>
-            <a:fld id="{37A37491-6B0C-4FF0-87CE-827FEAEE9742}" type="slidenum">
+            <a:fld id="{D02361C0-0D1C-427F-9814-41520D010188}" type="slidenum">
               <a:rPr b="0" lang="en-US" sz="1400" strike="noStrike" u="none">
                 <a:solidFill>
                   <a:srgbClr val="dbf5f9"/>
@@ -1682,7 +2361,7 @@
                 <a:uFillTx/>
                 <a:latin typeface="Noto Sans"/>
               </a:rPr>
-              <a:t>17</a:t>
+              <a:t>&lt;number&gt;</a:t>
             </a:fld>
             <a:endParaRPr b="0" lang="en-US" sz="1400" strike="noStrike" u="none">
               <a:solidFill>
@@ -1708,7 +2387,7 @@
         <p:spPr>
           <a:xfrm>
             <a:off x="504000" y="5130000"/>
-            <a:ext cx="2339280" cy="449280"/>
+            <a:ext cx="2338560" cy="448560"/>
           </a:xfrm>
           <a:prstGeom prst="rect">
             <a:avLst/>
@@ -1748,7 +2427,7 @@
                 <a:uFillTx/>
                 <a:latin typeface="Times New Roman"/>
               </a:rPr>
-              <a:t> </a:t>
+              <a:t>&lt;date/time&gt;</a:t>
             </a:r>
             <a:endParaRPr b="0" lang="en-US" sz="1400" strike="noStrike" u="none">
               <a:solidFill>
@@ -1770,7 +2449,7 @@
 </p:sldMaster>
 </file>
 
-<file path=ppt/slideMasters/slideMaster2.xml><?xml version="1.0" encoding="utf-8"?>
+<file path=ppt/slideMasters/slideMaster10.xml><?xml version="1.0" encoding="utf-8"?>
 <p:sldMaster xmlns:a="http://schemas.openxmlformats.org/drawingml/2006/main" xmlns:p="http://schemas.openxmlformats.org/presentationml/2006/main" xmlns:r="http://schemas.openxmlformats.org/officeDocument/2006/relationships" xmlns:p14="http://schemas.microsoft.com/office/powerpoint/2010/main" xmlns:p15="http://schemas.microsoft.com/office/powerpoint/2012/main" xmlns:mc="http://schemas.openxmlformats.org/markup-compatibility/2006">
   <p:cSld>
     <p:spTree>
@@ -1789,14 +2468,73 @@
       </p:grpSpPr>
       <p:sp>
         <p:nvSpPr>
-          <p:cNvPr id="4" name=""/>
+          <p:cNvPr id="67" name=""/>
           <p:cNvSpPr/>
           <p:nvPr/>
         </p:nvSpPr>
         <p:spPr>
+          <a:xfrm flipV="1">
+            <a:off x="0" y="-1440"/>
+            <a:ext cx="10078560" cy="178560"/>
+          </a:xfrm>
+          <a:prstGeom prst="rect">
+            <a:avLst/>
+          </a:prstGeom>
+          <a:pattFill prst="lgGrid">
+            <a:fgClr>
+              <a:srgbClr val="3465a4"/>
+            </a:fgClr>
+            <a:bgClr>
+              <a:srgbClr val="009eda"/>
+            </a:bgClr>
+          </a:pattFill>
+          <a:ln w="18000">
+            <a:noFill/>
+          </a:ln>
+          <a:effectLst>
+            <a:outerShdw blurRad="0" dir="5400000" dist="25200" rotWithShape="0">
+              <a:srgbClr val="f49100"/>
+            </a:outerShdw>
+          </a:effectLst>
+        </p:spPr>
+        <p:style>
+          <a:lnRef idx="0"/>
+          <a:fillRef idx="0"/>
+          <a:effectRef idx="0"/>
+          <a:fontRef idx="minor"/>
+        </p:style>
+        <p:txBody>
+          <a:bodyPr wrap="none" lIns="36000" rIns="36000" tIns="36000" bIns="36000" anchor="ctr">
+            <a:noAutofit/>
+          </a:bodyPr>
+          <a:p>
+            <a:pPr>
+              <a:lnSpc>
+                <a:spcPct val="100000"/>
+              </a:lnSpc>
+            </a:pPr>
+            <a:endParaRPr b="0" lang="en-US" sz="2200" strike="noStrike" u="none">
+              <a:solidFill>
+                <a:srgbClr val="ffffff"/>
+              </a:solidFill>
+              <a:effectLst/>
+              <a:uFillTx/>
+              <a:latin typeface="Noto Sans"/>
+              <a:ea typeface="DejaVu Sans"/>
+            </a:endParaRPr>
+          </a:p>
+        </p:txBody>
+      </p:sp>
+      <p:sp>
+        <p:nvSpPr>
+          <p:cNvPr id="68" name=""/>
+          <p:cNvSpPr/>
+          <p:nvPr/>
+        </p:nvSpPr>
+        <p:spPr>
           <a:xfrm>
-            <a:off x="0" y="3780000"/>
-            <a:ext cx="10079280" cy="1889280"/>
+            <a:off x="0" y="5580000"/>
+            <a:ext cx="10078560" cy="88560"/>
           </a:xfrm>
           <a:prstGeom prst="rect">
             <a:avLst/>
@@ -1848,7 +2586,7 @@
       </p:sp>
       <p:sp>
         <p:nvSpPr>
-          <p:cNvPr id="5" name="PlaceHolder 1"/>
+          <p:cNvPr id="69" name="PlaceHolder 1"/>
           <p:cNvSpPr>
             <a:spLocks noGrp="1"/>
           </p:cNvSpPr>
@@ -1901,18 +2639,18 @@
       </p:sp>
       <p:sp>
         <p:nvSpPr>
-          <p:cNvPr id="6" name="PlaceHolder 2"/>
+          <p:cNvPr id="70" name="PlaceHolder 2"/>
           <p:cNvSpPr>
             <a:spLocks noGrp="1"/>
           </p:cNvSpPr>
           <p:nvPr>
-            <p:ph type="ftr" idx="4"/>
+            <p:ph type="body"/>
           </p:nvPr>
         </p:nvSpPr>
         <p:spPr>
           <a:xfrm>
-            <a:off x="3420000" y="5130000"/>
-            <a:ext cx="3239280" cy="449280"/>
+            <a:off x="504000" y="1326600"/>
+            <a:ext cx="9071640" cy="3288240"/>
           </a:xfrm>
           <a:prstGeom prst="rect">
             <a:avLst/>
@@ -1924,49 +2662,64 @@
         </p:spPr>
         <p:txBody>
           <a:bodyPr lIns="0" rIns="0" tIns="0" bIns="0" anchor="t">
-            <a:noAutofit/>
+            <a:normAutofit/>
           </a:bodyPr>
-          <a:lstStyle>
-            <a:lvl1pPr indent="0" algn="ctr">
-              <a:lnSpc>
-                <a:spcPct val="100000"/>
-              </a:lnSpc>
-              <a:buNone/>
-              <a:tabLst>
-                <a:tab algn="l" pos="0"/>
-              </a:tabLst>
-              <a:defRPr b="0" lang="en-US" sz="1400" strike="noStrike" u="none">
-                <a:solidFill>
-                  <a:srgbClr val="dbf5f9"/>
-                </a:solidFill>
-                <a:effectLst/>
-                <a:uFillTx/>
-                <a:latin typeface="Noto Sans"/>
-              </a:defRPr>
-            </a:lvl1pPr>
-          </a:lstStyle>
-          <a:p>
-            <a:pPr indent="0" algn="ctr">
-              <a:lnSpc>
-                <a:spcPct val="100000"/>
-              </a:lnSpc>
-              <a:buNone/>
-              <a:tabLst>
-                <a:tab algn="l" pos="0"/>
-              </a:tabLst>
-            </a:pPr>
-            <a:r>
-              <a:rPr b="0" lang="en-US" sz="1400" strike="noStrike" u="none">
-                <a:solidFill>
-                  <a:srgbClr val="dbf5f9"/>
-                </a:solidFill>
-                <a:effectLst/>
-                <a:uFillTx/>
-                <a:latin typeface="Noto Sans"/>
-              </a:rPr>
-              <a:t> </a:t>
-            </a:r>
-            <a:endParaRPr b="0" lang="en-US" sz="1400" strike="noStrike" u="none">
+          <a:p>
+            <a:pPr marL="432000" indent="-324000">
+              <a:spcBef>
+                <a:spcPts val="1417"/>
+              </a:spcBef>
+              <a:buClr>
+                <a:srgbClr val="000000"/>
+              </a:buClr>
+              <a:buSzPct val="45000"/>
+              <a:buFont typeface="Wingdings" charset="2"/>
+              <a:buChar char=""/>
+            </a:pPr>
+            <a:r>
+              <a:rPr b="0" lang="en-US" sz="1800" strike="noStrike" u="none">
+                <a:solidFill>
+                  <a:srgbClr val="000000"/>
+                </a:solidFill>
+                <a:effectLst/>
+                <a:uFillTx/>
+                <a:latin typeface="Arial"/>
+              </a:rPr>
+              <a:t>Click to edit the outline text format</a:t>
+            </a:r>
+            <a:endParaRPr b="0" lang="en-US" sz="1800" strike="noStrike" u="none">
+              <a:solidFill>
+                <a:srgbClr val="000000"/>
+              </a:solidFill>
+              <a:effectLst/>
+              <a:uFillTx/>
+              <a:latin typeface="Arial"/>
+            </a:endParaRPr>
+          </a:p>
+          <a:p>
+            <a:pPr lvl="1" marL="432000" indent="-216000">
+              <a:spcBef>
+                <a:spcPts val="1134"/>
+              </a:spcBef>
+              <a:buClr>
+                <a:srgbClr val="000000"/>
+              </a:buClr>
+              <a:buSzPct val="45000"/>
+              <a:buFont typeface="Wingdings" charset="2"/>
+              <a:buChar char=""/>
+            </a:pPr>
+            <a:r>
+              <a:rPr b="0" lang="en-US" sz="1800" strike="noStrike" u="none">
+                <a:solidFill>
+                  <a:srgbClr val="000000"/>
+                </a:solidFill>
+                <a:effectLst/>
+                <a:uFillTx/>
+                <a:latin typeface="Times New Roman"/>
+              </a:rPr>
+              <a:t>Second Outline Level</a:t>
+            </a:r>
+            <a:endParaRPr b="0" lang="en-US" sz="1800" strike="noStrike" u="none">
               <a:solidFill>
                 <a:srgbClr val="000000"/>
               </a:solidFill>
@@ -1975,22 +2728,182 @@
               <a:latin typeface="Times New Roman"/>
             </a:endParaRPr>
           </a:p>
-        </p:txBody>
-      </p:sp>
-      <p:sp>
-        <p:nvSpPr>
-          <p:cNvPr id="7" name="PlaceHolder 3"/>
+          <a:p>
+            <a:pPr lvl="2" marL="648000" indent="-216000">
+              <a:spcBef>
+                <a:spcPts val="850"/>
+              </a:spcBef>
+              <a:buClr>
+                <a:srgbClr val="000000"/>
+              </a:buClr>
+              <a:buSzPct val="45000"/>
+              <a:buFont typeface="Wingdings" charset="2"/>
+              <a:buChar char=""/>
+            </a:pPr>
+            <a:r>
+              <a:rPr b="0" lang="en-US" sz="1800" strike="noStrike" u="none">
+                <a:solidFill>
+                  <a:srgbClr val="000000"/>
+                </a:solidFill>
+                <a:effectLst/>
+                <a:uFillTx/>
+                <a:latin typeface="Times New Roman"/>
+              </a:rPr>
+              <a:t>Third Outline Level</a:t>
+            </a:r>
+            <a:endParaRPr b="0" lang="en-US" sz="1800" strike="noStrike" u="none">
+              <a:solidFill>
+                <a:srgbClr val="000000"/>
+              </a:solidFill>
+              <a:effectLst/>
+              <a:uFillTx/>
+              <a:latin typeface="Times New Roman"/>
+            </a:endParaRPr>
+          </a:p>
+          <a:p>
+            <a:pPr lvl="3" marL="864000" indent="-216000">
+              <a:spcBef>
+                <a:spcPts val="567"/>
+              </a:spcBef>
+              <a:buClr>
+                <a:srgbClr val="000000"/>
+              </a:buClr>
+              <a:buSzPct val="45000"/>
+              <a:buFont typeface="Wingdings" charset="2"/>
+              <a:buChar char=""/>
+            </a:pPr>
+            <a:r>
+              <a:rPr b="0" lang="en-US" sz="1800" strike="noStrike" u="none">
+                <a:solidFill>
+                  <a:srgbClr val="000000"/>
+                </a:solidFill>
+                <a:effectLst/>
+                <a:uFillTx/>
+                <a:latin typeface="Times New Roman"/>
+              </a:rPr>
+              <a:t>Fourth Outline Level</a:t>
+            </a:r>
+            <a:endParaRPr b="0" lang="en-US" sz="1800" strike="noStrike" u="none">
+              <a:solidFill>
+                <a:srgbClr val="000000"/>
+              </a:solidFill>
+              <a:effectLst/>
+              <a:uFillTx/>
+              <a:latin typeface="Times New Roman"/>
+            </a:endParaRPr>
+          </a:p>
+          <a:p>
+            <a:pPr lvl="4" marL="1080000" indent="-216000">
+              <a:spcBef>
+                <a:spcPts val="283"/>
+              </a:spcBef>
+              <a:buClr>
+                <a:srgbClr val="000000"/>
+              </a:buClr>
+              <a:buSzPct val="45000"/>
+              <a:buFont typeface="Wingdings" charset="2"/>
+              <a:buChar char=""/>
+            </a:pPr>
+            <a:r>
+              <a:rPr b="0" lang="en-US" sz="1800" strike="noStrike" u="none">
+                <a:solidFill>
+                  <a:srgbClr val="000000"/>
+                </a:solidFill>
+                <a:effectLst/>
+                <a:uFillTx/>
+                <a:latin typeface="Times New Roman"/>
+              </a:rPr>
+              <a:t>Fifth Outline Level</a:t>
+            </a:r>
+            <a:endParaRPr b="0" lang="en-US" sz="1800" strike="noStrike" u="none">
+              <a:solidFill>
+                <a:srgbClr val="000000"/>
+              </a:solidFill>
+              <a:effectLst/>
+              <a:uFillTx/>
+              <a:latin typeface="Times New Roman"/>
+            </a:endParaRPr>
+          </a:p>
+          <a:p>
+            <a:pPr lvl="5" marL="1296000" indent="-216000">
+              <a:spcBef>
+                <a:spcPts val="283"/>
+              </a:spcBef>
+              <a:buClr>
+                <a:srgbClr val="000000"/>
+              </a:buClr>
+              <a:buSzPct val="45000"/>
+              <a:buFont typeface="Wingdings" charset="2"/>
+              <a:buChar char=""/>
+            </a:pPr>
+            <a:r>
+              <a:rPr b="0" lang="en-US" sz="1800" strike="noStrike" u="none">
+                <a:solidFill>
+                  <a:srgbClr val="000000"/>
+                </a:solidFill>
+                <a:effectLst/>
+                <a:uFillTx/>
+                <a:latin typeface="Times New Roman"/>
+              </a:rPr>
+              <a:t>Sixth Outline Level</a:t>
+            </a:r>
+            <a:endParaRPr b="0" lang="en-US" sz="1800" strike="noStrike" u="none">
+              <a:solidFill>
+                <a:srgbClr val="000000"/>
+              </a:solidFill>
+              <a:effectLst/>
+              <a:uFillTx/>
+              <a:latin typeface="Times New Roman"/>
+            </a:endParaRPr>
+          </a:p>
+          <a:p>
+            <a:pPr lvl="6" marL="1512000" indent="-216000">
+              <a:spcBef>
+                <a:spcPts val="283"/>
+              </a:spcBef>
+              <a:buClr>
+                <a:srgbClr val="000000"/>
+              </a:buClr>
+              <a:buSzPct val="45000"/>
+              <a:buFont typeface="Wingdings" charset="2"/>
+              <a:buChar char=""/>
+            </a:pPr>
+            <a:r>
+              <a:rPr b="0" lang="en-US" sz="1800" strike="noStrike" u="none">
+                <a:solidFill>
+                  <a:srgbClr val="000000"/>
+                </a:solidFill>
+                <a:effectLst/>
+                <a:uFillTx/>
+                <a:latin typeface="Times New Roman"/>
+              </a:rPr>
+              <a:t>Seventh Outline Level</a:t>
+            </a:r>
+            <a:endParaRPr b="0" lang="en-US" sz="1800" strike="noStrike" u="none">
+              <a:solidFill>
+                <a:srgbClr val="000000"/>
+              </a:solidFill>
+              <a:effectLst/>
+              <a:uFillTx/>
+              <a:latin typeface="Times New Roman"/>
+            </a:endParaRPr>
+          </a:p>
+        </p:txBody>
+      </p:sp>
+      <p:sp>
+        <p:nvSpPr>
+          <p:cNvPr id="71" name="PlaceHolder 3"/>
           <p:cNvSpPr>
             <a:spLocks noGrp="1"/>
           </p:cNvSpPr>
           <p:nvPr>
-            <p:ph type="sldNum" idx="5"/>
+            <p:ph type="ftr" idx="28"/>
           </p:nvPr>
         </p:nvSpPr>
         <p:spPr>
           <a:xfrm>
-            <a:off x="7236000" y="5130000"/>
-            <a:ext cx="2339280" cy="449280"/>
+            <a:off x="3420000" y="5130000"/>
+            <a:ext cx="3238560" cy="448560"/>
           </a:xfrm>
           <a:prstGeom prst="rect">
             <a:avLst/>
@@ -2005,7 +2918,7 @@
             <a:noAutofit/>
           </a:bodyPr>
           <a:lstStyle>
-            <a:lvl1pPr indent="0" algn="r">
+            <a:lvl1pPr indent="0" algn="ctr">
               <a:lnSpc>
                 <a:spcPct val="100000"/>
               </a:lnSpc>
@@ -2015,7 +2928,7 @@
               </a:tabLst>
               <a:defRPr b="0" lang="en-US" sz="1400" strike="noStrike" u="none">
                 <a:solidFill>
-                  <a:srgbClr val="dbf5f9"/>
+                  <a:srgbClr val="484848"/>
                 </a:solidFill>
                 <a:effectLst/>
                 <a:uFillTx/>
@@ -2024,7 +2937,7 @@
             </a:lvl1pPr>
           </a:lstStyle>
           <a:p>
-            <a:pPr indent="0" algn="r">
+            <a:pPr indent="0" algn="ctr">
               <a:lnSpc>
                 <a:spcPct val="100000"/>
               </a:lnSpc>
@@ -2033,17 +2946,17 @@
                 <a:tab algn="l" pos="0"/>
               </a:tabLst>
             </a:pPr>
-            <a:fld id="{3D68D681-DEB6-44BB-BC69-B43F8D46503D}" type="slidenum">
+            <a:r>
               <a:rPr b="0" lang="en-US" sz="1400" strike="noStrike" u="none">
                 <a:solidFill>
-                  <a:srgbClr val="dbf5f9"/>
+                  <a:srgbClr val="484848"/>
                 </a:solidFill>
                 <a:effectLst/>
                 <a:uFillTx/>
                 <a:latin typeface="Noto Sans"/>
               </a:rPr>
-              <a:t>1</a:t>
-            </a:fld>
+              <a:t>&lt;footer&gt;</a:t>
+            </a:r>
             <a:endParaRPr b="0" lang="en-US" sz="1400" strike="noStrike" u="none">
               <a:solidFill>
                 <a:srgbClr val="000000"/>
@@ -2057,18 +2970,18 @@
       </p:sp>
       <p:sp>
         <p:nvSpPr>
-          <p:cNvPr id="8" name="PlaceHolder 4"/>
+          <p:cNvPr id="72" name="PlaceHolder 4"/>
           <p:cNvSpPr>
             <a:spLocks noGrp="1"/>
           </p:cNvSpPr>
           <p:nvPr>
-            <p:ph type="dt" idx="6"/>
+            <p:ph type="sldNum" idx="29"/>
           </p:nvPr>
         </p:nvSpPr>
         <p:spPr>
           <a:xfrm>
-            <a:off x="504000" y="5130000"/>
-            <a:ext cx="2339280" cy="449280"/>
+            <a:off x="7236000" y="5130000"/>
+            <a:ext cx="2338560" cy="448560"/>
           </a:xfrm>
           <a:prstGeom prst="rect">
             <a:avLst/>
@@ -2083,33 +2996,45 @@
             <a:noAutofit/>
           </a:bodyPr>
           <a:lstStyle>
-            <a:lvl1pPr indent="0">
+            <a:lvl1pPr indent="0" algn="r">
+              <a:lnSpc>
+                <a:spcPct val="100000"/>
+              </a:lnSpc>
               <a:buNone/>
+              <a:tabLst>
+                <a:tab algn="l" pos="0"/>
+              </a:tabLst>
               <a:defRPr b="0" lang="en-US" sz="1400" strike="noStrike" u="none">
                 <a:solidFill>
-                  <a:srgbClr val="000000"/>
-                </a:solidFill>
-                <a:effectLst/>
-                <a:uFillTx/>
-                <a:latin typeface="Times New Roman"/>
+                  <a:srgbClr val="484848"/>
+                </a:solidFill>
+                <a:effectLst/>
+                <a:uFillTx/>
+                <a:latin typeface="Noto Sans"/>
               </a:defRPr>
             </a:lvl1pPr>
           </a:lstStyle>
           <a:p>
-            <a:pPr indent="0">
+            <a:pPr indent="0" algn="r">
+              <a:lnSpc>
+                <a:spcPct val="100000"/>
+              </a:lnSpc>
               <a:buNone/>
-            </a:pPr>
-            <a:r>
+              <a:tabLst>
+                <a:tab algn="l" pos="0"/>
+              </a:tabLst>
+            </a:pPr>
+            <a:fld id="{254F9D5A-9B87-4199-9CDD-CE722F844A22}" type="slidenum">
               <a:rPr b="0" lang="en-US" sz="1400" strike="noStrike" u="none">
                 <a:solidFill>
-                  <a:srgbClr val="000000"/>
-                </a:solidFill>
-                <a:effectLst/>
-                <a:uFillTx/>
-                <a:latin typeface="Times New Roman"/>
-              </a:rPr>
-              <a:t> </a:t>
-            </a:r>
+                  <a:srgbClr val="484848"/>
+                </a:solidFill>
+                <a:effectLst/>
+                <a:uFillTx/>
+                <a:latin typeface="Noto Sans"/>
+              </a:rPr>
+              <a:t>&lt;number&gt;</a:t>
+            </a:fld>
             <a:endParaRPr b="0" lang="en-US" sz="1400" strike="noStrike" u="none">
               <a:solidFill>
                 <a:srgbClr val="000000"/>
@@ -2123,18 +3048,18 @@
       </p:sp>
       <p:sp>
         <p:nvSpPr>
-          <p:cNvPr id="9" name="PlaceHolder 5"/>
+          <p:cNvPr id="73" name="PlaceHolder 5"/>
           <p:cNvSpPr>
             <a:spLocks noGrp="1"/>
           </p:cNvSpPr>
           <p:nvPr>
-            <p:ph type="body"/>
+            <p:ph type="dt" idx="30"/>
           </p:nvPr>
         </p:nvSpPr>
         <p:spPr>
           <a:xfrm>
-            <a:off x="504000" y="1326600"/>
-            <a:ext cx="9072000" cy="3288600"/>
+            <a:off x="504000" y="5130000"/>
+            <a:ext cx="2338560" cy="448560"/>
           </a:xfrm>
           <a:prstGeom prst="rect">
             <a:avLst/>
@@ -2146,86 +3071,27 @@
         </p:spPr>
         <p:txBody>
           <a:bodyPr lIns="0" rIns="0" tIns="0" bIns="0" anchor="t">
-            <a:normAutofit/>
+            <a:noAutofit/>
           </a:bodyPr>
-          <a:p>
-            <a:pPr marL="432000" indent="-324000">
-              <a:spcBef>
-                <a:spcPts val="1417"/>
-              </a:spcBef>
-              <a:buClr>
-                <a:srgbClr val="000000"/>
-              </a:buClr>
-              <a:buSzPct val="45000"/>
-              <a:buFont typeface="Wingdings" charset="2"/>
-              <a:buChar char=""/>
-            </a:pPr>
-            <a:r>
-              <a:rPr b="0" lang="en-US" sz="3200" strike="noStrike" u="none">
-                <a:solidFill>
-                  <a:srgbClr val="000000"/>
-                </a:solidFill>
-                <a:effectLst/>
-                <a:uFillTx/>
-                <a:latin typeface="Arial"/>
-              </a:rPr>
-              <a:t>Click to edit the outline text format</a:t>
-            </a:r>
-            <a:endParaRPr b="0" lang="en-US" sz="3200" strike="noStrike" u="none">
-              <a:solidFill>
-                <a:srgbClr val="000000"/>
-              </a:solidFill>
-              <a:effectLst/>
-              <a:uFillTx/>
-              <a:latin typeface="Arial"/>
-            </a:endParaRPr>
-          </a:p>
-          <a:p>
-            <a:pPr lvl="1" marL="432000" indent="-216000">
-              <a:spcBef>
-                <a:spcPts val="1134"/>
-              </a:spcBef>
-              <a:buClr>
-                <a:srgbClr val="000000"/>
-              </a:buClr>
-              <a:buSzPct val="45000"/>
-              <a:buFont typeface="Wingdings" charset="2"/>
-              <a:buChar char=""/>
-            </a:pPr>
-            <a:r>
-              <a:rPr b="0" lang="en-US" sz="2800" strike="noStrike" u="none">
+          <a:lstStyle>
+            <a:lvl1pPr indent="0">
+              <a:buNone/>
+              <a:defRPr b="0" lang="en-US" sz="1400" strike="noStrike" u="none">
                 <a:solidFill>
                   <a:srgbClr val="000000"/>
                 </a:solidFill>
                 <a:effectLst/>
                 <a:uFillTx/>
                 <a:latin typeface="Times New Roman"/>
-              </a:rPr>
-              <a:t>Second Outline Level</a:t>
-            </a:r>
-            <a:endParaRPr b="0" lang="en-US" sz="2800" strike="noStrike" u="none">
-              <a:solidFill>
-                <a:srgbClr val="000000"/>
-              </a:solidFill>
-              <a:effectLst/>
-              <a:uFillTx/>
-              <a:latin typeface="Times New Roman"/>
-            </a:endParaRPr>
-          </a:p>
-          <a:p>
-            <a:pPr lvl="2" marL="648000" indent="-216000">
-              <a:spcBef>
-                <a:spcPts val="850"/>
-              </a:spcBef>
-              <a:buClr>
-                <a:srgbClr val="000000"/>
-              </a:buClr>
-              <a:buSzPct val="45000"/>
-              <a:buFont typeface="Wingdings" charset="2"/>
-              <a:buChar char=""/>
-            </a:pPr>
-            <a:r>
-              <a:rPr b="0" lang="en-US" sz="2400" strike="noStrike" u="none">
+              </a:defRPr>
+            </a:lvl1pPr>
+          </a:lstStyle>
+          <a:p>
+            <a:pPr indent="0">
+              <a:buNone/>
+            </a:pPr>
+            <a:r>
+              <a:rPr b="0" lang="en-US" sz="1400" strike="noStrike" u="none">
                 <a:solidFill>
                   <a:srgbClr val="000000"/>
                 </a:solidFill>
@@ -2233,137 +3099,9 @@
                 <a:uFillTx/>
                 <a:latin typeface="Times New Roman"/>
               </a:rPr>
-              <a:t>Third Outline Level</a:t>
-            </a:r>
-            <a:endParaRPr b="0" lang="en-US" sz="2400" strike="noStrike" u="none">
-              <a:solidFill>
-                <a:srgbClr val="000000"/>
-              </a:solidFill>
-              <a:effectLst/>
-              <a:uFillTx/>
-              <a:latin typeface="Times New Roman"/>
-            </a:endParaRPr>
-          </a:p>
-          <a:p>
-            <a:pPr lvl="3" marL="864000" indent="-216000">
-              <a:spcBef>
-                <a:spcPts val="567"/>
-              </a:spcBef>
-              <a:buClr>
-                <a:srgbClr val="000000"/>
-              </a:buClr>
-              <a:buSzPct val="45000"/>
-              <a:buFont typeface="Wingdings" charset="2"/>
-              <a:buChar char=""/>
-            </a:pPr>
-            <a:r>
-              <a:rPr b="0" lang="en-US" sz="2000" strike="noStrike" u="none">
-                <a:solidFill>
-                  <a:srgbClr val="000000"/>
-                </a:solidFill>
-                <a:effectLst/>
-                <a:uFillTx/>
-                <a:latin typeface="Times New Roman"/>
-              </a:rPr>
-              <a:t>Fourth Outline Level</a:t>
-            </a:r>
-            <a:endParaRPr b="0" lang="en-US" sz="2000" strike="noStrike" u="none">
-              <a:solidFill>
-                <a:srgbClr val="000000"/>
-              </a:solidFill>
-              <a:effectLst/>
-              <a:uFillTx/>
-              <a:latin typeface="Times New Roman"/>
-            </a:endParaRPr>
-          </a:p>
-          <a:p>
-            <a:pPr lvl="4" marL="1080000" indent="-216000">
-              <a:spcBef>
-                <a:spcPts val="283"/>
-              </a:spcBef>
-              <a:buClr>
-                <a:srgbClr val="000000"/>
-              </a:buClr>
-              <a:buSzPct val="45000"/>
-              <a:buFont typeface="Wingdings" charset="2"/>
-              <a:buChar char=""/>
-            </a:pPr>
-            <a:r>
-              <a:rPr b="0" lang="en-US" sz="2000" strike="noStrike" u="none">
-                <a:solidFill>
-                  <a:srgbClr val="000000"/>
-                </a:solidFill>
-                <a:effectLst/>
-                <a:uFillTx/>
-                <a:latin typeface="Times New Roman"/>
-              </a:rPr>
-              <a:t>Fifth Outline Level</a:t>
-            </a:r>
-            <a:endParaRPr b="0" lang="en-US" sz="2000" strike="noStrike" u="none">
-              <a:solidFill>
-                <a:srgbClr val="000000"/>
-              </a:solidFill>
-              <a:effectLst/>
-              <a:uFillTx/>
-              <a:latin typeface="Times New Roman"/>
-            </a:endParaRPr>
-          </a:p>
-          <a:p>
-            <a:pPr lvl="5" marL="1296000" indent="-216000">
-              <a:spcBef>
-                <a:spcPts val="283"/>
-              </a:spcBef>
-              <a:buClr>
-                <a:srgbClr val="000000"/>
-              </a:buClr>
-              <a:buSzPct val="45000"/>
-              <a:buFont typeface="Wingdings" charset="2"/>
-              <a:buChar char=""/>
-            </a:pPr>
-            <a:r>
-              <a:rPr b="0" lang="en-US" sz="2000" strike="noStrike" u="none">
-                <a:solidFill>
-                  <a:srgbClr val="000000"/>
-                </a:solidFill>
-                <a:effectLst/>
-                <a:uFillTx/>
-                <a:latin typeface="Times New Roman"/>
-              </a:rPr>
-              <a:t>Sixth Outline Level</a:t>
-            </a:r>
-            <a:endParaRPr b="0" lang="en-US" sz="2000" strike="noStrike" u="none">
-              <a:solidFill>
-                <a:srgbClr val="000000"/>
-              </a:solidFill>
-              <a:effectLst/>
-              <a:uFillTx/>
-              <a:latin typeface="Times New Roman"/>
-            </a:endParaRPr>
-          </a:p>
-          <a:p>
-            <a:pPr lvl="6" marL="1512000" indent="-216000">
-              <a:spcBef>
-                <a:spcPts val="283"/>
-              </a:spcBef>
-              <a:buClr>
-                <a:srgbClr val="000000"/>
-              </a:buClr>
-              <a:buSzPct val="45000"/>
-              <a:buFont typeface="Wingdings" charset="2"/>
-              <a:buChar char=""/>
-            </a:pPr>
-            <a:r>
-              <a:rPr b="0" lang="en-US" sz="2000" strike="noStrike" u="none">
-                <a:solidFill>
-                  <a:srgbClr val="000000"/>
-                </a:solidFill>
-                <a:effectLst/>
-                <a:uFillTx/>
-                <a:latin typeface="Times New Roman"/>
-              </a:rPr>
-              <a:t>Seventh Outline Level</a:t>
-            </a:r>
-            <a:endParaRPr b="0" lang="en-US" sz="2000" strike="noStrike" u="none">
+              <a:t>&lt;date/time&gt;</a:t>
+            </a:r>
+            <a:endParaRPr b="0" lang="en-US" sz="1400" strike="noStrike" u="none">
               <a:solidFill>
                 <a:srgbClr val="000000"/>
               </a:solidFill>
@@ -2378,12 +3116,12 @@
   </p:cSld>
   <p:clrMap bg1="lt1" tx1="dk1" bg2="lt2" tx2="dk2" accent1="accent1" accent2="accent2" accent3="accent3" accent4="accent4" accent5="accent5" accent6="accent6" hlink="hlink" folHlink="folHlink"/>
   <p:sldLayoutIdLst>
-    <p:sldLayoutId id="2147483651" r:id="rId2"/>
+    <p:sldLayoutId id="2147483669" r:id="rId2"/>
   </p:sldLayoutIdLst>
 </p:sldMaster>
 </file>
 
-<file path=ppt/slideMasters/slideMaster3.xml><?xml version="1.0" encoding="utf-8"?>
+<file path=ppt/slideMasters/slideMaster11.xml><?xml version="1.0" encoding="utf-8"?>
 <p:sldMaster xmlns:a="http://schemas.openxmlformats.org/drawingml/2006/main" xmlns:p="http://schemas.openxmlformats.org/presentationml/2006/main" xmlns:r="http://schemas.openxmlformats.org/officeDocument/2006/relationships" xmlns:p14="http://schemas.microsoft.com/office/powerpoint/2010/main" xmlns:p15="http://schemas.microsoft.com/office/powerpoint/2012/main" xmlns:mc="http://schemas.openxmlformats.org/markup-compatibility/2006">
   <p:cSld>
     <p:spTree>
@@ -2402,14 +3140,14 @@
       </p:grpSpPr>
       <p:sp>
         <p:nvSpPr>
-          <p:cNvPr id="12" name=""/>
+          <p:cNvPr id="76" name=""/>
           <p:cNvSpPr/>
           <p:nvPr/>
         </p:nvSpPr>
         <p:spPr>
           <a:xfrm flipV="1">
-            <a:off x="0" y="-720"/>
-            <a:ext cx="10079280" cy="1079280"/>
+            <a:off x="0" y="-1440"/>
+            <a:ext cx="10078560" cy="178560"/>
           </a:xfrm>
           <a:prstGeom prst="rect">
             <a:avLst/>
@@ -2461,7 +3199,66 @@
       </p:sp>
       <p:sp>
         <p:nvSpPr>
-          <p:cNvPr id="13" name="PlaceHolder 1"/>
+          <p:cNvPr id="77" name=""/>
+          <p:cNvSpPr/>
+          <p:nvPr/>
+        </p:nvSpPr>
+        <p:spPr>
+          <a:xfrm>
+            <a:off x="0" y="5580000"/>
+            <a:ext cx="10078560" cy="88560"/>
+          </a:xfrm>
+          <a:prstGeom prst="rect">
+            <a:avLst/>
+          </a:prstGeom>
+          <a:pattFill prst="lgGrid">
+            <a:fgClr>
+              <a:srgbClr val="3465a4"/>
+            </a:fgClr>
+            <a:bgClr>
+              <a:srgbClr val="009eda"/>
+            </a:bgClr>
+          </a:pattFill>
+          <a:ln w="18000">
+            <a:noFill/>
+          </a:ln>
+          <a:effectLst>
+            <a:outerShdw blurRad="0" dir="16200000" dist="25200" rotWithShape="0">
+              <a:srgbClr val="f49100"/>
+            </a:outerShdw>
+          </a:effectLst>
+        </p:spPr>
+        <p:style>
+          <a:lnRef idx="0"/>
+          <a:fillRef idx="0"/>
+          <a:effectRef idx="0"/>
+          <a:fontRef idx="minor"/>
+        </p:style>
+        <p:txBody>
+          <a:bodyPr wrap="none" lIns="36000" rIns="36000" tIns="36000" bIns="36000" anchor="ctr">
+            <a:noAutofit/>
+          </a:bodyPr>
+          <a:p>
+            <a:pPr>
+              <a:lnSpc>
+                <a:spcPct val="100000"/>
+              </a:lnSpc>
+            </a:pPr>
+            <a:endParaRPr b="0" lang="en-US" sz="2200" strike="noStrike" u="none">
+              <a:solidFill>
+                <a:srgbClr val="ffffff"/>
+              </a:solidFill>
+              <a:effectLst/>
+              <a:uFillTx/>
+              <a:latin typeface="Noto Sans"/>
+              <a:ea typeface="DejaVu Sans"/>
+            </a:endParaRPr>
+          </a:p>
+        </p:txBody>
+      </p:sp>
+      <p:sp>
+        <p:nvSpPr>
+          <p:cNvPr id="78" name="PlaceHolder 1"/>
           <p:cNvSpPr>
             <a:spLocks noGrp="1"/>
           </p:cNvSpPr>
@@ -2514,18 +3311,18 @@
       </p:sp>
       <p:sp>
         <p:nvSpPr>
-          <p:cNvPr id="14" name="PlaceHolder 2"/>
+          <p:cNvPr id="79" name="PlaceHolder 2"/>
           <p:cNvSpPr>
             <a:spLocks noGrp="1"/>
           </p:cNvSpPr>
           <p:nvPr>
-            <p:ph type="body"/>
+            <p:ph type="ftr" idx="31"/>
           </p:nvPr>
         </p:nvSpPr>
         <p:spPr>
           <a:xfrm>
-            <a:off x="504000" y="1326600"/>
-            <a:ext cx="9071640" cy="3288240"/>
+            <a:off x="3420000" y="5130000"/>
+            <a:ext cx="3238560" cy="448560"/>
           </a:xfrm>
           <a:prstGeom prst="rect">
             <a:avLst/>
@@ -2537,64 +3334,49 @@
         </p:spPr>
         <p:txBody>
           <a:bodyPr lIns="0" rIns="0" tIns="0" bIns="0" anchor="t">
-            <a:normAutofit/>
+            <a:noAutofit/>
           </a:bodyPr>
-          <a:p>
-            <a:pPr marL="432000" indent="-324000">
-              <a:spcBef>
-                <a:spcPts val="1417"/>
-              </a:spcBef>
-              <a:buClr>
-                <a:srgbClr val="000000"/>
-              </a:buClr>
-              <a:buSzPct val="45000"/>
-              <a:buFont typeface="Wingdings" charset="2"/>
-              <a:buChar char=""/>
-            </a:pPr>
-            <a:r>
-              <a:rPr b="0" lang="en-US" sz="1800" strike="noStrike" u="none">
-                <a:solidFill>
-                  <a:srgbClr val="000000"/>
-                </a:solidFill>
-                <a:effectLst/>
-                <a:uFillTx/>
-                <a:latin typeface="Arial"/>
-              </a:rPr>
-              <a:t>Click to edit the outline text format</a:t>
-            </a:r>
-            <a:endParaRPr b="0" lang="en-US" sz="1800" strike="noStrike" u="none">
-              <a:solidFill>
-                <a:srgbClr val="000000"/>
-              </a:solidFill>
-              <a:effectLst/>
-              <a:uFillTx/>
-              <a:latin typeface="Arial"/>
-            </a:endParaRPr>
-          </a:p>
-          <a:p>
-            <a:pPr lvl="1" marL="432000" indent="-216000">
-              <a:spcBef>
-                <a:spcPts val="1134"/>
-              </a:spcBef>
-              <a:buClr>
-                <a:srgbClr val="000000"/>
-              </a:buClr>
-              <a:buSzPct val="45000"/>
-              <a:buFont typeface="Wingdings" charset="2"/>
-              <a:buChar char=""/>
-            </a:pPr>
-            <a:r>
-              <a:rPr b="0" lang="en-US" sz="1800" strike="noStrike" u="none">
-                <a:solidFill>
-                  <a:srgbClr val="000000"/>
-                </a:solidFill>
-                <a:effectLst/>
-                <a:uFillTx/>
-                <a:latin typeface="Times New Roman"/>
-              </a:rPr>
-              <a:t>Second Outline Level</a:t>
-            </a:r>
-            <a:endParaRPr b="0" lang="en-US" sz="1800" strike="noStrike" u="none">
+          <a:lstStyle>
+            <a:lvl1pPr indent="0" algn="ctr">
+              <a:lnSpc>
+                <a:spcPct val="100000"/>
+              </a:lnSpc>
+              <a:buNone/>
+              <a:tabLst>
+                <a:tab algn="l" pos="0"/>
+              </a:tabLst>
+              <a:defRPr b="0" lang="en-US" sz="1400" strike="noStrike" u="none">
+                <a:solidFill>
+                  <a:srgbClr val="484848"/>
+                </a:solidFill>
+                <a:effectLst/>
+                <a:uFillTx/>
+                <a:latin typeface="Noto Sans"/>
+              </a:defRPr>
+            </a:lvl1pPr>
+          </a:lstStyle>
+          <a:p>
+            <a:pPr indent="0" algn="ctr">
+              <a:lnSpc>
+                <a:spcPct val="100000"/>
+              </a:lnSpc>
+              <a:buNone/>
+              <a:tabLst>
+                <a:tab algn="l" pos="0"/>
+              </a:tabLst>
+            </a:pPr>
+            <a:r>
+              <a:rPr b="0" lang="en-US" sz="1400" strike="noStrike" u="none">
+                <a:solidFill>
+                  <a:srgbClr val="484848"/>
+                </a:solidFill>
+                <a:effectLst/>
+                <a:uFillTx/>
+                <a:latin typeface="Noto Sans"/>
+              </a:rPr>
+              <a:t> </a:t>
+            </a:r>
+            <a:endParaRPr b="0" lang="en-US" sz="1400" strike="noStrike" u="none">
               <a:solidFill>
                 <a:srgbClr val="000000"/>
               </a:solidFill>
@@ -2603,182 +3385,22 @@
               <a:latin typeface="Times New Roman"/>
             </a:endParaRPr>
           </a:p>
-          <a:p>
-            <a:pPr lvl="2" marL="648000" indent="-216000">
-              <a:spcBef>
-                <a:spcPts val="850"/>
-              </a:spcBef>
-              <a:buClr>
-                <a:srgbClr val="000000"/>
-              </a:buClr>
-              <a:buSzPct val="45000"/>
-              <a:buFont typeface="Wingdings" charset="2"/>
-              <a:buChar char=""/>
-            </a:pPr>
-            <a:r>
-              <a:rPr b="0" lang="en-US" sz="1800" strike="noStrike" u="none">
-                <a:solidFill>
-                  <a:srgbClr val="000000"/>
-                </a:solidFill>
-                <a:effectLst/>
-                <a:uFillTx/>
-                <a:latin typeface="Times New Roman"/>
-              </a:rPr>
-              <a:t>Third Outline Level</a:t>
-            </a:r>
-            <a:endParaRPr b="0" lang="en-US" sz="1800" strike="noStrike" u="none">
-              <a:solidFill>
-                <a:srgbClr val="000000"/>
-              </a:solidFill>
-              <a:effectLst/>
-              <a:uFillTx/>
-              <a:latin typeface="Times New Roman"/>
-            </a:endParaRPr>
-          </a:p>
-          <a:p>
-            <a:pPr lvl="3" marL="864000" indent="-216000">
-              <a:spcBef>
-                <a:spcPts val="567"/>
-              </a:spcBef>
-              <a:buClr>
-                <a:srgbClr val="000000"/>
-              </a:buClr>
-              <a:buSzPct val="45000"/>
-              <a:buFont typeface="Wingdings" charset="2"/>
-              <a:buChar char=""/>
-            </a:pPr>
-            <a:r>
-              <a:rPr b="0" lang="en-US" sz="1800" strike="noStrike" u="none">
-                <a:solidFill>
-                  <a:srgbClr val="000000"/>
-                </a:solidFill>
-                <a:effectLst/>
-                <a:uFillTx/>
-                <a:latin typeface="Times New Roman"/>
-              </a:rPr>
-              <a:t>Fourth Outline Level</a:t>
-            </a:r>
-            <a:endParaRPr b="0" lang="en-US" sz="1800" strike="noStrike" u="none">
-              <a:solidFill>
-                <a:srgbClr val="000000"/>
-              </a:solidFill>
-              <a:effectLst/>
-              <a:uFillTx/>
-              <a:latin typeface="Times New Roman"/>
-            </a:endParaRPr>
-          </a:p>
-          <a:p>
-            <a:pPr lvl="4" marL="1080000" indent="-216000">
-              <a:spcBef>
-                <a:spcPts val="283"/>
-              </a:spcBef>
-              <a:buClr>
-                <a:srgbClr val="000000"/>
-              </a:buClr>
-              <a:buSzPct val="45000"/>
-              <a:buFont typeface="Wingdings" charset="2"/>
-              <a:buChar char=""/>
-            </a:pPr>
-            <a:r>
-              <a:rPr b="0" lang="en-US" sz="1800" strike="noStrike" u="none">
-                <a:solidFill>
-                  <a:srgbClr val="000000"/>
-                </a:solidFill>
-                <a:effectLst/>
-                <a:uFillTx/>
-                <a:latin typeface="Times New Roman"/>
-              </a:rPr>
-              <a:t>Fifth Outline Level</a:t>
-            </a:r>
-            <a:endParaRPr b="0" lang="en-US" sz="1800" strike="noStrike" u="none">
-              <a:solidFill>
-                <a:srgbClr val="000000"/>
-              </a:solidFill>
-              <a:effectLst/>
-              <a:uFillTx/>
-              <a:latin typeface="Times New Roman"/>
-            </a:endParaRPr>
-          </a:p>
-          <a:p>
-            <a:pPr lvl="5" marL="1296000" indent="-216000">
-              <a:spcBef>
-                <a:spcPts val="283"/>
-              </a:spcBef>
-              <a:buClr>
-                <a:srgbClr val="000000"/>
-              </a:buClr>
-              <a:buSzPct val="45000"/>
-              <a:buFont typeface="Wingdings" charset="2"/>
-              <a:buChar char=""/>
-            </a:pPr>
-            <a:r>
-              <a:rPr b="0" lang="en-US" sz="1800" strike="noStrike" u="none">
-                <a:solidFill>
-                  <a:srgbClr val="000000"/>
-                </a:solidFill>
-                <a:effectLst/>
-                <a:uFillTx/>
-                <a:latin typeface="Times New Roman"/>
-              </a:rPr>
-              <a:t>Sixth Outline Level</a:t>
-            </a:r>
-            <a:endParaRPr b="0" lang="en-US" sz="1800" strike="noStrike" u="none">
-              <a:solidFill>
-                <a:srgbClr val="000000"/>
-              </a:solidFill>
-              <a:effectLst/>
-              <a:uFillTx/>
-              <a:latin typeface="Times New Roman"/>
-            </a:endParaRPr>
-          </a:p>
-          <a:p>
-            <a:pPr lvl="6" marL="1512000" indent="-216000">
-              <a:spcBef>
-                <a:spcPts val="283"/>
-              </a:spcBef>
-              <a:buClr>
-                <a:srgbClr val="000000"/>
-              </a:buClr>
-              <a:buSzPct val="45000"/>
-              <a:buFont typeface="Wingdings" charset="2"/>
-              <a:buChar char=""/>
-            </a:pPr>
-            <a:r>
-              <a:rPr b="0" lang="en-US" sz="1800" strike="noStrike" u="none">
-                <a:solidFill>
-                  <a:srgbClr val="000000"/>
-                </a:solidFill>
-                <a:effectLst/>
-                <a:uFillTx/>
-                <a:latin typeface="Times New Roman"/>
-              </a:rPr>
-              <a:t>Seventh Outline Level</a:t>
-            </a:r>
-            <a:endParaRPr b="0" lang="en-US" sz="1800" strike="noStrike" u="none">
-              <a:solidFill>
-                <a:srgbClr val="000000"/>
-              </a:solidFill>
-              <a:effectLst/>
-              <a:uFillTx/>
-              <a:latin typeface="Times New Roman"/>
-            </a:endParaRPr>
-          </a:p>
-        </p:txBody>
-      </p:sp>
-      <p:sp>
-        <p:nvSpPr>
-          <p:cNvPr id="15" name="PlaceHolder 3"/>
+        </p:txBody>
+      </p:sp>
+      <p:sp>
+        <p:nvSpPr>
+          <p:cNvPr id="80" name="PlaceHolder 3"/>
           <p:cNvSpPr>
             <a:spLocks noGrp="1"/>
           </p:cNvSpPr>
           <p:nvPr>
-            <p:ph type="ftr" idx="7"/>
+            <p:ph type="sldNum" idx="32"/>
           </p:nvPr>
         </p:nvSpPr>
         <p:spPr>
           <a:xfrm>
-            <a:off x="3420000" y="5130000"/>
-            <a:ext cx="3239280" cy="449280"/>
+            <a:off x="7236000" y="5130000"/>
+            <a:ext cx="2338560" cy="448560"/>
           </a:xfrm>
           <a:prstGeom prst="rect">
             <a:avLst/>
@@ -2793,7 +3415,7 @@
             <a:noAutofit/>
           </a:bodyPr>
           <a:lstStyle>
-            <a:lvl1pPr indent="0" algn="ctr">
+            <a:lvl1pPr indent="0" algn="r">
               <a:lnSpc>
                 <a:spcPct val="100000"/>
               </a:lnSpc>
@@ -2812,7 +3434,7 @@
             </a:lvl1pPr>
           </a:lstStyle>
           <a:p>
-            <a:pPr indent="0" algn="ctr">
+            <a:pPr indent="0" algn="r">
               <a:lnSpc>
                 <a:spcPct val="100000"/>
               </a:lnSpc>
@@ -2821,7 +3443,7 @@
                 <a:tab algn="l" pos="0"/>
               </a:tabLst>
             </a:pPr>
-            <a:r>
+            <a:fld id="{678595F9-825B-45ED-A82E-D2376C5847FB}" type="slidenum">
               <a:rPr b="0" lang="en-US" sz="1400" strike="noStrike" u="none">
                 <a:solidFill>
                   <a:srgbClr val="484848"/>
@@ -2830,8 +3452,8 @@
                 <a:uFillTx/>
                 <a:latin typeface="Noto Sans"/>
               </a:rPr>
-              <a:t>&lt;footer&gt;</a:t>
-            </a:r>
+              <a:t>1</a:t>
+            </a:fld>
             <a:endParaRPr b="0" lang="en-US" sz="1400" strike="noStrike" u="none">
               <a:solidFill>
                 <a:srgbClr val="000000"/>
@@ -2845,18 +3467,18 @@
       </p:sp>
       <p:sp>
         <p:nvSpPr>
-          <p:cNvPr id="16" name="PlaceHolder 4"/>
+          <p:cNvPr id="81" name="PlaceHolder 4"/>
           <p:cNvSpPr>
             <a:spLocks noGrp="1"/>
           </p:cNvSpPr>
           <p:nvPr>
-            <p:ph type="sldNum" idx="8"/>
+            <p:ph type="dt" idx="33"/>
           </p:nvPr>
         </p:nvSpPr>
         <p:spPr>
           <a:xfrm>
-            <a:off x="7236000" y="5130000"/>
-            <a:ext cx="2339280" cy="449280"/>
+            <a:off x="504000" y="5130000"/>
+            <a:ext cx="2338560" cy="448560"/>
           </a:xfrm>
           <a:prstGeom prst="rect">
             <a:avLst/>
@@ -2871,84 +3493,6 @@
             <a:noAutofit/>
           </a:bodyPr>
           <a:lstStyle>
-            <a:lvl1pPr indent="0" algn="r">
-              <a:lnSpc>
-                <a:spcPct val="100000"/>
-              </a:lnSpc>
-              <a:buNone/>
-              <a:tabLst>
-                <a:tab algn="l" pos="0"/>
-              </a:tabLst>
-              <a:defRPr b="0" lang="en-US" sz="1400" strike="noStrike" u="none">
-                <a:solidFill>
-                  <a:srgbClr val="484848"/>
-                </a:solidFill>
-                <a:effectLst/>
-                <a:uFillTx/>
-                <a:latin typeface="Noto Sans"/>
-              </a:defRPr>
-            </a:lvl1pPr>
-          </a:lstStyle>
-          <a:p>
-            <a:pPr indent="0" algn="r">
-              <a:lnSpc>
-                <a:spcPct val="100000"/>
-              </a:lnSpc>
-              <a:buNone/>
-              <a:tabLst>
-                <a:tab algn="l" pos="0"/>
-              </a:tabLst>
-            </a:pPr>
-            <a:fld id="{BA95E43B-F480-4DC7-A12B-EDD3D06D5D8C}" type="slidenum">
-              <a:rPr b="0" lang="en-US" sz="1400" strike="noStrike" u="none">
-                <a:solidFill>
-                  <a:srgbClr val="484848"/>
-                </a:solidFill>
-                <a:effectLst/>
-                <a:uFillTx/>
-                <a:latin typeface="Noto Sans"/>
-              </a:rPr>
-              <a:t>&lt;number&gt;</a:t>
-            </a:fld>
-            <a:endParaRPr b="0" lang="en-US" sz="1400" strike="noStrike" u="none">
-              <a:solidFill>
-                <a:srgbClr val="000000"/>
-              </a:solidFill>
-              <a:effectLst/>
-              <a:uFillTx/>
-              <a:latin typeface="Times New Roman"/>
-            </a:endParaRPr>
-          </a:p>
-        </p:txBody>
-      </p:sp>
-      <p:sp>
-        <p:nvSpPr>
-          <p:cNvPr id="17" name="PlaceHolder 5"/>
-          <p:cNvSpPr>
-            <a:spLocks noGrp="1"/>
-          </p:cNvSpPr>
-          <p:nvPr>
-            <p:ph type="dt" idx="9"/>
-          </p:nvPr>
-        </p:nvSpPr>
-        <p:spPr>
-          <a:xfrm>
-            <a:off x="504000" y="5130000"/>
-            <a:ext cx="2339280" cy="449280"/>
-          </a:xfrm>
-          <a:prstGeom prst="rect">
-            <a:avLst/>
-          </a:prstGeom>
-          <a:noFill/>
-          <a:ln w="0">
-            <a:noFill/>
-          </a:ln>
-        </p:spPr>
-        <p:txBody>
-          <a:bodyPr lIns="0" rIns="0" tIns="0" bIns="0" anchor="t">
-            <a:noAutofit/>
-          </a:bodyPr>
-          <a:lstStyle>
             <a:lvl1pPr indent="0">
               <a:buNone/>
               <a:defRPr b="0" lang="en-US" sz="1400" strike="noStrike" u="none">
@@ -2974,7 +3518,7 @@
                 <a:uFillTx/>
                 <a:latin typeface="Times New Roman"/>
               </a:rPr>
-              <a:t>&lt;date/time&gt;</a:t>
+              <a:t> </a:t>
             </a:r>
             <a:endParaRPr b="0" lang="en-US" sz="1400" strike="noStrike" u="none">
               <a:solidFill>
@@ -2991,12 +3535,12 @@
   </p:cSld>
   <p:clrMap bg1="lt1" tx1="dk1" bg2="lt2" tx2="dk2" accent1="accent1" accent2="accent2" accent3="accent3" accent4="accent4" accent5="accent5" accent6="accent6" hlink="hlink" folHlink="folHlink"/>
   <p:sldLayoutIdLst>
-    <p:sldLayoutId id="2147483653" r:id="rId2"/>
+    <p:sldLayoutId id="2147483671" r:id="rId2"/>
   </p:sldLayoutIdLst>
 </p:sldMaster>
 </file>
 
-<file path=ppt/slideMasters/slideMaster4.xml><?xml version="1.0" encoding="utf-8"?>
+<file path=ppt/slideMasters/slideMaster12.xml><?xml version="1.0" encoding="utf-8"?>
 <p:sldMaster xmlns:a="http://schemas.openxmlformats.org/drawingml/2006/main" xmlns:p="http://schemas.openxmlformats.org/presentationml/2006/main" xmlns:r="http://schemas.openxmlformats.org/officeDocument/2006/relationships" xmlns:p14="http://schemas.microsoft.com/office/powerpoint/2010/main" xmlns:p15="http://schemas.microsoft.com/office/powerpoint/2012/main" xmlns:mc="http://schemas.openxmlformats.org/markup-compatibility/2006">
   <p:cSld>
     <p:spTree>
@@ -3015,14 +3559,14 @@
       </p:grpSpPr>
       <p:sp>
         <p:nvSpPr>
-          <p:cNvPr id="20" name=""/>
+          <p:cNvPr id="84" name=""/>
           <p:cNvSpPr/>
           <p:nvPr/>
         </p:nvSpPr>
         <p:spPr>
           <a:xfrm flipV="1">
-            <a:off x="0" y="-720"/>
-            <a:ext cx="10079280" cy="1079280"/>
+            <a:off x="0" y="-1440"/>
+            <a:ext cx="10078560" cy="178560"/>
           </a:xfrm>
           <a:prstGeom prst="rect">
             <a:avLst/>
@@ -3074,18 +3618,77 @@
       </p:sp>
       <p:sp>
         <p:nvSpPr>
-          <p:cNvPr id="21" name="PlaceHolder 1"/>
+          <p:cNvPr id="85" name=""/>
+          <p:cNvSpPr/>
+          <p:nvPr/>
+        </p:nvSpPr>
+        <p:spPr>
+          <a:xfrm>
+            <a:off x="0" y="5580000"/>
+            <a:ext cx="10078560" cy="88560"/>
+          </a:xfrm>
+          <a:prstGeom prst="rect">
+            <a:avLst/>
+          </a:prstGeom>
+          <a:pattFill prst="lgGrid">
+            <a:fgClr>
+              <a:srgbClr val="3465a4"/>
+            </a:fgClr>
+            <a:bgClr>
+              <a:srgbClr val="009eda"/>
+            </a:bgClr>
+          </a:pattFill>
+          <a:ln w="18000">
+            <a:noFill/>
+          </a:ln>
+          <a:effectLst>
+            <a:outerShdw blurRad="0" dir="16200000" dist="25200" rotWithShape="0">
+              <a:srgbClr val="f49100"/>
+            </a:outerShdw>
+          </a:effectLst>
+        </p:spPr>
+        <p:style>
+          <a:lnRef idx="0"/>
+          <a:fillRef idx="0"/>
+          <a:effectRef idx="0"/>
+          <a:fontRef idx="minor"/>
+        </p:style>
+        <p:txBody>
+          <a:bodyPr wrap="none" lIns="36000" rIns="36000" tIns="36000" bIns="36000" anchor="ctr">
+            <a:noAutofit/>
+          </a:bodyPr>
+          <a:p>
+            <a:pPr>
+              <a:lnSpc>
+                <a:spcPct val="100000"/>
+              </a:lnSpc>
+            </a:pPr>
+            <a:endParaRPr b="0" lang="en-US" sz="2200" strike="noStrike" u="none">
+              <a:solidFill>
+                <a:srgbClr val="ffffff"/>
+              </a:solidFill>
+              <a:effectLst/>
+              <a:uFillTx/>
+              <a:latin typeface="Noto Sans"/>
+              <a:ea typeface="DejaVu Sans"/>
+            </a:endParaRPr>
+          </a:p>
+        </p:txBody>
+      </p:sp>
+      <p:sp>
+        <p:nvSpPr>
+          <p:cNvPr id="86" name="PlaceHolder 1"/>
           <p:cNvSpPr>
             <a:spLocks noGrp="1"/>
           </p:cNvSpPr>
           <p:nvPr>
-            <p:ph type="ftr" idx="10"/>
+            <p:ph type="title"/>
           </p:nvPr>
         </p:nvSpPr>
         <p:spPr>
           <a:xfrm>
-            <a:off x="3420000" y="5130000"/>
-            <a:ext cx="3239280" cy="449280"/>
+            <a:off x="504000" y="561600"/>
+            <a:ext cx="9071640" cy="274680"/>
           </a:xfrm>
           <a:prstGeom prst="rect">
             <a:avLst/>
@@ -3096,74 +3699,49 @@
           </a:ln>
         </p:spPr>
         <p:txBody>
-          <a:bodyPr lIns="0" rIns="0" tIns="0" bIns="0" anchor="t">
-            <a:noAutofit/>
+          <a:bodyPr lIns="0" rIns="0" tIns="0" bIns="0" anchor="ctr">
+            <a:spAutoFit/>
           </a:bodyPr>
-          <a:lstStyle>
-            <a:lvl1pPr indent="0" algn="ctr">
-              <a:lnSpc>
-                <a:spcPct val="100000"/>
-              </a:lnSpc>
+          <a:p>
+            <a:pPr indent="0">
               <a:buNone/>
-              <a:tabLst>
-                <a:tab algn="l" pos="0"/>
-              </a:tabLst>
-              <a:defRPr b="0" lang="en-US" sz="1400" strike="noStrike" u="none">
-                <a:solidFill>
-                  <a:srgbClr val="484848"/>
-                </a:solidFill>
-                <a:effectLst/>
-                <a:uFillTx/>
-                <a:latin typeface="Noto Sans"/>
-              </a:defRPr>
-            </a:lvl1pPr>
-          </a:lstStyle>
-          <a:p>
-            <a:pPr indent="0" algn="ctr">
-              <a:lnSpc>
-                <a:spcPct val="100000"/>
-              </a:lnSpc>
-              <a:buNone/>
-              <a:tabLst>
-                <a:tab algn="l" pos="0"/>
-              </a:tabLst>
-            </a:pPr>
-            <a:r>
-              <a:rPr b="0" lang="en-US" sz="1400" strike="noStrike" u="none">
-                <a:solidFill>
-                  <a:srgbClr val="484848"/>
-                </a:solidFill>
-                <a:effectLst/>
-                <a:uFillTx/>
-                <a:latin typeface="Noto Sans"/>
-              </a:rPr>
-              <a:t> </a:t>
-            </a:r>
-            <a:endParaRPr b="0" lang="en-US" sz="1400" strike="noStrike" u="none">
-              <a:solidFill>
-                <a:srgbClr val="000000"/>
-              </a:solidFill>
-              <a:effectLst/>
-              <a:uFillTx/>
-              <a:latin typeface="Times New Roman"/>
-            </a:endParaRPr>
-          </a:p>
-        </p:txBody>
-      </p:sp>
-      <p:sp>
-        <p:nvSpPr>
-          <p:cNvPr id="22" name="PlaceHolder 2"/>
+            </a:pPr>
+            <a:r>
+              <a:rPr b="0" lang="en-US" sz="1800" strike="noStrike" u="none">
+                <a:solidFill>
+                  <a:srgbClr val="000000"/>
+                </a:solidFill>
+                <a:effectLst/>
+                <a:uFillTx/>
+                <a:latin typeface="Arial"/>
+              </a:rPr>
+              <a:t>Click to edit the title text format</a:t>
+            </a:r>
+            <a:endParaRPr b="0" lang="en-US" sz="1800" strike="noStrike" u="none">
+              <a:solidFill>
+                <a:srgbClr val="000000"/>
+              </a:solidFill>
+              <a:effectLst/>
+              <a:uFillTx/>
+              <a:latin typeface="Arial"/>
+            </a:endParaRPr>
+          </a:p>
+        </p:txBody>
+      </p:sp>
+      <p:sp>
+        <p:nvSpPr>
+          <p:cNvPr id="87" name="PlaceHolder 2"/>
           <p:cNvSpPr>
             <a:spLocks noGrp="1"/>
           </p:cNvSpPr>
           <p:nvPr>
-            <p:ph type="sldNum" idx="11"/>
+            <p:ph type="body"/>
           </p:nvPr>
         </p:nvSpPr>
         <p:spPr>
           <a:xfrm>
-            <a:off x="7236000" y="5130000"/>
-            <a:ext cx="2339280" cy="449280"/>
+            <a:off x="504000" y="1326600"/>
+            <a:ext cx="9071640" cy="3288240"/>
           </a:xfrm>
           <a:prstGeom prst="rect">
             <a:avLst/>
@@ -3175,49 +3753,64 @@
         </p:spPr>
         <p:txBody>
           <a:bodyPr lIns="0" rIns="0" tIns="0" bIns="0" anchor="t">
-            <a:noAutofit/>
+            <a:normAutofit/>
           </a:bodyPr>
-          <a:lstStyle>
-            <a:lvl1pPr indent="0" algn="r">
-              <a:lnSpc>
-                <a:spcPct val="100000"/>
-              </a:lnSpc>
-              <a:buNone/>
-              <a:tabLst>
-                <a:tab algn="l" pos="0"/>
-              </a:tabLst>
-              <a:defRPr b="0" lang="en-US" sz="1400" strike="noStrike" u="none">
-                <a:solidFill>
-                  <a:srgbClr val="484848"/>
-                </a:solidFill>
-                <a:effectLst/>
-                <a:uFillTx/>
-                <a:latin typeface="Noto Sans"/>
-              </a:defRPr>
-            </a:lvl1pPr>
-          </a:lstStyle>
-          <a:p>
-            <a:pPr indent="0" algn="r">
-              <a:lnSpc>
-                <a:spcPct val="100000"/>
-              </a:lnSpc>
-              <a:buNone/>
-              <a:tabLst>
-                <a:tab algn="l" pos="0"/>
-              </a:tabLst>
-            </a:pPr>
-            <a:fld id="{B9BD94A0-4F36-49E7-95BA-2D66B6ABDB68}" type="slidenum">
-              <a:rPr b="0" lang="en-US" sz="1400" strike="noStrike" u="none">
-                <a:solidFill>
-                  <a:srgbClr val="484848"/>
-                </a:solidFill>
-                <a:effectLst/>
-                <a:uFillTx/>
-                <a:latin typeface="Noto Sans"/>
-              </a:rPr>
-              <a:t>1</a:t>
-            </a:fld>
-            <a:endParaRPr b="0" lang="en-US" sz="1400" strike="noStrike" u="none">
+          <a:p>
+            <a:pPr marL="432000" indent="-324000">
+              <a:spcBef>
+                <a:spcPts val="1417"/>
+              </a:spcBef>
+              <a:buClr>
+                <a:srgbClr val="000000"/>
+              </a:buClr>
+              <a:buSzPct val="45000"/>
+              <a:buFont typeface="Wingdings" charset="2"/>
+              <a:buChar char=""/>
+            </a:pPr>
+            <a:r>
+              <a:rPr b="0" lang="en-US" sz="1800" strike="noStrike" u="none">
+                <a:solidFill>
+                  <a:srgbClr val="000000"/>
+                </a:solidFill>
+                <a:effectLst/>
+                <a:uFillTx/>
+                <a:latin typeface="Arial"/>
+              </a:rPr>
+              <a:t>Click to edit the outline text format</a:t>
+            </a:r>
+            <a:endParaRPr b="0" lang="en-US" sz="1800" strike="noStrike" u="none">
+              <a:solidFill>
+                <a:srgbClr val="000000"/>
+              </a:solidFill>
+              <a:effectLst/>
+              <a:uFillTx/>
+              <a:latin typeface="Arial"/>
+            </a:endParaRPr>
+          </a:p>
+          <a:p>
+            <a:pPr lvl="1" marL="432000" indent="-216000">
+              <a:spcBef>
+                <a:spcPts val="1134"/>
+              </a:spcBef>
+              <a:buClr>
+                <a:srgbClr val="000000"/>
+              </a:buClr>
+              <a:buSzPct val="45000"/>
+              <a:buFont typeface="Wingdings" charset="2"/>
+              <a:buChar char=""/>
+            </a:pPr>
+            <a:r>
+              <a:rPr b="0" lang="en-US" sz="1800" strike="noStrike" u="none">
+                <a:solidFill>
+                  <a:srgbClr val="000000"/>
+                </a:solidFill>
+                <a:effectLst/>
+                <a:uFillTx/>
+                <a:latin typeface="Times New Roman"/>
+              </a:rPr>
+              <a:t>Second Outline Level</a:t>
+            </a:r>
+            <a:endParaRPr b="0" lang="en-US" sz="1800" strike="noStrike" u="none">
               <a:solidFill>
                 <a:srgbClr val="000000"/>
               </a:solidFill>
@@ -3226,22 +3819,182 @@
               <a:latin typeface="Times New Roman"/>
             </a:endParaRPr>
           </a:p>
-        </p:txBody>
-      </p:sp>
-      <p:sp>
-        <p:nvSpPr>
-          <p:cNvPr id="23" name="PlaceHolder 3"/>
+          <a:p>
+            <a:pPr lvl="2" marL="648000" indent="-216000">
+              <a:spcBef>
+                <a:spcPts val="850"/>
+              </a:spcBef>
+              <a:buClr>
+                <a:srgbClr val="000000"/>
+              </a:buClr>
+              <a:buSzPct val="45000"/>
+              <a:buFont typeface="Wingdings" charset="2"/>
+              <a:buChar char=""/>
+            </a:pPr>
+            <a:r>
+              <a:rPr b="0" lang="en-US" sz="1800" strike="noStrike" u="none">
+                <a:solidFill>
+                  <a:srgbClr val="000000"/>
+                </a:solidFill>
+                <a:effectLst/>
+                <a:uFillTx/>
+                <a:latin typeface="Times New Roman"/>
+              </a:rPr>
+              <a:t>Third Outline Level</a:t>
+            </a:r>
+            <a:endParaRPr b="0" lang="en-US" sz="1800" strike="noStrike" u="none">
+              <a:solidFill>
+                <a:srgbClr val="000000"/>
+              </a:solidFill>
+              <a:effectLst/>
+              <a:uFillTx/>
+              <a:latin typeface="Times New Roman"/>
+            </a:endParaRPr>
+          </a:p>
+          <a:p>
+            <a:pPr lvl="3" marL="864000" indent="-216000">
+              <a:spcBef>
+                <a:spcPts val="567"/>
+              </a:spcBef>
+              <a:buClr>
+                <a:srgbClr val="000000"/>
+              </a:buClr>
+              <a:buSzPct val="45000"/>
+              <a:buFont typeface="Wingdings" charset="2"/>
+              <a:buChar char=""/>
+            </a:pPr>
+            <a:r>
+              <a:rPr b="0" lang="en-US" sz="1800" strike="noStrike" u="none">
+                <a:solidFill>
+                  <a:srgbClr val="000000"/>
+                </a:solidFill>
+                <a:effectLst/>
+                <a:uFillTx/>
+                <a:latin typeface="Times New Roman"/>
+              </a:rPr>
+              <a:t>Fourth Outline Level</a:t>
+            </a:r>
+            <a:endParaRPr b="0" lang="en-US" sz="1800" strike="noStrike" u="none">
+              <a:solidFill>
+                <a:srgbClr val="000000"/>
+              </a:solidFill>
+              <a:effectLst/>
+              <a:uFillTx/>
+              <a:latin typeface="Times New Roman"/>
+            </a:endParaRPr>
+          </a:p>
+          <a:p>
+            <a:pPr lvl="4" marL="1080000" indent="-216000">
+              <a:spcBef>
+                <a:spcPts val="283"/>
+              </a:spcBef>
+              <a:buClr>
+                <a:srgbClr val="000000"/>
+              </a:buClr>
+              <a:buSzPct val="45000"/>
+              <a:buFont typeface="Wingdings" charset="2"/>
+              <a:buChar char=""/>
+            </a:pPr>
+            <a:r>
+              <a:rPr b="0" lang="en-US" sz="1800" strike="noStrike" u="none">
+                <a:solidFill>
+                  <a:srgbClr val="000000"/>
+                </a:solidFill>
+                <a:effectLst/>
+                <a:uFillTx/>
+                <a:latin typeface="Times New Roman"/>
+              </a:rPr>
+              <a:t>Fifth Outline Level</a:t>
+            </a:r>
+            <a:endParaRPr b="0" lang="en-US" sz="1800" strike="noStrike" u="none">
+              <a:solidFill>
+                <a:srgbClr val="000000"/>
+              </a:solidFill>
+              <a:effectLst/>
+              <a:uFillTx/>
+              <a:latin typeface="Times New Roman"/>
+            </a:endParaRPr>
+          </a:p>
+          <a:p>
+            <a:pPr lvl="5" marL="1296000" indent="-216000">
+              <a:spcBef>
+                <a:spcPts val="283"/>
+              </a:spcBef>
+              <a:buClr>
+                <a:srgbClr val="000000"/>
+              </a:buClr>
+              <a:buSzPct val="45000"/>
+              <a:buFont typeface="Wingdings" charset="2"/>
+              <a:buChar char=""/>
+            </a:pPr>
+            <a:r>
+              <a:rPr b="0" lang="en-US" sz="1800" strike="noStrike" u="none">
+                <a:solidFill>
+                  <a:srgbClr val="000000"/>
+                </a:solidFill>
+                <a:effectLst/>
+                <a:uFillTx/>
+                <a:latin typeface="Times New Roman"/>
+              </a:rPr>
+              <a:t>Sixth Outline Level</a:t>
+            </a:r>
+            <a:endParaRPr b="0" lang="en-US" sz="1800" strike="noStrike" u="none">
+              <a:solidFill>
+                <a:srgbClr val="000000"/>
+              </a:solidFill>
+              <a:effectLst/>
+              <a:uFillTx/>
+              <a:latin typeface="Times New Roman"/>
+            </a:endParaRPr>
+          </a:p>
+          <a:p>
+            <a:pPr lvl="6" marL="1512000" indent="-216000">
+              <a:spcBef>
+                <a:spcPts val="283"/>
+              </a:spcBef>
+              <a:buClr>
+                <a:srgbClr val="000000"/>
+              </a:buClr>
+              <a:buSzPct val="45000"/>
+              <a:buFont typeface="Wingdings" charset="2"/>
+              <a:buChar char=""/>
+            </a:pPr>
+            <a:r>
+              <a:rPr b="0" lang="en-US" sz="1800" strike="noStrike" u="none">
+                <a:solidFill>
+                  <a:srgbClr val="000000"/>
+                </a:solidFill>
+                <a:effectLst/>
+                <a:uFillTx/>
+                <a:latin typeface="Times New Roman"/>
+              </a:rPr>
+              <a:t>Seventh Outline Level</a:t>
+            </a:r>
+            <a:endParaRPr b="0" lang="en-US" sz="1800" strike="noStrike" u="none">
+              <a:solidFill>
+                <a:srgbClr val="000000"/>
+              </a:solidFill>
+              <a:effectLst/>
+              <a:uFillTx/>
+              <a:latin typeface="Times New Roman"/>
+            </a:endParaRPr>
+          </a:p>
+        </p:txBody>
+      </p:sp>
+      <p:sp>
+        <p:nvSpPr>
+          <p:cNvPr id="88" name="PlaceHolder 3"/>
           <p:cNvSpPr>
             <a:spLocks noGrp="1"/>
           </p:cNvSpPr>
           <p:nvPr>
-            <p:ph type="dt" idx="12"/>
+            <p:ph type="ftr" idx="34"/>
           </p:nvPr>
         </p:nvSpPr>
         <p:spPr>
           <a:xfrm>
-            <a:off x="504000" y="5130000"/>
-            <a:ext cx="2339280" cy="449280"/>
+            <a:off x="3420000" y="5130000"/>
+            <a:ext cx="3238560" cy="448560"/>
           </a:xfrm>
           <a:prstGeom prst="rect">
             <a:avLst/>
@@ -3256,6 +4009,162 @@
             <a:noAutofit/>
           </a:bodyPr>
           <a:lstStyle>
+            <a:lvl1pPr indent="0" algn="ctr">
+              <a:lnSpc>
+                <a:spcPct val="100000"/>
+              </a:lnSpc>
+              <a:buNone/>
+              <a:tabLst>
+                <a:tab algn="l" pos="0"/>
+              </a:tabLst>
+              <a:defRPr b="0" lang="en-US" sz="1400" strike="noStrike" u="none">
+                <a:solidFill>
+                  <a:srgbClr val="484848"/>
+                </a:solidFill>
+                <a:effectLst/>
+                <a:uFillTx/>
+                <a:latin typeface="Noto Sans"/>
+              </a:defRPr>
+            </a:lvl1pPr>
+          </a:lstStyle>
+          <a:p>
+            <a:pPr indent="0" algn="ctr">
+              <a:lnSpc>
+                <a:spcPct val="100000"/>
+              </a:lnSpc>
+              <a:buNone/>
+              <a:tabLst>
+                <a:tab algn="l" pos="0"/>
+              </a:tabLst>
+            </a:pPr>
+            <a:r>
+              <a:rPr b="0" lang="en-US" sz="1400" strike="noStrike" u="none">
+                <a:solidFill>
+                  <a:srgbClr val="484848"/>
+                </a:solidFill>
+                <a:effectLst/>
+                <a:uFillTx/>
+                <a:latin typeface="Noto Sans"/>
+              </a:rPr>
+              <a:t>&lt;footer&gt;</a:t>
+            </a:r>
+            <a:endParaRPr b="0" lang="en-US" sz="1400" strike="noStrike" u="none">
+              <a:solidFill>
+                <a:srgbClr val="000000"/>
+              </a:solidFill>
+              <a:effectLst/>
+              <a:uFillTx/>
+              <a:latin typeface="Times New Roman"/>
+            </a:endParaRPr>
+          </a:p>
+        </p:txBody>
+      </p:sp>
+      <p:sp>
+        <p:nvSpPr>
+          <p:cNvPr id="89" name="PlaceHolder 4"/>
+          <p:cNvSpPr>
+            <a:spLocks noGrp="1"/>
+          </p:cNvSpPr>
+          <p:nvPr>
+            <p:ph type="sldNum" idx="35"/>
+          </p:nvPr>
+        </p:nvSpPr>
+        <p:spPr>
+          <a:xfrm>
+            <a:off x="7236000" y="5130000"/>
+            <a:ext cx="2338560" cy="448560"/>
+          </a:xfrm>
+          <a:prstGeom prst="rect">
+            <a:avLst/>
+          </a:prstGeom>
+          <a:noFill/>
+          <a:ln w="0">
+            <a:noFill/>
+          </a:ln>
+        </p:spPr>
+        <p:txBody>
+          <a:bodyPr lIns="0" rIns="0" tIns="0" bIns="0" anchor="t">
+            <a:noAutofit/>
+          </a:bodyPr>
+          <a:lstStyle>
+            <a:lvl1pPr indent="0" algn="r">
+              <a:lnSpc>
+                <a:spcPct val="100000"/>
+              </a:lnSpc>
+              <a:buNone/>
+              <a:tabLst>
+                <a:tab algn="l" pos="0"/>
+              </a:tabLst>
+              <a:defRPr b="0" lang="en-US" sz="1400" strike="noStrike" u="none">
+                <a:solidFill>
+                  <a:srgbClr val="484848"/>
+                </a:solidFill>
+                <a:effectLst/>
+                <a:uFillTx/>
+                <a:latin typeface="Noto Sans"/>
+              </a:defRPr>
+            </a:lvl1pPr>
+          </a:lstStyle>
+          <a:p>
+            <a:pPr indent="0" algn="r">
+              <a:lnSpc>
+                <a:spcPct val="100000"/>
+              </a:lnSpc>
+              <a:buNone/>
+              <a:tabLst>
+                <a:tab algn="l" pos="0"/>
+              </a:tabLst>
+            </a:pPr>
+            <a:fld id="{B1ABB680-FD72-439C-A130-18A7C05E87C2}" type="slidenum">
+              <a:rPr b="0" lang="en-US" sz="1400" strike="noStrike" u="none">
+                <a:solidFill>
+                  <a:srgbClr val="484848"/>
+                </a:solidFill>
+                <a:effectLst/>
+                <a:uFillTx/>
+                <a:latin typeface="Noto Sans"/>
+              </a:rPr>
+              <a:t>&lt;number&gt;</a:t>
+            </a:fld>
+            <a:endParaRPr b="0" lang="en-US" sz="1400" strike="noStrike" u="none">
+              <a:solidFill>
+                <a:srgbClr val="000000"/>
+              </a:solidFill>
+              <a:effectLst/>
+              <a:uFillTx/>
+              <a:latin typeface="Times New Roman"/>
+            </a:endParaRPr>
+          </a:p>
+        </p:txBody>
+      </p:sp>
+      <p:sp>
+        <p:nvSpPr>
+          <p:cNvPr id="90" name="PlaceHolder 5"/>
+          <p:cNvSpPr>
+            <a:spLocks noGrp="1"/>
+          </p:cNvSpPr>
+          <p:nvPr>
+            <p:ph type="dt" idx="36"/>
+          </p:nvPr>
+        </p:nvSpPr>
+        <p:spPr>
+          <a:xfrm>
+            <a:off x="504000" y="5130000"/>
+            <a:ext cx="2338560" cy="448560"/>
+          </a:xfrm>
+          <a:prstGeom prst="rect">
+            <a:avLst/>
+          </a:prstGeom>
+          <a:noFill/>
+          <a:ln w="0">
+            <a:noFill/>
+          </a:ln>
+        </p:spPr>
+        <p:txBody>
+          <a:bodyPr lIns="0" rIns="0" tIns="0" bIns="0" anchor="t">
+            <a:noAutofit/>
+          </a:bodyPr>
+          <a:lstStyle>
             <a:lvl1pPr indent="0">
               <a:buNone/>
               <a:defRPr b="0" lang="en-US" sz="1400" strike="noStrike" u="none">
@@ -3281,7 +4190,7 @@
                 <a:uFillTx/>
                 <a:latin typeface="Times New Roman"/>
               </a:rPr>
-              <a:t> </a:t>
+              <a:t>&lt;date/time&gt;</a:t>
             </a:r>
             <a:endParaRPr b="0" lang="en-US" sz="1400" strike="noStrike" u="none">
               <a:solidFill>
@@ -3298,12 +4207,12 @@
   </p:cSld>
   <p:clrMap bg1="lt1" tx1="dk1" bg2="lt2" tx2="dk2" accent1="accent1" accent2="accent2" accent3="accent3" accent4="accent4" accent5="accent5" accent6="accent6" hlink="hlink" folHlink="folHlink"/>
   <p:sldLayoutIdLst>
-    <p:sldLayoutId id="2147483655" r:id="rId2"/>
+    <p:sldLayoutId id="2147483673" r:id="rId2"/>
   </p:sldLayoutIdLst>
 </p:sldMaster>
 </file>
 
-<file path=ppt/slideMasters/slideMaster5.xml><?xml version="1.0" encoding="utf-8"?>
+<file path=ppt/slideMasters/slideMaster13.xml><?xml version="1.0" encoding="utf-8"?>
 <p:sldMaster xmlns:a="http://schemas.openxmlformats.org/drawingml/2006/main" xmlns:p="http://schemas.openxmlformats.org/presentationml/2006/main" xmlns:r="http://schemas.openxmlformats.org/officeDocument/2006/relationships" xmlns:p14="http://schemas.microsoft.com/office/powerpoint/2010/main" xmlns:p15="http://schemas.microsoft.com/office/powerpoint/2012/main" xmlns:mc="http://schemas.openxmlformats.org/markup-compatibility/2006">
   <p:cSld>
     <p:spTree>
@@ -3322,14 +4231,14 @@
       </p:grpSpPr>
       <p:sp>
         <p:nvSpPr>
-          <p:cNvPr id="24" name=""/>
+          <p:cNvPr id="93" name=""/>
           <p:cNvSpPr/>
           <p:nvPr/>
         </p:nvSpPr>
         <p:spPr>
           <a:xfrm flipV="1">
-            <a:off x="0" y="-720"/>
-            <a:ext cx="10079280" cy="179280"/>
+            <a:off x="0" y="-1440"/>
+            <a:ext cx="10078560" cy="178560"/>
           </a:xfrm>
           <a:prstGeom prst="rect">
             <a:avLst/>
@@ -3381,14 +4290,14 @@
       </p:sp>
       <p:sp>
         <p:nvSpPr>
-          <p:cNvPr id="25" name=""/>
+          <p:cNvPr id="94" name=""/>
           <p:cNvSpPr/>
           <p:nvPr/>
         </p:nvSpPr>
         <p:spPr>
           <a:xfrm>
             <a:off x="0" y="5580000"/>
-            <a:ext cx="10079280" cy="89280"/>
+            <a:ext cx="10078560" cy="88560"/>
           </a:xfrm>
           <a:prstGeom prst="rect">
             <a:avLst/>
@@ -3440,18 +4349,18 @@
       </p:sp>
       <p:sp>
         <p:nvSpPr>
-          <p:cNvPr id="26" name="PlaceHolder 1"/>
+          <p:cNvPr id="95" name="PlaceHolder 1"/>
           <p:cNvSpPr>
             <a:spLocks noGrp="1"/>
           </p:cNvSpPr>
           <p:nvPr>
-            <p:ph type="ftr" idx="13"/>
+            <p:ph type="ftr" idx="37"/>
           </p:nvPr>
         </p:nvSpPr>
         <p:spPr>
           <a:xfrm>
             <a:off x="3420000" y="5130000"/>
-            <a:ext cx="3239280" cy="449280"/>
+            <a:ext cx="3238560" cy="448560"/>
           </a:xfrm>
           <a:prstGeom prst="rect">
             <a:avLst/>
@@ -3518,18 +4427,18 @@
       </p:sp>
       <p:sp>
         <p:nvSpPr>
-          <p:cNvPr id="27" name="PlaceHolder 2"/>
+          <p:cNvPr id="96" name="PlaceHolder 2"/>
           <p:cNvSpPr>
             <a:spLocks noGrp="1"/>
           </p:cNvSpPr>
           <p:nvPr>
-            <p:ph type="sldNum" idx="14"/>
+            <p:ph type="sldNum" idx="38"/>
           </p:nvPr>
         </p:nvSpPr>
         <p:spPr>
           <a:xfrm>
             <a:off x="7236000" y="5130000"/>
-            <a:ext cx="2339280" cy="449280"/>
+            <a:ext cx="2338560" cy="448560"/>
           </a:xfrm>
           <a:prstGeom prst="rect">
             <a:avLst/>
@@ -3572,7 +4481,7 @@
                 <a:tab algn="l" pos="0"/>
               </a:tabLst>
             </a:pPr>
-            <a:fld id="{3BAD6C9D-D937-405E-963E-1B38B01B01C6}" type="slidenum">
+            <a:fld id="{7134FC30-413B-4F8C-8679-1D9EDBEC6687}" type="slidenum">
               <a:rPr b="0" lang="en-US" sz="1400" strike="noStrike" u="none">
                 <a:solidFill>
                   <a:srgbClr val="484848"/>
@@ -3596,18 +4505,18 @@
       </p:sp>
       <p:sp>
         <p:nvSpPr>
-          <p:cNvPr id="28" name="PlaceHolder 3"/>
+          <p:cNvPr id="97" name="PlaceHolder 3"/>
           <p:cNvSpPr>
             <a:spLocks noGrp="1"/>
           </p:cNvSpPr>
           <p:nvPr>
-            <p:ph type="dt" idx="15"/>
+            <p:ph type="dt" idx="39"/>
           </p:nvPr>
         </p:nvSpPr>
         <p:spPr>
           <a:xfrm>
             <a:off x="504000" y="5130000"/>
-            <a:ext cx="2339280" cy="449280"/>
+            <a:ext cx="2338560" cy="448560"/>
           </a:xfrm>
           <a:prstGeom prst="rect">
             <a:avLst/>
@@ -3662,7 +4571,7 @@
       </p:sp>
       <p:sp>
         <p:nvSpPr>
-          <p:cNvPr id="29" name="PlaceHolder 4"/>
+          <p:cNvPr id="98" name="PlaceHolder 4"/>
           <p:cNvSpPr>
             <a:spLocks noGrp="1"/>
           </p:cNvSpPr>
@@ -3715,7 +4624,7 @@
       </p:sp>
       <p:sp>
         <p:nvSpPr>
-          <p:cNvPr id="30" name="PlaceHolder 5"/>
+          <p:cNvPr id="99" name="PlaceHolder 5"/>
           <p:cNvSpPr>
             <a:spLocks noGrp="1"/>
           </p:cNvSpPr>
@@ -3970,12 +4879,12 @@
   </p:cSld>
   <p:clrMap bg1="lt1" tx1="dk1" bg2="lt2" tx2="dk2" accent1="accent1" accent2="accent2" accent3="accent3" accent4="accent4" accent5="accent5" accent6="accent6" hlink="hlink" folHlink="folHlink"/>
   <p:sldLayoutIdLst>
-    <p:sldLayoutId id="2147483657" r:id="rId2"/>
+    <p:sldLayoutId id="2147483675" r:id="rId2"/>
   </p:sldLayoutIdLst>
 </p:sldMaster>
 </file>
 
-<file path=ppt/slideMasters/slideMaster6.xml><?xml version="1.0" encoding="utf-8"?>
+<file path=ppt/slideMasters/slideMaster2.xml><?xml version="1.0" encoding="utf-8"?>
 <p:sldMaster xmlns:a="http://schemas.openxmlformats.org/drawingml/2006/main" xmlns:p="http://schemas.openxmlformats.org/presentationml/2006/main" xmlns:r="http://schemas.openxmlformats.org/officeDocument/2006/relationships" xmlns:p14="http://schemas.microsoft.com/office/powerpoint/2010/main" xmlns:p15="http://schemas.microsoft.com/office/powerpoint/2012/main" xmlns:mc="http://schemas.openxmlformats.org/markup-compatibility/2006">
   <p:cSld>
     <p:spTree>
@@ -3994,14 +4903,627 @@
       </p:grpSpPr>
       <p:sp>
         <p:nvSpPr>
-          <p:cNvPr id="31" name=""/>
+          <p:cNvPr id="4" name=""/>
           <p:cNvSpPr/>
           <p:nvPr/>
         </p:nvSpPr>
         <p:spPr>
+          <a:xfrm>
+            <a:off x="0" y="3780000"/>
+            <a:ext cx="10078560" cy="1888560"/>
+          </a:xfrm>
+          <a:prstGeom prst="rect">
+            <a:avLst/>
+          </a:prstGeom>
+          <a:pattFill prst="lgGrid">
+            <a:fgClr>
+              <a:srgbClr val="3465a4"/>
+            </a:fgClr>
+            <a:bgClr>
+              <a:srgbClr val="009eda"/>
+            </a:bgClr>
+          </a:pattFill>
+          <a:ln w="18000">
+            <a:noFill/>
+          </a:ln>
+          <a:effectLst>
+            <a:outerShdw blurRad="0" dir="16200000" dist="25200" rotWithShape="0">
+              <a:srgbClr val="f49100"/>
+            </a:outerShdw>
+          </a:effectLst>
+        </p:spPr>
+        <p:style>
+          <a:lnRef idx="0"/>
+          <a:fillRef idx="0"/>
+          <a:effectRef idx="0"/>
+          <a:fontRef idx="minor"/>
+        </p:style>
+        <p:txBody>
+          <a:bodyPr wrap="none" lIns="36000" rIns="36000" tIns="36000" bIns="36000" anchor="ctr">
+            <a:noAutofit/>
+          </a:bodyPr>
+          <a:p>
+            <a:pPr>
+              <a:lnSpc>
+                <a:spcPct val="100000"/>
+              </a:lnSpc>
+            </a:pPr>
+            <a:endParaRPr b="0" lang="en-US" sz="2200" strike="noStrike" u="none">
+              <a:solidFill>
+                <a:srgbClr val="ffffff"/>
+              </a:solidFill>
+              <a:effectLst/>
+              <a:uFillTx/>
+              <a:latin typeface="Noto Sans"/>
+              <a:ea typeface="DejaVu Sans"/>
+            </a:endParaRPr>
+          </a:p>
+        </p:txBody>
+      </p:sp>
+      <p:sp>
+        <p:nvSpPr>
+          <p:cNvPr id="5" name="PlaceHolder 1"/>
+          <p:cNvSpPr>
+            <a:spLocks noGrp="1"/>
+          </p:cNvSpPr>
+          <p:nvPr>
+            <p:ph type="title"/>
+          </p:nvPr>
+        </p:nvSpPr>
+        <p:spPr>
+          <a:xfrm>
+            <a:off x="504000" y="561600"/>
+            <a:ext cx="9071640" cy="274680"/>
+          </a:xfrm>
+          <a:prstGeom prst="rect">
+            <a:avLst/>
+          </a:prstGeom>
+          <a:noFill/>
+          <a:ln w="0">
+            <a:noFill/>
+          </a:ln>
+        </p:spPr>
+        <p:txBody>
+          <a:bodyPr lIns="0" rIns="0" tIns="0" bIns="0" anchor="ctr">
+            <a:spAutoFit/>
+          </a:bodyPr>
+          <a:p>
+            <a:pPr indent="0">
+              <a:buNone/>
+            </a:pPr>
+            <a:r>
+              <a:rPr b="0" lang="en-US" sz="1800" strike="noStrike" u="none">
+                <a:solidFill>
+                  <a:srgbClr val="000000"/>
+                </a:solidFill>
+                <a:effectLst/>
+                <a:uFillTx/>
+                <a:latin typeface="Arial"/>
+              </a:rPr>
+              <a:t>Click to edit the title text format</a:t>
+            </a:r>
+            <a:endParaRPr b="0" lang="en-US" sz="1800" strike="noStrike" u="none">
+              <a:solidFill>
+                <a:srgbClr val="000000"/>
+              </a:solidFill>
+              <a:effectLst/>
+              <a:uFillTx/>
+              <a:latin typeface="Arial"/>
+            </a:endParaRPr>
+          </a:p>
+        </p:txBody>
+      </p:sp>
+      <p:sp>
+        <p:nvSpPr>
+          <p:cNvPr id="6" name="PlaceHolder 2"/>
+          <p:cNvSpPr>
+            <a:spLocks noGrp="1"/>
+          </p:cNvSpPr>
+          <p:nvPr>
+            <p:ph type="ftr" idx="4"/>
+          </p:nvPr>
+        </p:nvSpPr>
+        <p:spPr>
+          <a:xfrm>
+            <a:off x="3420000" y="5130000"/>
+            <a:ext cx="3238560" cy="448560"/>
+          </a:xfrm>
+          <a:prstGeom prst="rect">
+            <a:avLst/>
+          </a:prstGeom>
+          <a:noFill/>
+          <a:ln w="0">
+            <a:noFill/>
+          </a:ln>
+        </p:spPr>
+        <p:txBody>
+          <a:bodyPr lIns="0" rIns="0" tIns="0" bIns="0" anchor="t">
+            <a:noAutofit/>
+          </a:bodyPr>
+          <a:lstStyle>
+            <a:lvl1pPr indent="0" algn="ctr">
+              <a:lnSpc>
+                <a:spcPct val="100000"/>
+              </a:lnSpc>
+              <a:buNone/>
+              <a:tabLst>
+                <a:tab algn="l" pos="0"/>
+              </a:tabLst>
+              <a:defRPr b="0" lang="en-US" sz="1400" strike="noStrike" u="none">
+                <a:solidFill>
+                  <a:srgbClr val="dbf5f9"/>
+                </a:solidFill>
+                <a:effectLst/>
+                <a:uFillTx/>
+                <a:latin typeface="Noto Sans"/>
+              </a:defRPr>
+            </a:lvl1pPr>
+          </a:lstStyle>
+          <a:p>
+            <a:pPr indent="0" algn="ctr">
+              <a:lnSpc>
+                <a:spcPct val="100000"/>
+              </a:lnSpc>
+              <a:buNone/>
+              <a:tabLst>
+                <a:tab algn="l" pos="0"/>
+              </a:tabLst>
+            </a:pPr>
+            <a:r>
+              <a:rPr b="0" lang="en-US" sz="1400" strike="noStrike" u="none">
+                <a:solidFill>
+                  <a:srgbClr val="dbf5f9"/>
+                </a:solidFill>
+                <a:effectLst/>
+                <a:uFillTx/>
+                <a:latin typeface="Noto Sans"/>
+              </a:rPr>
+              <a:t> </a:t>
+            </a:r>
+            <a:endParaRPr b="0" lang="en-US" sz="1400" strike="noStrike" u="none">
+              <a:solidFill>
+                <a:srgbClr val="000000"/>
+              </a:solidFill>
+              <a:effectLst/>
+              <a:uFillTx/>
+              <a:latin typeface="Times New Roman"/>
+            </a:endParaRPr>
+          </a:p>
+        </p:txBody>
+      </p:sp>
+      <p:sp>
+        <p:nvSpPr>
+          <p:cNvPr id="7" name="PlaceHolder 3"/>
+          <p:cNvSpPr>
+            <a:spLocks noGrp="1"/>
+          </p:cNvSpPr>
+          <p:nvPr>
+            <p:ph type="sldNum" idx="5"/>
+          </p:nvPr>
+        </p:nvSpPr>
+        <p:spPr>
+          <a:xfrm>
+            <a:off x="7236000" y="5130000"/>
+            <a:ext cx="2338560" cy="448560"/>
+          </a:xfrm>
+          <a:prstGeom prst="rect">
+            <a:avLst/>
+          </a:prstGeom>
+          <a:noFill/>
+          <a:ln w="0">
+            <a:noFill/>
+          </a:ln>
+        </p:spPr>
+        <p:txBody>
+          <a:bodyPr lIns="0" rIns="0" tIns="0" bIns="0" anchor="t">
+            <a:noAutofit/>
+          </a:bodyPr>
+          <a:lstStyle>
+            <a:lvl1pPr indent="0" algn="r">
+              <a:lnSpc>
+                <a:spcPct val="100000"/>
+              </a:lnSpc>
+              <a:buNone/>
+              <a:tabLst>
+                <a:tab algn="l" pos="0"/>
+              </a:tabLst>
+              <a:defRPr b="0" lang="en-US" sz="1400" strike="noStrike" u="none">
+                <a:solidFill>
+                  <a:srgbClr val="dbf5f9"/>
+                </a:solidFill>
+                <a:effectLst/>
+                <a:uFillTx/>
+                <a:latin typeface="Noto Sans"/>
+              </a:defRPr>
+            </a:lvl1pPr>
+          </a:lstStyle>
+          <a:p>
+            <a:pPr indent="0" algn="r">
+              <a:lnSpc>
+                <a:spcPct val="100000"/>
+              </a:lnSpc>
+              <a:buNone/>
+              <a:tabLst>
+                <a:tab algn="l" pos="0"/>
+              </a:tabLst>
+            </a:pPr>
+            <a:fld id="{CCCB9517-096F-419C-BFF2-06DA58E70FBB}" type="slidenum">
+              <a:rPr b="0" lang="en-US" sz="1400" strike="noStrike" u="none">
+                <a:solidFill>
+                  <a:srgbClr val="dbf5f9"/>
+                </a:solidFill>
+                <a:effectLst/>
+                <a:uFillTx/>
+                <a:latin typeface="Noto Sans"/>
+              </a:rPr>
+              <a:t>1</a:t>
+            </a:fld>
+            <a:endParaRPr b="0" lang="en-US" sz="1400" strike="noStrike" u="none">
+              <a:solidFill>
+                <a:srgbClr val="000000"/>
+              </a:solidFill>
+              <a:effectLst/>
+              <a:uFillTx/>
+              <a:latin typeface="Times New Roman"/>
+            </a:endParaRPr>
+          </a:p>
+        </p:txBody>
+      </p:sp>
+      <p:sp>
+        <p:nvSpPr>
+          <p:cNvPr id="8" name="PlaceHolder 4"/>
+          <p:cNvSpPr>
+            <a:spLocks noGrp="1"/>
+          </p:cNvSpPr>
+          <p:nvPr>
+            <p:ph type="dt" idx="6"/>
+          </p:nvPr>
+        </p:nvSpPr>
+        <p:spPr>
+          <a:xfrm>
+            <a:off x="504000" y="5130000"/>
+            <a:ext cx="2338560" cy="448560"/>
+          </a:xfrm>
+          <a:prstGeom prst="rect">
+            <a:avLst/>
+          </a:prstGeom>
+          <a:noFill/>
+          <a:ln w="0">
+            <a:noFill/>
+          </a:ln>
+        </p:spPr>
+        <p:txBody>
+          <a:bodyPr lIns="0" rIns="0" tIns="0" bIns="0" anchor="t">
+            <a:noAutofit/>
+          </a:bodyPr>
+          <a:lstStyle>
+            <a:lvl1pPr indent="0">
+              <a:buNone/>
+              <a:defRPr b="0" lang="en-US" sz="1400" strike="noStrike" u="none">
+                <a:solidFill>
+                  <a:srgbClr val="000000"/>
+                </a:solidFill>
+                <a:effectLst/>
+                <a:uFillTx/>
+                <a:latin typeface="Times New Roman"/>
+              </a:defRPr>
+            </a:lvl1pPr>
+          </a:lstStyle>
+          <a:p>
+            <a:pPr indent="0">
+              <a:buNone/>
+            </a:pPr>
+            <a:r>
+              <a:rPr b="0" lang="en-US" sz="1400" strike="noStrike" u="none">
+                <a:solidFill>
+                  <a:srgbClr val="000000"/>
+                </a:solidFill>
+                <a:effectLst/>
+                <a:uFillTx/>
+                <a:latin typeface="Times New Roman"/>
+              </a:rPr>
+              <a:t> </a:t>
+            </a:r>
+            <a:endParaRPr b="0" lang="en-US" sz="1400" strike="noStrike" u="none">
+              <a:solidFill>
+                <a:srgbClr val="000000"/>
+              </a:solidFill>
+              <a:effectLst/>
+              <a:uFillTx/>
+              <a:latin typeface="Times New Roman"/>
+            </a:endParaRPr>
+          </a:p>
+        </p:txBody>
+      </p:sp>
+      <p:sp>
+        <p:nvSpPr>
+          <p:cNvPr id="9" name="PlaceHolder 5"/>
+          <p:cNvSpPr>
+            <a:spLocks noGrp="1"/>
+          </p:cNvSpPr>
+          <p:nvPr>
+            <p:ph type="body"/>
+          </p:nvPr>
+        </p:nvSpPr>
+        <p:spPr>
+          <a:xfrm>
+            <a:off x="504000" y="1326600"/>
+            <a:ext cx="9072000" cy="3288600"/>
+          </a:xfrm>
+          <a:prstGeom prst="rect">
+            <a:avLst/>
+          </a:prstGeom>
+          <a:noFill/>
+          <a:ln w="0">
+            <a:noFill/>
+          </a:ln>
+        </p:spPr>
+        <p:txBody>
+          <a:bodyPr lIns="0" rIns="0" tIns="0" bIns="0" anchor="t">
+            <a:normAutofit/>
+          </a:bodyPr>
+          <a:p>
+            <a:pPr marL="432000" indent="-324000">
+              <a:spcBef>
+                <a:spcPts val="1417"/>
+              </a:spcBef>
+              <a:buClr>
+                <a:srgbClr val="000000"/>
+              </a:buClr>
+              <a:buSzPct val="45000"/>
+              <a:buFont typeface="Wingdings" charset="2"/>
+              <a:buChar char=""/>
+            </a:pPr>
+            <a:r>
+              <a:rPr b="0" lang="en-US" sz="3200" strike="noStrike" u="none">
+                <a:solidFill>
+                  <a:srgbClr val="000000"/>
+                </a:solidFill>
+                <a:effectLst/>
+                <a:uFillTx/>
+                <a:latin typeface="Arial"/>
+              </a:rPr>
+              <a:t>Click to edit the outline text format</a:t>
+            </a:r>
+            <a:endParaRPr b="0" lang="en-US" sz="3200" strike="noStrike" u="none">
+              <a:solidFill>
+                <a:srgbClr val="000000"/>
+              </a:solidFill>
+              <a:effectLst/>
+              <a:uFillTx/>
+              <a:latin typeface="Arial"/>
+            </a:endParaRPr>
+          </a:p>
+          <a:p>
+            <a:pPr lvl="1" marL="432000" indent="-216000">
+              <a:spcBef>
+                <a:spcPts val="1134"/>
+              </a:spcBef>
+              <a:buClr>
+                <a:srgbClr val="000000"/>
+              </a:buClr>
+              <a:buSzPct val="45000"/>
+              <a:buFont typeface="Wingdings" charset="2"/>
+              <a:buChar char=""/>
+            </a:pPr>
+            <a:r>
+              <a:rPr b="0" lang="en-US" sz="2800" strike="noStrike" u="none">
+                <a:solidFill>
+                  <a:srgbClr val="000000"/>
+                </a:solidFill>
+                <a:effectLst/>
+                <a:uFillTx/>
+                <a:latin typeface="Times New Roman"/>
+              </a:rPr>
+              <a:t>Second Outline Level</a:t>
+            </a:r>
+            <a:endParaRPr b="0" lang="en-US" sz="2800" strike="noStrike" u="none">
+              <a:solidFill>
+                <a:srgbClr val="000000"/>
+              </a:solidFill>
+              <a:effectLst/>
+              <a:uFillTx/>
+              <a:latin typeface="Times New Roman"/>
+            </a:endParaRPr>
+          </a:p>
+          <a:p>
+            <a:pPr lvl="2" marL="648000" indent="-216000">
+              <a:spcBef>
+                <a:spcPts val="850"/>
+              </a:spcBef>
+              <a:buClr>
+                <a:srgbClr val="000000"/>
+              </a:buClr>
+              <a:buSzPct val="45000"/>
+              <a:buFont typeface="Wingdings" charset="2"/>
+              <a:buChar char=""/>
+            </a:pPr>
+            <a:r>
+              <a:rPr b="0" lang="en-US" sz="2400" strike="noStrike" u="none">
+                <a:solidFill>
+                  <a:srgbClr val="000000"/>
+                </a:solidFill>
+                <a:effectLst/>
+                <a:uFillTx/>
+                <a:latin typeface="Times New Roman"/>
+              </a:rPr>
+              <a:t>Third Outline Level</a:t>
+            </a:r>
+            <a:endParaRPr b="0" lang="en-US" sz="2400" strike="noStrike" u="none">
+              <a:solidFill>
+                <a:srgbClr val="000000"/>
+              </a:solidFill>
+              <a:effectLst/>
+              <a:uFillTx/>
+              <a:latin typeface="Times New Roman"/>
+            </a:endParaRPr>
+          </a:p>
+          <a:p>
+            <a:pPr lvl="3" marL="864000" indent="-216000">
+              <a:spcBef>
+                <a:spcPts val="567"/>
+              </a:spcBef>
+              <a:buClr>
+                <a:srgbClr val="000000"/>
+              </a:buClr>
+              <a:buSzPct val="45000"/>
+              <a:buFont typeface="Wingdings" charset="2"/>
+              <a:buChar char=""/>
+            </a:pPr>
+            <a:r>
+              <a:rPr b="0" lang="en-US" sz="2000" strike="noStrike" u="none">
+                <a:solidFill>
+                  <a:srgbClr val="000000"/>
+                </a:solidFill>
+                <a:effectLst/>
+                <a:uFillTx/>
+                <a:latin typeface="Times New Roman"/>
+              </a:rPr>
+              <a:t>Fourth Outline Level</a:t>
+            </a:r>
+            <a:endParaRPr b="0" lang="en-US" sz="2000" strike="noStrike" u="none">
+              <a:solidFill>
+                <a:srgbClr val="000000"/>
+              </a:solidFill>
+              <a:effectLst/>
+              <a:uFillTx/>
+              <a:latin typeface="Times New Roman"/>
+            </a:endParaRPr>
+          </a:p>
+          <a:p>
+            <a:pPr lvl="4" marL="1080000" indent="-216000">
+              <a:spcBef>
+                <a:spcPts val="283"/>
+              </a:spcBef>
+              <a:buClr>
+                <a:srgbClr val="000000"/>
+              </a:buClr>
+              <a:buSzPct val="45000"/>
+              <a:buFont typeface="Wingdings" charset="2"/>
+              <a:buChar char=""/>
+            </a:pPr>
+            <a:r>
+              <a:rPr b="0" lang="en-US" sz="2000" strike="noStrike" u="none">
+                <a:solidFill>
+                  <a:srgbClr val="000000"/>
+                </a:solidFill>
+                <a:effectLst/>
+                <a:uFillTx/>
+                <a:latin typeface="Times New Roman"/>
+              </a:rPr>
+              <a:t>Fifth Outline Level</a:t>
+            </a:r>
+            <a:endParaRPr b="0" lang="en-US" sz="2000" strike="noStrike" u="none">
+              <a:solidFill>
+                <a:srgbClr val="000000"/>
+              </a:solidFill>
+              <a:effectLst/>
+              <a:uFillTx/>
+              <a:latin typeface="Times New Roman"/>
+            </a:endParaRPr>
+          </a:p>
+          <a:p>
+            <a:pPr lvl="5" marL="1296000" indent="-216000">
+              <a:spcBef>
+                <a:spcPts val="283"/>
+              </a:spcBef>
+              <a:buClr>
+                <a:srgbClr val="000000"/>
+              </a:buClr>
+              <a:buSzPct val="45000"/>
+              <a:buFont typeface="Wingdings" charset="2"/>
+              <a:buChar char=""/>
+            </a:pPr>
+            <a:r>
+              <a:rPr b="0" lang="en-US" sz="2000" strike="noStrike" u="none">
+                <a:solidFill>
+                  <a:srgbClr val="000000"/>
+                </a:solidFill>
+                <a:effectLst/>
+                <a:uFillTx/>
+                <a:latin typeface="Times New Roman"/>
+              </a:rPr>
+              <a:t>Sixth Outline Level</a:t>
+            </a:r>
+            <a:endParaRPr b="0" lang="en-US" sz="2000" strike="noStrike" u="none">
+              <a:solidFill>
+                <a:srgbClr val="000000"/>
+              </a:solidFill>
+              <a:effectLst/>
+              <a:uFillTx/>
+              <a:latin typeface="Times New Roman"/>
+            </a:endParaRPr>
+          </a:p>
+          <a:p>
+            <a:pPr lvl="6" marL="1512000" indent="-216000">
+              <a:spcBef>
+                <a:spcPts val="283"/>
+              </a:spcBef>
+              <a:buClr>
+                <a:srgbClr val="000000"/>
+              </a:buClr>
+              <a:buSzPct val="45000"/>
+              <a:buFont typeface="Wingdings" charset="2"/>
+              <a:buChar char=""/>
+            </a:pPr>
+            <a:r>
+              <a:rPr b="0" lang="en-US" sz="2000" strike="noStrike" u="none">
+                <a:solidFill>
+                  <a:srgbClr val="000000"/>
+                </a:solidFill>
+                <a:effectLst/>
+                <a:uFillTx/>
+                <a:latin typeface="Times New Roman"/>
+              </a:rPr>
+              <a:t>Seventh Outline Level</a:t>
+            </a:r>
+            <a:endParaRPr b="0" lang="en-US" sz="2000" strike="noStrike" u="none">
+              <a:solidFill>
+                <a:srgbClr val="000000"/>
+              </a:solidFill>
+              <a:effectLst/>
+              <a:uFillTx/>
+              <a:latin typeface="Times New Roman"/>
+            </a:endParaRPr>
+          </a:p>
+        </p:txBody>
+      </p:sp>
+    </p:spTree>
+  </p:cSld>
+  <p:clrMap bg1="lt1" tx1="dk1" bg2="lt2" tx2="dk2" accent1="accent1" accent2="accent2" accent3="accent3" accent4="accent4" accent5="accent5" accent6="accent6" hlink="hlink" folHlink="folHlink"/>
+  <p:sldLayoutIdLst>
+    <p:sldLayoutId id="2147483651" r:id="rId2"/>
+  </p:sldLayoutIdLst>
+</p:sldMaster>
+</file>
+
+<file path=ppt/slideMasters/slideMaster3.xml><?xml version="1.0" encoding="utf-8"?>
+<p:sldMaster xmlns:a="http://schemas.openxmlformats.org/drawingml/2006/main" xmlns:p="http://schemas.openxmlformats.org/presentationml/2006/main" xmlns:r="http://schemas.openxmlformats.org/officeDocument/2006/relationships" xmlns:p14="http://schemas.microsoft.com/office/powerpoint/2010/main" xmlns:p15="http://schemas.microsoft.com/office/powerpoint/2012/main" xmlns:mc="http://schemas.openxmlformats.org/markup-compatibility/2006">
+  <p:cSld>
+    <p:spTree>
+      <p:nvGrpSpPr>
+        <p:cNvPr id="1" name=""/>
+        <p:cNvGrpSpPr/>
+        <p:nvPr/>
+      </p:nvGrpSpPr>
+      <p:grpSpPr>
+        <a:xfrm>
+          <a:off x="0" y="0"/>
+          <a:ext cx="0" cy="0"/>
+          <a:chOff x="0" y="0"/>
+          <a:chExt cx="0" cy="0"/>
+        </a:xfrm>
+      </p:grpSpPr>
+      <p:sp>
+        <p:nvSpPr>
+          <p:cNvPr id="12" name=""/>
+          <p:cNvSpPr/>
+          <p:nvPr/>
+        </p:nvSpPr>
+        <p:spPr>
           <a:xfrm flipV="1">
-            <a:off x="0" y="-720"/>
-            <a:ext cx="10079280" cy="179280"/>
+            <a:off x="0" y="-1440"/>
+            <a:ext cx="10078560" cy="1078560"/>
           </a:xfrm>
           <a:prstGeom prst="rect">
             <a:avLst/>
@@ -4053,14 +5575,934 @@
       </p:sp>
       <p:sp>
         <p:nvSpPr>
-          <p:cNvPr id="32" name=""/>
+          <p:cNvPr id="13" name="PlaceHolder 1"/>
+          <p:cNvSpPr>
+            <a:spLocks noGrp="1"/>
+          </p:cNvSpPr>
+          <p:nvPr>
+            <p:ph type="title"/>
+          </p:nvPr>
+        </p:nvSpPr>
+        <p:spPr>
+          <a:xfrm>
+            <a:off x="504000" y="561600"/>
+            <a:ext cx="9071640" cy="274680"/>
+          </a:xfrm>
+          <a:prstGeom prst="rect">
+            <a:avLst/>
+          </a:prstGeom>
+          <a:noFill/>
+          <a:ln w="0">
+            <a:noFill/>
+          </a:ln>
+        </p:spPr>
+        <p:txBody>
+          <a:bodyPr lIns="0" rIns="0" tIns="0" bIns="0" anchor="ctr">
+            <a:spAutoFit/>
+          </a:bodyPr>
+          <a:p>
+            <a:pPr indent="0">
+              <a:buNone/>
+            </a:pPr>
+            <a:r>
+              <a:rPr b="0" lang="en-US" sz="1800" strike="noStrike" u="none">
+                <a:solidFill>
+                  <a:srgbClr val="000000"/>
+                </a:solidFill>
+                <a:effectLst/>
+                <a:uFillTx/>
+                <a:latin typeface="Arial"/>
+              </a:rPr>
+              <a:t>Click to edit the title text format</a:t>
+            </a:r>
+            <a:endParaRPr b="0" lang="en-US" sz="1800" strike="noStrike" u="none">
+              <a:solidFill>
+                <a:srgbClr val="000000"/>
+              </a:solidFill>
+              <a:effectLst/>
+              <a:uFillTx/>
+              <a:latin typeface="Arial"/>
+            </a:endParaRPr>
+          </a:p>
+        </p:txBody>
+      </p:sp>
+      <p:sp>
+        <p:nvSpPr>
+          <p:cNvPr id="14" name="PlaceHolder 2"/>
+          <p:cNvSpPr>
+            <a:spLocks noGrp="1"/>
+          </p:cNvSpPr>
+          <p:nvPr>
+            <p:ph type="body"/>
+          </p:nvPr>
+        </p:nvSpPr>
+        <p:spPr>
+          <a:xfrm>
+            <a:off x="504000" y="1326600"/>
+            <a:ext cx="9071640" cy="3288240"/>
+          </a:xfrm>
+          <a:prstGeom prst="rect">
+            <a:avLst/>
+          </a:prstGeom>
+          <a:noFill/>
+          <a:ln w="0">
+            <a:noFill/>
+          </a:ln>
+        </p:spPr>
+        <p:txBody>
+          <a:bodyPr lIns="0" rIns="0" tIns="0" bIns="0" anchor="t">
+            <a:normAutofit/>
+          </a:bodyPr>
+          <a:p>
+            <a:pPr marL="432000" indent="-324000">
+              <a:spcBef>
+                <a:spcPts val="1417"/>
+              </a:spcBef>
+              <a:buClr>
+                <a:srgbClr val="000000"/>
+              </a:buClr>
+              <a:buSzPct val="45000"/>
+              <a:buFont typeface="Wingdings" charset="2"/>
+              <a:buChar char=""/>
+            </a:pPr>
+            <a:r>
+              <a:rPr b="0" lang="en-US" sz="1800" strike="noStrike" u="none">
+                <a:solidFill>
+                  <a:srgbClr val="000000"/>
+                </a:solidFill>
+                <a:effectLst/>
+                <a:uFillTx/>
+                <a:latin typeface="Arial"/>
+              </a:rPr>
+              <a:t>Click to edit the outline text format</a:t>
+            </a:r>
+            <a:endParaRPr b="0" lang="en-US" sz="1800" strike="noStrike" u="none">
+              <a:solidFill>
+                <a:srgbClr val="000000"/>
+              </a:solidFill>
+              <a:effectLst/>
+              <a:uFillTx/>
+              <a:latin typeface="Arial"/>
+            </a:endParaRPr>
+          </a:p>
+          <a:p>
+            <a:pPr lvl="1" marL="432000" indent="-216000">
+              <a:spcBef>
+                <a:spcPts val="1134"/>
+              </a:spcBef>
+              <a:buClr>
+                <a:srgbClr val="000000"/>
+              </a:buClr>
+              <a:buSzPct val="45000"/>
+              <a:buFont typeface="Wingdings" charset="2"/>
+              <a:buChar char=""/>
+            </a:pPr>
+            <a:r>
+              <a:rPr b="0" lang="en-US" sz="1800" strike="noStrike" u="none">
+                <a:solidFill>
+                  <a:srgbClr val="000000"/>
+                </a:solidFill>
+                <a:effectLst/>
+                <a:uFillTx/>
+                <a:latin typeface="Times New Roman"/>
+              </a:rPr>
+              <a:t>Second Outline Level</a:t>
+            </a:r>
+            <a:endParaRPr b="0" lang="en-US" sz="1800" strike="noStrike" u="none">
+              <a:solidFill>
+                <a:srgbClr val="000000"/>
+              </a:solidFill>
+              <a:effectLst/>
+              <a:uFillTx/>
+              <a:latin typeface="Times New Roman"/>
+            </a:endParaRPr>
+          </a:p>
+          <a:p>
+            <a:pPr lvl="2" marL="648000" indent="-216000">
+              <a:spcBef>
+                <a:spcPts val="850"/>
+              </a:spcBef>
+              <a:buClr>
+                <a:srgbClr val="000000"/>
+              </a:buClr>
+              <a:buSzPct val="45000"/>
+              <a:buFont typeface="Wingdings" charset="2"/>
+              <a:buChar char=""/>
+            </a:pPr>
+            <a:r>
+              <a:rPr b="0" lang="en-US" sz="1800" strike="noStrike" u="none">
+                <a:solidFill>
+                  <a:srgbClr val="000000"/>
+                </a:solidFill>
+                <a:effectLst/>
+                <a:uFillTx/>
+                <a:latin typeface="Times New Roman"/>
+              </a:rPr>
+              <a:t>Third Outline Level</a:t>
+            </a:r>
+            <a:endParaRPr b="0" lang="en-US" sz="1800" strike="noStrike" u="none">
+              <a:solidFill>
+                <a:srgbClr val="000000"/>
+              </a:solidFill>
+              <a:effectLst/>
+              <a:uFillTx/>
+              <a:latin typeface="Times New Roman"/>
+            </a:endParaRPr>
+          </a:p>
+          <a:p>
+            <a:pPr lvl="3" marL="864000" indent="-216000">
+              <a:spcBef>
+                <a:spcPts val="567"/>
+              </a:spcBef>
+              <a:buClr>
+                <a:srgbClr val="000000"/>
+              </a:buClr>
+              <a:buSzPct val="45000"/>
+              <a:buFont typeface="Wingdings" charset="2"/>
+              <a:buChar char=""/>
+            </a:pPr>
+            <a:r>
+              <a:rPr b="0" lang="en-US" sz="1800" strike="noStrike" u="none">
+                <a:solidFill>
+                  <a:srgbClr val="000000"/>
+                </a:solidFill>
+                <a:effectLst/>
+                <a:uFillTx/>
+                <a:latin typeface="Times New Roman"/>
+              </a:rPr>
+              <a:t>Fourth Outline Level</a:t>
+            </a:r>
+            <a:endParaRPr b="0" lang="en-US" sz="1800" strike="noStrike" u="none">
+              <a:solidFill>
+                <a:srgbClr val="000000"/>
+              </a:solidFill>
+              <a:effectLst/>
+              <a:uFillTx/>
+              <a:latin typeface="Times New Roman"/>
+            </a:endParaRPr>
+          </a:p>
+          <a:p>
+            <a:pPr lvl="4" marL="1080000" indent="-216000">
+              <a:spcBef>
+                <a:spcPts val="283"/>
+              </a:spcBef>
+              <a:buClr>
+                <a:srgbClr val="000000"/>
+              </a:buClr>
+              <a:buSzPct val="45000"/>
+              <a:buFont typeface="Wingdings" charset="2"/>
+              <a:buChar char=""/>
+            </a:pPr>
+            <a:r>
+              <a:rPr b="0" lang="en-US" sz="1800" strike="noStrike" u="none">
+                <a:solidFill>
+                  <a:srgbClr val="000000"/>
+                </a:solidFill>
+                <a:effectLst/>
+                <a:uFillTx/>
+                <a:latin typeface="Times New Roman"/>
+              </a:rPr>
+              <a:t>Fifth Outline Level</a:t>
+            </a:r>
+            <a:endParaRPr b="0" lang="en-US" sz="1800" strike="noStrike" u="none">
+              <a:solidFill>
+                <a:srgbClr val="000000"/>
+              </a:solidFill>
+              <a:effectLst/>
+              <a:uFillTx/>
+              <a:latin typeface="Times New Roman"/>
+            </a:endParaRPr>
+          </a:p>
+          <a:p>
+            <a:pPr lvl="5" marL="1296000" indent="-216000">
+              <a:spcBef>
+                <a:spcPts val="283"/>
+              </a:spcBef>
+              <a:buClr>
+                <a:srgbClr val="000000"/>
+              </a:buClr>
+              <a:buSzPct val="45000"/>
+              <a:buFont typeface="Wingdings" charset="2"/>
+              <a:buChar char=""/>
+            </a:pPr>
+            <a:r>
+              <a:rPr b="0" lang="en-US" sz="1800" strike="noStrike" u="none">
+                <a:solidFill>
+                  <a:srgbClr val="000000"/>
+                </a:solidFill>
+                <a:effectLst/>
+                <a:uFillTx/>
+                <a:latin typeface="Times New Roman"/>
+              </a:rPr>
+              <a:t>Sixth Outline Level</a:t>
+            </a:r>
+            <a:endParaRPr b="0" lang="en-US" sz="1800" strike="noStrike" u="none">
+              <a:solidFill>
+                <a:srgbClr val="000000"/>
+              </a:solidFill>
+              <a:effectLst/>
+              <a:uFillTx/>
+              <a:latin typeface="Times New Roman"/>
+            </a:endParaRPr>
+          </a:p>
+          <a:p>
+            <a:pPr lvl="6" marL="1512000" indent="-216000">
+              <a:spcBef>
+                <a:spcPts val="283"/>
+              </a:spcBef>
+              <a:buClr>
+                <a:srgbClr val="000000"/>
+              </a:buClr>
+              <a:buSzPct val="45000"/>
+              <a:buFont typeface="Wingdings" charset="2"/>
+              <a:buChar char=""/>
+            </a:pPr>
+            <a:r>
+              <a:rPr b="0" lang="en-US" sz="1800" strike="noStrike" u="none">
+                <a:solidFill>
+                  <a:srgbClr val="000000"/>
+                </a:solidFill>
+                <a:effectLst/>
+                <a:uFillTx/>
+                <a:latin typeface="Times New Roman"/>
+              </a:rPr>
+              <a:t>Seventh Outline Level</a:t>
+            </a:r>
+            <a:endParaRPr b="0" lang="en-US" sz="1800" strike="noStrike" u="none">
+              <a:solidFill>
+                <a:srgbClr val="000000"/>
+              </a:solidFill>
+              <a:effectLst/>
+              <a:uFillTx/>
+              <a:latin typeface="Times New Roman"/>
+            </a:endParaRPr>
+          </a:p>
+        </p:txBody>
+      </p:sp>
+      <p:sp>
+        <p:nvSpPr>
+          <p:cNvPr id="15" name="PlaceHolder 3"/>
+          <p:cNvSpPr>
+            <a:spLocks noGrp="1"/>
+          </p:cNvSpPr>
+          <p:nvPr>
+            <p:ph type="ftr" idx="7"/>
+          </p:nvPr>
+        </p:nvSpPr>
+        <p:spPr>
+          <a:xfrm>
+            <a:off x="3420000" y="5130000"/>
+            <a:ext cx="3238560" cy="448560"/>
+          </a:xfrm>
+          <a:prstGeom prst="rect">
+            <a:avLst/>
+          </a:prstGeom>
+          <a:noFill/>
+          <a:ln w="0">
+            <a:noFill/>
+          </a:ln>
+        </p:spPr>
+        <p:txBody>
+          <a:bodyPr lIns="0" rIns="0" tIns="0" bIns="0" anchor="t">
+            <a:noAutofit/>
+          </a:bodyPr>
+          <a:lstStyle>
+            <a:lvl1pPr indent="0" algn="ctr">
+              <a:lnSpc>
+                <a:spcPct val="100000"/>
+              </a:lnSpc>
+              <a:buNone/>
+              <a:tabLst>
+                <a:tab algn="l" pos="0"/>
+              </a:tabLst>
+              <a:defRPr b="0" lang="en-US" sz="1400" strike="noStrike" u="none">
+                <a:solidFill>
+                  <a:srgbClr val="484848"/>
+                </a:solidFill>
+                <a:effectLst/>
+                <a:uFillTx/>
+                <a:latin typeface="Noto Sans"/>
+              </a:defRPr>
+            </a:lvl1pPr>
+          </a:lstStyle>
+          <a:p>
+            <a:pPr indent="0" algn="ctr">
+              <a:lnSpc>
+                <a:spcPct val="100000"/>
+              </a:lnSpc>
+              <a:buNone/>
+              <a:tabLst>
+                <a:tab algn="l" pos="0"/>
+              </a:tabLst>
+            </a:pPr>
+            <a:r>
+              <a:rPr b="0" lang="en-US" sz="1400" strike="noStrike" u="none">
+                <a:solidFill>
+                  <a:srgbClr val="484848"/>
+                </a:solidFill>
+                <a:effectLst/>
+                <a:uFillTx/>
+                <a:latin typeface="Noto Sans"/>
+              </a:rPr>
+              <a:t>&lt;footer&gt;</a:t>
+            </a:r>
+            <a:endParaRPr b="0" lang="en-US" sz="1400" strike="noStrike" u="none">
+              <a:solidFill>
+                <a:srgbClr val="000000"/>
+              </a:solidFill>
+              <a:effectLst/>
+              <a:uFillTx/>
+              <a:latin typeface="Times New Roman"/>
+            </a:endParaRPr>
+          </a:p>
+        </p:txBody>
+      </p:sp>
+      <p:sp>
+        <p:nvSpPr>
+          <p:cNvPr id="16" name="PlaceHolder 4"/>
+          <p:cNvSpPr>
+            <a:spLocks noGrp="1"/>
+          </p:cNvSpPr>
+          <p:nvPr>
+            <p:ph type="sldNum" idx="8"/>
+          </p:nvPr>
+        </p:nvSpPr>
+        <p:spPr>
+          <a:xfrm>
+            <a:off x="7236000" y="5130000"/>
+            <a:ext cx="2338560" cy="448560"/>
+          </a:xfrm>
+          <a:prstGeom prst="rect">
+            <a:avLst/>
+          </a:prstGeom>
+          <a:noFill/>
+          <a:ln w="0">
+            <a:noFill/>
+          </a:ln>
+        </p:spPr>
+        <p:txBody>
+          <a:bodyPr lIns="0" rIns="0" tIns="0" bIns="0" anchor="t">
+            <a:noAutofit/>
+          </a:bodyPr>
+          <a:lstStyle>
+            <a:lvl1pPr indent="0" algn="r">
+              <a:lnSpc>
+                <a:spcPct val="100000"/>
+              </a:lnSpc>
+              <a:buNone/>
+              <a:tabLst>
+                <a:tab algn="l" pos="0"/>
+              </a:tabLst>
+              <a:defRPr b="0" lang="en-US" sz="1400" strike="noStrike" u="none">
+                <a:solidFill>
+                  <a:srgbClr val="484848"/>
+                </a:solidFill>
+                <a:effectLst/>
+                <a:uFillTx/>
+                <a:latin typeface="Noto Sans"/>
+              </a:defRPr>
+            </a:lvl1pPr>
+          </a:lstStyle>
+          <a:p>
+            <a:pPr indent="0" algn="r">
+              <a:lnSpc>
+                <a:spcPct val="100000"/>
+              </a:lnSpc>
+              <a:buNone/>
+              <a:tabLst>
+                <a:tab algn="l" pos="0"/>
+              </a:tabLst>
+            </a:pPr>
+            <a:fld id="{55ACC51A-4AA5-4DB7-B9F2-0F6C7DE60648}" type="slidenum">
+              <a:rPr b="0" lang="en-US" sz="1400" strike="noStrike" u="none">
+                <a:solidFill>
+                  <a:srgbClr val="484848"/>
+                </a:solidFill>
+                <a:effectLst/>
+                <a:uFillTx/>
+                <a:latin typeface="Noto Sans"/>
+              </a:rPr>
+              <a:t>&lt;number&gt;</a:t>
+            </a:fld>
+            <a:endParaRPr b="0" lang="en-US" sz="1400" strike="noStrike" u="none">
+              <a:solidFill>
+                <a:srgbClr val="000000"/>
+              </a:solidFill>
+              <a:effectLst/>
+              <a:uFillTx/>
+              <a:latin typeface="Times New Roman"/>
+            </a:endParaRPr>
+          </a:p>
+        </p:txBody>
+      </p:sp>
+      <p:sp>
+        <p:nvSpPr>
+          <p:cNvPr id="17" name="PlaceHolder 5"/>
+          <p:cNvSpPr>
+            <a:spLocks noGrp="1"/>
+          </p:cNvSpPr>
+          <p:nvPr>
+            <p:ph type="dt" idx="9"/>
+          </p:nvPr>
+        </p:nvSpPr>
+        <p:spPr>
+          <a:xfrm>
+            <a:off x="504000" y="5130000"/>
+            <a:ext cx="2338560" cy="448560"/>
+          </a:xfrm>
+          <a:prstGeom prst="rect">
+            <a:avLst/>
+          </a:prstGeom>
+          <a:noFill/>
+          <a:ln w="0">
+            <a:noFill/>
+          </a:ln>
+        </p:spPr>
+        <p:txBody>
+          <a:bodyPr lIns="0" rIns="0" tIns="0" bIns="0" anchor="t">
+            <a:noAutofit/>
+          </a:bodyPr>
+          <a:lstStyle>
+            <a:lvl1pPr indent="0">
+              <a:buNone/>
+              <a:defRPr b="0" lang="en-US" sz="1400" strike="noStrike" u="none">
+                <a:solidFill>
+                  <a:srgbClr val="000000"/>
+                </a:solidFill>
+                <a:effectLst/>
+                <a:uFillTx/>
+                <a:latin typeface="Times New Roman"/>
+              </a:defRPr>
+            </a:lvl1pPr>
+          </a:lstStyle>
+          <a:p>
+            <a:pPr indent="0">
+              <a:buNone/>
+            </a:pPr>
+            <a:r>
+              <a:rPr b="0" lang="en-US" sz="1400" strike="noStrike" u="none">
+                <a:solidFill>
+                  <a:srgbClr val="000000"/>
+                </a:solidFill>
+                <a:effectLst/>
+                <a:uFillTx/>
+                <a:latin typeface="Times New Roman"/>
+              </a:rPr>
+              <a:t>&lt;date/time&gt;</a:t>
+            </a:r>
+            <a:endParaRPr b="0" lang="en-US" sz="1400" strike="noStrike" u="none">
+              <a:solidFill>
+                <a:srgbClr val="000000"/>
+              </a:solidFill>
+              <a:effectLst/>
+              <a:uFillTx/>
+              <a:latin typeface="Times New Roman"/>
+            </a:endParaRPr>
+          </a:p>
+        </p:txBody>
+      </p:sp>
+    </p:spTree>
+  </p:cSld>
+  <p:clrMap bg1="lt1" tx1="dk1" bg2="lt2" tx2="dk2" accent1="accent1" accent2="accent2" accent3="accent3" accent4="accent4" accent5="accent5" accent6="accent6" hlink="hlink" folHlink="folHlink"/>
+  <p:sldLayoutIdLst>
+    <p:sldLayoutId id="2147483653" r:id="rId2"/>
+  </p:sldLayoutIdLst>
+</p:sldMaster>
+</file>
+
+<file path=ppt/slideMasters/slideMaster4.xml><?xml version="1.0" encoding="utf-8"?>
+<p:sldMaster xmlns:a="http://schemas.openxmlformats.org/drawingml/2006/main" xmlns:p="http://schemas.openxmlformats.org/presentationml/2006/main" xmlns:r="http://schemas.openxmlformats.org/officeDocument/2006/relationships" xmlns:p14="http://schemas.microsoft.com/office/powerpoint/2010/main" xmlns:p15="http://schemas.microsoft.com/office/powerpoint/2012/main" xmlns:mc="http://schemas.openxmlformats.org/markup-compatibility/2006">
+  <p:cSld>
+    <p:spTree>
+      <p:nvGrpSpPr>
+        <p:cNvPr id="1" name=""/>
+        <p:cNvGrpSpPr/>
+        <p:nvPr/>
+      </p:nvGrpSpPr>
+      <p:grpSpPr>
+        <a:xfrm>
+          <a:off x="0" y="0"/>
+          <a:ext cx="0" cy="0"/>
+          <a:chOff x="0" y="0"/>
+          <a:chExt cx="0" cy="0"/>
+        </a:xfrm>
+      </p:grpSpPr>
+      <p:sp>
+        <p:nvSpPr>
+          <p:cNvPr id="20" name=""/>
+          <p:cNvSpPr/>
+          <p:nvPr/>
+        </p:nvSpPr>
+        <p:spPr>
+          <a:xfrm flipV="1">
+            <a:off x="0" y="-1440"/>
+            <a:ext cx="10078560" cy="1078560"/>
+          </a:xfrm>
+          <a:prstGeom prst="rect">
+            <a:avLst/>
+          </a:prstGeom>
+          <a:pattFill prst="lgGrid">
+            <a:fgClr>
+              <a:srgbClr val="3465a4"/>
+            </a:fgClr>
+            <a:bgClr>
+              <a:srgbClr val="009eda"/>
+            </a:bgClr>
+          </a:pattFill>
+          <a:ln w="18000">
+            <a:noFill/>
+          </a:ln>
+          <a:effectLst>
+            <a:outerShdw blurRad="0" dir="5400000" dist="25200" rotWithShape="0">
+              <a:srgbClr val="f49100"/>
+            </a:outerShdw>
+          </a:effectLst>
+        </p:spPr>
+        <p:style>
+          <a:lnRef idx="0"/>
+          <a:fillRef idx="0"/>
+          <a:effectRef idx="0"/>
+          <a:fontRef idx="minor"/>
+        </p:style>
+        <p:txBody>
+          <a:bodyPr wrap="none" lIns="36000" rIns="36000" tIns="36000" bIns="36000" anchor="ctr">
+            <a:noAutofit/>
+          </a:bodyPr>
+          <a:p>
+            <a:pPr>
+              <a:lnSpc>
+                <a:spcPct val="100000"/>
+              </a:lnSpc>
+            </a:pPr>
+            <a:endParaRPr b="0" lang="en-US" sz="2200" strike="noStrike" u="none">
+              <a:solidFill>
+                <a:srgbClr val="ffffff"/>
+              </a:solidFill>
+              <a:effectLst/>
+              <a:uFillTx/>
+              <a:latin typeface="Noto Sans"/>
+              <a:ea typeface="DejaVu Sans"/>
+            </a:endParaRPr>
+          </a:p>
+        </p:txBody>
+      </p:sp>
+      <p:sp>
+        <p:nvSpPr>
+          <p:cNvPr id="21" name="PlaceHolder 1"/>
+          <p:cNvSpPr>
+            <a:spLocks noGrp="1"/>
+          </p:cNvSpPr>
+          <p:nvPr>
+            <p:ph type="ftr" idx="10"/>
+          </p:nvPr>
+        </p:nvSpPr>
+        <p:spPr>
+          <a:xfrm>
+            <a:off x="3420000" y="5130000"/>
+            <a:ext cx="3238560" cy="448560"/>
+          </a:xfrm>
+          <a:prstGeom prst="rect">
+            <a:avLst/>
+          </a:prstGeom>
+          <a:noFill/>
+          <a:ln w="0">
+            <a:noFill/>
+          </a:ln>
+        </p:spPr>
+        <p:txBody>
+          <a:bodyPr lIns="0" rIns="0" tIns="0" bIns="0" anchor="t">
+            <a:noAutofit/>
+          </a:bodyPr>
+          <a:lstStyle>
+            <a:lvl1pPr indent="0" algn="ctr">
+              <a:lnSpc>
+                <a:spcPct val="100000"/>
+              </a:lnSpc>
+              <a:buNone/>
+              <a:tabLst>
+                <a:tab algn="l" pos="0"/>
+              </a:tabLst>
+              <a:defRPr b="0" lang="en-US" sz="1400" strike="noStrike" u="none">
+                <a:solidFill>
+                  <a:srgbClr val="484848"/>
+                </a:solidFill>
+                <a:effectLst/>
+                <a:uFillTx/>
+                <a:latin typeface="Noto Sans"/>
+              </a:defRPr>
+            </a:lvl1pPr>
+          </a:lstStyle>
+          <a:p>
+            <a:pPr indent="0" algn="ctr">
+              <a:lnSpc>
+                <a:spcPct val="100000"/>
+              </a:lnSpc>
+              <a:buNone/>
+              <a:tabLst>
+                <a:tab algn="l" pos="0"/>
+              </a:tabLst>
+            </a:pPr>
+            <a:r>
+              <a:rPr b="0" lang="en-US" sz="1400" strike="noStrike" u="none">
+                <a:solidFill>
+                  <a:srgbClr val="484848"/>
+                </a:solidFill>
+                <a:effectLst/>
+                <a:uFillTx/>
+                <a:latin typeface="Noto Sans"/>
+              </a:rPr>
+              <a:t> </a:t>
+            </a:r>
+            <a:endParaRPr b="0" lang="en-US" sz="1400" strike="noStrike" u="none">
+              <a:solidFill>
+                <a:srgbClr val="000000"/>
+              </a:solidFill>
+              <a:effectLst/>
+              <a:uFillTx/>
+              <a:latin typeface="Times New Roman"/>
+            </a:endParaRPr>
+          </a:p>
+        </p:txBody>
+      </p:sp>
+      <p:sp>
+        <p:nvSpPr>
+          <p:cNvPr id="22" name="PlaceHolder 2"/>
+          <p:cNvSpPr>
+            <a:spLocks noGrp="1"/>
+          </p:cNvSpPr>
+          <p:nvPr>
+            <p:ph type="sldNum" idx="11"/>
+          </p:nvPr>
+        </p:nvSpPr>
+        <p:spPr>
+          <a:xfrm>
+            <a:off x="7236000" y="5130000"/>
+            <a:ext cx="2338560" cy="448560"/>
+          </a:xfrm>
+          <a:prstGeom prst="rect">
+            <a:avLst/>
+          </a:prstGeom>
+          <a:noFill/>
+          <a:ln w="0">
+            <a:noFill/>
+          </a:ln>
+        </p:spPr>
+        <p:txBody>
+          <a:bodyPr lIns="0" rIns="0" tIns="0" bIns="0" anchor="t">
+            <a:noAutofit/>
+          </a:bodyPr>
+          <a:lstStyle>
+            <a:lvl1pPr indent="0" algn="r">
+              <a:lnSpc>
+                <a:spcPct val="100000"/>
+              </a:lnSpc>
+              <a:buNone/>
+              <a:tabLst>
+                <a:tab algn="l" pos="0"/>
+              </a:tabLst>
+              <a:defRPr b="0" lang="en-US" sz="1400" strike="noStrike" u="none">
+                <a:solidFill>
+                  <a:srgbClr val="484848"/>
+                </a:solidFill>
+                <a:effectLst/>
+                <a:uFillTx/>
+                <a:latin typeface="Noto Sans"/>
+              </a:defRPr>
+            </a:lvl1pPr>
+          </a:lstStyle>
+          <a:p>
+            <a:pPr indent="0" algn="r">
+              <a:lnSpc>
+                <a:spcPct val="100000"/>
+              </a:lnSpc>
+              <a:buNone/>
+              <a:tabLst>
+                <a:tab algn="l" pos="0"/>
+              </a:tabLst>
+            </a:pPr>
+            <a:fld id="{81D074C4-693A-43FA-8683-1F91CD4D2405}" type="slidenum">
+              <a:rPr b="0" lang="en-US" sz="1400" strike="noStrike" u="none">
+                <a:solidFill>
+                  <a:srgbClr val="484848"/>
+                </a:solidFill>
+                <a:effectLst/>
+                <a:uFillTx/>
+                <a:latin typeface="Noto Sans"/>
+              </a:rPr>
+              <a:t>1</a:t>
+            </a:fld>
+            <a:endParaRPr b="0" lang="en-US" sz="1400" strike="noStrike" u="none">
+              <a:solidFill>
+                <a:srgbClr val="000000"/>
+              </a:solidFill>
+              <a:effectLst/>
+              <a:uFillTx/>
+              <a:latin typeface="Times New Roman"/>
+            </a:endParaRPr>
+          </a:p>
+        </p:txBody>
+      </p:sp>
+      <p:sp>
+        <p:nvSpPr>
+          <p:cNvPr id="23" name="PlaceHolder 3"/>
+          <p:cNvSpPr>
+            <a:spLocks noGrp="1"/>
+          </p:cNvSpPr>
+          <p:nvPr>
+            <p:ph type="dt" idx="12"/>
+          </p:nvPr>
+        </p:nvSpPr>
+        <p:spPr>
+          <a:xfrm>
+            <a:off x="504000" y="5130000"/>
+            <a:ext cx="2338560" cy="448560"/>
+          </a:xfrm>
+          <a:prstGeom prst="rect">
+            <a:avLst/>
+          </a:prstGeom>
+          <a:noFill/>
+          <a:ln w="0">
+            <a:noFill/>
+          </a:ln>
+        </p:spPr>
+        <p:txBody>
+          <a:bodyPr lIns="0" rIns="0" tIns="0" bIns="0" anchor="t">
+            <a:noAutofit/>
+          </a:bodyPr>
+          <a:lstStyle>
+            <a:lvl1pPr indent="0">
+              <a:buNone/>
+              <a:defRPr b="0" lang="en-US" sz="1400" strike="noStrike" u="none">
+                <a:solidFill>
+                  <a:srgbClr val="000000"/>
+                </a:solidFill>
+                <a:effectLst/>
+                <a:uFillTx/>
+                <a:latin typeface="Times New Roman"/>
+              </a:defRPr>
+            </a:lvl1pPr>
+          </a:lstStyle>
+          <a:p>
+            <a:pPr indent="0">
+              <a:buNone/>
+            </a:pPr>
+            <a:r>
+              <a:rPr b="0" lang="en-US" sz="1400" strike="noStrike" u="none">
+                <a:solidFill>
+                  <a:srgbClr val="000000"/>
+                </a:solidFill>
+                <a:effectLst/>
+                <a:uFillTx/>
+                <a:latin typeface="Times New Roman"/>
+              </a:rPr>
+              <a:t> </a:t>
+            </a:r>
+            <a:endParaRPr b="0" lang="en-US" sz="1400" strike="noStrike" u="none">
+              <a:solidFill>
+                <a:srgbClr val="000000"/>
+              </a:solidFill>
+              <a:effectLst/>
+              <a:uFillTx/>
+              <a:latin typeface="Times New Roman"/>
+            </a:endParaRPr>
+          </a:p>
+        </p:txBody>
+      </p:sp>
+    </p:spTree>
+  </p:cSld>
+  <p:clrMap bg1="lt1" tx1="dk1" bg2="lt2" tx2="dk2" accent1="accent1" accent2="accent2" accent3="accent3" accent4="accent4" accent5="accent5" accent6="accent6" hlink="hlink" folHlink="folHlink"/>
+  <p:sldLayoutIdLst>
+    <p:sldLayoutId id="2147483655" r:id="rId2"/>
+  </p:sldLayoutIdLst>
+</p:sldMaster>
+</file>
+
+<file path=ppt/slideMasters/slideMaster5.xml><?xml version="1.0" encoding="utf-8"?>
+<p:sldMaster xmlns:a="http://schemas.openxmlformats.org/drawingml/2006/main" xmlns:p="http://schemas.openxmlformats.org/presentationml/2006/main" xmlns:r="http://schemas.openxmlformats.org/officeDocument/2006/relationships" xmlns:p14="http://schemas.microsoft.com/office/powerpoint/2010/main" xmlns:p15="http://schemas.microsoft.com/office/powerpoint/2012/main" xmlns:mc="http://schemas.openxmlformats.org/markup-compatibility/2006">
+  <p:cSld>
+    <p:spTree>
+      <p:nvGrpSpPr>
+        <p:cNvPr id="1" name=""/>
+        <p:cNvGrpSpPr/>
+        <p:nvPr/>
+      </p:nvGrpSpPr>
+      <p:grpSpPr>
+        <a:xfrm>
+          <a:off x="0" y="0"/>
+          <a:ext cx="0" cy="0"/>
+          <a:chOff x="0" y="0"/>
+          <a:chExt cx="0" cy="0"/>
+        </a:xfrm>
+      </p:grpSpPr>
+      <p:sp>
+        <p:nvSpPr>
+          <p:cNvPr id="24" name=""/>
+          <p:cNvSpPr/>
+          <p:nvPr/>
+        </p:nvSpPr>
+        <p:spPr>
+          <a:xfrm flipV="1">
+            <a:off x="0" y="-1440"/>
+            <a:ext cx="10078560" cy="178560"/>
+          </a:xfrm>
+          <a:prstGeom prst="rect">
+            <a:avLst/>
+          </a:prstGeom>
+          <a:pattFill prst="lgGrid">
+            <a:fgClr>
+              <a:srgbClr val="3465a4"/>
+            </a:fgClr>
+            <a:bgClr>
+              <a:srgbClr val="009eda"/>
+            </a:bgClr>
+          </a:pattFill>
+          <a:ln w="18000">
+            <a:noFill/>
+          </a:ln>
+          <a:effectLst>
+            <a:outerShdw blurRad="0" dir="5400000" dist="25200" rotWithShape="0">
+              <a:srgbClr val="f49100"/>
+            </a:outerShdw>
+          </a:effectLst>
+        </p:spPr>
+        <p:style>
+          <a:lnRef idx="0"/>
+          <a:fillRef idx="0"/>
+          <a:effectRef idx="0"/>
+          <a:fontRef idx="minor"/>
+        </p:style>
+        <p:txBody>
+          <a:bodyPr wrap="none" lIns="36000" rIns="36000" tIns="36000" bIns="36000" anchor="ctr">
+            <a:noAutofit/>
+          </a:bodyPr>
+          <a:p>
+            <a:pPr>
+              <a:lnSpc>
+                <a:spcPct val="100000"/>
+              </a:lnSpc>
+            </a:pPr>
+            <a:endParaRPr b="0" lang="en-US" sz="2200" strike="noStrike" u="none">
+              <a:solidFill>
+                <a:srgbClr val="ffffff"/>
+              </a:solidFill>
+              <a:effectLst/>
+              <a:uFillTx/>
+              <a:latin typeface="Noto Sans"/>
+              <a:ea typeface="DejaVu Sans"/>
+            </a:endParaRPr>
+          </a:p>
+        </p:txBody>
+      </p:sp>
+      <p:sp>
+        <p:nvSpPr>
+          <p:cNvPr id="25" name=""/>
           <p:cNvSpPr/>
           <p:nvPr/>
         </p:nvSpPr>
         <p:spPr>
           <a:xfrm>
             <a:off x="0" y="5580000"/>
-            <a:ext cx="10079280" cy="89280"/>
+            <a:ext cx="10078560" cy="88560"/>
           </a:xfrm>
           <a:prstGeom prst="rect">
             <a:avLst/>
@@ -4112,18 +6554,18 @@
       </p:sp>
       <p:sp>
         <p:nvSpPr>
-          <p:cNvPr id="33" name="PlaceHolder 1"/>
+          <p:cNvPr id="26" name="PlaceHolder 1"/>
           <p:cNvSpPr>
             <a:spLocks noGrp="1"/>
           </p:cNvSpPr>
           <p:nvPr>
-            <p:ph type="ftr" idx="16"/>
+            <p:ph type="ftr" idx="13"/>
           </p:nvPr>
         </p:nvSpPr>
         <p:spPr>
           <a:xfrm>
             <a:off x="3420000" y="5130000"/>
-            <a:ext cx="3239280" cy="449280"/>
+            <a:ext cx="3238560" cy="448560"/>
           </a:xfrm>
           <a:prstGeom prst="rect">
             <a:avLst/>
@@ -4190,18 +6632,18 @@
       </p:sp>
       <p:sp>
         <p:nvSpPr>
-          <p:cNvPr id="34" name="PlaceHolder 2"/>
+          <p:cNvPr id="27" name="PlaceHolder 2"/>
           <p:cNvSpPr>
             <a:spLocks noGrp="1"/>
           </p:cNvSpPr>
           <p:nvPr>
-            <p:ph type="sldNum" idx="17"/>
+            <p:ph type="sldNum" idx="14"/>
           </p:nvPr>
         </p:nvSpPr>
         <p:spPr>
           <a:xfrm>
             <a:off x="7236000" y="5130000"/>
-            <a:ext cx="2339280" cy="449280"/>
+            <a:ext cx="2338560" cy="448560"/>
           </a:xfrm>
           <a:prstGeom prst="rect">
             <a:avLst/>
@@ -4244,7 +6686,679 @@
                 <a:tab algn="l" pos="0"/>
               </a:tabLst>
             </a:pPr>
-            <a:fld id="{39628F98-8F95-413B-B32A-32E4DA9F55D7}" type="slidenum">
+            <a:fld id="{50F02FF8-A364-485E-A042-C9C4FB269765}" type="slidenum">
+              <a:rPr b="0" lang="en-US" sz="1400" strike="noStrike" u="none">
+                <a:solidFill>
+                  <a:srgbClr val="484848"/>
+                </a:solidFill>
+                <a:effectLst/>
+                <a:uFillTx/>
+                <a:latin typeface="Noto Sans"/>
+              </a:rPr>
+              <a:t>1</a:t>
+            </a:fld>
+            <a:endParaRPr b="0" lang="en-US" sz="1400" strike="noStrike" u="none">
+              <a:solidFill>
+                <a:srgbClr val="000000"/>
+              </a:solidFill>
+              <a:effectLst/>
+              <a:uFillTx/>
+              <a:latin typeface="Times New Roman"/>
+            </a:endParaRPr>
+          </a:p>
+        </p:txBody>
+      </p:sp>
+      <p:sp>
+        <p:nvSpPr>
+          <p:cNvPr id="28" name="PlaceHolder 3"/>
+          <p:cNvSpPr>
+            <a:spLocks noGrp="1"/>
+          </p:cNvSpPr>
+          <p:nvPr>
+            <p:ph type="dt" idx="15"/>
+          </p:nvPr>
+        </p:nvSpPr>
+        <p:spPr>
+          <a:xfrm>
+            <a:off x="504000" y="5130000"/>
+            <a:ext cx="2338560" cy="448560"/>
+          </a:xfrm>
+          <a:prstGeom prst="rect">
+            <a:avLst/>
+          </a:prstGeom>
+          <a:noFill/>
+          <a:ln w="0">
+            <a:noFill/>
+          </a:ln>
+        </p:spPr>
+        <p:txBody>
+          <a:bodyPr lIns="0" rIns="0" tIns="0" bIns="0" anchor="t">
+            <a:noAutofit/>
+          </a:bodyPr>
+          <a:lstStyle>
+            <a:lvl1pPr indent="0">
+              <a:buNone/>
+              <a:defRPr b="0" lang="en-US" sz="1400" strike="noStrike" u="none">
+                <a:solidFill>
+                  <a:srgbClr val="000000"/>
+                </a:solidFill>
+                <a:effectLst/>
+                <a:uFillTx/>
+                <a:latin typeface="Times New Roman"/>
+              </a:defRPr>
+            </a:lvl1pPr>
+          </a:lstStyle>
+          <a:p>
+            <a:pPr indent="0">
+              <a:buNone/>
+            </a:pPr>
+            <a:r>
+              <a:rPr b="0" lang="en-US" sz="1400" strike="noStrike" u="none">
+                <a:solidFill>
+                  <a:srgbClr val="000000"/>
+                </a:solidFill>
+                <a:effectLst/>
+                <a:uFillTx/>
+                <a:latin typeface="Times New Roman"/>
+              </a:rPr>
+              <a:t> </a:t>
+            </a:r>
+            <a:endParaRPr b="0" lang="en-US" sz="1400" strike="noStrike" u="none">
+              <a:solidFill>
+                <a:srgbClr val="000000"/>
+              </a:solidFill>
+              <a:effectLst/>
+              <a:uFillTx/>
+              <a:latin typeface="Times New Roman"/>
+            </a:endParaRPr>
+          </a:p>
+        </p:txBody>
+      </p:sp>
+      <p:sp>
+        <p:nvSpPr>
+          <p:cNvPr id="29" name="PlaceHolder 4"/>
+          <p:cNvSpPr>
+            <a:spLocks noGrp="1"/>
+          </p:cNvSpPr>
+          <p:nvPr>
+            <p:ph type="title"/>
+          </p:nvPr>
+        </p:nvSpPr>
+        <p:spPr>
+          <a:xfrm>
+            <a:off x="504000" y="226080"/>
+            <a:ext cx="9072000" cy="946440"/>
+          </a:xfrm>
+          <a:prstGeom prst="rect">
+            <a:avLst/>
+          </a:prstGeom>
+          <a:noFill/>
+          <a:ln w="0">
+            <a:noFill/>
+          </a:ln>
+        </p:spPr>
+        <p:txBody>
+          <a:bodyPr lIns="0" rIns="0" tIns="0" bIns="0" anchor="ctr">
+            <a:noAutofit/>
+          </a:bodyPr>
+          <a:p>
+            <a:pPr indent="0" algn="ctr">
+              <a:buNone/>
+            </a:pPr>
+            <a:r>
+              <a:rPr b="0" lang="en-US" sz="4400" strike="noStrike" u="none">
+                <a:solidFill>
+                  <a:srgbClr val="000000"/>
+                </a:solidFill>
+                <a:effectLst/>
+                <a:uFillTx/>
+                <a:latin typeface="Arial"/>
+              </a:rPr>
+              <a:t>Click to edit the title text format</a:t>
+            </a:r>
+            <a:endParaRPr b="0" lang="en-US" sz="4400" strike="noStrike" u="none">
+              <a:solidFill>
+                <a:srgbClr val="000000"/>
+              </a:solidFill>
+              <a:effectLst/>
+              <a:uFillTx/>
+              <a:latin typeface="Arial"/>
+            </a:endParaRPr>
+          </a:p>
+        </p:txBody>
+      </p:sp>
+      <p:sp>
+        <p:nvSpPr>
+          <p:cNvPr id="30" name="PlaceHolder 5"/>
+          <p:cNvSpPr>
+            <a:spLocks noGrp="1"/>
+          </p:cNvSpPr>
+          <p:nvPr>
+            <p:ph type="body"/>
+          </p:nvPr>
+        </p:nvSpPr>
+        <p:spPr>
+          <a:xfrm>
+            <a:off x="504000" y="1326600"/>
+            <a:ext cx="9072000" cy="3288600"/>
+          </a:xfrm>
+          <a:prstGeom prst="rect">
+            <a:avLst/>
+          </a:prstGeom>
+          <a:noFill/>
+          <a:ln w="0">
+            <a:noFill/>
+          </a:ln>
+        </p:spPr>
+        <p:txBody>
+          <a:bodyPr lIns="0" rIns="0" tIns="0" bIns="0" anchor="t">
+            <a:normAutofit/>
+          </a:bodyPr>
+          <a:p>
+            <a:pPr marL="432000" indent="-324000">
+              <a:spcBef>
+                <a:spcPts val="1417"/>
+              </a:spcBef>
+              <a:buClr>
+                <a:srgbClr val="000000"/>
+              </a:buClr>
+              <a:buSzPct val="45000"/>
+              <a:buFont typeface="Wingdings" charset="2"/>
+              <a:buChar char=""/>
+            </a:pPr>
+            <a:r>
+              <a:rPr b="0" lang="en-US" sz="3200" strike="noStrike" u="none">
+                <a:solidFill>
+                  <a:srgbClr val="000000"/>
+                </a:solidFill>
+                <a:effectLst/>
+                <a:uFillTx/>
+                <a:latin typeface="Arial"/>
+              </a:rPr>
+              <a:t>Click to edit the outline text format</a:t>
+            </a:r>
+            <a:endParaRPr b="0" lang="en-US" sz="3200" strike="noStrike" u="none">
+              <a:solidFill>
+                <a:srgbClr val="000000"/>
+              </a:solidFill>
+              <a:effectLst/>
+              <a:uFillTx/>
+              <a:latin typeface="Arial"/>
+            </a:endParaRPr>
+          </a:p>
+          <a:p>
+            <a:pPr lvl="1" marL="432000" indent="-216000">
+              <a:spcBef>
+                <a:spcPts val="1134"/>
+              </a:spcBef>
+              <a:buClr>
+                <a:srgbClr val="000000"/>
+              </a:buClr>
+              <a:buSzPct val="45000"/>
+              <a:buFont typeface="Wingdings" charset="2"/>
+              <a:buChar char=""/>
+            </a:pPr>
+            <a:r>
+              <a:rPr b="0" lang="en-US" sz="2800" strike="noStrike" u="none">
+                <a:solidFill>
+                  <a:srgbClr val="000000"/>
+                </a:solidFill>
+                <a:effectLst/>
+                <a:uFillTx/>
+                <a:latin typeface="Times New Roman"/>
+              </a:rPr>
+              <a:t>Second Outline Level</a:t>
+            </a:r>
+            <a:endParaRPr b="0" lang="en-US" sz="2800" strike="noStrike" u="none">
+              <a:solidFill>
+                <a:srgbClr val="000000"/>
+              </a:solidFill>
+              <a:effectLst/>
+              <a:uFillTx/>
+              <a:latin typeface="Times New Roman"/>
+            </a:endParaRPr>
+          </a:p>
+          <a:p>
+            <a:pPr lvl="2" marL="648000" indent="-216000">
+              <a:spcBef>
+                <a:spcPts val="850"/>
+              </a:spcBef>
+              <a:buClr>
+                <a:srgbClr val="000000"/>
+              </a:buClr>
+              <a:buSzPct val="45000"/>
+              <a:buFont typeface="Wingdings" charset="2"/>
+              <a:buChar char=""/>
+            </a:pPr>
+            <a:r>
+              <a:rPr b="0" lang="en-US" sz="2400" strike="noStrike" u="none">
+                <a:solidFill>
+                  <a:srgbClr val="000000"/>
+                </a:solidFill>
+                <a:effectLst/>
+                <a:uFillTx/>
+                <a:latin typeface="Times New Roman"/>
+              </a:rPr>
+              <a:t>Third Outline Level</a:t>
+            </a:r>
+            <a:endParaRPr b="0" lang="en-US" sz="2400" strike="noStrike" u="none">
+              <a:solidFill>
+                <a:srgbClr val="000000"/>
+              </a:solidFill>
+              <a:effectLst/>
+              <a:uFillTx/>
+              <a:latin typeface="Times New Roman"/>
+            </a:endParaRPr>
+          </a:p>
+          <a:p>
+            <a:pPr lvl="3" marL="864000" indent="-216000">
+              <a:spcBef>
+                <a:spcPts val="567"/>
+              </a:spcBef>
+              <a:buClr>
+                <a:srgbClr val="000000"/>
+              </a:buClr>
+              <a:buSzPct val="45000"/>
+              <a:buFont typeface="Wingdings" charset="2"/>
+              <a:buChar char=""/>
+            </a:pPr>
+            <a:r>
+              <a:rPr b="0" lang="en-US" sz="2000" strike="noStrike" u="none">
+                <a:solidFill>
+                  <a:srgbClr val="000000"/>
+                </a:solidFill>
+                <a:effectLst/>
+                <a:uFillTx/>
+                <a:latin typeface="Times New Roman"/>
+              </a:rPr>
+              <a:t>Fourth Outline Level</a:t>
+            </a:r>
+            <a:endParaRPr b="0" lang="en-US" sz="2000" strike="noStrike" u="none">
+              <a:solidFill>
+                <a:srgbClr val="000000"/>
+              </a:solidFill>
+              <a:effectLst/>
+              <a:uFillTx/>
+              <a:latin typeface="Times New Roman"/>
+            </a:endParaRPr>
+          </a:p>
+          <a:p>
+            <a:pPr lvl="4" marL="1080000" indent="-216000">
+              <a:spcBef>
+                <a:spcPts val="283"/>
+              </a:spcBef>
+              <a:buClr>
+                <a:srgbClr val="000000"/>
+              </a:buClr>
+              <a:buSzPct val="45000"/>
+              <a:buFont typeface="Wingdings" charset="2"/>
+              <a:buChar char=""/>
+            </a:pPr>
+            <a:r>
+              <a:rPr b="0" lang="en-US" sz="2000" strike="noStrike" u="none">
+                <a:solidFill>
+                  <a:srgbClr val="000000"/>
+                </a:solidFill>
+                <a:effectLst/>
+                <a:uFillTx/>
+                <a:latin typeface="Times New Roman"/>
+              </a:rPr>
+              <a:t>Fifth Outline Level</a:t>
+            </a:r>
+            <a:endParaRPr b="0" lang="en-US" sz="2000" strike="noStrike" u="none">
+              <a:solidFill>
+                <a:srgbClr val="000000"/>
+              </a:solidFill>
+              <a:effectLst/>
+              <a:uFillTx/>
+              <a:latin typeface="Times New Roman"/>
+            </a:endParaRPr>
+          </a:p>
+          <a:p>
+            <a:pPr lvl="5" marL="1296000" indent="-216000">
+              <a:spcBef>
+                <a:spcPts val="283"/>
+              </a:spcBef>
+              <a:buClr>
+                <a:srgbClr val="000000"/>
+              </a:buClr>
+              <a:buSzPct val="45000"/>
+              <a:buFont typeface="Wingdings" charset="2"/>
+              <a:buChar char=""/>
+            </a:pPr>
+            <a:r>
+              <a:rPr b="0" lang="en-US" sz="2000" strike="noStrike" u="none">
+                <a:solidFill>
+                  <a:srgbClr val="000000"/>
+                </a:solidFill>
+                <a:effectLst/>
+                <a:uFillTx/>
+                <a:latin typeface="Times New Roman"/>
+              </a:rPr>
+              <a:t>Sixth Outline Level</a:t>
+            </a:r>
+            <a:endParaRPr b="0" lang="en-US" sz="2000" strike="noStrike" u="none">
+              <a:solidFill>
+                <a:srgbClr val="000000"/>
+              </a:solidFill>
+              <a:effectLst/>
+              <a:uFillTx/>
+              <a:latin typeface="Times New Roman"/>
+            </a:endParaRPr>
+          </a:p>
+          <a:p>
+            <a:pPr lvl="6" marL="1512000" indent="-216000">
+              <a:spcBef>
+                <a:spcPts val="283"/>
+              </a:spcBef>
+              <a:buClr>
+                <a:srgbClr val="000000"/>
+              </a:buClr>
+              <a:buSzPct val="45000"/>
+              <a:buFont typeface="Wingdings" charset="2"/>
+              <a:buChar char=""/>
+            </a:pPr>
+            <a:r>
+              <a:rPr b="0" lang="en-US" sz="2000" strike="noStrike" u="none">
+                <a:solidFill>
+                  <a:srgbClr val="000000"/>
+                </a:solidFill>
+                <a:effectLst/>
+                <a:uFillTx/>
+                <a:latin typeface="Times New Roman"/>
+              </a:rPr>
+              <a:t>Seventh Outline Level</a:t>
+            </a:r>
+            <a:endParaRPr b="0" lang="en-US" sz="2000" strike="noStrike" u="none">
+              <a:solidFill>
+                <a:srgbClr val="000000"/>
+              </a:solidFill>
+              <a:effectLst/>
+              <a:uFillTx/>
+              <a:latin typeface="Times New Roman"/>
+            </a:endParaRPr>
+          </a:p>
+        </p:txBody>
+      </p:sp>
+    </p:spTree>
+  </p:cSld>
+  <p:clrMap bg1="lt1" tx1="dk1" bg2="lt2" tx2="dk2" accent1="accent1" accent2="accent2" accent3="accent3" accent4="accent4" accent5="accent5" accent6="accent6" hlink="hlink" folHlink="folHlink"/>
+  <p:sldLayoutIdLst>
+    <p:sldLayoutId id="2147483657" r:id="rId2"/>
+  </p:sldLayoutIdLst>
+</p:sldMaster>
+</file>
+
+<file path=ppt/slideMasters/slideMaster6.xml><?xml version="1.0" encoding="utf-8"?>
+<p:sldMaster xmlns:a="http://schemas.openxmlformats.org/drawingml/2006/main" xmlns:p="http://schemas.openxmlformats.org/presentationml/2006/main" xmlns:r="http://schemas.openxmlformats.org/officeDocument/2006/relationships" xmlns:p14="http://schemas.microsoft.com/office/powerpoint/2010/main" xmlns:p15="http://schemas.microsoft.com/office/powerpoint/2012/main" xmlns:mc="http://schemas.openxmlformats.org/markup-compatibility/2006">
+  <p:cSld>
+    <p:spTree>
+      <p:nvGrpSpPr>
+        <p:cNvPr id="1" name=""/>
+        <p:cNvGrpSpPr/>
+        <p:nvPr/>
+      </p:nvGrpSpPr>
+      <p:grpSpPr>
+        <a:xfrm>
+          <a:off x="0" y="0"/>
+          <a:ext cx="0" cy="0"/>
+          <a:chOff x="0" y="0"/>
+          <a:chExt cx="0" cy="0"/>
+        </a:xfrm>
+      </p:grpSpPr>
+      <p:sp>
+        <p:nvSpPr>
+          <p:cNvPr id="31" name=""/>
+          <p:cNvSpPr/>
+          <p:nvPr/>
+        </p:nvSpPr>
+        <p:spPr>
+          <a:xfrm flipV="1">
+            <a:off x="0" y="-1440"/>
+            <a:ext cx="10078560" cy="178560"/>
+          </a:xfrm>
+          <a:prstGeom prst="rect">
+            <a:avLst/>
+          </a:prstGeom>
+          <a:pattFill prst="lgGrid">
+            <a:fgClr>
+              <a:srgbClr val="3465a4"/>
+            </a:fgClr>
+            <a:bgClr>
+              <a:srgbClr val="009eda"/>
+            </a:bgClr>
+          </a:pattFill>
+          <a:ln w="18000">
+            <a:noFill/>
+          </a:ln>
+          <a:effectLst>
+            <a:outerShdw blurRad="0" dir="5400000" dist="25200" rotWithShape="0">
+              <a:srgbClr val="f49100"/>
+            </a:outerShdw>
+          </a:effectLst>
+        </p:spPr>
+        <p:style>
+          <a:lnRef idx="0"/>
+          <a:fillRef idx="0"/>
+          <a:effectRef idx="0"/>
+          <a:fontRef idx="minor"/>
+        </p:style>
+        <p:txBody>
+          <a:bodyPr wrap="none" lIns="36000" rIns="36000" tIns="36000" bIns="36000" anchor="ctr">
+            <a:noAutofit/>
+          </a:bodyPr>
+          <a:p>
+            <a:pPr>
+              <a:lnSpc>
+                <a:spcPct val="100000"/>
+              </a:lnSpc>
+            </a:pPr>
+            <a:endParaRPr b="0" lang="en-US" sz="2200" strike="noStrike" u="none">
+              <a:solidFill>
+                <a:srgbClr val="ffffff"/>
+              </a:solidFill>
+              <a:effectLst/>
+              <a:uFillTx/>
+              <a:latin typeface="Noto Sans"/>
+              <a:ea typeface="DejaVu Sans"/>
+            </a:endParaRPr>
+          </a:p>
+        </p:txBody>
+      </p:sp>
+      <p:sp>
+        <p:nvSpPr>
+          <p:cNvPr id="32" name=""/>
+          <p:cNvSpPr/>
+          <p:nvPr/>
+        </p:nvSpPr>
+        <p:spPr>
+          <a:xfrm>
+            <a:off x="0" y="5580000"/>
+            <a:ext cx="10078560" cy="88560"/>
+          </a:xfrm>
+          <a:prstGeom prst="rect">
+            <a:avLst/>
+          </a:prstGeom>
+          <a:pattFill prst="lgGrid">
+            <a:fgClr>
+              <a:srgbClr val="3465a4"/>
+            </a:fgClr>
+            <a:bgClr>
+              <a:srgbClr val="009eda"/>
+            </a:bgClr>
+          </a:pattFill>
+          <a:ln w="18000">
+            <a:noFill/>
+          </a:ln>
+          <a:effectLst>
+            <a:outerShdw blurRad="0" dir="16200000" dist="25200" rotWithShape="0">
+              <a:srgbClr val="f49100"/>
+            </a:outerShdw>
+          </a:effectLst>
+        </p:spPr>
+        <p:style>
+          <a:lnRef idx="0"/>
+          <a:fillRef idx="0"/>
+          <a:effectRef idx="0"/>
+          <a:fontRef idx="minor"/>
+        </p:style>
+        <p:txBody>
+          <a:bodyPr wrap="none" lIns="36000" rIns="36000" tIns="36000" bIns="36000" anchor="ctr">
+            <a:noAutofit/>
+          </a:bodyPr>
+          <a:p>
+            <a:pPr>
+              <a:lnSpc>
+                <a:spcPct val="100000"/>
+              </a:lnSpc>
+            </a:pPr>
+            <a:endParaRPr b="0" lang="en-US" sz="2200" strike="noStrike" u="none">
+              <a:solidFill>
+                <a:srgbClr val="ffffff"/>
+              </a:solidFill>
+              <a:effectLst/>
+              <a:uFillTx/>
+              <a:latin typeface="Noto Sans"/>
+              <a:ea typeface="DejaVu Sans"/>
+            </a:endParaRPr>
+          </a:p>
+        </p:txBody>
+      </p:sp>
+      <p:sp>
+        <p:nvSpPr>
+          <p:cNvPr id="33" name="PlaceHolder 1"/>
+          <p:cNvSpPr>
+            <a:spLocks noGrp="1"/>
+          </p:cNvSpPr>
+          <p:nvPr>
+            <p:ph type="ftr" idx="16"/>
+          </p:nvPr>
+        </p:nvSpPr>
+        <p:spPr>
+          <a:xfrm>
+            <a:off x="3420000" y="5130000"/>
+            <a:ext cx="3238560" cy="448560"/>
+          </a:xfrm>
+          <a:prstGeom prst="rect">
+            <a:avLst/>
+          </a:prstGeom>
+          <a:noFill/>
+          <a:ln w="0">
+            <a:noFill/>
+          </a:ln>
+        </p:spPr>
+        <p:txBody>
+          <a:bodyPr lIns="0" rIns="0" tIns="0" bIns="0" anchor="t">
+            <a:noAutofit/>
+          </a:bodyPr>
+          <a:lstStyle>
+            <a:lvl1pPr indent="0" algn="ctr">
+              <a:lnSpc>
+                <a:spcPct val="100000"/>
+              </a:lnSpc>
+              <a:buNone/>
+              <a:tabLst>
+                <a:tab algn="l" pos="0"/>
+              </a:tabLst>
+              <a:defRPr b="0" lang="en-US" sz="1400" strike="noStrike" u="none">
+                <a:solidFill>
+                  <a:srgbClr val="484848"/>
+                </a:solidFill>
+                <a:effectLst/>
+                <a:uFillTx/>
+                <a:latin typeface="Noto Sans"/>
+              </a:defRPr>
+            </a:lvl1pPr>
+          </a:lstStyle>
+          <a:p>
+            <a:pPr indent="0" algn="ctr">
+              <a:lnSpc>
+                <a:spcPct val="100000"/>
+              </a:lnSpc>
+              <a:buNone/>
+              <a:tabLst>
+                <a:tab algn="l" pos="0"/>
+              </a:tabLst>
+            </a:pPr>
+            <a:r>
+              <a:rPr b="0" lang="en-US" sz="1400" strike="noStrike" u="none">
+                <a:solidFill>
+                  <a:srgbClr val="484848"/>
+                </a:solidFill>
+                <a:effectLst/>
+                <a:uFillTx/>
+                <a:latin typeface="Noto Sans"/>
+              </a:rPr>
+              <a:t> </a:t>
+            </a:r>
+            <a:endParaRPr b="0" lang="en-US" sz="1400" strike="noStrike" u="none">
+              <a:solidFill>
+                <a:srgbClr val="000000"/>
+              </a:solidFill>
+              <a:effectLst/>
+              <a:uFillTx/>
+              <a:latin typeface="Times New Roman"/>
+            </a:endParaRPr>
+          </a:p>
+        </p:txBody>
+      </p:sp>
+      <p:sp>
+        <p:nvSpPr>
+          <p:cNvPr id="34" name="PlaceHolder 2"/>
+          <p:cNvSpPr>
+            <a:spLocks noGrp="1"/>
+          </p:cNvSpPr>
+          <p:nvPr>
+            <p:ph type="sldNum" idx="17"/>
+          </p:nvPr>
+        </p:nvSpPr>
+        <p:spPr>
+          <a:xfrm>
+            <a:off x="7236000" y="5130000"/>
+            <a:ext cx="2338560" cy="448560"/>
+          </a:xfrm>
+          <a:prstGeom prst="rect">
+            <a:avLst/>
+          </a:prstGeom>
+          <a:noFill/>
+          <a:ln w="0">
+            <a:noFill/>
+          </a:ln>
+        </p:spPr>
+        <p:txBody>
+          <a:bodyPr lIns="0" rIns="0" tIns="0" bIns="0" anchor="t">
+            <a:noAutofit/>
+          </a:bodyPr>
+          <a:lstStyle>
+            <a:lvl1pPr indent="0" algn="r">
+              <a:lnSpc>
+                <a:spcPct val="100000"/>
+              </a:lnSpc>
+              <a:buNone/>
+              <a:tabLst>
+                <a:tab algn="l" pos="0"/>
+              </a:tabLst>
+              <a:defRPr b="0" lang="en-US" sz="1400" strike="noStrike" u="none">
+                <a:solidFill>
+                  <a:srgbClr val="484848"/>
+                </a:solidFill>
+                <a:effectLst/>
+                <a:uFillTx/>
+                <a:latin typeface="Noto Sans"/>
+              </a:defRPr>
+            </a:lvl1pPr>
+          </a:lstStyle>
+          <a:p>
+            <a:pPr indent="0" algn="r">
+              <a:lnSpc>
+                <a:spcPct val="100000"/>
+              </a:lnSpc>
+              <a:buNone/>
+              <a:tabLst>
+                <a:tab algn="l" pos="0"/>
+              </a:tabLst>
+            </a:pPr>
+            <a:fld id="{8C455619-C59A-46C3-BAF6-D98E94B31D47}" type="slidenum">
               <a:rPr b="0" lang="en-US" sz="1400" strike="noStrike" u="none">
                 <a:solidFill>
                   <a:srgbClr val="484848"/>
@@ -4279,7 +7393,7 @@
         <p:spPr>
           <a:xfrm>
             <a:off x="504000" y="5130000"/>
-            <a:ext cx="2339280" cy="449280"/>
+            <a:ext cx="2338560" cy="448560"/>
           </a:xfrm>
           <a:prstGeom prst="rect">
             <a:avLst/>
@@ -4674,8 +7788,8 @@
         </p:nvSpPr>
         <p:spPr>
           <a:xfrm flipV="1">
-            <a:off x="0" y="-720"/>
-            <a:ext cx="10079280" cy="179280"/>
+            <a:off x="0" y="-1440"/>
+            <a:ext cx="10078560" cy="178560"/>
           </a:xfrm>
           <a:prstGeom prst="rect">
             <a:avLst/>
@@ -4734,7 +7848,7 @@
         <p:spPr>
           <a:xfrm>
             <a:off x="0" y="5580000"/>
-            <a:ext cx="10079280" cy="89280"/>
+            <a:ext cx="10078560" cy="88560"/>
           </a:xfrm>
           <a:prstGeom prst="rect">
             <a:avLst/>
@@ -4850,7 +7964,7 @@
         <p:spPr>
           <a:xfrm>
             <a:off x="3420000" y="5130000"/>
-            <a:ext cx="3239280" cy="449280"/>
+            <a:ext cx="3238560" cy="448560"/>
           </a:xfrm>
           <a:prstGeom prst="rect">
             <a:avLst/>
@@ -4928,7 +8042,7 @@
         <p:spPr>
           <a:xfrm>
             <a:off x="7236000" y="5130000"/>
-            <a:ext cx="2339280" cy="449280"/>
+            <a:ext cx="2338560" cy="448560"/>
           </a:xfrm>
           <a:prstGeom prst="rect">
             <a:avLst/>
@@ -4971,7 +8085,7 @@
                 <a:tab algn="l" pos="0"/>
               </a:tabLst>
             </a:pPr>
-            <a:fld id="{FDA6B7E9-299B-4CA6-8BD0-9D793DBBD19D}" type="slidenum">
+            <a:fld id="{42B42A90-6C0D-4D46-9439-B99CE7D8DC92}" type="slidenum">
               <a:rPr b="0" lang="en-US" sz="1400" strike="noStrike" u="none">
                 <a:solidFill>
                   <a:srgbClr val="484848"/>
@@ -5006,7 +8120,7 @@
         <p:spPr>
           <a:xfrm>
             <a:off x="504000" y="5130000"/>
-            <a:ext cx="2339280" cy="449280"/>
+            <a:ext cx="2338560" cy="448560"/>
           </a:xfrm>
           <a:prstGeom prst="rect">
             <a:avLst/>
@@ -5093,8 +8207,8 @@
         </p:nvSpPr>
         <p:spPr>
           <a:xfrm flipV="1">
-            <a:off x="0" y="-720"/>
-            <a:ext cx="10079280" cy="179280"/>
+            <a:off x="0" y="-1440"/>
+            <a:ext cx="10078560" cy="178560"/>
           </a:xfrm>
           <a:prstGeom prst="rect">
             <a:avLst/>
@@ -5153,7 +8267,7 @@
         <p:spPr>
           <a:xfrm>
             <a:off x="0" y="5580000"/>
-            <a:ext cx="10079280" cy="89280"/>
+            <a:ext cx="10078560" cy="88560"/>
           </a:xfrm>
           <a:prstGeom prst="rect">
             <a:avLst/>
@@ -5522,7 +8636,7 @@
         <p:spPr>
           <a:xfrm>
             <a:off x="3420000" y="5130000"/>
-            <a:ext cx="3239280" cy="449280"/>
+            <a:ext cx="3238560" cy="448560"/>
           </a:xfrm>
           <a:prstGeom prst="rect">
             <a:avLst/>
@@ -5600,7 +8714,7 @@
         <p:spPr>
           <a:xfrm>
             <a:off x="7236000" y="5130000"/>
-            <a:ext cx="2339280" cy="449280"/>
+            <a:ext cx="2338560" cy="448560"/>
           </a:xfrm>
           <a:prstGeom prst="rect">
             <a:avLst/>
@@ -5643,7 +8757,7 @@
                 <a:tab algn="l" pos="0"/>
               </a:tabLst>
             </a:pPr>
-            <a:fld id="{F65074A8-0C20-4281-A005-16BF64E51217}" type="slidenum">
+            <a:fld id="{48EB5B6C-10D8-4CC2-8977-F5F28DD6A10E}" type="slidenum">
               <a:rPr b="0" lang="en-US" sz="1400" strike="noStrike" u="none">
                 <a:solidFill>
                   <a:srgbClr val="484848"/>
@@ -5678,7 +8792,7 @@
         <p:spPr>
           <a:xfrm>
             <a:off x="504000" y="5130000"/>
-            <a:ext cx="2339280" cy="449280"/>
+            <a:ext cx="2338560" cy="448560"/>
           </a:xfrm>
           <a:prstGeom prst="rect">
             <a:avLst/>
@@ -5765,8 +8879,8 @@
         </p:nvSpPr>
         <p:spPr>
           <a:xfrm flipV="1">
-            <a:off x="0" y="-720"/>
-            <a:ext cx="10079280" cy="179280"/>
+            <a:off x="0" y="-1440"/>
+            <a:ext cx="10078560" cy="178560"/>
           </a:xfrm>
           <a:prstGeom prst="rect">
             <a:avLst/>
@@ -5799,6 +8913,11 @@
             <a:noAutofit/>
           </a:bodyPr>
           <a:p>
+            <a:pPr>
+              <a:lnSpc>
+                <a:spcPct val="100000"/>
+              </a:lnSpc>
+            </a:pPr>
             <a:endParaRPr b="0" lang="en-US" sz="2200" strike="noStrike" u="none">
               <a:solidFill>
                 <a:srgbClr val="ffffff"/>
@@ -5820,7 +8939,7 @@
         <p:spPr>
           <a:xfrm>
             <a:off x="0" y="5580000"/>
-            <a:ext cx="10079280" cy="89280"/>
+            <a:ext cx="10078560" cy="88560"/>
           </a:xfrm>
           <a:prstGeom prst="rect">
             <a:avLst/>
@@ -5853,6 +8972,11 @@
             <a:noAutofit/>
           </a:bodyPr>
           <a:p>
+            <a:pPr>
+              <a:lnSpc>
+                <a:spcPct val="100000"/>
+              </a:lnSpc>
+            </a:pPr>
             <a:endParaRPr b="0" lang="en-US" sz="2200" strike="noStrike" u="none">
               <a:solidFill>
                 <a:srgbClr val="ffffff"/>
@@ -5872,13 +8996,13 @@
             <a:spLocks noGrp="1"/>
           </p:cNvSpPr>
           <p:nvPr>
-            <p:ph type="ftr" idx="25"/>
+            <p:ph type="title"/>
           </p:nvPr>
         </p:nvSpPr>
         <p:spPr>
           <a:xfrm>
-            <a:off x="3420000" y="5130000"/>
-            <a:ext cx="3239280" cy="449280"/>
+            <a:off x="504000" y="561600"/>
+            <a:ext cx="9071640" cy="274680"/>
           </a:xfrm>
           <a:prstGeom prst="rect">
             <a:avLst/>
@@ -5889,56 +9013,31 @@
           </a:ln>
         </p:spPr>
         <p:txBody>
-          <a:bodyPr lIns="0" rIns="0" tIns="0" bIns="0" anchor="t">
-            <a:noAutofit/>
+          <a:bodyPr lIns="0" rIns="0" tIns="0" bIns="0" anchor="ctr">
+            <a:spAutoFit/>
           </a:bodyPr>
-          <a:lstStyle>
-            <a:lvl1pPr indent="0" algn="ctr">
-              <a:lnSpc>
-                <a:spcPct val="100000"/>
-              </a:lnSpc>
+          <a:p>
+            <a:pPr indent="0">
               <a:buNone/>
-              <a:tabLst>
-                <a:tab algn="l" pos="0"/>
-              </a:tabLst>
-              <a:defRPr b="0" lang="en-US" sz="1400" strike="noStrike" u="none">
-                <a:solidFill>
-                  <a:srgbClr val="484848"/>
-                </a:solidFill>
-                <a:effectLst/>
-                <a:uFillTx/>
-                <a:latin typeface="Noto Sans"/>
-              </a:defRPr>
-            </a:lvl1pPr>
-          </a:lstStyle>
-          <a:p>
-            <a:pPr indent="0" algn="ctr">
-              <a:lnSpc>
-                <a:spcPct val="100000"/>
-              </a:lnSpc>
-              <a:buNone/>
-              <a:tabLst>
-                <a:tab algn="l" pos="0"/>
-              </a:tabLst>
-            </a:pPr>
-            <a:r>
-              <a:rPr b="0" lang="en-US" sz="1400" strike="noStrike" u="none">
-                <a:solidFill>
-                  <a:srgbClr val="484848"/>
-                </a:solidFill>
-                <a:effectLst/>
-                <a:uFillTx/>
-                <a:latin typeface="Noto Sans"/>
-              </a:rPr>
-              <a:t> </a:t>
-            </a:r>
-            <a:endParaRPr b="0" lang="en-US" sz="1400" strike="noStrike" u="none">
-              <a:solidFill>
-                <a:srgbClr val="000000"/>
-              </a:solidFill>
-              <a:effectLst/>
-              <a:uFillTx/>
-              <a:latin typeface="Times New Roman"/>
+            </a:pPr>
+            <a:r>
+              <a:rPr b="0" lang="en-US" sz="1800" strike="noStrike" u="none">
+                <a:solidFill>
+                  <a:srgbClr val="000000"/>
+                </a:solidFill>
+                <a:effectLst/>
+                <a:uFillTx/>
+                <a:latin typeface="Arial"/>
+              </a:rPr>
+              <a:t>Click to edit the title text format</a:t>
+            </a:r>
+            <a:endParaRPr b="0" lang="en-US" sz="1800" strike="noStrike" u="none">
+              <a:solidFill>
+                <a:srgbClr val="000000"/>
+              </a:solidFill>
+              <a:effectLst/>
+              <a:uFillTx/>
+              <a:latin typeface="Arial"/>
             </a:endParaRPr>
           </a:p>
         </p:txBody>
@@ -5950,13 +9049,13 @@
             <a:spLocks noGrp="1"/>
           </p:cNvSpPr>
           <p:nvPr>
-            <p:ph type="sldNum" idx="26"/>
+            <p:ph type="ftr" idx="25"/>
           </p:nvPr>
         </p:nvSpPr>
         <p:spPr>
           <a:xfrm>
-            <a:off x="7236000" y="5130000"/>
-            <a:ext cx="2339280" cy="449280"/>
+            <a:off x="3420000" y="5130000"/>
+            <a:ext cx="3238560" cy="448560"/>
           </a:xfrm>
           <a:prstGeom prst="rect">
             <a:avLst/>
@@ -5971,7 +9070,7 @@
             <a:noAutofit/>
           </a:bodyPr>
           <a:lstStyle>
-            <a:lvl1pPr indent="0" algn="r">
+            <a:lvl1pPr indent="0" algn="ctr">
               <a:lnSpc>
                 <a:spcPct val="100000"/>
               </a:lnSpc>
@@ -5990,7 +9089,7 @@
             </a:lvl1pPr>
           </a:lstStyle>
           <a:p>
-            <a:pPr indent="0" algn="r">
+            <a:pPr indent="0" algn="ctr">
               <a:lnSpc>
                 <a:spcPct val="100000"/>
               </a:lnSpc>
@@ -5999,7 +9098,7 @@
                 <a:tab algn="l" pos="0"/>
               </a:tabLst>
             </a:pPr>
-            <a:fld id="{F17E6E13-50C7-4FE9-BE44-E9347F84C3B9}" type="slidenum">
+            <a:r>
               <a:rPr b="0" lang="en-US" sz="1400" strike="noStrike" u="none">
                 <a:solidFill>
                   <a:srgbClr val="484848"/>
@@ -6008,8 +9107,8 @@
                 <a:uFillTx/>
                 <a:latin typeface="Noto Sans"/>
               </a:rPr>
-              <a:t>1</a:t>
-            </a:fld>
+              <a:t> </a:t>
+            </a:r>
             <a:endParaRPr b="0" lang="en-US" sz="1400" strike="noStrike" u="none">
               <a:solidFill>
                 <a:srgbClr val="000000"/>
@@ -6028,13 +9127,13 @@
             <a:spLocks noGrp="1"/>
           </p:cNvSpPr>
           <p:nvPr>
-            <p:ph type="dt" idx="27"/>
+            <p:ph type="sldNum" idx="26"/>
           </p:nvPr>
         </p:nvSpPr>
         <p:spPr>
           <a:xfrm>
-            <a:off x="504000" y="5130000"/>
-            <a:ext cx="2339280" cy="449280"/>
+            <a:off x="7236000" y="5130000"/>
+            <a:ext cx="2338560" cy="448560"/>
           </a:xfrm>
           <a:prstGeom prst="rect">
             <a:avLst/>
@@ -6049,33 +9148,45 @@
             <a:noAutofit/>
           </a:bodyPr>
           <a:lstStyle>
-            <a:lvl1pPr indent="0">
+            <a:lvl1pPr indent="0" algn="r">
+              <a:lnSpc>
+                <a:spcPct val="100000"/>
+              </a:lnSpc>
               <a:buNone/>
+              <a:tabLst>
+                <a:tab algn="l" pos="0"/>
+              </a:tabLst>
               <a:defRPr b="0" lang="en-US" sz="1400" strike="noStrike" u="none">
                 <a:solidFill>
-                  <a:srgbClr val="000000"/>
-                </a:solidFill>
-                <a:effectLst/>
-                <a:uFillTx/>
-                <a:latin typeface="Times New Roman"/>
+                  <a:srgbClr val="484848"/>
+                </a:solidFill>
+                <a:effectLst/>
+                <a:uFillTx/>
+                <a:latin typeface="Noto Sans"/>
               </a:defRPr>
             </a:lvl1pPr>
           </a:lstStyle>
           <a:p>
-            <a:pPr indent="0">
+            <a:pPr indent="0" algn="r">
+              <a:lnSpc>
+                <a:spcPct val="100000"/>
+              </a:lnSpc>
               <a:buNone/>
-            </a:pPr>
-            <a:r>
+              <a:tabLst>
+                <a:tab algn="l" pos="0"/>
+              </a:tabLst>
+            </a:pPr>
+            <a:fld id="{682F4660-35B8-431A-BD8E-191A773D974F}" type="slidenum">
               <a:rPr b="0" lang="en-US" sz="1400" strike="noStrike" u="none">
                 <a:solidFill>
-                  <a:srgbClr val="000000"/>
-                </a:solidFill>
-                <a:effectLst/>
-                <a:uFillTx/>
-                <a:latin typeface="Times New Roman"/>
-              </a:rPr>
-              <a:t> </a:t>
-            </a:r>
+                  <a:srgbClr val="484848"/>
+                </a:solidFill>
+                <a:effectLst/>
+                <a:uFillTx/>
+                <a:latin typeface="Noto Sans"/>
+              </a:rPr>
+              <a:t>1</a:t>
+            </a:fld>
             <a:endParaRPr b="0" lang="en-US" sz="1400" strike="noStrike" u="none">
               <a:solidFill>
                 <a:srgbClr val="000000"/>
@@ -6094,13 +9205,13 @@
             <a:spLocks noGrp="1"/>
           </p:cNvSpPr>
           <p:nvPr>
-            <p:ph type="title"/>
+            <p:ph type="dt" idx="27"/>
           </p:nvPr>
         </p:nvSpPr>
         <p:spPr>
           <a:xfrm>
-            <a:off x="504000" y="226080"/>
-            <a:ext cx="9072000" cy="946440"/>
+            <a:off x="504000" y="5130000"/>
+            <a:ext cx="2338560" cy="448560"/>
           </a:xfrm>
           <a:prstGeom prst="rect">
             <a:avLst/>
@@ -6111,284 +9222,44 @@
           </a:ln>
         </p:spPr>
         <p:txBody>
-          <a:bodyPr lIns="0" rIns="0" tIns="0" bIns="0" anchor="ctr">
+          <a:bodyPr lIns="0" rIns="0" tIns="0" bIns="0" anchor="t">
             <a:noAutofit/>
           </a:bodyPr>
-          <a:p>
-            <a:pPr indent="0" algn="ctr">
+          <a:lstStyle>
+            <a:lvl1pPr indent="0">
               <a:buNone/>
-            </a:pPr>
-            <a:r>
-              <a:rPr b="0" lang="en-US" sz="4400" strike="noStrike" u="none">
-                <a:solidFill>
-                  <a:srgbClr val="000000"/>
-                </a:solidFill>
-                <a:effectLst/>
-                <a:uFillTx/>
-                <a:latin typeface="Arial"/>
-              </a:rPr>
-              <a:t>Click to edit the title text format</a:t>
-            </a:r>
-            <a:endParaRPr b="0" lang="en-US" sz="4400" strike="noStrike" u="none">
-              <a:solidFill>
-                <a:srgbClr val="000000"/>
-              </a:solidFill>
-              <a:effectLst/>
-              <a:uFillTx/>
-              <a:latin typeface="Arial"/>
-            </a:endParaRPr>
-          </a:p>
-        </p:txBody>
-      </p:sp>
-      <p:sp>
-        <p:nvSpPr>
-          <p:cNvPr id="65" name="PlaceHolder 5"/>
-          <p:cNvSpPr>
-            <a:spLocks noGrp="1"/>
-          </p:cNvSpPr>
-          <p:nvPr>
-            <p:ph type="body"/>
-          </p:nvPr>
-        </p:nvSpPr>
-        <p:spPr>
-          <a:xfrm>
-            <a:off x="504000" y="1326600"/>
-            <a:ext cx="9072000" cy="3288600"/>
-          </a:xfrm>
-          <a:prstGeom prst="rect">
-            <a:avLst/>
-          </a:prstGeom>
-          <a:noFill/>
-          <a:ln w="0">
-            <a:noFill/>
-          </a:ln>
-        </p:spPr>
-        <p:txBody>
-          <a:bodyPr lIns="0" rIns="0" tIns="0" bIns="0" anchor="t">
-            <a:normAutofit/>
-          </a:bodyPr>
-          <a:p>
-            <a:pPr marL="432000" indent="-324000">
-              <a:spcBef>
-                <a:spcPts val="1417"/>
-              </a:spcBef>
-              <a:buClr>
-                <a:srgbClr val="000000"/>
-              </a:buClr>
-              <a:buSzPct val="45000"/>
-              <a:buFont typeface="Wingdings" charset="2"/>
-              <a:buChar char=""/>
-            </a:pPr>
-            <a:r>
-              <a:rPr b="0" lang="en-US" sz="3200" strike="noStrike" u="none">
-                <a:solidFill>
-                  <a:srgbClr val="000000"/>
-                </a:solidFill>
-                <a:effectLst/>
-                <a:uFillTx/>
-                <a:latin typeface="Arial"/>
-              </a:rPr>
-              <a:t>Click to edit the outline text format</a:t>
-            </a:r>
-            <a:endParaRPr b="0" lang="en-US" sz="3200" strike="noStrike" u="none">
-              <a:solidFill>
-                <a:srgbClr val="000000"/>
-              </a:solidFill>
-              <a:effectLst/>
-              <a:uFillTx/>
-              <a:latin typeface="Arial"/>
-            </a:endParaRPr>
-          </a:p>
-          <a:p>
-            <a:pPr lvl="1" marL="864000" indent="-324000">
-              <a:spcBef>
-                <a:spcPts val="1134"/>
-              </a:spcBef>
-              <a:buClr>
-                <a:srgbClr val="000000"/>
-              </a:buClr>
-              <a:buSzPct val="75000"/>
-              <a:buFont typeface="Symbol" charset="2"/>
-              <a:buChar char=""/>
-            </a:pPr>
-            <a:r>
-              <a:rPr b="0" lang="en-US" sz="2800" strike="noStrike" u="none">
-                <a:solidFill>
-                  <a:srgbClr val="000000"/>
-                </a:solidFill>
-                <a:effectLst/>
-                <a:uFillTx/>
-                <a:latin typeface="Arial"/>
-              </a:rPr>
-              <a:t>Second Outline Level</a:t>
-            </a:r>
-            <a:endParaRPr b="0" lang="en-US" sz="2800" strike="noStrike" u="none">
-              <a:solidFill>
-                <a:srgbClr val="000000"/>
-              </a:solidFill>
-              <a:effectLst/>
-              <a:uFillTx/>
-              <a:latin typeface="Arial"/>
-            </a:endParaRPr>
-          </a:p>
-          <a:p>
-            <a:pPr lvl="2" marL="1296000" indent="-288000">
-              <a:spcBef>
-                <a:spcPts val="850"/>
-              </a:spcBef>
-              <a:buClr>
-                <a:srgbClr val="000000"/>
-              </a:buClr>
-              <a:buSzPct val="45000"/>
-              <a:buFont typeface="Wingdings" charset="2"/>
-              <a:buChar char=""/>
-            </a:pPr>
-            <a:r>
-              <a:rPr b="0" lang="en-US" sz="2400" strike="noStrike" u="none">
-                <a:solidFill>
-                  <a:srgbClr val="000000"/>
-                </a:solidFill>
-                <a:effectLst/>
-                <a:uFillTx/>
-                <a:latin typeface="Arial"/>
-              </a:rPr>
-              <a:t>Third Outline Level</a:t>
-            </a:r>
-            <a:endParaRPr b="0" lang="en-US" sz="2400" strike="noStrike" u="none">
-              <a:solidFill>
-                <a:srgbClr val="000000"/>
-              </a:solidFill>
-              <a:effectLst/>
-              <a:uFillTx/>
-              <a:latin typeface="Arial"/>
-            </a:endParaRPr>
-          </a:p>
-          <a:p>
-            <a:pPr lvl="3" marL="1728000" indent="-216000">
-              <a:spcBef>
-                <a:spcPts val="567"/>
-              </a:spcBef>
-              <a:buClr>
-                <a:srgbClr val="000000"/>
-              </a:buClr>
-              <a:buSzPct val="75000"/>
-              <a:buFont typeface="Symbol" charset="2"/>
-              <a:buChar char=""/>
-            </a:pPr>
-            <a:r>
-              <a:rPr b="0" lang="en-US" sz="2000" strike="noStrike" u="none">
-                <a:solidFill>
-                  <a:srgbClr val="000000"/>
-                </a:solidFill>
-                <a:effectLst/>
-                <a:uFillTx/>
-                <a:latin typeface="Arial"/>
-              </a:rPr>
-              <a:t>Fourth Outline Level</a:t>
-            </a:r>
-            <a:endParaRPr b="0" lang="en-US" sz="2000" strike="noStrike" u="none">
-              <a:solidFill>
-                <a:srgbClr val="000000"/>
-              </a:solidFill>
-              <a:effectLst/>
-              <a:uFillTx/>
-              <a:latin typeface="Arial"/>
-            </a:endParaRPr>
-          </a:p>
-          <a:p>
-            <a:pPr lvl="4" marL="2160000" indent="-216000">
-              <a:spcBef>
-                <a:spcPts val="283"/>
-              </a:spcBef>
-              <a:buClr>
-                <a:srgbClr val="000000"/>
-              </a:buClr>
-              <a:buSzPct val="45000"/>
-              <a:buFont typeface="Wingdings" charset="2"/>
-              <a:buChar char=""/>
-            </a:pPr>
-            <a:r>
-              <a:rPr b="0" lang="en-US" sz="2000" strike="noStrike" u="none">
-                <a:solidFill>
-                  <a:srgbClr val="000000"/>
-                </a:solidFill>
-                <a:effectLst/>
-                <a:uFillTx/>
-                <a:latin typeface="Arial"/>
-              </a:rPr>
-              <a:t>Fifth Outline Level</a:t>
-            </a:r>
-            <a:endParaRPr b="0" lang="en-US" sz="2000" strike="noStrike" u="none">
-              <a:solidFill>
-                <a:srgbClr val="000000"/>
-              </a:solidFill>
-              <a:effectLst/>
-              <a:uFillTx/>
-              <a:latin typeface="Arial"/>
-            </a:endParaRPr>
-          </a:p>
-          <a:p>
-            <a:pPr lvl="5" marL="2592000" indent="-216000">
-              <a:spcBef>
-                <a:spcPts val="283"/>
-              </a:spcBef>
-              <a:buClr>
-                <a:srgbClr val="000000"/>
-              </a:buClr>
-              <a:buSzPct val="45000"/>
-              <a:buFont typeface="Wingdings" charset="2"/>
-              <a:buChar char=""/>
-            </a:pPr>
-            <a:r>
-              <a:rPr b="0" lang="en-US" sz="2000" strike="noStrike" u="none">
-                <a:solidFill>
-                  <a:srgbClr val="000000"/>
-                </a:solidFill>
-                <a:effectLst/>
-                <a:uFillTx/>
-                <a:latin typeface="Arial"/>
-              </a:rPr>
-              <a:t>Sixth Outline Level</a:t>
-            </a:r>
-            <a:endParaRPr b="0" lang="en-US" sz="2000" strike="noStrike" u="none">
-              <a:solidFill>
-                <a:srgbClr val="000000"/>
-              </a:solidFill>
-              <a:effectLst/>
-              <a:uFillTx/>
-              <a:latin typeface="Arial"/>
-            </a:endParaRPr>
-          </a:p>
-          <a:p>
-            <a:pPr lvl="6" marL="3024000" indent="-216000">
-              <a:spcBef>
-                <a:spcPts val="283"/>
-              </a:spcBef>
-              <a:buClr>
-                <a:srgbClr val="000000"/>
-              </a:buClr>
-              <a:buSzPct val="45000"/>
-              <a:buFont typeface="Wingdings" charset="2"/>
-              <a:buChar char=""/>
-            </a:pPr>
-            <a:r>
-              <a:rPr b="0" lang="en-US" sz="2000" strike="noStrike" u="none">
-                <a:solidFill>
-                  <a:srgbClr val="000000"/>
-                </a:solidFill>
-                <a:effectLst/>
-                <a:uFillTx/>
-                <a:latin typeface="Arial"/>
-              </a:rPr>
-              <a:t>Seventh Outline Level</a:t>
-            </a:r>
-            <a:endParaRPr b="0" lang="en-US" sz="2000" strike="noStrike" u="none">
-              <a:solidFill>
-                <a:srgbClr val="000000"/>
-              </a:solidFill>
-              <a:effectLst/>
-              <a:uFillTx/>
-              <a:latin typeface="Arial"/>
+              <a:defRPr b="0" lang="en-US" sz="1400" strike="noStrike" u="none">
+                <a:solidFill>
+                  <a:srgbClr val="000000"/>
+                </a:solidFill>
+                <a:effectLst/>
+                <a:uFillTx/>
+                <a:latin typeface="Times New Roman"/>
+              </a:defRPr>
+            </a:lvl1pPr>
+          </a:lstStyle>
+          <a:p>
+            <a:pPr indent="0">
+              <a:buNone/>
+            </a:pPr>
+            <a:r>
+              <a:rPr b="0" lang="en-US" sz="1400" strike="noStrike" u="none">
+                <a:solidFill>
+                  <a:srgbClr val="000000"/>
+                </a:solidFill>
+                <a:effectLst/>
+                <a:uFillTx/>
+                <a:latin typeface="Times New Roman"/>
+              </a:rPr>
+              <a:t> </a:t>
+            </a:r>
+            <a:endParaRPr b="0" lang="en-US" sz="1400" strike="noStrike" u="none">
+              <a:solidFill>
+                <a:srgbClr val="000000"/>
+              </a:solidFill>
+              <a:effectLst/>
+              <a:uFillTx/>
+              <a:latin typeface="Times New Roman"/>
             </a:endParaRPr>
           </a:p>
         </p:txBody>
@@ -6421,7 +9292,7 @@
       </p:grpSpPr>
       <p:sp>
         <p:nvSpPr>
-          <p:cNvPr id="66" name="PlaceHolder 1"/>
+          <p:cNvPr id="100" name="PlaceHolder 1"/>
           <p:cNvSpPr>
             <a:spLocks noGrp="1"/>
           </p:cNvSpPr>
@@ -6432,7 +9303,7 @@
         <p:spPr>
           <a:xfrm>
             <a:off x="504000" y="270000"/>
-            <a:ext cx="9071280" cy="3239280"/>
+            <a:ext cx="9070560" cy="3238560"/>
           </a:xfrm>
           <a:prstGeom prst="rect">
             <a:avLst/>
@@ -6480,7 +9351,7 @@
       </p:sp>
       <p:sp>
         <p:nvSpPr>
-          <p:cNvPr id="67" name="PlaceHolder 2"/>
+          <p:cNvPr id="101" name="PlaceHolder 2"/>
           <p:cNvSpPr>
             <a:spLocks noGrp="1"/>
           </p:cNvSpPr>
@@ -6491,7 +9362,7 @@
         <p:spPr>
           <a:xfrm>
             <a:off x="504000" y="3870000"/>
-            <a:ext cx="9071280" cy="1248120"/>
+            <a:ext cx="9070560" cy="1248840"/>
           </a:xfrm>
           <a:prstGeom prst="rect">
             <a:avLst/>
@@ -6569,14 +9440,14 @@
       </p:grpSpPr>
       <p:sp>
         <p:nvSpPr>
-          <p:cNvPr id="83" name=""/>
+          <p:cNvPr id="117" name=""/>
           <p:cNvSpPr/>
           <p:nvPr/>
         </p:nvSpPr>
         <p:spPr>
           <a:xfrm>
             <a:off x="7315200" y="556200"/>
-            <a:ext cx="2742840" cy="3656520"/>
+            <a:ext cx="2742120" cy="2559240"/>
           </a:xfrm>
           <a:prstGeom prst="rect">
             <a:avLst/>
@@ -6610,6 +9481,7 @@
                 <a:effectLst/>
                 <a:uFillTx/>
                 <a:latin typeface="Arial"/>
+                <a:ea typeface="DejaVu Sans"/>
               </a:rPr>
               <a:t>Now, let’s start.</a:t>
             </a:r>
@@ -6636,6 +9508,7 @@
                 <a:effectLst/>
                 <a:uFillTx/>
                 <a:latin typeface="Arial"/>
+                <a:ea typeface="DejaVu Sans"/>
               </a:rPr>
               <a:t>Select menu File -&gt;  Examples -&gt;</a:t>
             </a:r>
@@ -6662,6 +9535,7 @@
                 <a:effectLst/>
                 <a:uFillTx/>
                 <a:latin typeface="Arial"/>
+                <a:ea typeface="DejaVu Sans"/>
               </a:rPr>
               <a:t>AdaFruit AHT10 →</a:t>
             </a:r>
@@ -6688,6 +9562,7 @@
                 <a:effectLst/>
                 <a:uFillTx/>
                 <a:latin typeface="Arial"/>
+                <a:ea typeface="DejaVu Sans"/>
               </a:rPr>
               <a:t>adafruit_aht10_test</a:t>
             </a:r>
@@ -6729,49 +9604,9 @@
                 <a:effectLst/>
                 <a:uFillTx/>
                 <a:latin typeface="Arial"/>
+                <a:ea typeface="DejaVu Sans"/>
               </a:rPr>
               <a:t>This will open a new sketch window</a:t>
-            </a:r>
-            <a:endParaRPr b="0" lang="en-US" sz="1800" strike="noStrike" u="none">
-              <a:solidFill>
-                <a:srgbClr val="000000"/>
-              </a:solidFill>
-              <a:effectLst/>
-              <a:uFillTx/>
-              <a:latin typeface="Arial"/>
-            </a:endParaRPr>
-          </a:p>
-          <a:p>
-            <a:pPr>
-              <a:lnSpc>
-                <a:spcPct val="100000"/>
-              </a:lnSpc>
-            </a:pPr>
-            <a:endParaRPr b="0" lang="en-US" sz="1800" strike="noStrike" u="none">
-              <a:solidFill>
-                <a:srgbClr val="000000"/>
-              </a:solidFill>
-              <a:effectLst/>
-              <a:uFillTx/>
-              <a:latin typeface="Arial"/>
-            </a:endParaRPr>
-          </a:p>
-          <a:p>
-            <a:pPr>
-              <a:lnSpc>
-                <a:spcPct val="100000"/>
-              </a:lnSpc>
-            </a:pPr>
-            <a:r>
-              <a:rPr b="0" lang="en-US" sz="1800" strike="noStrike" u="none">
-                <a:solidFill>
-                  <a:srgbClr val="000000"/>
-                </a:solidFill>
-                <a:effectLst/>
-                <a:uFillTx/>
-                <a:latin typeface="Arial"/>
-              </a:rPr>
-              <a:t>We need to wire the module to 5 vcc, gnd, SDA (A4) and SCL (A5).</a:t>
             </a:r>
             <a:endParaRPr b="0" lang="en-US" sz="1800" strike="noStrike" u="none">
               <a:solidFill>
@@ -6801,7 +9636,7 @@
       </p:sp>
       <p:pic>
         <p:nvPicPr>
-          <p:cNvPr id="84" name="" descr=""/>
+          <p:cNvPr id="118" name="" descr=""/>
           <p:cNvPicPr/>
           <p:nvPr/>
         </p:nvPicPr>
@@ -6812,7 +9647,7 @@
         <p:spPr>
           <a:xfrm>
             <a:off x="228600" y="457200"/>
-            <a:ext cx="6858000" cy="3867840"/>
+            <a:ext cx="6857280" cy="3867120"/>
           </a:xfrm>
           <a:prstGeom prst="rect">
             <a:avLst/>
@@ -6855,7 +9690,7 @@
       </p:grpSpPr>
       <p:pic>
         <p:nvPicPr>
-          <p:cNvPr id="85" name="" descr=""/>
+          <p:cNvPr id="119" name="" descr=""/>
           <p:cNvPicPr/>
           <p:nvPr/>
         </p:nvPicPr>
@@ -6866,7 +9701,7 @@
         <p:spPr>
           <a:xfrm>
             <a:off x="914400" y="852120"/>
-            <a:ext cx="3372120" cy="2119680"/>
+            <a:ext cx="3371400" cy="2118960"/>
           </a:xfrm>
           <a:prstGeom prst="rect">
             <a:avLst/>
@@ -6879,14 +9714,14 @@
       </p:pic>
       <p:sp>
         <p:nvSpPr>
-          <p:cNvPr id="86" name=""/>
-          <p:cNvSpPr txBox="1"/>
+          <p:cNvPr id="120" name=""/>
+          <p:cNvSpPr/>
           <p:nvPr/>
         </p:nvSpPr>
         <p:spPr>
           <a:xfrm>
             <a:off x="5290560" y="1143000"/>
-            <a:ext cx="3624840" cy="2514600"/>
+            <a:ext cx="3624120" cy="3381480"/>
           </a:xfrm>
           <a:prstGeom prst="rect">
             <a:avLst/>
@@ -6896,11 +9731,22 @@
             <a:noFill/>
           </a:ln>
         </p:spPr>
+        <p:style>
+          <a:lnRef idx="0"/>
+          <a:fillRef idx="0"/>
+          <a:effectRef idx="0"/>
+          <a:fontRef idx="minor"/>
+        </p:style>
         <p:txBody>
           <a:bodyPr lIns="90000" rIns="90000" tIns="45000" bIns="45000" anchor="t">
             <a:spAutoFit/>
           </a:bodyPr>
           <a:p>
+            <a:pPr>
+              <a:lnSpc>
+                <a:spcPct val="100000"/>
+              </a:lnSpc>
+            </a:pPr>
             <a:r>
               <a:rPr b="0" lang="en-US" sz="1800" strike="noStrike" u="none">
                 <a:solidFill>
@@ -6909,6 +9755,76 @@
                 <a:effectLst/>
                 <a:uFillTx/>
                 <a:latin typeface="Arial"/>
+                <a:ea typeface="DejaVu Sans"/>
+              </a:rPr>
+              <a:t>We need to wire the module to </a:t>
+            </a:r>
+            <a:endParaRPr b="0" lang="en-US" sz="1800" strike="noStrike" u="none">
+              <a:solidFill>
+                <a:srgbClr val="000000"/>
+              </a:solidFill>
+              <a:effectLst/>
+              <a:uFillTx/>
+              <a:latin typeface="Arial"/>
+            </a:endParaRPr>
+          </a:p>
+          <a:p>
+            <a:pPr>
+              <a:lnSpc>
+                <a:spcPct val="100000"/>
+              </a:lnSpc>
+            </a:pPr>
+            <a:r>
+              <a:rPr b="0" lang="en-US" sz="1800" strike="noStrike" u="none">
+                <a:solidFill>
+                  <a:srgbClr val="000000"/>
+                </a:solidFill>
+                <a:effectLst/>
+                <a:uFillTx/>
+                <a:latin typeface="Arial"/>
+                <a:ea typeface="DejaVu Sans"/>
+              </a:rPr>
+              <a:t>5V vcc, GND, SDA (A4) and SCL (A5)</a:t>
+            </a:r>
+            <a:endParaRPr b="0" lang="en-US" sz="1800" strike="noStrike" u="none">
+              <a:solidFill>
+                <a:srgbClr val="000000"/>
+              </a:solidFill>
+              <a:effectLst/>
+              <a:uFillTx/>
+              <a:latin typeface="Arial"/>
+            </a:endParaRPr>
+          </a:p>
+          <a:p>
+            <a:pPr>
+              <a:lnSpc>
+                <a:spcPct val="100000"/>
+              </a:lnSpc>
+            </a:pPr>
+            <a:endParaRPr b="0" lang="en-US" sz="1800" strike="noStrike" u="none">
+              <a:solidFill>
+                <a:srgbClr val="000000"/>
+              </a:solidFill>
+              <a:effectLst/>
+              <a:uFillTx/>
+              <a:latin typeface="Arial"/>
+            </a:endParaRPr>
+          </a:p>
+          <a:p>
+            <a:pPr>
+              <a:lnSpc>
+                <a:spcPct val="100000"/>
+              </a:lnSpc>
+            </a:pPr>
+            <a:r>
+              <a:rPr b="0" lang="en-US" sz="1800" strike="noStrike" u="none">
+                <a:solidFill>
+                  <a:srgbClr val="000000"/>
+                </a:solidFill>
+                <a:effectLst/>
+                <a:uFillTx/>
+                <a:latin typeface="Arial"/>
+                <a:ea typeface="DejaVu Sans"/>
               </a:rPr>
               <a:t>Wire the I2C and power pins to the Arduino.</a:t>
             </a:r>
@@ -6922,6 +9838,11 @@
             </a:endParaRPr>
           </a:p>
           <a:p>
+            <a:pPr>
+              <a:lnSpc>
+                <a:spcPct val="100000"/>
+              </a:lnSpc>
+            </a:pPr>
             <a:r>
               <a:rPr b="0" lang="en-US" sz="1800" strike="noStrike" u="none">
                 <a:solidFill>
@@ -6930,6 +9851,7 @@
                 <a:effectLst/>
                 <a:uFillTx/>
                 <a:latin typeface="Arial"/>
+                <a:ea typeface="DejaVu Sans"/>
               </a:rPr>
               <a:t>The I2C pins can change based on the Arduino in use.</a:t>
             </a:r>
@@ -6943,6 +9865,11 @@
             </a:endParaRPr>
           </a:p>
           <a:p>
+            <a:pPr>
+              <a:lnSpc>
+                <a:spcPct val="100000"/>
+              </a:lnSpc>
+            </a:pPr>
             <a:endParaRPr b="0" lang="en-US" sz="1800" strike="noStrike" u="none">
               <a:solidFill>
                 <a:srgbClr val="000000"/>
@@ -6953,14 +9880,20 @@
             </a:endParaRPr>
           </a:p>
           <a:p>
+            <a:pPr>
+              <a:lnSpc>
+                <a:spcPct val="100000"/>
+              </a:lnSpc>
+            </a:pPr>
             <a:r>
               <a:rPr b="0" lang="en-US" sz="1800" strike="noStrike" u="none">
                 <a:solidFill>
-                  <a:srgbClr val="000000"/>
+                  <a:srgbClr val="0000ee"/>
                 </a:solidFill>
                 <a:effectLst/>
                 <a:uFillTx/>
                 <a:latin typeface="Arial"/>
+                <a:ea typeface="DejaVu Sans"/>
                 <a:hlinkClick r:id="rId2"/>
               </a:rPr>
               <a:t>https://docs.arduino.cc/learn/communication/wire/</a:t>
@@ -6975,6 +9908,11 @@
             </a:endParaRPr>
           </a:p>
           <a:p>
+            <a:pPr>
+              <a:lnSpc>
+                <a:spcPct val="100000"/>
+              </a:lnSpc>
+            </a:pPr>
             <a:r>
               <a:rPr b="0" lang="en-US" sz="1800" strike="noStrike" u="none">
                 <a:solidFill>
@@ -6983,6 +9921,7 @@
                 <a:effectLst/>
                 <a:uFillTx/>
                 <a:latin typeface="Arial"/>
+                <a:ea typeface="DejaVu Sans"/>
               </a:rPr>
               <a:t>So be sure to use the correct SDA and SCL pins</a:t>
             </a:r>
@@ -6999,7 +9938,7 @@
       </p:sp>
       <p:pic>
         <p:nvPicPr>
-          <p:cNvPr id="87" name="" descr=""/>
+          <p:cNvPr id="121" name="" descr=""/>
           <p:cNvPicPr/>
           <p:nvPr/>
         </p:nvPicPr>
@@ -7010,7 +9949,7 @@
         <p:spPr>
           <a:xfrm>
             <a:off x="1143000" y="3200400"/>
-            <a:ext cx="3153960" cy="1888200"/>
+            <a:ext cx="3153240" cy="1887480"/>
           </a:xfrm>
           <a:prstGeom prst="rect">
             <a:avLst/>
@@ -7053,14 +9992,14 @@
       </p:grpSpPr>
       <p:sp>
         <p:nvSpPr>
-          <p:cNvPr id="88" name=""/>
+          <p:cNvPr id="122" name=""/>
           <p:cNvSpPr/>
           <p:nvPr/>
         </p:nvSpPr>
         <p:spPr>
           <a:xfrm>
-            <a:off x="7315200" y="369000"/>
-            <a:ext cx="2742840" cy="5301720"/>
+            <a:off x="7086600" y="369000"/>
+            <a:ext cx="2970720" cy="5028120"/>
           </a:xfrm>
           <a:prstGeom prst="rect">
             <a:avLst/>
@@ -7094,8 +10033,9 @@
                 <a:effectLst/>
                 <a:uFillTx/>
                 <a:latin typeface="Arial"/>
-              </a:rPr>
-              <a:t>Once the module is wired, select the Arduino baord and serial port from the Tools menu.</a:t>
+                <a:ea typeface="DejaVu Sans"/>
+              </a:rPr>
+              <a:t>Once the module is wired, select the Arduino board and serial port from the Tools menu.</a:t>
             </a:r>
             <a:endParaRPr b="0" lang="en-US" sz="1800" strike="noStrike" u="none">
               <a:solidFill>
@@ -7120,6 +10060,7 @@
                 <a:effectLst/>
                 <a:uFillTx/>
                 <a:latin typeface="Arial"/>
+                <a:ea typeface="DejaVu Sans"/>
               </a:rPr>
               <a:t>Next, Tools -&gt;</a:t>
             </a:r>
@@ -7146,6 +10087,7 @@
                 <a:effectLst/>
                 <a:uFillTx/>
                 <a:latin typeface="Arial"/>
+                <a:ea typeface="DejaVu Sans"/>
               </a:rPr>
               <a:t>Serial Monitor</a:t>
             </a:r>
@@ -7172,8 +10114,9 @@
                 <a:effectLst/>
                 <a:uFillTx/>
                 <a:latin typeface="Arial"/>
-              </a:rPr>
-              <a:t>And set the speec to 115200 (near lower right of the IDE window)</a:t>
+                <a:ea typeface="DejaVu Sans"/>
+              </a:rPr>
+              <a:t>And set the speed to 115200 (near lower right of the IDE window)</a:t>
             </a:r>
             <a:endParaRPr b="0" lang="en-US" sz="1800" strike="noStrike" u="none">
               <a:solidFill>
@@ -7198,6 +10141,7 @@
                 <a:effectLst/>
                 <a:uFillTx/>
                 <a:latin typeface="Arial"/>
+                <a:ea typeface="DejaVu Sans"/>
               </a:rPr>
               <a:t>Lastly, select select menu Sketch -&gt;</a:t>
             </a:r>
@@ -7224,6 +10168,7 @@
                 <a:effectLst/>
                 <a:uFillTx/>
                 <a:latin typeface="Arial"/>
+                <a:ea typeface="DejaVu Sans"/>
               </a:rPr>
               <a:t>Upload</a:t>
             </a:r>
@@ -7250,6 +10195,7 @@
                 <a:effectLst/>
                 <a:uFillTx/>
                 <a:latin typeface="Arial"/>
+                <a:ea typeface="DejaVu Sans"/>
               </a:rPr>
               <a:t>Or click the arrow near the top of the IDE window.</a:t>
             </a:r>
@@ -7276,8 +10222,9 @@
                 <a:effectLst/>
                 <a:uFillTx/>
                 <a:latin typeface="Arial"/>
-              </a:rPr>
-              <a:t>Temerature andHumidity data should begin scrolling.</a:t>
+                <a:ea typeface="DejaVu Sans"/>
+              </a:rPr>
+              <a:t>Temperature and Humidity data should begin showing in the serial monitor pane.</a:t>
             </a:r>
             <a:endParaRPr b="0" lang="en-US" sz="1800" strike="noStrike" u="none">
               <a:solidFill>
@@ -7307,7 +10254,7 @@
       </p:sp>
       <p:pic>
         <p:nvPicPr>
-          <p:cNvPr id="89" name="" descr=""/>
+          <p:cNvPr id="123" name="" descr=""/>
           <p:cNvPicPr/>
           <p:nvPr/>
         </p:nvPicPr>
@@ -7317,8 +10264,8 @@
         </p:blipFill>
         <p:spPr>
           <a:xfrm>
-            <a:off x="228600" y="704160"/>
-            <a:ext cx="6858000" cy="3867840"/>
+            <a:off x="228600" y="704880"/>
+            <a:ext cx="6857280" cy="3867120"/>
           </a:xfrm>
           <a:prstGeom prst="rect">
             <a:avLst/>
@@ -7361,14 +10308,14 @@
       </p:grpSpPr>
       <p:sp>
         <p:nvSpPr>
-          <p:cNvPr id="90" name=""/>
+          <p:cNvPr id="124" name=""/>
           <p:cNvSpPr/>
           <p:nvPr/>
         </p:nvSpPr>
         <p:spPr>
           <a:xfrm>
             <a:off x="7337880" y="228600"/>
-            <a:ext cx="2742840" cy="5301720"/>
+            <a:ext cx="2742120" cy="5301720"/>
           </a:xfrm>
           <a:prstGeom prst="rect">
             <a:avLst/>
@@ -7402,6 +10349,7 @@
                 <a:effectLst/>
                 <a:uFillTx/>
                 <a:latin typeface="Arial"/>
+                <a:ea typeface="DejaVu Sans"/>
               </a:rPr>
               <a:t>Next, we will add the I2C LCD.</a:t>
             </a:r>
@@ -7428,6 +10376,7 @@
                 <a:effectLst/>
                 <a:uFillTx/>
                 <a:latin typeface="Arial"/>
+                <a:ea typeface="DejaVu Sans"/>
               </a:rPr>
               <a:t>This will require finding the address of the LCD display (they vary…)</a:t>
             </a:r>
@@ -7469,6 +10418,7 @@
                 <a:effectLst/>
                 <a:uFillTx/>
                 <a:latin typeface="Arial"/>
+                <a:ea typeface="DejaVu Sans"/>
               </a:rPr>
               <a:t>Select menu File→</a:t>
             </a:r>
@@ -7483,6 +10433,7 @@
                 <a:effectLst/>
                 <a:uFillTx/>
                 <a:latin typeface="Arial"/>
+                <a:ea typeface="DejaVu Sans"/>
               </a:rPr>
               <a:t>Example →</a:t>
             </a:r>
@@ -7509,6 +10460,7 @@
                 <a:effectLst/>
                 <a:uFillTx/>
                 <a:latin typeface="Arial"/>
+                <a:ea typeface="DejaVu Sans"/>
               </a:rPr>
               <a:t>Wire →</a:t>
             </a:r>
@@ -7535,6 +10487,7 @@
                 <a:effectLst/>
                 <a:uFillTx/>
                 <a:latin typeface="Arial"/>
+                <a:ea typeface="DejaVu Sans"/>
               </a:rPr>
               <a:t>I2C scanner</a:t>
             </a:r>
@@ -7561,6 +10514,7 @@
                 <a:effectLst/>
                 <a:uFillTx/>
                 <a:latin typeface="Arial"/>
+                <a:ea typeface="DejaVu Sans"/>
               </a:rPr>
               <a:t>Change the Serial Monitor speed to 9600.</a:t>
             </a:r>
@@ -7587,6 +10541,7 @@
                 <a:effectLst/>
                 <a:uFillTx/>
                 <a:latin typeface="Arial"/>
+                <a:ea typeface="DejaVu Sans"/>
               </a:rPr>
               <a:t>Take note of the address found (mine was 0x27)</a:t>
             </a:r>
@@ -7678,7 +10633,7 @@
       </p:sp>
       <p:pic>
         <p:nvPicPr>
-          <p:cNvPr id="91" name="" descr=""/>
+          <p:cNvPr id="125" name="" descr=""/>
           <p:cNvPicPr/>
           <p:nvPr/>
         </p:nvPicPr>
@@ -7689,7 +10644,7 @@
         <p:spPr>
           <a:xfrm>
             <a:off x="228600" y="457200"/>
-            <a:ext cx="6858000" cy="3886200"/>
+            <a:ext cx="6857280" cy="3885480"/>
           </a:xfrm>
           <a:prstGeom prst="rect">
             <a:avLst/>
@@ -7732,14 +10687,14 @@
       </p:grpSpPr>
       <p:sp>
         <p:nvSpPr>
-          <p:cNvPr id="92" name=""/>
+          <p:cNvPr id="126" name=""/>
           <p:cNvSpPr/>
           <p:nvPr/>
         </p:nvSpPr>
         <p:spPr>
           <a:xfrm>
             <a:off x="7337880" y="228600"/>
-            <a:ext cx="2742840" cy="5301720"/>
+            <a:ext cx="2742120" cy="5301720"/>
           </a:xfrm>
           <a:prstGeom prst="rect">
             <a:avLst/>
@@ -7773,6 +10728,7 @@
                 <a:effectLst/>
                 <a:uFillTx/>
                 <a:latin typeface="Arial"/>
+                <a:ea typeface="DejaVu Sans"/>
               </a:rPr>
               <a:t>Now to use the the I2C LCD.</a:t>
             </a:r>
@@ -7814,6 +10770,7 @@
                 <a:effectLst/>
                 <a:uFillTx/>
                 <a:latin typeface="Arial"/>
+                <a:ea typeface="DejaVu Sans"/>
               </a:rPr>
               <a:t>Select menu File→</a:t>
             </a:r>
@@ -7828,6 +10785,7 @@
                 <a:effectLst/>
                 <a:uFillTx/>
                 <a:latin typeface="Arial"/>
+                <a:ea typeface="DejaVu Sans"/>
               </a:rPr>
               <a:t>Example →</a:t>
             </a:r>
@@ -7854,6 +10812,7 @@
                 <a:effectLst/>
                 <a:uFillTx/>
                 <a:latin typeface="Arial"/>
+                <a:ea typeface="DejaVu Sans"/>
               </a:rPr>
               <a:t>LiquidCrystal I2C →</a:t>
             </a:r>
@@ -7880,6 +10839,7 @@
                 <a:effectLst/>
                 <a:uFillTx/>
                 <a:latin typeface="Arial"/>
+                <a:ea typeface="DejaVu Sans"/>
               </a:rPr>
               <a:t>Hello World</a:t>
             </a:r>
@@ -7921,8 +10881,9 @@
                 <a:effectLst/>
                 <a:uFillTx/>
                 <a:latin typeface="Arial"/>
-              </a:rPr>
-              <a:t>Do not worry if the cahracters are odd. This example is for 20x4 LCD. Just be sure there are characters displayed.</a:t>
+                <a:ea typeface="DejaVu Sans"/>
+              </a:rPr>
+              <a:t>Do not worry if the characters are odd. This example is for 20x4 LCD. Just be sure there are characters displayed.</a:t>
             </a:r>
             <a:endParaRPr b="0" lang="en-US" sz="1800" strike="noStrike" u="none">
               <a:solidFill>
@@ -8027,7 +10988,7 @@
       </p:sp>
       <p:pic>
         <p:nvPicPr>
-          <p:cNvPr id="93" name="" descr=""/>
+          <p:cNvPr id="127" name="" descr=""/>
           <p:cNvPicPr/>
           <p:nvPr/>
         </p:nvPicPr>
@@ -8038,7 +10999,7 @@
         <p:spPr>
           <a:xfrm>
             <a:off x="457200" y="932760"/>
-            <a:ext cx="6858000" cy="3867840"/>
+            <a:ext cx="6857280" cy="3867120"/>
           </a:xfrm>
           <a:prstGeom prst="rect">
             <a:avLst/>
@@ -8081,14 +11042,14 @@
       </p:grpSpPr>
       <p:sp>
         <p:nvSpPr>
-          <p:cNvPr id="94" name=""/>
+          <p:cNvPr id="128" name=""/>
           <p:cNvSpPr/>
           <p:nvPr/>
         </p:nvSpPr>
         <p:spPr>
           <a:xfrm>
             <a:off x="7315200" y="369000"/>
-            <a:ext cx="2742840" cy="5027400"/>
+            <a:ext cx="2742120" cy="5027400"/>
           </a:xfrm>
           <a:prstGeom prst="rect">
             <a:avLst/>
@@ -8122,6 +11083,7 @@
                 <a:effectLst/>
                 <a:uFillTx/>
                 <a:latin typeface="Arial"/>
+                <a:ea typeface="DejaVu Sans"/>
               </a:rPr>
               <a:t>Use this sketch and you should get text on the LCD. (the exmaple is for 20 char 4 lines, so it DOES work, but will look odd.</a:t>
             </a:r>
@@ -8148,6 +11110,7 @@
                 <a:effectLst/>
                 <a:uFillTx/>
                 <a:latin typeface="Arial"/>
+                <a:ea typeface="DejaVu Sans"/>
               </a:rPr>
               <a:t>The point is to get text on the LCD.</a:t>
             </a:r>
@@ -8189,6 +11152,7 @@
                 <a:effectLst/>
                 <a:uFillTx/>
                 <a:latin typeface="Arial"/>
+                <a:ea typeface="DejaVu Sans"/>
               </a:rPr>
               <a:t>Now for the payoff.</a:t>
             </a:r>
@@ -8215,6 +11179,7 @@
                 <a:effectLst/>
                 <a:uFillTx/>
                 <a:latin typeface="Arial"/>
+                <a:ea typeface="DejaVu Sans"/>
               </a:rPr>
               <a:t>We will borrow lines here to add the the AHT10 sketch to write the temperature and humidity to the LCD.</a:t>
             </a:r>
@@ -8276,14 +11241,14 @@
       </p:sp>
       <p:sp>
         <p:nvSpPr>
-          <p:cNvPr id="95" name=""/>
-          <p:cNvSpPr txBox="1"/>
+          <p:cNvPr id="129" name=""/>
+          <p:cNvSpPr/>
           <p:nvPr/>
         </p:nvSpPr>
         <p:spPr>
           <a:xfrm>
             <a:off x="18360" y="228600"/>
-            <a:ext cx="6611040" cy="5121360"/>
+            <a:ext cx="6610320" cy="5213880"/>
           </a:xfrm>
           <a:prstGeom prst="rect">
             <a:avLst/>
@@ -8297,11 +11262,22 @@
             </a:solidFill>
           </a:ln>
         </p:spPr>
+        <p:style>
+          <a:lnRef idx="0"/>
+          <a:fillRef idx="0"/>
+          <a:effectRef idx="0"/>
+          <a:fontRef idx="minor"/>
+        </p:style>
         <p:txBody>
           <a:bodyPr lIns="90000" rIns="90000" tIns="45000" bIns="45000" anchor="t">
             <a:spAutoFit/>
           </a:bodyPr>
           <a:p>
+            <a:pPr>
+              <a:lnSpc>
+                <a:spcPct val="100000"/>
+              </a:lnSpc>
+            </a:pPr>
             <a:r>
               <a:rPr b="0" lang="en-US" sz="1400" strike="noStrike" u="none">
                 <a:solidFill>
@@ -8310,8 +11286,9 @@
                 <a:effectLst/>
                 <a:uFillTx/>
                 <a:latin typeface="Courier New"/>
-              </a:rPr>
-              <a:t>//YWROBOT</a:t>
+                <a:ea typeface="DejaVu Sans"/>
+              </a:rPr>
+              <a:t>//Compatible with the Arduino IDE 1.0</a:t>
             </a:r>
             <a:endParaRPr b="0" lang="en-US" sz="1400" strike="noStrike" u="none">
               <a:solidFill>
@@ -8319,10 +11296,15 @@
               </a:solidFill>
               <a:effectLst/>
               <a:uFillTx/>
-              <a:latin typeface="Courier New"/>
-            </a:endParaRPr>
-          </a:p>
-          <a:p>
+              <a:latin typeface="Arial"/>
+            </a:endParaRPr>
+          </a:p>
+          <a:p>
+            <a:pPr>
+              <a:lnSpc>
+                <a:spcPct val="100000"/>
+              </a:lnSpc>
+            </a:pPr>
             <a:r>
               <a:rPr b="0" lang="en-US" sz="1400" strike="noStrike" u="none">
                 <a:solidFill>
@@ -8331,8 +11313,9 @@
                 <a:effectLst/>
                 <a:uFillTx/>
                 <a:latin typeface="Courier New"/>
-              </a:rPr>
-              <a:t>//Compatible with the Arduino IDE 1.0</a:t>
+                <a:ea typeface="DejaVu Sans"/>
+              </a:rPr>
+              <a:t>//Library version:1.1</a:t>
             </a:r>
             <a:endParaRPr b="0" lang="en-US" sz="1400" strike="noStrike" u="none">
               <a:solidFill>
@@ -8340,10 +11323,15 @@
               </a:solidFill>
               <a:effectLst/>
               <a:uFillTx/>
-              <a:latin typeface="Courier New"/>
-            </a:endParaRPr>
-          </a:p>
-          <a:p>
+              <a:latin typeface="Arial"/>
+            </a:endParaRPr>
+          </a:p>
+          <a:p>
+            <a:pPr>
+              <a:lnSpc>
+                <a:spcPct val="100000"/>
+              </a:lnSpc>
+            </a:pPr>
             <a:r>
               <a:rPr b="0" lang="en-US" sz="1400" strike="noStrike" u="none">
                 <a:solidFill>
@@ -8352,8 +11340,9 @@
                 <a:effectLst/>
                 <a:uFillTx/>
                 <a:latin typeface="Courier New"/>
-              </a:rPr>
-              <a:t>//Library version:1.1</a:t>
+                <a:ea typeface="DejaVu Sans"/>
+              </a:rPr>
+              <a:t>#include &lt;Wire.h&gt;</a:t>
             </a:r>
             <a:endParaRPr b="0" lang="en-US" sz="1400" strike="noStrike" u="none">
               <a:solidFill>
@@ -8361,10 +11350,15 @@
               </a:solidFill>
               <a:effectLst/>
               <a:uFillTx/>
-              <a:latin typeface="Courier New"/>
-            </a:endParaRPr>
-          </a:p>
-          <a:p>
+              <a:latin typeface="Arial"/>
+            </a:endParaRPr>
+          </a:p>
+          <a:p>
+            <a:pPr>
+              <a:lnSpc>
+                <a:spcPct val="100000"/>
+              </a:lnSpc>
+            </a:pPr>
             <a:r>
               <a:rPr b="0" lang="en-US" sz="1400" strike="noStrike" u="none">
                 <a:solidFill>
@@ -8373,8 +11367,9 @@
                 <a:effectLst/>
                 <a:uFillTx/>
                 <a:latin typeface="Courier New"/>
-              </a:rPr>
-              <a:t>#include &lt;Wire.h&gt;</a:t>
+                <a:ea typeface="DejaVu Sans"/>
+              </a:rPr>
+              <a:t>#include &lt;LiquidCrystal_I2C.h&gt;</a:t>
             </a:r>
             <a:endParaRPr b="0" lang="en-US" sz="1400" strike="noStrike" u="none">
               <a:solidFill>
@@ -8382,10 +11377,15 @@
               </a:solidFill>
               <a:effectLst/>
               <a:uFillTx/>
-              <a:latin typeface="Courier New"/>
-            </a:endParaRPr>
-          </a:p>
-          <a:p>
+              <a:latin typeface="Arial"/>
+            </a:endParaRPr>
+          </a:p>
+          <a:p>
+            <a:pPr>
+              <a:lnSpc>
+                <a:spcPct val="100000"/>
+              </a:lnSpc>
+            </a:pPr>
             <a:r>
               <a:rPr b="0" lang="en-US" sz="1400" strike="noStrike" u="none">
                 <a:solidFill>
@@ -8394,8 +11394,9 @@
                 <a:effectLst/>
                 <a:uFillTx/>
                 <a:latin typeface="Courier New"/>
-              </a:rPr>
-              <a:t>#include &lt;LiquidCrystal_I2C.h&gt;</a:t>
+                <a:ea typeface="DejaVu Sans"/>
+              </a:rPr>
+              <a:t>LiquidCrystal_I2C lcd(0x27,16,2);  // set the LCD address to 0x27 for a 16 chars and 2 line display</a:t>
             </a:r>
             <a:endParaRPr b="0" lang="en-US" sz="1400" strike="noStrike" u="none">
               <a:solidFill>
@@ -8403,10 +11404,15 @@
               </a:solidFill>
               <a:effectLst/>
               <a:uFillTx/>
-              <a:latin typeface="Courier New"/>
-            </a:endParaRPr>
-          </a:p>
-          <a:p>
+              <a:latin typeface="Arial"/>
+            </a:endParaRPr>
+          </a:p>
+          <a:p>
+            <a:pPr>
+              <a:lnSpc>
+                <a:spcPct val="100000"/>
+              </a:lnSpc>
+            </a:pPr>
             <a:r>
               <a:rPr b="0" lang="en-US" sz="1400" strike="noStrike" u="none">
                 <a:solidFill>
@@ -8415,8 +11421,9 @@
                 <a:effectLst/>
                 <a:uFillTx/>
                 <a:latin typeface="Courier New"/>
-              </a:rPr>
-              <a:t>LiquidCrystal_I2C lcd(0x27,16,2);  // set the LCD address to 0x27 for a 16 chars and 2 line display</a:t>
+                <a:ea typeface="DejaVu Sans"/>
+              </a:rPr>
+              <a:t>void setup()</a:t>
             </a:r>
             <a:endParaRPr b="0" lang="en-US" sz="1400" strike="noStrike" u="none">
               <a:solidFill>
@@ -8424,10 +11431,15 @@
               </a:solidFill>
               <a:effectLst/>
               <a:uFillTx/>
-              <a:latin typeface="Courier New"/>
-            </a:endParaRPr>
-          </a:p>
-          <a:p>
+              <a:latin typeface="Arial"/>
+            </a:endParaRPr>
+          </a:p>
+          <a:p>
+            <a:pPr>
+              <a:lnSpc>
+                <a:spcPct val="100000"/>
+              </a:lnSpc>
+            </a:pPr>
             <a:r>
               <a:rPr b="0" lang="en-US" sz="1400" strike="noStrike" u="none">
                 <a:solidFill>
@@ -8436,8 +11448,9 @@
                 <a:effectLst/>
                 <a:uFillTx/>
                 <a:latin typeface="Courier New"/>
-              </a:rPr>
-              <a:t>void setup()</a:t>
+                <a:ea typeface="DejaVu Sans"/>
+              </a:rPr>
+              <a:t>{</a:t>
             </a:r>
             <a:endParaRPr b="0" lang="en-US" sz="1400" strike="noStrike" u="none">
               <a:solidFill>
@@ -8445,10 +11458,15 @@
               </a:solidFill>
               <a:effectLst/>
               <a:uFillTx/>
-              <a:latin typeface="Courier New"/>
-            </a:endParaRPr>
-          </a:p>
-          <a:p>
+              <a:latin typeface="Arial"/>
+            </a:endParaRPr>
+          </a:p>
+          <a:p>
+            <a:pPr>
+              <a:lnSpc>
+                <a:spcPct val="100000"/>
+              </a:lnSpc>
+            </a:pPr>
             <a:r>
               <a:rPr b="0" lang="en-US" sz="1400" strike="noStrike" u="none">
                 <a:solidFill>
@@ -8457,8 +11475,9 @@
                 <a:effectLst/>
                 <a:uFillTx/>
                 <a:latin typeface="Courier New"/>
-              </a:rPr>
-              <a:t>{</a:t>
+                <a:ea typeface="DejaVu Sans"/>
+              </a:rPr>
+              <a:t>  lcd.init();                  // initialize the lcd</a:t>
             </a:r>
             <a:endParaRPr b="0" lang="en-US" sz="1400" strike="noStrike" u="none">
               <a:solidFill>
@@ -8466,10 +11485,15 @@
               </a:solidFill>
               <a:effectLst/>
               <a:uFillTx/>
-              <a:latin typeface="Courier New"/>
-            </a:endParaRPr>
-          </a:p>
-          <a:p>
+              <a:latin typeface="Arial"/>
+            </a:endParaRPr>
+          </a:p>
+          <a:p>
+            <a:pPr>
+              <a:lnSpc>
+                <a:spcPct val="100000"/>
+              </a:lnSpc>
+            </a:pPr>
             <a:r>
               <a:rPr b="0" lang="en-US" sz="1400" strike="noStrike" u="none">
                 <a:solidFill>
@@ -8478,8 +11502,9 @@
                 <a:effectLst/>
                 <a:uFillTx/>
                 <a:latin typeface="Courier New"/>
-              </a:rPr>
-              <a:t>  lcd.init();                  // initialize the lcd</a:t>
+                <a:ea typeface="DejaVu Sans"/>
+              </a:rPr>
+              <a:t>  lcd.init();  </a:t>
             </a:r>
             <a:endParaRPr b="0" lang="en-US" sz="1400" strike="noStrike" u="none">
               <a:solidFill>
@@ -8487,10 +11512,15 @@
               </a:solidFill>
               <a:effectLst/>
               <a:uFillTx/>
-              <a:latin typeface="Courier New"/>
-            </a:endParaRPr>
-          </a:p>
-          <a:p>
+              <a:latin typeface="Arial"/>
+            </a:endParaRPr>
+          </a:p>
+          <a:p>
+            <a:pPr>
+              <a:lnSpc>
+                <a:spcPct val="100000"/>
+              </a:lnSpc>
+            </a:pPr>
             <a:r>
               <a:rPr b="0" lang="en-US" sz="1400" strike="noStrike" u="none">
                 <a:solidFill>
@@ -8499,8 +11529,9 @@
                 <a:effectLst/>
                 <a:uFillTx/>
                 <a:latin typeface="Courier New"/>
-              </a:rPr>
-              <a:t>  lcd.init();  </a:t>
+                <a:ea typeface="DejaVu Sans"/>
+              </a:rPr>
+              <a:t>// Print a message to the LCD.  </a:t>
             </a:r>
             <a:endParaRPr b="0" lang="en-US" sz="1400" strike="noStrike" u="none">
               <a:solidFill>
@@ -8508,10 +11539,15 @@
               </a:solidFill>
               <a:effectLst/>
               <a:uFillTx/>
-              <a:latin typeface="Courier New"/>
-            </a:endParaRPr>
-          </a:p>
-          <a:p>
+              <a:latin typeface="Arial"/>
+            </a:endParaRPr>
+          </a:p>
+          <a:p>
+            <a:pPr>
+              <a:lnSpc>
+                <a:spcPct val="100000"/>
+              </a:lnSpc>
+            </a:pPr>
             <a:r>
               <a:rPr b="0" lang="en-US" sz="1400" strike="noStrike" u="none">
                 <a:solidFill>
@@ -8520,8 +11556,9 @@
                 <a:effectLst/>
                 <a:uFillTx/>
                 <a:latin typeface="Courier New"/>
-              </a:rPr>
-              <a:t>// Print a message to the LCD.  </a:t>
+                <a:ea typeface="DejaVu Sans"/>
+              </a:rPr>
+              <a:t>  lcd.backlight();  </a:t>
             </a:r>
             <a:endParaRPr b="0" lang="en-US" sz="1400" strike="noStrike" u="none">
               <a:solidFill>
@@ -8529,10 +11566,15 @@
               </a:solidFill>
               <a:effectLst/>
               <a:uFillTx/>
-              <a:latin typeface="Courier New"/>
-            </a:endParaRPr>
-          </a:p>
-          <a:p>
+              <a:latin typeface="Arial"/>
+            </a:endParaRPr>
+          </a:p>
+          <a:p>
+            <a:pPr>
+              <a:lnSpc>
+                <a:spcPct val="100000"/>
+              </a:lnSpc>
+            </a:pPr>
             <a:r>
               <a:rPr b="0" lang="en-US" sz="1400" strike="noStrike" u="none">
                 <a:solidFill>
@@ -8541,8 +11583,9 @@
                 <a:effectLst/>
                 <a:uFillTx/>
                 <a:latin typeface="Courier New"/>
-              </a:rPr>
-              <a:t>  lcd.backlight();  </a:t>
+                <a:ea typeface="DejaVu Sans"/>
+              </a:rPr>
+              <a:t>  lcd.setCursor(3,0);  </a:t>
             </a:r>
             <a:endParaRPr b="0" lang="en-US" sz="1400" strike="noStrike" u="none">
               <a:solidFill>
@@ -8550,10 +11593,15 @@
               </a:solidFill>
               <a:effectLst/>
               <a:uFillTx/>
-              <a:latin typeface="Courier New"/>
-            </a:endParaRPr>
-          </a:p>
-          <a:p>
+              <a:latin typeface="Arial"/>
+            </a:endParaRPr>
+          </a:p>
+          <a:p>
+            <a:pPr>
+              <a:lnSpc>
+                <a:spcPct val="100000"/>
+              </a:lnSpc>
+            </a:pPr>
             <a:r>
               <a:rPr b="0" lang="en-US" sz="1400" strike="noStrike" u="none">
                 <a:solidFill>
@@ -8562,8 +11610,9 @@
                 <a:effectLst/>
                 <a:uFillTx/>
                 <a:latin typeface="Courier New"/>
-              </a:rPr>
-              <a:t>  lcd.setCursor(3,0);  </a:t>
+                <a:ea typeface="DejaVu Sans"/>
+              </a:rPr>
+              <a:t>  lcd.print("Hello, world!");</a:t>
             </a:r>
             <a:endParaRPr b="0" lang="en-US" sz="1400" strike="noStrike" u="none">
               <a:solidFill>
@@ -8571,10 +11620,15 @@
               </a:solidFill>
               <a:effectLst/>
               <a:uFillTx/>
-              <a:latin typeface="Courier New"/>
-            </a:endParaRPr>
-          </a:p>
-          <a:p>
+              <a:latin typeface="Arial"/>
+            </a:endParaRPr>
+          </a:p>
+          <a:p>
+            <a:pPr>
+              <a:lnSpc>
+                <a:spcPct val="100000"/>
+              </a:lnSpc>
+            </a:pPr>
             <a:r>
               <a:rPr b="0" lang="en-US" sz="1400" strike="noStrike" u="none">
                 <a:solidFill>
@@ -8583,8 +11637,9 @@
                 <a:effectLst/>
                 <a:uFillTx/>
                 <a:latin typeface="Courier New"/>
-              </a:rPr>
-              <a:t>  lcd.print("Hello, world!");</a:t>
+                <a:ea typeface="DejaVu Sans"/>
+              </a:rPr>
+              <a:t>  lcd.setCursor(2,1);</a:t>
             </a:r>
             <a:endParaRPr b="0" lang="en-US" sz="1400" strike="noStrike" u="none">
               <a:solidFill>
@@ -8592,10 +11647,15 @@
               </a:solidFill>
               <a:effectLst/>
               <a:uFillTx/>
-              <a:latin typeface="Courier New"/>
-            </a:endParaRPr>
-          </a:p>
-          <a:p>
+              <a:latin typeface="Arial"/>
+            </a:endParaRPr>
+          </a:p>
+          <a:p>
+            <a:pPr>
+              <a:lnSpc>
+                <a:spcPct val="100000"/>
+              </a:lnSpc>
+            </a:pPr>
             <a:r>
               <a:rPr b="0" lang="en-US" sz="1400" strike="noStrike" u="none">
                 <a:solidFill>
@@ -8604,8 +11664,9 @@
                 <a:effectLst/>
                 <a:uFillTx/>
                 <a:latin typeface="Courier New"/>
-              </a:rPr>
-              <a:t>  lcd.setCursor(2,1);</a:t>
+                <a:ea typeface="DejaVu Sans"/>
+              </a:rPr>
+              <a:t>  lcd.print("Ywrobot Arduino!");</a:t>
             </a:r>
             <a:endParaRPr b="0" lang="en-US" sz="1400" strike="noStrike" u="none">
               <a:solidFill>
@@ -8613,10 +11674,15 @@
               </a:solidFill>
               <a:effectLst/>
               <a:uFillTx/>
-              <a:latin typeface="Courier New"/>
-            </a:endParaRPr>
-          </a:p>
-          <a:p>
+              <a:latin typeface="Arial"/>
+            </a:endParaRPr>
+          </a:p>
+          <a:p>
+            <a:pPr>
+              <a:lnSpc>
+                <a:spcPct val="100000"/>
+              </a:lnSpc>
+            </a:pPr>
             <a:r>
               <a:rPr b="0" lang="en-US" sz="1400" strike="noStrike" u="none">
                 <a:solidFill>
@@ -8625,8 +11691,9 @@
                 <a:effectLst/>
                 <a:uFillTx/>
                 <a:latin typeface="Courier New"/>
-              </a:rPr>
-              <a:t>  lcd.print("Ywrobot Arduino!");</a:t>
+                <a:ea typeface="DejaVu Sans"/>
+              </a:rPr>
+              <a:t>  Delay(2000);</a:t>
             </a:r>
             <a:endParaRPr b="0" lang="en-US" sz="1400" strike="noStrike" u="none">
               <a:solidFill>
@@ -8634,10 +11701,15 @@
               </a:solidFill>
               <a:effectLst/>
               <a:uFillTx/>
-              <a:latin typeface="Courier New"/>
-            </a:endParaRPr>
-          </a:p>
-          <a:p>
+              <a:latin typeface="Arial"/>
+            </a:endParaRPr>
+          </a:p>
+          <a:p>
+            <a:pPr>
+              <a:lnSpc>
+                <a:spcPct val="100000"/>
+              </a:lnSpc>
+            </a:pPr>
             <a:r>
               <a:rPr b="0" lang="en-US" sz="1400" strike="noStrike" u="none">
                 <a:solidFill>
@@ -8646,8 +11718,9 @@
                 <a:effectLst/>
                 <a:uFillTx/>
                 <a:latin typeface="Courier New"/>
-              </a:rPr>
-              <a:t>  Delay(2000);</a:t>
+                <a:ea typeface="DejaVu Sans"/>
+              </a:rPr>
+              <a:t>  lcd.setCursor(0,0);</a:t>
             </a:r>
             <a:endParaRPr b="0" lang="en-US" sz="1400" strike="noStrike" u="none">
               <a:solidFill>
@@ -8655,10 +11728,15 @@
               </a:solidFill>
               <a:effectLst/>
               <a:uFillTx/>
-              <a:latin typeface="Courier New"/>
-            </a:endParaRPr>
-          </a:p>
-          <a:p>
+              <a:latin typeface="Arial"/>
+            </a:endParaRPr>
+          </a:p>
+          <a:p>
+            <a:pPr>
+              <a:lnSpc>
+                <a:spcPct val="100000"/>
+              </a:lnSpc>
+            </a:pPr>
             <a:r>
               <a:rPr b="0" lang="en-US" sz="1400" strike="noStrike" u="none">
                 <a:solidFill>
@@ -8667,8 +11745,9 @@
                 <a:effectLst/>
                 <a:uFillTx/>
                 <a:latin typeface="Courier New"/>
-              </a:rPr>
-              <a:t>  lcd.setCursor(0,0);</a:t>
+                <a:ea typeface="DejaVu Sans"/>
+              </a:rPr>
+              <a:t>  lcd.print("Arduino LCM IIC 2004");</a:t>
             </a:r>
             <a:endParaRPr b="0" lang="en-US" sz="1400" strike="noStrike" u="none">
               <a:solidFill>
@@ -8676,10 +11755,15 @@
               </a:solidFill>
               <a:effectLst/>
               <a:uFillTx/>
-              <a:latin typeface="Courier New"/>
-            </a:endParaRPr>
-          </a:p>
-          <a:p>
+              <a:latin typeface="Arial"/>
+            </a:endParaRPr>
+          </a:p>
+          <a:p>
+            <a:pPr>
+              <a:lnSpc>
+                <a:spcPct val="100000"/>
+              </a:lnSpc>
+            </a:pPr>
             <a:r>
               <a:rPr b="0" lang="en-US" sz="1400" strike="noStrike" u="none">
                 <a:solidFill>
@@ -8688,8 +11772,9 @@
                 <a:effectLst/>
                 <a:uFillTx/>
                 <a:latin typeface="Courier New"/>
-              </a:rPr>
-              <a:t>  lcd.print("Arduino LCM IIC 2004");</a:t>
+                <a:ea typeface="DejaVu Sans"/>
+              </a:rPr>
+              <a:t>  lcd.setCursor(0,1);</a:t>
             </a:r>
             <a:endParaRPr b="0" lang="en-US" sz="1400" strike="noStrike" u="none">
               <a:solidFill>
@@ -8697,10 +11782,15 @@
               </a:solidFill>
               <a:effectLst/>
               <a:uFillTx/>
-              <a:latin typeface="Courier New"/>
-            </a:endParaRPr>
-          </a:p>
-          <a:p>
+              <a:latin typeface="Arial"/>
+            </a:endParaRPr>
+          </a:p>
+          <a:p>
+            <a:pPr>
+              <a:lnSpc>
+                <a:spcPct val="100000"/>
+              </a:lnSpc>
+            </a:pPr>
             <a:r>
               <a:rPr b="0" lang="en-US" sz="1400" strike="noStrike" u="none">
                 <a:solidFill>
@@ -8709,8 +11799,9 @@
                 <a:effectLst/>
                 <a:uFillTx/>
                 <a:latin typeface="Courier New"/>
-              </a:rPr>
-              <a:t>  lcd.setCursor(0,1);</a:t>
+                <a:ea typeface="DejaVu Sans"/>
+              </a:rPr>
+              <a:t>  lcd.print("Power By Ec-yuan!");</a:t>
             </a:r>
             <a:endParaRPr b="0" lang="en-US" sz="1400" strike="noStrike" u="none">
               <a:solidFill>
@@ -8718,10 +11809,15 @@
               </a:solidFill>
               <a:effectLst/>
               <a:uFillTx/>
-              <a:latin typeface="Courier New"/>
-            </a:endParaRPr>
-          </a:p>
-          <a:p>
+              <a:latin typeface="Arial"/>
+            </a:endParaRPr>
+          </a:p>
+          <a:p>
+            <a:pPr>
+              <a:lnSpc>
+                <a:spcPct val="100000"/>
+              </a:lnSpc>
+            </a:pPr>
             <a:r>
               <a:rPr b="0" lang="en-US" sz="1400" strike="noStrike" u="none">
                 <a:solidFill>
@@ -8730,8 +11826,9 @@
                 <a:effectLst/>
                 <a:uFillTx/>
                 <a:latin typeface="Courier New"/>
-              </a:rPr>
-              <a:t>  lcd.print("Power By Ec-yuan!");</a:t>
+                <a:ea typeface="DejaVu Sans"/>
+              </a:rPr>
+              <a:t>  delay(2000);}</a:t>
             </a:r>
             <a:endParaRPr b="0" lang="en-US" sz="1400" strike="noStrike" u="none">
               <a:solidFill>
@@ -8739,10 +11836,15 @@
               </a:solidFill>
               <a:effectLst/>
               <a:uFillTx/>
-              <a:latin typeface="Courier New"/>
-            </a:endParaRPr>
-          </a:p>
-          <a:p>
+              <a:latin typeface="Arial"/>
+            </a:endParaRPr>
+          </a:p>
+          <a:p>
+            <a:pPr>
+              <a:lnSpc>
+                <a:spcPct val="100000"/>
+              </a:lnSpc>
+            </a:pPr>
             <a:r>
               <a:rPr b="0" lang="en-US" sz="1400" strike="noStrike" u="none">
                 <a:solidFill>
@@ -8751,8 +11853,9 @@
                 <a:effectLst/>
                 <a:uFillTx/>
                 <a:latin typeface="Courier New"/>
-              </a:rPr>
-              <a:t>  delay(2000);}</a:t>
+                <a:ea typeface="DejaVu Sans"/>
+              </a:rPr>
+              <a:t>void loop()</a:t>
             </a:r>
             <a:endParaRPr b="0" lang="en-US" sz="1400" strike="noStrike" u="none">
               <a:solidFill>
@@ -8760,10 +11863,15 @@
               </a:solidFill>
               <a:effectLst/>
               <a:uFillTx/>
-              <a:latin typeface="Courier New"/>
-            </a:endParaRPr>
-          </a:p>
-          <a:p>
+              <a:latin typeface="Arial"/>
+            </a:endParaRPr>
+          </a:p>
+          <a:p>
+            <a:pPr>
+              <a:lnSpc>
+                <a:spcPct val="100000"/>
+              </a:lnSpc>
+            </a:pPr>
             <a:r>
               <a:rPr b="0" lang="en-US" sz="1400" strike="noStrike" u="none">
                 <a:solidFill>
@@ -8772,8 +11880,9 @@
                 <a:effectLst/>
                 <a:uFillTx/>
                 <a:latin typeface="Courier New"/>
-              </a:rPr>
-              <a:t>void loop()</a:t>
+                <a:ea typeface="DejaVu Sans"/>
+              </a:rPr>
+              <a:t>{}</a:t>
             </a:r>
             <a:endParaRPr b="0" lang="en-US" sz="1400" strike="noStrike" u="none">
               <a:solidFill>
@@ -8781,28 +11890,7 @@
               </a:solidFill>
               <a:effectLst/>
               <a:uFillTx/>
-              <a:latin typeface="Courier New"/>
-            </a:endParaRPr>
-          </a:p>
-          <a:p>
-            <a:r>
-              <a:rPr b="0" lang="en-US" sz="1400" strike="noStrike" u="none">
-                <a:solidFill>
-                  <a:srgbClr val="000000"/>
-                </a:solidFill>
-                <a:effectLst/>
-                <a:uFillTx/>
-                <a:latin typeface="Courier New"/>
-              </a:rPr>
-              <a:t>{}</a:t>
-            </a:r>
-            <a:endParaRPr b="0" lang="en-US" sz="1400" strike="noStrike" u="none">
-              <a:solidFill>
-                <a:srgbClr val="000000"/>
-              </a:solidFill>
-              <a:effectLst/>
-              <a:uFillTx/>
-              <a:latin typeface="Courier New"/>
+              <a:latin typeface="Arial"/>
             </a:endParaRPr>
           </a:p>
         </p:txBody>
@@ -8839,14 +11927,14 @@
       </p:grpSpPr>
       <p:sp>
         <p:nvSpPr>
-          <p:cNvPr id="96" name=""/>
+          <p:cNvPr id="130" name=""/>
           <p:cNvSpPr/>
           <p:nvPr/>
         </p:nvSpPr>
         <p:spPr>
           <a:xfrm>
             <a:off x="7315200" y="369000"/>
-            <a:ext cx="2742840" cy="1735560"/>
+            <a:ext cx="2742120" cy="1735560"/>
           </a:xfrm>
           <a:prstGeom prst="rect">
             <a:avLst/>
@@ -8895,6 +11983,7 @@
                 <a:effectLst/>
                 <a:uFillTx/>
                 <a:latin typeface="Arial"/>
+                <a:ea typeface="DejaVu Sans"/>
               </a:rPr>
               <a:t>These are the important lines to be added and tweaked.</a:t>
             </a:r>
@@ -8941,14 +12030,14 @@
       </p:sp>
       <p:sp>
         <p:nvSpPr>
-          <p:cNvPr id="97" name=""/>
-          <p:cNvSpPr txBox="1"/>
+          <p:cNvPr id="131" name=""/>
+          <p:cNvSpPr/>
           <p:nvPr/>
         </p:nvSpPr>
         <p:spPr>
           <a:xfrm>
             <a:off x="18360" y="228600"/>
-            <a:ext cx="6611040" cy="5029200"/>
+            <a:ext cx="6610320" cy="5029920"/>
           </a:xfrm>
           <a:prstGeom prst="rect">
             <a:avLst/>
@@ -8962,21 +12051,37 @@
             </a:solidFill>
           </a:ln>
         </p:spPr>
+        <p:style>
+          <a:lnRef idx="0"/>
+          <a:fillRef idx="0"/>
+          <a:effectRef idx="0"/>
+          <a:fontRef idx="minor"/>
+        </p:style>
         <p:txBody>
           <a:bodyPr lIns="90000" rIns="90000" tIns="45000" bIns="45000" anchor="t">
             <a:spAutoFit/>
           </a:bodyPr>
           <a:p>
+            <a:pPr>
+              <a:lnSpc>
+                <a:spcPct val="100000"/>
+              </a:lnSpc>
+            </a:pPr>
             <a:endParaRPr b="0" lang="en-US" sz="1400" strike="noStrike" u="none">
               <a:solidFill>
                 <a:srgbClr val="000000"/>
               </a:solidFill>
               <a:effectLst/>
               <a:uFillTx/>
-              <a:latin typeface="Courier New"/>
-            </a:endParaRPr>
-          </a:p>
-          <a:p>
+              <a:latin typeface="Arial"/>
+            </a:endParaRPr>
+          </a:p>
+          <a:p>
+            <a:pPr>
+              <a:lnSpc>
+                <a:spcPct val="100000"/>
+              </a:lnSpc>
+            </a:pPr>
             <a:r>
               <a:rPr b="0" lang="en-US" sz="1400" strike="noStrike" u="none">
                 <a:solidFill>
@@ -8985,6 +12090,7 @@
                 <a:effectLst/>
                 <a:uFillTx/>
                 <a:latin typeface="Courier New"/>
+                <a:ea typeface="DejaVu Sans"/>
               </a:rPr>
               <a:t>#include &lt;Wire.h&gt;</a:t>
             </a:r>
@@ -8994,10 +12100,15 @@
               </a:solidFill>
               <a:effectLst/>
               <a:uFillTx/>
-              <a:latin typeface="Courier New"/>
-            </a:endParaRPr>
-          </a:p>
-          <a:p>
+              <a:latin typeface="Arial"/>
+            </a:endParaRPr>
+          </a:p>
+          <a:p>
+            <a:pPr>
+              <a:lnSpc>
+                <a:spcPct val="100000"/>
+              </a:lnSpc>
+            </a:pPr>
             <a:r>
               <a:rPr b="0" lang="en-US" sz="1400" strike="noStrike" u="none">
                 <a:solidFill>
@@ -9006,6 +12117,7 @@
                 <a:effectLst/>
                 <a:uFillTx/>
                 <a:latin typeface="Courier New"/>
+                <a:ea typeface="DejaVu Sans"/>
               </a:rPr>
               <a:t>#include &lt;LiquidCrystal_I2C.h&gt;</a:t>
             </a:r>
@@ -9015,10 +12127,15 @@
               </a:solidFill>
               <a:effectLst/>
               <a:uFillTx/>
-              <a:latin typeface="Courier New"/>
-            </a:endParaRPr>
-          </a:p>
-          <a:p>
+              <a:latin typeface="Arial"/>
+            </a:endParaRPr>
+          </a:p>
+          <a:p>
+            <a:pPr>
+              <a:lnSpc>
+                <a:spcPct val="100000"/>
+              </a:lnSpc>
+            </a:pPr>
             <a:r>
               <a:rPr b="0" lang="en-US" sz="1400" strike="noStrike" u="none">
                 <a:solidFill>
@@ -9027,6 +12144,7 @@
                 <a:effectLst/>
                 <a:uFillTx/>
                 <a:latin typeface="Courier New"/>
+                <a:ea typeface="DejaVu Sans"/>
               </a:rPr>
               <a:t>LiquidCrystal_I2C lcd(0x27,16,2);  // set the LCD address to 0x27 for a 16 chars and 2 line display</a:t>
             </a:r>
@@ -9036,20 +12154,30 @@
               </a:solidFill>
               <a:effectLst/>
               <a:uFillTx/>
-              <a:latin typeface="Courier New"/>
-            </a:endParaRPr>
-          </a:p>
-          <a:p>
+              <a:latin typeface="Arial"/>
+            </a:endParaRPr>
+          </a:p>
+          <a:p>
+            <a:pPr>
+              <a:lnSpc>
+                <a:spcPct val="100000"/>
+              </a:lnSpc>
+            </a:pPr>
             <a:endParaRPr b="0" lang="en-US" sz="1400" strike="noStrike" u="none">
               <a:solidFill>
                 <a:srgbClr val="000000"/>
               </a:solidFill>
               <a:effectLst/>
               <a:uFillTx/>
-              <a:latin typeface="Courier New"/>
-            </a:endParaRPr>
-          </a:p>
-          <a:p>
+              <a:latin typeface="Arial"/>
+            </a:endParaRPr>
+          </a:p>
+          <a:p>
+            <a:pPr>
+              <a:lnSpc>
+                <a:spcPct val="100000"/>
+              </a:lnSpc>
+            </a:pPr>
             <a:r>
               <a:rPr b="0" lang="en-US" sz="1400" strike="noStrike" u="none">
                 <a:solidFill>
@@ -9058,6 +12186,7 @@
                 <a:effectLst/>
                 <a:uFillTx/>
                 <a:latin typeface="Courier New"/>
+                <a:ea typeface="DejaVu Sans"/>
               </a:rPr>
               <a:t>  lcd.init();                  // initialize the lcd</a:t>
             </a:r>
@@ -9067,10 +12196,15 @@
               </a:solidFill>
               <a:effectLst/>
               <a:uFillTx/>
-              <a:latin typeface="Courier New"/>
-            </a:endParaRPr>
-          </a:p>
-          <a:p>
+              <a:latin typeface="Arial"/>
+            </a:endParaRPr>
+          </a:p>
+          <a:p>
+            <a:pPr>
+              <a:lnSpc>
+                <a:spcPct val="100000"/>
+              </a:lnSpc>
+            </a:pPr>
             <a:r>
               <a:rPr b="0" lang="en-US" sz="1400" strike="noStrike" u="none">
                 <a:solidFill>
@@ -9079,6 +12213,7 @@
                 <a:effectLst/>
                 <a:uFillTx/>
                 <a:latin typeface="Courier New"/>
+                <a:ea typeface="DejaVu Sans"/>
               </a:rPr>
               <a:t>  lcd.init();  </a:t>
             </a:r>
@@ -9088,10 +12223,15 @@
               </a:solidFill>
               <a:effectLst/>
               <a:uFillTx/>
-              <a:latin typeface="Courier New"/>
-            </a:endParaRPr>
-          </a:p>
-          <a:p>
+              <a:latin typeface="Arial"/>
+            </a:endParaRPr>
+          </a:p>
+          <a:p>
+            <a:pPr>
+              <a:lnSpc>
+                <a:spcPct val="100000"/>
+              </a:lnSpc>
+            </a:pPr>
             <a:r>
               <a:rPr b="0" lang="en-US" sz="1400" strike="noStrike" u="none">
                 <a:solidFill>
@@ -9100,6 +12240,7 @@
                 <a:effectLst/>
                 <a:uFillTx/>
                 <a:latin typeface="Courier New"/>
+                <a:ea typeface="DejaVu Sans"/>
               </a:rPr>
               <a:t>// Print a message to the LCD.  </a:t>
             </a:r>
@@ -9109,10 +12250,15 @@
               </a:solidFill>
               <a:effectLst/>
               <a:uFillTx/>
-              <a:latin typeface="Courier New"/>
-            </a:endParaRPr>
-          </a:p>
-          <a:p>
+              <a:latin typeface="Arial"/>
+            </a:endParaRPr>
+          </a:p>
+          <a:p>
+            <a:pPr>
+              <a:lnSpc>
+                <a:spcPct val="100000"/>
+              </a:lnSpc>
+            </a:pPr>
             <a:r>
               <a:rPr b="0" lang="en-US" sz="1400" strike="noStrike" u="none">
                 <a:solidFill>
@@ -9121,6 +12267,7 @@
                 <a:effectLst/>
                 <a:uFillTx/>
                 <a:latin typeface="Courier New"/>
+                <a:ea typeface="DejaVu Sans"/>
               </a:rPr>
               <a:t>  lcd.backlight();  </a:t>
             </a:r>
@@ -9130,10 +12277,15 @@
               </a:solidFill>
               <a:effectLst/>
               <a:uFillTx/>
-              <a:latin typeface="Courier New"/>
-            </a:endParaRPr>
-          </a:p>
-          <a:p>
+              <a:latin typeface="Arial"/>
+            </a:endParaRPr>
+          </a:p>
+          <a:p>
+            <a:pPr>
+              <a:lnSpc>
+                <a:spcPct val="100000"/>
+              </a:lnSpc>
+            </a:pPr>
             <a:r>
               <a:rPr b="0" lang="en-US" sz="1400" strike="noStrike" u="none">
                 <a:solidFill>
@@ -9142,6 +12294,7 @@
                 <a:effectLst/>
                 <a:uFillTx/>
                 <a:latin typeface="Courier New"/>
+                <a:ea typeface="DejaVu Sans"/>
               </a:rPr>
               <a:t>  lcd.setCursor(3,0);  </a:t>
             </a:r>
@@ -9151,10 +12304,15 @@
               </a:solidFill>
               <a:effectLst/>
               <a:uFillTx/>
-              <a:latin typeface="Courier New"/>
-            </a:endParaRPr>
-          </a:p>
-          <a:p>
+              <a:latin typeface="Arial"/>
+            </a:endParaRPr>
+          </a:p>
+          <a:p>
+            <a:pPr>
+              <a:lnSpc>
+                <a:spcPct val="100000"/>
+              </a:lnSpc>
+            </a:pPr>
             <a:r>
               <a:rPr b="0" lang="en-US" sz="1400" strike="noStrike" u="none">
                 <a:solidFill>
@@ -9163,6 +12321,7 @@
                 <a:effectLst/>
                 <a:uFillTx/>
                 <a:latin typeface="Courier New"/>
+                <a:ea typeface="DejaVu Sans"/>
               </a:rPr>
               <a:t>  lcd.print("Hello, world!");</a:t>
             </a:r>
@@ -9172,10 +12331,15 @@
               </a:solidFill>
               <a:effectLst/>
               <a:uFillTx/>
-              <a:latin typeface="Courier New"/>
-            </a:endParaRPr>
-          </a:p>
-          <a:p>
+              <a:latin typeface="Arial"/>
+            </a:endParaRPr>
+          </a:p>
+          <a:p>
+            <a:pPr>
+              <a:lnSpc>
+                <a:spcPct val="100000"/>
+              </a:lnSpc>
+            </a:pPr>
             <a:r>
               <a:rPr b="0" lang="en-US" sz="1400" strike="noStrike" u="none">
                 <a:solidFill>
@@ -9184,6 +12348,7 @@
                 <a:effectLst/>
                 <a:uFillTx/>
                 <a:latin typeface="Courier New"/>
+                <a:ea typeface="DejaVu Sans"/>
               </a:rPr>
               <a:t>  lcd.setCursor(2,1);</a:t>
             </a:r>
@@ -9193,10 +12358,15 @@
               </a:solidFill>
               <a:effectLst/>
               <a:uFillTx/>
-              <a:latin typeface="Courier New"/>
-            </a:endParaRPr>
-          </a:p>
-          <a:p>
+              <a:latin typeface="Arial"/>
+            </a:endParaRPr>
+          </a:p>
+          <a:p>
+            <a:pPr>
+              <a:lnSpc>
+                <a:spcPct val="100000"/>
+              </a:lnSpc>
+            </a:pPr>
             <a:r>
               <a:rPr b="0" lang="en-US" sz="1400" strike="noStrike" u="none">
                 <a:solidFill>
@@ -9205,6 +12375,7 @@
                 <a:effectLst/>
                 <a:uFillTx/>
                 <a:latin typeface="Courier New"/>
+                <a:ea typeface="DejaVu Sans"/>
               </a:rPr>
               <a:t>  lcd.print("Ywrobot Arduino!");</a:t>
             </a:r>
@@ -9214,27 +12385,37 @@
               </a:solidFill>
               <a:effectLst/>
               <a:uFillTx/>
-              <a:latin typeface="Courier New"/>
-            </a:endParaRPr>
-          </a:p>
-          <a:p>
+              <a:latin typeface="Arial"/>
+            </a:endParaRPr>
+          </a:p>
+          <a:p>
+            <a:pPr>
+              <a:lnSpc>
+                <a:spcPct val="100000"/>
+              </a:lnSpc>
+            </a:pPr>
             <a:endParaRPr b="0" lang="en-US" sz="1400" strike="noStrike" u="none">
               <a:solidFill>
                 <a:srgbClr val="000000"/>
               </a:solidFill>
               <a:effectLst/>
               <a:uFillTx/>
-              <a:latin typeface="Courier New"/>
-            </a:endParaRPr>
-          </a:p>
-          <a:p>
+              <a:latin typeface="Arial"/>
+            </a:endParaRPr>
+          </a:p>
+          <a:p>
+            <a:pPr>
+              <a:lnSpc>
+                <a:spcPct val="100000"/>
+              </a:lnSpc>
+            </a:pPr>
             <a:endParaRPr b="0" lang="en-US" sz="1400" strike="noStrike" u="none">
               <a:solidFill>
                 <a:srgbClr val="000000"/>
               </a:solidFill>
               <a:effectLst/>
               <a:uFillTx/>
-              <a:latin typeface="Courier New"/>
+              <a:latin typeface="Arial"/>
             </a:endParaRPr>
           </a:p>
         </p:txBody>
@@ -9271,14 +12452,14 @@
       </p:grpSpPr>
       <p:sp>
         <p:nvSpPr>
-          <p:cNvPr id="98" name=""/>
+          <p:cNvPr id="132" name=""/>
           <p:cNvSpPr/>
           <p:nvPr/>
         </p:nvSpPr>
         <p:spPr>
           <a:xfrm>
-            <a:off x="7315200" y="369000"/>
-            <a:ext cx="2742840" cy="2284200"/>
+            <a:off x="7543800" y="369000"/>
+            <a:ext cx="2286000" cy="2558520"/>
           </a:xfrm>
           <a:prstGeom prst="rect">
             <a:avLst/>
@@ -9327,6 +12508,7 @@
                 <a:effectLst/>
                 <a:uFillTx/>
                 <a:latin typeface="Arial"/>
+                <a:ea typeface="DejaVu Sans"/>
               </a:rPr>
               <a:t>This is the final result. Let’s look in detail at the lcd.print messages.</a:t>
             </a:r>
@@ -9403,14 +12585,14 @@
       </p:sp>
       <p:sp>
         <p:nvSpPr>
-          <p:cNvPr id="99" name=""/>
-          <p:cNvSpPr txBox="1"/>
+          <p:cNvPr id="133" name=""/>
+          <p:cNvSpPr/>
           <p:nvPr/>
         </p:nvSpPr>
         <p:spPr>
           <a:xfrm>
-            <a:off x="18360" y="228600"/>
-            <a:ext cx="7296840" cy="5065560"/>
+            <a:off x="19080" y="228600"/>
+            <a:ext cx="7524720" cy="5232600"/>
           </a:xfrm>
           <a:prstGeom prst="rect">
             <a:avLst/>
@@ -9424,6 +12606,12 @@
             </a:solidFill>
           </a:ln>
         </p:spPr>
+        <p:style>
+          <a:lnRef idx="0"/>
+          <a:fillRef idx="0"/>
+          <a:effectRef idx="0"/>
+          <a:fontRef idx="minor"/>
+        </p:style>
         <p:txBody>
           <a:bodyPr lIns="90000" rIns="90000" tIns="45000" bIns="45000" anchor="t">
             <a:spAutoFit/>
@@ -9445,6 +12633,7 @@
                 <a:effectLst/>
                 <a:uFillTx/>
                 <a:latin typeface="Courier New"/>
+                <a:ea typeface="DejaVu Sans"/>
               </a:rPr>
               <a:t>#include &lt;Adafruit_AHT10.h&gt;</a:t>
             </a:r>
@@ -9455,7 +12644,6 @@
               <a:effectLst/>
               <a:uFillTx/>
               <a:latin typeface="Arial"/>
-              <a:ea typeface="Microsoft YaHei"/>
             </a:endParaRPr>
           </a:p>
           <a:p>
@@ -9475,6 +12663,7 @@
                 <a:effectLst/>
                 <a:uFillTx/>
                 <a:latin typeface="Courier New"/>
+                <a:ea typeface="DejaVu Sans"/>
               </a:rPr>
               <a:t>#include &lt;Wire.h&gt;</a:t>
             </a:r>
@@ -9485,7 +12674,6 @@
               <a:effectLst/>
               <a:uFillTx/>
               <a:latin typeface="Arial"/>
-              <a:ea typeface="Microsoft YaHei"/>
             </a:endParaRPr>
           </a:p>
           <a:p>
@@ -9505,6 +12693,7 @@
                 <a:effectLst/>
                 <a:uFillTx/>
                 <a:latin typeface="Courier New"/>
+                <a:ea typeface="DejaVu Sans"/>
               </a:rPr>
               <a:t>#include &lt;LiquidCrystal_I2C.h&gt;</a:t>
             </a:r>
@@ -9515,7 +12704,6 @@
               <a:effectLst/>
               <a:uFillTx/>
               <a:latin typeface="Arial"/>
-              <a:ea typeface="Microsoft YaHei"/>
             </a:endParaRPr>
           </a:p>
           <a:p>
@@ -9535,6 +12723,7 @@
                 <a:effectLst/>
                 <a:uFillTx/>
                 <a:latin typeface="Courier New"/>
+                <a:ea typeface="DejaVu Sans"/>
               </a:rPr>
               <a:t>Adafruit_AHT10 aht;</a:t>
             </a:r>
@@ -9545,7 +12734,6 @@
               <a:effectLst/>
               <a:uFillTx/>
               <a:latin typeface="Arial"/>
-              <a:ea typeface="Microsoft YaHei"/>
             </a:endParaRPr>
           </a:p>
           <a:p>
@@ -9565,8 +12753,9 @@
                 <a:effectLst/>
                 <a:uFillTx/>
                 <a:latin typeface="Courier New"/>
-              </a:rPr>
-              <a:t>LiquidCrystal_I2C lcd(0x27,16,2);  // set the LCD address to 0x27</a:t>
+                <a:ea typeface="DejaVu Sans"/>
+              </a:rPr>
+              <a:t>LiquidCrystal_I2C lcd(0x27,16,2); // set the LCD address to 0x27for a 16 char/2 line display</a:t>
             </a:r>
             <a:endParaRPr b="0" lang="en-US" sz="1050" strike="noStrike" u="none">
               <a:solidFill>
@@ -9575,7 +12764,6 @@
               <a:effectLst/>
               <a:uFillTx/>
               <a:latin typeface="Arial"/>
-              <a:ea typeface="Microsoft YaHei"/>
             </a:endParaRPr>
           </a:p>
           <a:p>
@@ -9595,8 +12783,9 @@
                 <a:effectLst/>
                 <a:uFillTx/>
                 <a:latin typeface="Courier New"/>
-              </a:rPr>
-              <a:t>// for a 16 chars and 2 line display</a:t>
+                <a:ea typeface="DejaVu Sans"/>
+              </a:rPr>
+              <a:t>void setup()</a:t>
             </a:r>
             <a:endParaRPr b="0" lang="en-US" sz="1050" strike="noStrike" u="none">
               <a:solidFill>
@@ -9605,7 +12794,6 @@
               <a:effectLst/>
               <a:uFillTx/>
               <a:latin typeface="Arial"/>
-              <a:ea typeface="Microsoft YaHei"/>
             </a:endParaRPr>
           </a:p>
           <a:p>
@@ -9625,8 +12813,9 @@
                 <a:effectLst/>
                 <a:uFillTx/>
                 <a:latin typeface="Courier New"/>
-              </a:rPr>
-              <a:t>void setup()</a:t>
+                <a:ea typeface="DejaVu Sans"/>
+              </a:rPr>
+              <a:t> {</a:t>
             </a:r>
             <a:endParaRPr b="0" lang="en-US" sz="1050" strike="noStrike" u="none">
               <a:solidFill>
@@ -9635,7 +12824,6 @@
               <a:effectLst/>
               <a:uFillTx/>
               <a:latin typeface="Arial"/>
-              <a:ea typeface="Microsoft YaHei"/>
             </a:endParaRPr>
           </a:p>
           <a:p>
@@ -9655,8 +12843,9 @@
                 <a:effectLst/>
                 <a:uFillTx/>
                 <a:latin typeface="Courier New"/>
-              </a:rPr>
-              <a:t> {</a:t>
+                <a:ea typeface="DejaVu Sans"/>
+              </a:rPr>
+              <a:t>  Serial.begin(115200);</a:t>
             </a:r>
             <a:endParaRPr b="0" lang="en-US" sz="1050" strike="noStrike" u="none">
               <a:solidFill>
@@ -9665,7 +12854,6 @@
               <a:effectLst/>
               <a:uFillTx/>
               <a:latin typeface="Arial"/>
-              <a:ea typeface="Microsoft YaHei"/>
             </a:endParaRPr>
           </a:p>
           <a:p>
@@ -9685,8 +12873,9 @@
                 <a:effectLst/>
                 <a:uFillTx/>
                 <a:latin typeface="Courier New"/>
-              </a:rPr>
-              <a:t>  Serial.begin(115200);</a:t>
+                <a:ea typeface="DejaVu Sans"/>
+              </a:rPr>
+              <a:t>  Serial.println("Adafruit AHT10 demo!");</a:t>
             </a:r>
             <a:endParaRPr b="0" lang="en-US" sz="1050" strike="noStrike" u="none">
               <a:solidFill>
@@ -9695,7 +12884,6 @@
               <a:effectLst/>
               <a:uFillTx/>
               <a:latin typeface="Arial"/>
-              <a:ea typeface="Microsoft YaHei"/>
             </a:endParaRPr>
           </a:p>
           <a:p>
@@ -9715,8 +12903,9 @@
                 <a:effectLst/>
                 <a:uFillTx/>
                 <a:latin typeface="Courier New"/>
-              </a:rPr>
-              <a:t>  Serial.println("Adafruit AHT10 demo!");</a:t>
+                <a:ea typeface="DejaVu Sans"/>
+              </a:rPr>
+              <a:t>  if (! aht.begin())</a:t>
             </a:r>
             <a:endParaRPr b="0" lang="en-US" sz="1050" strike="noStrike" u="none">
               <a:solidFill>
@@ -9725,7 +12914,6 @@
               <a:effectLst/>
               <a:uFillTx/>
               <a:latin typeface="Arial"/>
-              <a:ea typeface="Microsoft YaHei"/>
             </a:endParaRPr>
           </a:p>
           <a:p>
@@ -9745,8 +12933,9 @@
                 <a:effectLst/>
                 <a:uFillTx/>
                 <a:latin typeface="Courier New"/>
-              </a:rPr>
-              <a:t>  if (! aht.begin())</a:t>
+                <a:ea typeface="DejaVu Sans"/>
+              </a:rPr>
+              <a:t> {</a:t>
             </a:r>
             <a:endParaRPr b="0" lang="en-US" sz="1050" strike="noStrike" u="none">
               <a:solidFill>
@@ -9755,7 +12944,6 @@
               <a:effectLst/>
               <a:uFillTx/>
               <a:latin typeface="Arial"/>
-              <a:ea typeface="Microsoft YaHei"/>
             </a:endParaRPr>
           </a:p>
           <a:p>
@@ -9775,8 +12963,9 @@
                 <a:effectLst/>
                 <a:uFillTx/>
                 <a:latin typeface="Courier New"/>
-              </a:rPr>
-              <a:t> {</a:t>
+                <a:ea typeface="DejaVu Sans"/>
+              </a:rPr>
+              <a:t>    Serial.println("Could not find AHT10? Check wiring");</a:t>
             </a:r>
             <a:endParaRPr b="0" lang="en-US" sz="1050" strike="noStrike" u="none">
               <a:solidFill>
@@ -9785,7 +12974,6 @@
               <a:effectLst/>
               <a:uFillTx/>
               <a:latin typeface="Arial"/>
-              <a:ea typeface="Microsoft YaHei"/>
             </a:endParaRPr>
           </a:p>
           <a:p>
@@ -9805,8 +12993,9 @@
                 <a:effectLst/>
                 <a:uFillTx/>
                 <a:latin typeface="Courier New"/>
-              </a:rPr>
-              <a:t>    Serial.println("Could not find AHT10? Check wiring");</a:t>
+                <a:ea typeface="DejaVu Sans"/>
+              </a:rPr>
+              <a:t>    while (1) delay(10);</a:t>
             </a:r>
             <a:endParaRPr b="0" lang="en-US" sz="1050" strike="noStrike" u="none">
               <a:solidFill>
@@ -9815,7 +13004,6 @@
               <a:effectLst/>
               <a:uFillTx/>
               <a:latin typeface="Arial"/>
-              <a:ea typeface="Microsoft YaHei"/>
             </a:endParaRPr>
           </a:p>
           <a:p>
@@ -9835,8 +13023,9 @@
                 <a:effectLst/>
                 <a:uFillTx/>
                 <a:latin typeface="Courier New"/>
-              </a:rPr>
-              <a:t>    while (1) delay(10);</a:t>
+                <a:ea typeface="DejaVu Sans"/>
+              </a:rPr>
+              <a:t>  }</a:t>
             </a:r>
             <a:endParaRPr b="0" lang="en-US" sz="1050" strike="noStrike" u="none">
               <a:solidFill>
@@ -9845,7 +13034,6 @@
               <a:effectLst/>
               <a:uFillTx/>
               <a:latin typeface="Arial"/>
-              <a:ea typeface="Microsoft YaHei"/>
             </a:endParaRPr>
           </a:p>
           <a:p>
@@ -9865,8 +13053,9 @@
                 <a:effectLst/>
                 <a:uFillTx/>
                 <a:latin typeface="Courier New"/>
-              </a:rPr>
-              <a:t>  }</a:t>
+                <a:ea typeface="DejaVu Sans"/>
+              </a:rPr>
+              <a:t>  Serial.println("AHT10 found");</a:t>
             </a:r>
             <a:endParaRPr b="0" lang="en-US" sz="1050" strike="noStrike" u="none">
               <a:solidFill>
@@ -9875,7 +13064,6 @@
               <a:effectLst/>
               <a:uFillTx/>
               <a:latin typeface="Arial"/>
-              <a:ea typeface="Microsoft YaHei"/>
             </a:endParaRPr>
           </a:p>
           <a:p>
@@ -9895,8 +13083,9 @@
                 <a:effectLst/>
                 <a:uFillTx/>
                 <a:latin typeface="Courier New"/>
-              </a:rPr>
-              <a:t>  Serial.println("AHT10 found");</a:t>
+                <a:ea typeface="DejaVu Sans"/>
+              </a:rPr>
+              <a:t>  lcd.init();                      // initialize the lcd   lcd.init();</a:t>
             </a:r>
             <a:endParaRPr b="0" lang="en-US" sz="1050" strike="noStrike" u="none">
               <a:solidFill>
@@ -9905,7 +13094,6 @@
               <a:effectLst/>
               <a:uFillTx/>
               <a:latin typeface="Arial"/>
-              <a:ea typeface="Microsoft YaHei"/>
             </a:endParaRPr>
           </a:p>
           <a:p>
@@ -9925,8 +13113,9 @@
                 <a:effectLst/>
                 <a:uFillTx/>
                 <a:latin typeface="Courier New"/>
-              </a:rPr>
-              <a:t>  lcd.init();                      // initialize the lcd   lcd.init();</a:t>
+                <a:ea typeface="DejaVu Sans"/>
+              </a:rPr>
+              <a:t>  // Print a message to the LCD.</a:t>
             </a:r>
             <a:endParaRPr b="0" lang="en-US" sz="1050" strike="noStrike" u="none">
               <a:solidFill>
@@ -9935,7 +13124,6 @@
               <a:effectLst/>
               <a:uFillTx/>
               <a:latin typeface="Arial"/>
-              <a:ea typeface="Microsoft YaHei"/>
             </a:endParaRPr>
           </a:p>
           <a:p>
@@ -9955,8 +13143,9 @@
                 <a:effectLst/>
                 <a:uFillTx/>
                 <a:latin typeface="Courier New"/>
-              </a:rPr>
-              <a:t>  // Print a message to the LCD.</a:t>
+                <a:ea typeface="DejaVu Sans"/>
+              </a:rPr>
+              <a:t>  lcd.backlight();</a:t>
             </a:r>
             <a:endParaRPr b="0" lang="en-US" sz="1050" strike="noStrike" u="none">
               <a:solidFill>
@@ -9965,7 +13154,6 @@
               <a:effectLst/>
               <a:uFillTx/>
               <a:latin typeface="Arial"/>
-              <a:ea typeface="Microsoft YaHei"/>
             </a:endParaRPr>
           </a:p>
           <a:p>
@@ -9985,8 +13173,9 @@
                 <a:effectLst/>
                 <a:uFillTx/>
                 <a:latin typeface="Courier New"/>
-              </a:rPr>
-              <a:t>  lcd.backlight();</a:t>
+                <a:ea typeface="DejaVu Sans"/>
+              </a:rPr>
+              <a:t>}</a:t>
             </a:r>
             <a:endParaRPr b="0" lang="en-US" sz="1050" strike="noStrike" u="none">
               <a:solidFill>
@@ -9995,7 +13184,6 @@
               <a:effectLst/>
               <a:uFillTx/>
               <a:latin typeface="Arial"/>
-              <a:ea typeface="Microsoft YaHei"/>
             </a:endParaRPr>
           </a:p>
           <a:p>
@@ -10015,8 +13203,9 @@
                 <a:effectLst/>
                 <a:uFillTx/>
                 <a:latin typeface="Courier New"/>
-              </a:rPr>
-              <a:t>}</a:t>
+                <a:ea typeface="DejaVu Sans"/>
+              </a:rPr>
+              <a:t>void loop()</a:t>
             </a:r>
             <a:endParaRPr b="0" lang="en-US" sz="1050" strike="noStrike" u="none">
               <a:solidFill>
@@ -10025,7 +13214,6 @@
               <a:effectLst/>
               <a:uFillTx/>
               <a:latin typeface="Arial"/>
-              <a:ea typeface="Microsoft YaHei"/>
             </a:endParaRPr>
           </a:p>
           <a:p>
@@ -10045,8 +13233,9 @@
                 <a:effectLst/>
                 <a:uFillTx/>
                 <a:latin typeface="Courier New"/>
-              </a:rPr>
-              <a:t>void loop()</a:t>
+                <a:ea typeface="DejaVu Sans"/>
+              </a:rPr>
+              <a:t> {</a:t>
             </a:r>
             <a:endParaRPr b="0" lang="en-US" sz="1050" strike="noStrike" u="none">
               <a:solidFill>
@@ -10055,7 +13244,6 @@
               <a:effectLst/>
               <a:uFillTx/>
               <a:latin typeface="Arial"/>
-              <a:ea typeface="Microsoft YaHei"/>
             </a:endParaRPr>
           </a:p>
           <a:p>
@@ -10075,8 +13263,9 @@
                 <a:effectLst/>
                 <a:uFillTx/>
                 <a:latin typeface="Courier New"/>
-              </a:rPr>
-              <a:t> {</a:t>
+                <a:ea typeface="DejaVu Sans"/>
+              </a:rPr>
+              <a:t>  sensors_event_t humidity, temp;</a:t>
             </a:r>
             <a:endParaRPr b="0" lang="en-US" sz="1050" strike="noStrike" u="none">
               <a:solidFill>
@@ -10085,7 +13274,6 @@
               <a:effectLst/>
               <a:uFillTx/>
               <a:latin typeface="Arial"/>
-              <a:ea typeface="Microsoft YaHei"/>
             </a:endParaRPr>
           </a:p>
           <a:p>
@@ -10105,8 +13293,9 @@
                 <a:effectLst/>
                 <a:uFillTx/>
                 <a:latin typeface="Courier New"/>
-              </a:rPr>
-              <a:t>  sensors_event_t humidity, temp;</a:t>
+                <a:ea typeface="DejaVu Sans"/>
+              </a:rPr>
+              <a:t>  aht.getEvent(&amp;humidity, &amp;temp);</a:t>
             </a:r>
             <a:endParaRPr b="0" lang="en-US" sz="1050" strike="noStrike" u="none">
               <a:solidFill>
@@ -10115,7 +13304,6 @@
               <a:effectLst/>
               <a:uFillTx/>
               <a:latin typeface="Arial"/>
-              <a:ea typeface="Microsoft YaHei"/>
             </a:endParaRPr>
           </a:p>
           <a:p>
@@ -10135,8 +13323,9 @@
                 <a:effectLst/>
                 <a:uFillTx/>
                 <a:latin typeface="Courier New"/>
-              </a:rPr>
-              <a:t>  aht.getEvent(&amp;humidity, &amp;temp);</a:t>
+                <a:ea typeface="DejaVu Sans"/>
+              </a:rPr>
+              <a:t>// populate temp and humidity objects with fresh data  Serial.print("Temperature: "); Serial.print(temp.temperature); Serial.println(" degrees C");  lcd.setCursor(0,0);  lcd.print("Temp "); lcd.print(temp.temperature); lcd.println(" deg C  ");  lcd.setCursor(0,1);</a:t>
             </a:r>
             <a:endParaRPr b="0" lang="en-US" sz="1050" strike="noStrike" u="none">
               <a:solidFill>
@@ -10145,7 +13334,6 @@
               <a:effectLst/>
               <a:uFillTx/>
               <a:latin typeface="Arial"/>
-              <a:ea typeface="Microsoft YaHei"/>
             </a:endParaRPr>
           </a:p>
           <a:p>
@@ -10165,8 +13353,9 @@
                 <a:effectLst/>
                 <a:uFillTx/>
                 <a:latin typeface="Courier New"/>
-              </a:rPr>
-              <a:t>// populate temp and humidity objects with fresh data  Serial.print("Temperature: "); Serial.print(temp.temperature); Serial.println(" degrees C");  lcd.setCursor(0,0);  lcd.print("Temp "); lcd.print(temp.temperature); lcd.println(" deg C  ");  lcd.setCursor(0,1);</a:t>
+                <a:ea typeface="DejaVu Sans"/>
+              </a:rPr>
+              <a:t>  Serial.print("Humidity: "); Serial.print(humidity.relative_humidity); Serial.println("% rH");  lcd.print("Hum "); lcd.print(humidity.relative_humidity); lcd.println("% rH   ");</a:t>
             </a:r>
             <a:endParaRPr b="0" lang="en-US" sz="1050" strike="noStrike" u="none">
               <a:solidFill>
@@ -10175,7 +13364,6 @@
               <a:effectLst/>
               <a:uFillTx/>
               <a:latin typeface="Arial"/>
-              <a:ea typeface="Microsoft YaHei"/>
             </a:endParaRPr>
           </a:p>
           <a:p>
@@ -10195,8 +13383,9 @@
                 <a:effectLst/>
                 <a:uFillTx/>
                 <a:latin typeface="Courier New"/>
-              </a:rPr>
-              <a:t>  Serial.print("Humidity: "); Serial.print(humidity.relative_humidity); Serial.println("% rH");  lcd.print("Hum "); lcd.print(humidity.relative_humidity); lcd.println("% rH   ");</a:t>
+                <a:ea typeface="DejaVu Sans"/>
+              </a:rPr>
+              <a:t>  Delay(2500);</a:t>
             </a:r>
             <a:endParaRPr b="0" lang="en-US" sz="1050" strike="noStrike" u="none">
               <a:solidFill>
@@ -10205,7 +13394,6 @@
               <a:effectLst/>
               <a:uFillTx/>
               <a:latin typeface="Arial"/>
-              <a:ea typeface="Microsoft YaHei"/>
             </a:endParaRPr>
           </a:p>
           <a:p>
@@ -10225,8 +13413,9 @@
                 <a:effectLst/>
                 <a:uFillTx/>
                 <a:latin typeface="Courier New"/>
-              </a:rPr>
-              <a:t>  Delay(2500);</a:t>
+                <a:ea typeface="DejaVu Sans"/>
+              </a:rPr>
+              <a:t>} </a:t>
             </a:r>
             <a:endParaRPr b="0" lang="en-US" sz="1050" strike="noStrike" u="none">
               <a:solidFill>
@@ -10235,37 +13424,6 @@
               <a:effectLst/>
               <a:uFillTx/>
               <a:latin typeface="Arial"/>
-              <a:ea typeface="Microsoft YaHei"/>
-            </a:endParaRPr>
-          </a:p>
-          <a:p>
-            <a:pPr>
-              <a:lnSpc>
-                <a:spcPct val="100000"/>
-              </a:lnSpc>
-              <a:spcBef>
-                <a:spcPts val="57"/>
-              </a:spcBef>
-            </a:pPr>
-            <a:r>
-              <a:rPr b="0" lang="en-US" sz="1050" strike="noStrike" u="none">
-                <a:solidFill>
-                  <a:srgbClr val="000000"/>
-                </a:solidFill>
-                <a:effectLst/>
-                <a:uFillTx/>
-                <a:latin typeface="Courier New"/>
-              </a:rPr>
-              <a:t>} </a:t>
-            </a:r>
-            <a:endParaRPr b="0" lang="en-US" sz="1050" strike="noStrike" u="none">
-              <a:solidFill>
-                <a:srgbClr val="000000"/>
-              </a:solidFill>
-              <a:effectLst/>
-              <a:uFillTx/>
-              <a:latin typeface="Arial"/>
-              <a:ea typeface="Microsoft YaHei"/>
             </a:endParaRPr>
           </a:p>
         </p:txBody>
@@ -10300,9 +13458,109 @@
           <a:chExt cx="0" cy="0"/>
         </a:xfrm>
       </p:grpSpPr>
-      <p:sp>
-        <p:nvSpPr>
-          <p:cNvPr id="100" name="PlaceHolder 1"/>
+      <p:pic>
+        <p:nvPicPr>
+          <p:cNvPr id="134" name="" descr=""/>
+          <p:cNvPicPr/>
+          <p:nvPr/>
+        </p:nvPicPr>
+        <p:blipFill>
+          <a:blip r:embed="rId1"/>
+          <a:stretch/>
+        </p:blipFill>
+        <p:spPr>
+          <a:xfrm>
+            <a:off x="685800" y="2092680"/>
+            <a:ext cx="8941680" cy="1793520"/>
+          </a:xfrm>
+          <a:prstGeom prst="rect">
+            <a:avLst/>
+          </a:prstGeom>
+          <a:noFill/>
+          <a:ln w="0">
+            <a:noFill/>
+          </a:ln>
+        </p:spPr>
+      </p:pic>
+      <p:sp>
+        <p:nvSpPr>
+          <p:cNvPr id="135" name=""/>
+          <p:cNvSpPr txBox="1"/>
+          <p:nvPr/>
+        </p:nvSpPr>
+        <p:spPr>
+          <a:xfrm>
+            <a:off x="685800" y="457200"/>
+            <a:ext cx="4818600" cy="346320"/>
+          </a:xfrm>
+          <a:prstGeom prst="rect">
+            <a:avLst/>
+          </a:prstGeom>
+          <a:noFill/>
+          <a:ln w="0">
+            <a:noFill/>
+          </a:ln>
+        </p:spPr>
+        <p:txBody>
+          <a:bodyPr wrap="none" lIns="90000" rIns="90000" tIns="45000" bIns="45000" anchor="t">
+            <a:spAutoFit/>
+          </a:bodyPr>
+          <a:p>
+            <a:r>
+              <a:rPr b="0" lang="en-US" sz="1800" strike="noStrike" u="none">
+                <a:solidFill>
+                  <a:srgbClr val="000000"/>
+                </a:solidFill>
+                <a:effectLst/>
+                <a:uFillTx/>
+                <a:latin typeface="Arial"/>
+              </a:rPr>
+              <a:t>Here is the LCD output from the above sketch</a:t>
+            </a:r>
+            <a:endParaRPr b="0" lang="en-US" sz="1800" strike="noStrike" u="none">
+              <a:solidFill>
+                <a:srgbClr val="000000"/>
+              </a:solidFill>
+              <a:effectLst/>
+              <a:uFillTx/>
+              <a:latin typeface="Arial"/>
+            </a:endParaRPr>
+          </a:p>
+        </p:txBody>
+      </p:sp>
+    </p:spTree>
+  </p:cSld>
+  <mc:AlternateContent>
+    <mc:Choice Requires="p14">
+      <p:transition spd="slow" p14:dur="2000"/>
+    </mc:Choice>
+    <mc:Fallback>
+      <p:transition spd="slow"/>
+    </mc:Fallback>
+  </mc:AlternateContent>
+</p:sld>
+</file>
+
+<file path=ppt/slides/slide19.xml><?xml version="1.0" encoding="utf-8"?>
+<p:sld xmlns:a="http://schemas.openxmlformats.org/drawingml/2006/main" xmlns:p="http://schemas.openxmlformats.org/presentationml/2006/main" xmlns:r="http://schemas.openxmlformats.org/officeDocument/2006/relationships" xmlns:p14="http://schemas.microsoft.com/office/powerpoint/2010/main" xmlns:p15="http://schemas.microsoft.com/office/powerpoint/2012/main" xmlns:mc="http://schemas.openxmlformats.org/markup-compatibility/2006">
+  <p:cSld>
+    <p:spTree>
+      <p:nvGrpSpPr>
+        <p:cNvPr id="1" name=""/>
+        <p:cNvGrpSpPr/>
+        <p:nvPr/>
+      </p:nvGrpSpPr>
+      <p:grpSpPr>
+        <a:xfrm>
+          <a:off x="0" y="0"/>
+          <a:ext cx="0" cy="0"/>
+          <a:chOff x="0" y="0"/>
+          <a:chExt cx="0" cy="0"/>
+        </a:xfrm>
+      </p:grpSpPr>
+      <p:sp>
+        <p:nvSpPr>
+          <p:cNvPr id="136" name="PlaceHolder 1"/>
           <p:cNvSpPr>
             <a:spLocks noGrp="1"/>
           </p:cNvSpPr>
@@ -10312,8 +13570,8 @@
         </p:nvSpPr>
         <p:spPr>
           <a:xfrm>
-            <a:off x="504000" y="630000"/>
-            <a:ext cx="9071280" cy="4389480"/>
+            <a:off x="504000" y="629280"/>
+            <a:ext cx="9070560" cy="4390200"/>
           </a:xfrm>
           <a:prstGeom prst="rect">
             <a:avLst/>
@@ -10387,7 +13645,7 @@
       </p:grpSpPr>
       <p:sp>
         <p:nvSpPr>
-          <p:cNvPr id="68" name="PlaceHolder 1"/>
+          <p:cNvPr id="102" name="PlaceHolder 1"/>
           <p:cNvSpPr>
             <a:spLocks noGrp="1"/>
           </p:cNvSpPr>
@@ -10397,8 +13655,8 @@
         </p:nvSpPr>
         <p:spPr>
           <a:xfrm>
-            <a:off x="504000" y="269640"/>
-            <a:ext cx="9071280" cy="990000"/>
+            <a:off x="504000" y="268920"/>
+            <a:ext cx="9070560" cy="990720"/>
           </a:xfrm>
           <a:prstGeom prst="rect">
             <a:avLst/>
@@ -10431,7 +13689,7 @@
                 <a:uFillTx/>
                 <a:latin typeface="Arial"/>
               </a:rPr>
-              <a:t>Adruino examples</a:t>
+              <a:t>Arduino examples</a:t>
             </a:r>
             <a:endParaRPr b="0" lang="en-US" sz="4400" strike="noStrike" u="none">
               <a:solidFill>
@@ -10446,7 +13704,7 @@
       </p:sp>
       <p:sp>
         <p:nvSpPr>
-          <p:cNvPr id="69" name="PlaceHolder 2"/>
+          <p:cNvPr id="103" name="PlaceHolder 2"/>
           <p:cNvSpPr>
             <a:spLocks noGrp="1"/>
           </p:cNvSpPr>
@@ -10457,7 +13715,7 @@
         <p:spPr>
           <a:xfrm>
             <a:off x="504000" y="1440000"/>
-            <a:ext cx="9071280" cy="3689280"/>
+            <a:ext cx="9070560" cy="3688560"/>
           </a:xfrm>
           <a:prstGeom prst="rect">
             <a:avLst/>
@@ -10786,7 +14044,7 @@
       </p:grpSpPr>
       <p:pic>
         <p:nvPicPr>
-          <p:cNvPr id="70" name="" descr=""/>
+          <p:cNvPr id="104" name="" descr=""/>
           <p:cNvPicPr/>
           <p:nvPr/>
         </p:nvPicPr>
@@ -10797,7 +14055,7 @@
         <p:spPr>
           <a:xfrm>
             <a:off x="0" y="283680"/>
-            <a:ext cx="5829120" cy="4744800"/>
+            <a:ext cx="5828400" cy="4744080"/>
           </a:xfrm>
           <a:prstGeom prst="rect">
             <a:avLst/>
@@ -10810,14 +14068,14 @@
       </p:pic>
       <p:sp>
         <p:nvSpPr>
-          <p:cNvPr id="71" name=""/>
+          <p:cNvPr id="105" name=""/>
           <p:cNvSpPr/>
           <p:nvPr/>
         </p:nvSpPr>
         <p:spPr>
           <a:xfrm>
-            <a:off x="5944320" y="1648440"/>
-            <a:ext cx="3885480" cy="2418840"/>
+            <a:off x="5944320" y="1649520"/>
+            <a:ext cx="3884760" cy="2419560"/>
           </a:xfrm>
           <a:prstGeom prst="rect">
             <a:avLst/>
@@ -10955,7 +14213,7 @@
       </p:grpSpPr>
       <p:pic>
         <p:nvPicPr>
-          <p:cNvPr id="72" name="" descr=""/>
+          <p:cNvPr id="106" name="" descr=""/>
           <p:cNvPicPr/>
           <p:nvPr/>
         </p:nvPicPr>
@@ -10966,7 +14224,7 @@
         <p:spPr>
           <a:xfrm>
             <a:off x="0" y="408960"/>
-            <a:ext cx="5987880" cy="4848120"/>
+            <a:ext cx="5987160" cy="4847400"/>
           </a:xfrm>
           <a:prstGeom prst="rect">
             <a:avLst/>
@@ -10979,14 +14237,14 @@
       </p:pic>
       <p:sp>
         <p:nvSpPr>
-          <p:cNvPr id="73" name=""/>
+          <p:cNvPr id="107" name=""/>
           <p:cNvSpPr/>
           <p:nvPr/>
         </p:nvSpPr>
         <p:spPr>
           <a:xfrm>
-            <a:off x="6172920" y="1143000"/>
-            <a:ext cx="3656880" cy="1413360"/>
+            <a:off x="6172920" y="1144080"/>
+            <a:ext cx="3656160" cy="1414080"/>
           </a:xfrm>
           <a:prstGeom prst="rect">
             <a:avLst/>
@@ -11067,7 +14325,7 @@
       </p:grpSpPr>
       <p:pic>
         <p:nvPicPr>
-          <p:cNvPr id="74" name="" descr=""/>
+          <p:cNvPr id="108" name="" descr=""/>
           <p:cNvPicPr/>
           <p:nvPr/>
         </p:nvPicPr>
@@ -11078,7 +14336,7 @@
         <p:spPr>
           <a:xfrm>
             <a:off x="228600" y="712080"/>
-            <a:ext cx="6679800" cy="4087800"/>
+            <a:ext cx="6679080" cy="4087080"/>
           </a:xfrm>
           <a:prstGeom prst="rect">
             <a:avLst/>
@@ -11091,14 +14349,14 @@
       </p:pic>
       <p:sp>
         <p:nvSpPr>
-          <p:cNvPr id="75" name=""/>
+          <p:cNvPr id="109" name=""/>
           <p:cNvSpPr/>
           <p:nvPr/>
         </p:nvSpPr>
         <p:spPr>
           <a:xfrm>
             <a:off x="7086600" y="685800"/>
-            <a:ext cx="2971080" cy="3758040"/>
+            <a:ext cx="2970360" cy="3758040"/>
           </a:xfrm>
           <a:prstGeom prst="rect">
             <a:avLst/>
@@ -11233,7 +14491,7 @@
       </p:grpSpPr>
       <p:sp>
         <p:nvSpPr>
-          <p:cNvPr id="76" name="PlaceHolder 1"/>
+          <p:cNvPr id="110" name="PlaceHolder 1"/>
           <p:cNvSpPr>
             <a:spLocks noGrp="1"/>
           </p:cNvSpPr>
@@ -11244,7 +14502,7 @@
         <p:spPr>
           <a:xfrm>
             <a:off x="504000" y="90000"/>
-            <a:ext cx="9071280" cy="989280"/>
+            <a:ext cx="9070560" cy="988560"/>
           </a:xfrm>
           <a:prstGeom prst="rect">
             <a:avLst/>
@@ -11292,7 +14550,7 @@
       </p:sp>
       <p:sp>
         <p:nvSpPr>
-          <p:cNvPr id="77" name="PlaceHolder 2"/>
+          <p:cNvPr id="111" name="PlaceHolder 2"/>
           <p:cNvSpPr>
             <a:spLocks noGrp="1"/>
           </p:cNvSpPr>
@@ -11303,7 +14561,7 @@
         <p:spPr>
           <a:xfrm>
             <a:off x="504000" y="1440000"/>
-            <a:ext cx="9071280" cy="3509280"/>
+            <a:ext cx="9070560" cy="3508560"/>
           </a:xfrm>
           <a:prstGeom prst="rect">
             <a:avLst/>
@@ -11341,7 +14599,7 @@
                 <a:uFillTx/>
                 <a:latin typeface="Noto Sans"/>
               </a:rPr>
-              <a:t>The “books” icon on theleft toolbar opens the library manager.</a:t>
+              <a:t>The “books” icon on the left toolbar opens the library manager.</a:t>
             </a:r>
             <a:endParaRPr b="0" lang="en-US" sz="2400" strike="noStrike" u="none">
               <a:solidFill>
@@ -11411,7 +14669,7 @@
                 <a:uFillTx/>
                 <a:latin typeface="Noto Sans"/>
               </a:rPr>
-              <a:t>Using an example as a project base helps get started</a:t>
+              <a:t>Using an example as a project base helps to get started</a:t>
             </a:r>
             <a:endParaRPr b="0" lang="en-US" sz="2400" strike="noStrike" u="none">
               <a:solidFill>
@@ -11526,7 +14784,7 @@
       </p:grpSpPr>
       <p:sp>
         <p:nvSpPr>
-          <p:cNvPr id="78" name="PlaceHolder 1"/>
+          <p:cNvPr id="112" name="PlaceHolder 1"/>
           <p:cNvSpPr>
             <a:spLocks noGrp="1"/>
           </p:cNvSpPr>
@@ -11536,8 +14794,8 @@
         </p:nvSpPr>
         <p:spPr>
           <a:xfrm>
-            <a:off x="529560" y="868320"/>
-            <a:ext cx="9071280" cy="4389480"/>
+            <a:off x="529560" y="867600"/>
+            <a:ext cx="9070560" cy="4390200"/>
           </a:xfrm>
           <a:prstGeom prst="rect">
             <a:avLst/>
@@ -11566,7 +14824,7 @@
                 <a:uFillTx/>
                 <a:latin typeface="Arial"/>
               </a:rPr>
-              <a:t>Let’s do an example of a temperature and humidity sensor writing data to the serial port of the Arduino, then onto an I2C LCD screen</a:t>
+              <a:t>Let’s do an example of a sketch that will read a temperature and humidity sensor and provide serial output of that data to the Arduino serial port, then an I2C LCD showing the data will be added.</a:t>
             </a:r>
             <a:endParaRPr b="0" lang="en-US" sz="3200" strike="noStrike" u="none">
               <a:solidFill>
@@ -11611,14 +14869,14 @@
       </p:grpSpPr>
       <p:sp>
         <p:nvSpPr>
-          <p:cNvPr id="79" name=""/>
+          <p:cNvPr id="113" name=""/>
           <p:cNvSpPr/>
           <p:nvPr/>
         </p:nvSpPr>
         <p:spPr>
           <a:xfrm>
             <a:off x="7315200" y="556200"/>
-            <a:ext cx="2742840" cy="3656520"/>
+            <a:ext cx="2742120" cy="3657240"/>
           </a:xfrm>
           <a:prstGeom prst="rect">
             <a:avLst/>
@@ -11652,6 +14910,7 @@
                 <a:effectLst/>
                 <a:uFillTx/>
                 <a:latin typeface="Arial"/>
+                <a:ea typeface="DejaVu Sans"/>
               </a:rPr>
               <a:t>Start with the FILE menu and select New Sketch.</a:t>
             </a:r>
@@ -11678,6 +14937,7 @@
                 <a:effectLst/>
                 <a:uFillTx/>
                 <a:latin typeface="Arial"/>
+                <a:ea typeface="DejaVu Sans"/>
               </a:rPr>
               <a:t>Then click the “books” or select menu TOOLS Manage Libraries</a:t>
             </a:r>
@@ -11704,6 +14964,7 @@
                 <a:effectLst/>
                 <a:uFillTx/>
                 <a:latin typeface="Arial"/>
+                <a:ea typeface="DejaVu Sans"/>
               </a:rPr>
               <a:t>We are using an AHT10, and I2C LCD</a:t>
             </a:r>
@@ -11745,6 +15006,7 @@
                 <a:effectLst/>
                 <a:uFillTx/>
                 <a:latin typeface="Arial"/>
+                <a:ea typeface="DejaVu Sans"/>
               </a:rPr>
               <a:t>So search for AHT10 and install the Adafruit AHT10 library</a:t>
             </a:r>
@@ -11791,7 +15053,7 @@
       </p:sp>
       <p:pic>
         <p:nvPicPr>
-          <p:cNvPr id="80" name="" descr=""/>
+          <p:cNvPr id="114" name="" descr=""/>
           <p:cNvPicPr/>
           <p:nvPr/>
         </p:nvPicPr>
@@ -11802,7 +15064,7 @@
         <p:spPr>
           <a:xfrm>
             <a:off x="228600" y="685800"/>
-            <a:ext cx="6858000" cy="3867840"/>
+            <a:ext cx="6857280" cy="3867120"/>
           </a:xfrm>
           <a:prstGeom prst="rect">
             <a:avLst/>
@@ -11845,14 +15107,14 @@
       </p:grpSpPr>
       <p:sp>
         <p:nvSpPr>
-          <p:cNvPr id="81" name=""/>
+          <p:cNvPr id="115" name=""/>
           <p:cNvSpPr/>
           <p:nvPr/>
         </p:nvSpPr>
         <p:spPr>
           <a:xfrm>
             <a:off x="7315200" y="556200"/>
-            <a:ext cx="2742840" cy="913320"/>
+            <a:ext cx="2742120" cy="914040"/>
           </a:xfrm>
           <a:prstGeom prst="rect">
             <a:avLst/>
@@ -11886,6 +15148,7 @@
                 <a:effectLst/>
                 <a:uFillTx/>
                 <a:latin typeface="Arial"/>
+                <a:ea typeface="DejaVu Sans"/>
               </a:rPr>
               <a:t>Then finally search for LiquidCrystal I2C and install </a:t>
             </a:r>
@@ -11902,7 +15165,7 @@
       </p:sp>
       <p:pic>
         <p:nvPicPr>
-          <p:cNvPr id="82" name="" descr=""/>
+          <p:cNvPr id="116" name="" descr=""/>
           <p:cNvPicPr/>
           <p:nvPr/>
         </p:nvPicPr>
@@ -11913,7 +15176,7 @@
         <p:spPr>
           <a:xfrm>
             <a:off x="457200" y="556200"/>
-            <a:ext cx="6857640" cy="3858480"/>
+            <a:ext cx="6856920" cy="3857760"/>
           </a:xfrm>
           <a:prstGeom prst="rect">
             <a:avLst/>
@@ -11938,6 +15201,430 @@
 </file>
 
 <file path=ppt/theme/theme1.xml><?xml version="1.0" encoding="utf-8"?>
+<a:theme xmlns:a="http://schemas.openxmlformats.org/drawingml/2006/main" xmlns:r="http://schemas.openxmlformats.org/officeDocument/2006/relationships" name="Office">
+  <a:themeElements>
+    <a:clrScheme name="LibreOffice">
+      <a:dk1>
+        <a:srgbClr val="000000"/>
+      </a:dk1>
+      <a:lt1>
+        <a:srgbClr val="ffffff"/>
+      </a:lt1>
+      <a:dk2>
+        <a:srgbClr val="000000"/>
+      </a:dk2>
+      <a:lt2>
+        <a:srgbClr val="ffffff"/>
+      </a:lt2>
+      <a:accent1>
+        <a:srgbClr val="18a303"/>
+      </a:accent1>
+      <a:accent2>
+        <a:srgbClr val="0369a3"/>
+      </a:accent2>
+      <a:accent3>
+        <a:srgbClr val="a33e03"/>
+      </a:accent3>
+      <a:accent4>
+        <a:srgbClr val="8e03a3"/>
+      </a:accent4>
+      <a:accent5>
+        <a:srgbClr val="c99c00"/>
+      </a:accent5>
+      <a:accent6>
+        <a:srgbClr val="c9211e"/>
+      </a:accent6>
+      <a:hlink>
+        <a:srgbClr val="0000ee"/>
+      </a:hlink>
+      <a:folHlink>
+        <a:srgbClr val="551a8b"/>
+      </a:folHlink>
+    </a:clrScheme>
+    <a:fontScheme name="Office">
+      <a:majorFont>
+        <a:latin typeface="Arial" pitchFamily="0" charset="1"/>
+        <a:ea typeface="DejaVu Sans" pitchFamily="0" charset="1"/>
+        <a:cs typeface="DejaVu Sans" pitchFamily="0" charset="1"/>
+      </a:majorFont>
+      <a:minorFont>
+        <a:latin typeface="Arial" pitchFamily="0" charset="1"/>
+        <a:ea typeface="DejaVu Sans" pitchFamily="0" charset="1"/>
+        <a:cs typeface="DejaVu Sans" pitchFamily="0" charset="1"/>
+      </a:minorFont>
+    </a:fontScheme>
+    <a:fmtScheme>
+      <a:fillStyleLst>
+        <a:solidFill>
+          <a:schemeClr val="phClr"/>
+        </a:solidFill>
+        <a:solidFill>
+          <a:schemeClr val="phClr"/>
+        </a:solidFill>
+        <a:solidFill>
+          <a:schemeClr val="phClr"/>
+        </a:solidFill>
+      </a:fillStyleLst>
+      <a:lnStyleLst>
+        <a:ln w="6350" cap="flat" cmpd="sng" algn="ctr">
+          <a:prstDash val="solid"/>
+          <a:miter/>
+        </a:ln>
+        <a:ln w="6350" cap="flat" cmpd="sng" algn="ctr">
+          <a:prstDash val="solid"/>
+          <a:miter/>
+        </a:ln>
+        <a:ln w="6350" cap="flat" cmpd="sng" algn="ctr">
+          <a:prstDash val="solid"/>
+          <a:miter/>
+        </a:ln>
+      </a:lnStyleLst>
+      <a:effectStyleLst>
+        <a:effectStyle>
+          <a:effectLst/>
+        </a:effectStyle>
+        <a:effectStyle>
+          <a:effectLst/>
+        </a:effectStyle>
+        <a:effectStyle>
+          <a:effectLst/>
+        </a:effectStyle>
+      </a:effectStyleLst>
+      <a:bgFillStyleLst>
+        <a:solidFill>
+          <a:schemeClr val="phClr"/>
+        </a:solidFill>
+        <a:solidFill>
+          <a:schemeClr val="phClr"/>
+        </a:solidFill>
+        <a:solidFill>
+          <a:schemeClr val="phClr"/>
+        </a:solidFill>
+      </a:bgFillStyleLst>
+    </a:fmtScheme>
+  </a:themeElements>
+</a:theme>
+</file>
+
+<file path=ppt/theme/theme10.xml><?xml version="1.0" encoding="utf-8"?>
+<a:theme xmlns:a="http://schemas.openxmlformats.org/drawingml/2006/main" xmlns:r="http://schemas.openxmlformats.org/officeDocument/2006/relationships" name="Office">
+  <a:themeElements>
+    <a:clrScheme name="LibreOffice">
+      <a:dk1>
+        <a:srgbClr val="000000"/>
+      </a:dk1>
+      <a:lt1>
+        <a:srgbClr val="ffffff"/>
+      </a:lt1>
+      <a:dk2>
+        <a:srgbClr val="000000"/>
+      </a:dk2>
+      <a:lt2>
+        <a:srgbClr val="ffffff"/>
+      </a:lt2>
+      <a:accent1>
+        <a:srgbClr val="18a303"/>
+      </a:accent1>
+      <a:accent2>
+        <a:srgbClr val="0369a3"/>
+      </a:accent2>
+      <a:accent3>
+        <a:srgbClr val="a33e03"/>
+      </a:accent3>
+      <a:accent4>
+        <a:srgbClr val="8e03a3"/>
+      </a:accent4>
+      <a:accent5>
+        <a:srgbClr val="c99c00"/>
+      </a:accent5>
+      <a:accent6>
+        <a:srgbClr val="c9211e"/>
+      </a:accent6>
+      <a:hlink>
+        <a:srgbClr val="0000ee"/>
+      </a:hlink>
+      <a:folHlink>
+        <a:srgbClr val="551a8b"/>
+      </a:folHlink>
+    </a:clrScheme>
+    <a:fontScheme name="Office">
+      <a:majorFont>
+        <a:latin typeface="Arial" pitchFamily="0" charset="1"/>
+        <a:ea typeface="DejaVu Sans" pitchFamily="0" charset="1"/>
+        <a:cs typeface="DejaVu Sans" pitchFamily="0" charset="1"/>
+      </a:majorFont>
+      <a:minorFont>
+        <a:latin typeface="Arial" pitchFamily="0" charset="1"/>
+        <a:ea typeface="DejaVu Sans" pitchFamily="0" charset="1"/>
+        <a:cs typeface="DejaVu Sans" pitchFamily="0" charset="1"/>
+      </a:minorFont>
+    </a:fontScheme>
+    <a:fmtScheme>
+      <a:fillStyleLst>
+        <a:solidFill>
+          <a:schemeClr val="phClr"/>
+        </a:solidFill>
+        <a:solidFill>
+          <a:schemeClr val="phClr"/>
+        </a:solidFill>
+        <a:solidFill>
+          <a:schemeClr val="phClr"/>
+        </a:solidFill>
+      </a:fillStyleLst>
+      <a:lnStyleLst>
+        <a:ln w="6350" cap="flat" cmpd="sng" algn="ctr">
+          <a:prstDash val="solid"/>
+          <a:miter/>
+        </a:ln>
+        <a:ln w="6350" cap="flat" cmpd="sng" algn="ctr">
+          <a:prstDash val="solid"/>
+          <a:miter/>
+        </a:ln>
+        <a:ln w="6350" cap="flat" cmpd="sng" algn="ctr">
+          <a:prstDash val="solid"/>
+          <a:miter/>
+        </a:ln>
+      </a:lnStyleLst>
+      <a:effectStyleLst>
+        <a:effectStyle>
+          <a:effectLst/>
+        </a:effectStyle>
+        <a:effectStyle>
+          <a:effectLst/>
+        </a:effectStyle>
+        <a:effectStyle>
+          <a:effectLst/>
+        </a:effectStyle>
+      </a:effectStyleLst>
+      <a:bgFillStyleLst>
+        <a:solidFill>
+          <a:schemeClr val="phClr"/>
+        </a:solidFill>
+        <a:solidFill>
+          <a:schemeClr val="phClr"/>
+        </a:solidFill>
+        <a:solidFill>
+          <a:schemeClr val="phClr"/>
+        </a:solidFill>
+      </a:bgFillStyleLst>
+    </a:fmtScheme>
+  </a:themeElements>
+</a:theme>
+</file>
+
+<file path=ppt/theme/theme11.xml><?xml version="1.0" encoding="utf-8"?>
+<a:theme xmlns:a="http://schemas.openxmlformats.org/drawingml/2006/main" xmlns:r="http://schemas.openxmlformats.org/officeDocument/2006/relationships" name="Office">
+  <a:themeElements>
+    <a:clrScheme name="LibreOffice">
+      <a:dk1>
+        <a:srgbClr val="000000"/>
+      </a:dk1>
+      <a:lt1>
+        <a:srgbClr val="ffffff"/>
+      </a:lt1>
+      <a:dk2>
+        <a:srgbClr val="000000"/>
+      </a:dk2>
+      <a:lt2>
+        <a:srgbClr val="ffffff"/>
+      </a:lt2>
+      <a:accent1>
+        <a:srgbClr val="18a303"/>
+      </a:accent1>
+      <a:accent2>
+        <a:srgbClr val="0369a3"/>
+      </a:accent2>
+      <a:accent3>
+        <a:srgbClr val="a33e03"/>
+      </a:accent3>
+      <a:accent4>
+        <a:srgbClr val="8e03a3"/>
+      </a:accent4>
+      <a:accent5>
+        <a:srgbClr val="c99c00"/>
+      </a:accent5>
+      <a:accent6>
+        <a:srgbClr val="c9211e"/>
+      </a:accent6>
+      <a:hlink>
+        <a:srgbClr val="0000ee"/>
+      </a:hlink>
+      <a:folHlink>
+        <a:srgbClr val="551a8b"/>
+      </a:folHlink>
+    </a:clrScheme>
+    <a:fontScheme name="Office">
+      <a:majorFont>
+        <a:latin typeface="Arial" pitchFamily="0" charset="1"/>
+        <a:ea typeface="DejaVu Sans" pitchFamily="0" charset="1"/>
+        <a:cs typeface="DejaVu Sans" pitchFamily="0" charset="1"/>
+      </a:majorFont>
+      <a:minorFont>
+        <a:latin typeface="Arial" pitchFamily="0" charset="1"/>
+        <a:ea typeface="DejaVu Sans" pitchFamily="0" charset="1"/>
+        <a:cs typeface="DejaVu Sans" pitchFamily="0" charset="1"/>
+      </a:minorFont>
+    </a:fontScheme>
+    <a:fmtScheme>
+      <a:fillStyleLst>
+        <a:solidFill>
+          <a:schemeClr val="phClr"/>
+        </a:solidFill>
+        <a:solidFill>
+          <a:schemeClr val="phClr"/>
+        </a:solidFill>
+        <a:solidFill>
+          <a:schemeClr val="phClr"/>
+        </a:solidFill>
+      </a:fillStyleLst>
+      <a:lnStyleLst>
+        <a:ln w="6350" cap="flat" cmpd="sng" algn="ctr">
+          <a:prstDash val="solid"/>
+          <a:miter/>
+        </a:ln>
+        <a:ln w="6350" cap="flat" cmpd="sng" algn="ctr">
+          <a:prstDash val="solid"/>
+          <a:miter/>
+        </a:ln>
+        <a:ln w="6350" cap="flat" cmpd="sng" algn="ctr">
+          <a:prstDash val="solid"/>
+          <a:miter/>
+        </a:ln>
+      </a:lnStyleLst>
+      <a:effectStyleLst>
+        <a:effectStyle>
+          <a:effectLst/>
+        </a:effectStyle>
+        <a:effectStyle>
+          <a:effectLst/>
+        </a:effectStyle>
+        <a:effectStyle>
+          <a:effectLst/>
+        </a:effectStyle>
+      </a:effectStyleLst>
+      <a:bgFillStyleLst>
+        <a:solidFill>
+          <a:schemeClr val="phClr"/>
+        </a:solidFill>
+        <a:solidFill>
+          <a:schemeClr val="phClr"/>
+        </a:solidFill>
+        <a:solidFill>
+          <a:schemeClr val="phClr"/>
+        </a:solidFill>
+      </a:bgFillStyleLst>
+    </a:fmtScheme>
+  </a:themeElements>
+</a:theme>
+</file>
+
+<file path=ppt/theme/theme12.xml><?xml version="1.0" encoding="utf-8"?>
+<a:theme xmlns:a="http://schemas.openxmlformats.org/drawingml/2006/main" xmlns:r="http://schemas.openxmlformats.org/officeDocument/2006/relationships" name="Office">
+  <a:themeElements>
+    <a:clrScheme name="LibreOffice">
+      <a:dk1>
+        <a:srgbClr val="000000"/>
+      </a:dk1>
+      <a:lt1>
+        <a:srgbClr val="ffffff"/>
+      </a:lt1>
+      <a:dk2>
+        <a:srgbClr val="000000"/>
+      </a:dk2>
+      <a:lt2>
+        <a:srgbClr val="ffffff"/>
+      </a:lt2>
+      <a:accent1>
+        <a:srgbClr val="18a303"/>
+      </a:accent1>
+      <a:accent2>
+        <a:srgbClr val="0369a3"/>
+      </a:accent2>
+      <a:accent3>
+        <a:srgbClr val="a33e03"/>
+      </a:accent3>
+      <a:accent4>
+        <a:srgbClr val="8e03a3"/>
+      </a:accent4>
+      <a:accent5>
+        <a:srgbClr val="c99c00"/>
+      </a:accent5>
+      <a:accent6>
+        <a:srgbClr val="c9211e"/>
+      </a:accent6>
+      <a:hlink>
+        <a:srgbClr val="0000ee"/>
+      </a:hlink>
+      <a:folHlink>
+        <a:srgbClr val="551a8b"/>
+      </a:folHlink>
+    </a:clrScheme>
+    <a:fontScheme name="Office">
+      <a:majorFont>
+        <a:latin typeface="Arial" pitchFamily="0" charset="1"/>
+        <a:ea typeface="DejaVu Sans" pitchFamily="0" charset="1"/>
+        <a:cs typeface="DejaVu Sans" pitchFamily="0" charset="1"/>
+      </a:majorFont>
+      <a:minorFont>
+        <a:latin typeface="Arial" pitchFamily="0" charset="1"/>
+        <a:ea typeface="DejaVu Sans" pitchFamily="0" charset="1"/>
+        <a:cs typeface="DejaVu Sans" pitchFamily="0" charset="1"/>
+      </a:minorFont>
+    </a:fontScheme>
+    <a:fmtScheme>
+      <a:fillStyleLst>
+        <a:solidFill>
+          <a:schemeClr val="phClr"/>
+        </a:solidFill>
+        <a:solidFill>
+          <a:schemeClr val="phClr"/>
+        </a:solidFill>
+        <a:solidFill>
+          <a:schemeClr val="phClr"/>
+        </a:solidFill>
+      </a:fillStyleLst>
+      <a:lnStyleLst>
+        <a:ln w="6350" cap="flat" cmpd="sng" algn="ctr">
+          <a:prstDash val="solid"/>
+          <a:miter/>
+        </a:ln>
+        <a:ln w="6350" cap="flat" cmpd="sng" algn="ctr">
+          <a:prstDash val="solid"/>
+          <a:miter/>
+        </a:ln>
+        <a:ln w="6350" cap="flat" cmpd="sng" algn="ctr">
+          <a:prstDash val="solid"/>
+          <a:miter/>
+        </a:ln>
+      </a:lnStyleLst>
+      <a:effectStyleLst>
+        <a:effectStyle>
+          <a:effectLst/>
+        </a:effectStyle>
+        <a:effectStyle>
+          <a:effectLst/>
+        </a:effectStyle>
+        <a:effectStyle>
+          <a:effectLst/>
+        </a:effectStyle>
+      </a:effectStyleLst>
+      <a:bgFillStyleLst>
+        <a:solidFill>
+          <a:schemeClr val="phClr"/>
+        </a:solidFill>
+        <a:solidFill>
+          <a:schemeClr val="phClr"/>
+        </a:solidFill>
+        <a:solidFill>
+          <a:schemeClr val="phClr"/>
+        </a:solidFill>
+      </a:bgFillStyleLst>
+    </a:fmtScheme>
+  </a:themeElements>
+</a:theme>
+</file>
+
+<file path=ppt/theme/theme13.xml><?xml version="1.0" encoding="utf-8"?>
 <a:theme xmlns:a="http://schemas.openxmlformats.org/drawingml/2006/main" xmlns:r="http://schemas.openxmlformats.org/officeDocument/2006/relationships" name="Office">
   <a:themeElements>
     <a:clrScheme name="LibreOffice">

--- a/Arduino Basics.pptx
+++ b/Arduino Basics.pptx
@@ -23,31 +23,35 @@
     <p:sldMasterId id="2147483686" r:id="rId20"/>
     <p:sldMasterId id="2147483688" r:id="rId21"/>
     <p:sldMasterId id="2147483690" r:id="rId22"/>
+    <p:sldMasterId id="2147483692" r:id="rId23"/>
+    <p:sldMasterId id="2147483694" r:id="rId24"/>
+    <p:sldMasterId id="2147483696" r:id="rId25"/>
+    <p:sldMasterId id="2147483698" r:id="rId26"/>
   </p:sldMasterIdLst>
   <p:sldIdLst>
-    <p:sldId id="256" r:id="rId23"/>
-    <p:sldId id="257" r:id="rId24"/>
-    <p:sldId id="258" r:id="rId25"/>
-    <p:sldId id="259" r:id="rId26"/>
-    <p:sldId id="260" r:id="rId27"/>
-    <p:sldId id="261" r:id="rId28"/>
-    <p:sldId id="262" r:id="rId29"/>
-    <p:sldId id="263" r:id="rId30"/>
-    <p:sldId id="264" r:id="rId31"/>
-    <p:sldId id="265" r:id="rId32"/>
-    <p:sldId id="266" r:id="rId33"/>
-    <p:sldId id="267" r:id="rId34"/>
-    <p:sldId id="268" r:id="rId35"/>
-    <p:sldId id="269" r:id="rId36"/>
-    <p:sldId id="270" r:id="rId37"/>
-    <p:sldId id="271" r:id="rId38"/>
-    <p:sldId id="272" r:id="rId39"/>
-    <p:sldId id="273" r:id="rId40"/>
-    <p:sldId id="274" r:id="rId41"/>
-    <p:sldId id="275" r:id="rId42"/>
-    <p:sldId id="276" r:id="rId43"/>
-    <p:sldId id="277" r:id="rId44"/>
-    <p:sldId id="278" r:id="rId45"/>
+    <p:sldId id="256" r:id="rId27"/>
+    <p:sldId id="257" r:id="rId28"/>
+    <p:sldId id="258" r:id="rId29"/>
+    <p:sldId id="259" r:id="rId30"/>
+    <p:sldId id="260" r:id="rId31"/>
+    <p:sldId id="261" r:id="rId32"/>
+    <p:sldId id="262" r:id="rId33"/>
+    <p:sldId id="263" r:id="rId34"/>
+    <p:sldId id="264" r:id="rId35"/>
+    <p:sldId id="265" r:id="rId36"/>
+    <p:sldId id="266" r:id="rId37"/>
+    <p:sldId id="267" r:id="rId38"/>
+    <p:sldId id="268" r:id="rId39"/>
+    <p:sldId id="269" r:id="rId40"/>
+    <p:sldId id="270" r:id="rId41"/>
+    <p:sldId id="271" r:id="rId42"/>
+    <p:sldId id="272" r:id="rId43"/>
+    <p:sldId id="273" r:id="rId44"/>
+    <p:sldId id="274" r:id="rId45"/>
+    <p:sldId id="275" r:id="rId46"/>
+    <p:sldId id="276" r:id="rId47"/>
+    <p:sldId id="277" r:id="rId48"/>
+    <p:sldId id="278" r:id="rId49"/>
   </p:sldIdLst>
   <p:sldSz cx="10080625" cy="5670550"/>
   <p:notesSz cx="7772400" cy="10058400"/>
@@ -105,7 +109,7 @@
         <p:txBody>
           <a:bodyPr/>
           <a:p>
-            <a:fld id="{7E6B4026-CE34-4AAC-8E9B-CFA655A463B7}" type="slidenum">
+            <a:fld id="{1EBFFFE9-6C45-44AE-B278-FC42C2EB924F}" type="slidenum">
               <a:t>&lt;#&gt;</a:t>
             </a:fld>
           </a:p>
@@ -275,7 +279,7 @@
         <p:txBody>
           <a:bodyPr/>
           <a:p>
-            <a:fld id="{80D3C53B-7E03-44E6-AE5A-548ABD7C55AB}" type="slidenum">
+            <a:fld id="{1893174B-657A-4A01-9202-4DA26A4E87A7}" type="slidenum">
               <a:t>&lt;#&gt;</a:t>
             </a:fld>
           </a:p>
@@ -442,7 +446,7 @@
         <p:txBody>
           <a:bodyPr/>
           <a:p>
-            <a:fld id="{037635EA-2614-4A27-ACF4-E9B7EA4B22BA}" type="slidenum">
+            <a:fld id="{EAC36E9F-58F1-4802-B076-F3144B9F0E87}" type="slidenum">
               <a:t>&lt;#&gt;</a:t>
             </a:fld>
           </a:p>
@@ -612,7 +616,7 @@
         <p:txBody>
           <a:bodyPr/>
           <a:p>
-            <a:fld id="{37AD19C9-BECF-444A-AA5E-A877112F4B98}" type="slidenum">
+            <a:fld id="{29AB81B0-3DD6-4A4C-B193-1DDAB04A838E}" type="slidenum">
               <a:t>&lt;#&gt;</a:t>
             </a:fld>
           </a:p>
@@ -645,7 +649,7 @@
 </file>
 
 <file path=ppt/slideLayouts/slideLayout13.xml><?xml version="1.0" encoding="utf-8"?>
-<p:sldLayout xmlns:a="http://schemas.openxmlformats.org/drawingml/2006/main" xmlns:p="http://schemas.openxmlformats.org/presentationml/2006/main" xmlns:r="http://schemas.openxmlformats.org/officeDocument/2006/relationships" xmlns:p14="http://schemas.microsoft.com/office/powerpoint/2010/main" xmlns:p15="http://schemas.microsoft.com/office/powerpoint/2012/main" xmlns:mc="http://schemas.openxmlformats.org/markup-compatibility/2006" type="tx" preserve="1">
+<p:sldLayout xmlns:a="http://schemas.openxmlformats.org/drawingml/2006/main" xmlns:p="http://schemas.openxmlformats.org/presentationml/2006/main" xmlns:r="http://schemas.openxmlformats.org/officeDocument/2006/relationships" xmlns:p14="http://schemas.microsoft.com/office/powerpoint/2010/main" xmlns:p15="http://schemas.microsoft.com/office/powerpoint/2012/main" xmlns:mc="http://schemas.openxmlformats.org/markup-compatibility/2006" type="title" preserve="1">
   <p:cSld name="Default 6">
     <p:spTree>
       <p:nvGrpSpPr>
@@ -663,7 +667,7 @@
       </p:grpSpPr>
       <p:sp>
         <p:nvSpPr>
-          <p:cNvPr id="83" name="PlaceHolder 1"/>
+          <p:cNvPr id="82" name="PlaceHolder 1"/>
           <p:cNvSpPr>
             <a:spLocks noGrp="1"/>
           </p:cNvSpPr>
@@ -705,12 +709,12 @@
       </p:sp>
       <p:sp>
         <p:nvSpPr>
-          <p:cNvPr id="84" name="PlaceHolder 2"/>
+          <p:cNvPr id="83" name="PlaceHolder 2"/>
           <p:cNvSpPr>
             <a:spLocks noGrp="1"/>
           </p:cNvSpPr>
           <p:nvPr>
-            <p:ph/>
+            <p:ph type="subTitle"/>
           </p:nvPr>
         </p:nvSpPr>
         <p:spPr>
@@ -727,14 +731,11 @@
           </a:ln>
         </p:spPr>
         <p:txBody>
-          <a:bodyPr lIns="0" rIns="0" tIns="0" bIns="0" anchor="t">
-            <a:normAutofit/>
+          <a:bodyPr lIns="0" rIns="0" tIns="0" bIns="0" anchor="ctr">
+            <a:spAutoFit/>
           </a:bodyPr>
           <a:p>
-            <a:pPr indent="0">
-              <a:spcBef>
-                <a:spcPts val="1417"/>
-              </a:spcBef>
+            <a:pPr indent="0" algn="ctr">
               <a:buNone/>
             </a:pPr>
             <a:endParaRPr b="0" lang="en-US" sz="3200" strike="noStrike" u="none">
@@ -782,7 +783,7 @@
         <p:txBody>
           <a:bodyPr/>
           <a:p>
-            <a:fld id="{EC45F37B-45A7-4827-BB1F-7D9250BF1128}" type="slidenum">
+            <a:fld id="{017AD49E-C5B0-4A09-BA49-4A967DA2DED4}" type="slidenum">
               <a:t>&lt;#&gt;</a:t>
             </a:fld>
           </a:p>
@@ -815,7 +816,7 @@
 </file>
 
 <file path=ppt/slideLayouts/slideLayout14.xml><?xml version="1.0" encoding="utf-8"?>
-<p:sldLayout xmlns:a="http://schemas.openxmlformats.org/drawingml/2006/main" xmlns:p="http://schemas.openxmlformats.org/presentationml/2006/main" xmlns:r="http://schemas.openxmlformats.org/officeDocument/2006/relationships" xmlns:p14="http://schemas.microsoft.com/office/powerpoint/2010/main" xmlns:p15="http://schemas.microsoft.com/office/powerpoint/2012/main" xmlns:mc="http://schemas.openxmlformats.org/markup-compatibility/2006" type="title" preserve="1">
+<p:sldLayout xmlns:a="http://schemas.openxmlformats.org/drawingml/2006/main" xmlns:p="http://schemas.openxmlformats.org/presentationml/2006/main" xmlns:r="http://schemas.openxmlformats.org/officeDocument/2006/relationships" xmlns:p14="http://schemas.microsoft.com/office/powerpoint/2010/main" xmlns:p15="http://schemas.microsoft.com/office/powerpoint/2012/main" xmlns:mc="http://schemas.openxmlformats.org/markup-compatibility/2006" type="tx" preserve="1">
   <p:cSld name="Default 7">
     <p:spTree>
       <p:nvGrpSpPr>
@@ -880,7 +881,7 @@
             <a:spLocks noGrp="1"/>
           </p:cNvSpPr>
           <p:nvPr>
-            <p:ph type="subTitle"/>
+            <p:ph/>
           </p:nvPr>
         </p:nvSpPr>
         <p:spPr>
@@ -897,11 +898,14 @@
           </a:ln>
         </p:spPr>
         <p:txBody>
-          <a:bodyPr lIns="0" rIns="0" tIns="0" bIns="0" anchor="ctr">
-            <a:spAutoFit/>
+          <a:bodyPr lIns="0" rIns="0" tIns="0" bIns="0" anchor="t">
+            <a:normAutofit/>
           </a:bodyPr>
           <a:p>
-            <a:pPr indent="0" algn="ctr">
+            <a:pPr indent="0">
+              <a:spcBef>
+                <a:spcPts val="1417"/>
+              </a:spcBef>
               <a:buNone/>
             </a:pPr>
             <a:endParaRPr b="0" lang="en-US" sz="3200" strike="noStrike" u="none">
@@ -949,7 +953,7 @@
         <p:txBody>
           <a:bodyPr/>
           <a:p>
-            <a:fld id="{E702574C-7970-4406-A224-1ECA2888846D}" type="slidenum">
+            <a:fld id="{595293A1-65DE-4B51-8853-4FB14AE807A9}" type="slidenum">
               <a:t>&lt;#&gt;</a:t>
             </a:fld>
           </a:p>
@@ -1116,7 +1120,7 @@
         <p:txBody>
           <a:bodyPr/>
           <a:p>
-            <a:fld id="{2076EE54-EF19-4436-A528-E4E3F6F662B3}" type="slidenum">
+            <a:fld id="{200A8DA1-4C05-424E-BA90-BA9798497D53}" type="slidenum">
               <a:t>&lt;#&gt;</a:t>
             </a:fld>
           </a:p>
@@ -1286,7 +1290,7 @@
         <p:txBody>
           <a:bodyPr/>
           <a:p>
-            <a:fld id="{30A775F0-0E72-439E-87F8-69479E7F9BE2}" type="slidenum">
+            <a:fld id="{ACFCEDBE-1C5F-413B-81E4-56A35F54CD32}" type="slidenum">
               <a:t>&lt;#&gt;</a:t>
             </a:fld>
           </a:p>
@@ -1319,7 +1323,7 @@
 </file>
 
 <file path=ppt/slideLayouts/slideLayout17.xml><?xml version="1.0" encoding="utf-8"?>
-<p:sldLayout xmlns:a="http://schemas.openxmlformats.org/drawingml/2006/main" xmlns:p="http://schemas.openxmlformats.org/presentationml/2006/main" xmlns:r="http://schemas.openxmlformats.org/officeDocument/2006/relationships" xmlns:p14="http://schemas.microsoft.com/office/powerpoint/2010/main" xmlns:p15="http://schemas.microsoft.com/office/powerpoint/2012/main" xmlns:mc="http://schemas.openxmlformats.org/markup-compatibility/2006" type="title" preserve="1">
+<p:sldLayout xmlns:a="http://schemas.openxmlformats.org/drawingml/2006/main" xmlns:p="http://schemas.openxmlformats.org/presentationml/2006/main" xmlns:r="http://schemas.openxmlformats.org/officeDocument/2006/relationships" xmlns:p14="http://schemas.microsoft.com/office/powerpoint/2010/main" xmlns:p15="http://schemas.microsoft.com/office/powerpoint/2012/main" xmlns:mc="http://schemas.openxmlformats.org/markup-compatibility/2006" type="tx" preserve="1">
   <p:cSld name="Default 10">
     <p:spTree>
       <p:nvGrpSpPr>
@@ -1337,7 +1341,7 @@
       </p:grpSpPr>
       <p:sp>
         <p:nvSpPr>
-          <p:cNvPr id="116" name="PlaceHolder 1"/>
+          <p:cNvPr id="117" name="PlaceHolder 1"/>
           <p:cNvSpPr>
             <a:spLocks noGrp="1"/>
           </p:cNvSpPr>
@@ -1379,12 +1383,12 @@
       </p:sp>
       <p:sp>
         <p:nvSpPr>
-          <p:cNvPr id="117" name="PlaceHolder 2"/>
+          <p:cNvPr id="118" name="PlaceHolder 2"/>
           <p:cNvSpPr>
             <a:spLocks noGrp="1"/>
           </p:cNvSpPr>
           <p:nvPr>
-            <p:ph type="subTitle"/>
+            <p:ph/>
           </p:nvPr>
         </p:nvSpPr>
         <p:spPr>
@@ -1401,11 +1405,14 @@
           </a:ln>
         </p:spPr>
         <p:txBody>
-          <a:bodyPr lIns="0" rIns="0" tIns="0" bIns="0" anchor="ctr">
-            <a:spAutoFit/>
+          <a:bodyPr lIns="0" rIns="0" tIns="0" bIns="0" anchor="t">
+            <a:normAutofit/>
           </a:bodyPr>
           <a:p>
-            <a:pPr indent="0" algn="ctr">
+            <a:pPr indent="0">
+              <a:spcBef>
+                <a:spcPts val="1417"/>
+              </a:spcBef>
               <a:buNone/>
             </a:pPr>
             <a:endParaRPr b="0" lang="en-US" sz="3200" strike="noStrike" u="none">
@@ -1453,7 +1460,7 @@
         <p:txBody>
           <a:bodyPr/>
           <a:p>
-            <a:fld id="{9F8685EB-8083-493E-8F47-06786C2C45C9}" type="slidenum">
+            <a:fld id="{7CA1D515-1286-4352-940F-82C99F3122CE}" type="slidenum">
               <a:t>&lt;#&gt;</a:t>
             </a:fld>
           </a:p>
@@ -1486,7 +1493,7 @@
 </file>
 
 <file path=ppt/slideLayouts/slideLayout18.xml><?xml version="1.0" encoding="utf-8"?>
-<p:sldLayout xmlns:a="http://schemas.openxmlformats.org/drawingml/2006/main" xmlns:p="http://schemas.openxmlformats.org/presentationml/2006/main" xmlns:r="http://schemas.openxmlformats.org/officeDocument/2006/relationships" xmlns:p14="http://schemas.microsoft.com/office/powerpoint/2010/main" xmlns:p15="http://schemas.microsoft.com/office/powerpoint/2012/main" xmlns:mc="http://schemas.openxmlformats.org/markup-compatibility/2006" type="tx" preserve="1">
+<p:sldLayout xmlns:a="http://schemas.openxmlformats.org/drawingml/2006/main" xmlns:p="http://schemas.openxmlformats.org/presentationml/2006/main" xmlns:r="http://schemas.openxmlformats.org/officeDocument/2006/relationships" xmlns:p14="http://schemas.microsoft.com/office/powerpoint/2010/main" xmlns:p15="http://schemas.microsoft.com/office/powerpoint/2012/main" xmlns:mc="http://schemas.openxmlformats.org/markup-compatibility/2006" type="title" preserve="1">
   <p:cSld name="Default 11">
     <p:spTree>
       <p:nvGrpSpPr>
@@ -1551,7 +1558,7 @@
             <a:spLocks noGrp="1"/>
           </p:cNvSpPr>
           <p:nvPr>
-            <p:ph/>
+            <p:ph type="subTitle"/>
           </p:nvPr>
         </p:nvSpPr>
         <p:spPr>
@@ -1568,14 +1575,11 @@
           </a:ln>
         </p:spPr>
         <p:txBody>
-          <a:bodyPr lIns="0" rIns="0" tIns="0" bIns="0" anchor="t">
-            <a:normAutofit/>
+          <a:bodyPr lIns="0" rIns="0" tIns="0" bIns="0" anchor="ctr">
+            <a:spAutoFit/>
           </a:bodyPr>
           <a:p>
-            <a:pPr indent="0">
-              <a:spcBef>
-                <a:spcPts val="1417"/>
-              </a:spcBef>
+            <a:pPr indent="0" algn="ctr">
               <a:buNone/>
             </a:pPr>
             <a:endParaRPr b="0" lang="en-US" sz="3200" strike="noStrike" u="none">
@@ -1623,7 +1627,7 @@
         <p:txBody>
           <a:bodyPr/>
           <a:p>
-            <a:fld id="{DBA55C27-82AB-4AB4-9928-A03B7E3D0410}" type="slidenum">
+            <a:fld id="{0B4A2E2D-3063-4AB2-8C9D-E5C60F5DF32D}" type="slidenum">
               <a:t>&lt;#&gt;</a:t>
             </a:fld>
           </a:p>
@@ -1790,7 +1794,7 @@
         <p:txBody>
           <a:bodyPr/>
           <a:p>
-            <a:fld id="{7D610E73-AC28-45B1-9833-841F5BF461E9}" type="slidenum">
+            <a:fld id="{722ADF21-189B-4BB6-B6BD-ECE20B1979EA}" type="slidenum">
               <a:t>&lt;#&gt;</a:t>
             </a:fld>
           </a:p>
@@ -1957,7 +1961,7 @@
         <p:txBody>
           <a:bodyPr/>
           <a:p>
-            <a:fld id="{9C2F031E-E49B-40A9-A80E-AD46E6A376BD}" type="slidenum">
+            <a:fld id="{697F42E4-DB29-4E21-8706-530854FBDBC7}" type="slidenum">
               <a:t>&lt;#&gt;</a:t>
             </a:fld>
           </a:p>
@@ -2127,7 +2131,7 @@
         <p:txBody>
           <a:bodyPr/>
           <a:p>
-            <a:fld id="{86E0B830-627D-47BB-AA4C-419C582CBA56}" type="slidenum">
+            <a:fld id="{CC9EF831-BCDB-4644-BF64-EB36540CB1D0}" type="slidenum">
               <a:t>&lt;#&gt;</a:t>
             </a:fld>
           </a:p>
@@ -2294,7 +2298,7 @@
         <p:txBody>
           <a:bodyPr/>
           <a:p>
-            <a:fld id="{7BE4E169-C942-4A53-8A37-02A3018B20A4}" type="slidenum">
+            <a:fld id="{6AAA1A3D-F7FB-4E72-908C-23D7E88A6C1A}" type="slidenum">
               <a:t>&lt;#&gt;</a:t>
             </a:fld>
           </a:p>
@@ -2464,7 +2468,7 @@
         <p:txBody>
           <a:bodyPr/>
           <a:p>
-            <a:fld id="{9363BCDD-34B6-455B-A4A0-9F5DD58A9FC0}" type="slidenum">
+            <a:fld id="{C287081C-B082-4BAD-B279-D323B2E62AD6}" type="slidenum">
               <a:t>&lt;#&gt;</a:t>
             </a:fld>
           </a:p>
@@ -2497,6 +2501,680 @@
 </file>
 
 <file path=ppt/slideLayouts/slideLayout23.xml><?xml version="1.0" encoding="utf-8"?>
+<p:sldLayout xmlns:a="http://schemas.openxmlformats.org/drawingml/2006/main" xmlns:p="http://schemas.openxmlformats.org/presentationml/2006/main" xmlns:r="http://schemas.openxmlformats.org/officeDocument/2006/relationships" xmlns:p14="http://schemas.microsoft.com/office/powerpoint/2010/main" xmlns:p15="http://schemas.microsoft.com/office/powerpoint/2012/main" xmlns:mc="http://schemas.openxmlformats.org/markup-compatibility/2006" type="title" preserve="1">
+  <p:cSld name="Default 16">
+    <p:spTree>
+      <p:nvGrpSpPr>
+        <p:cNvPr id="1" name=""/>
+        <p:cNvGrpSpPr/>
+        <p:nvPr/>
+      </p:nvGrpSpPr>
+      <p:grpSpPr>
+        <a:xfrm>
+          <a:off x="0" y="0"/>
+          <a:ext cx="0" cy="0"/>
+          <a:chOff x="0" y="0"/>
+          <a:chExt cx="0" cy="0"/>
+        </a:xfrm>
+      </p:grpSpPr>
+      <p:sp>
+        <p:nvSpPr>
+          <p:cNvPr id="167" name="PlaceHolder 1"/>
+          <p:cNvSpPr>
+            <a:spLocks noGrp="1"/>
+          </p:cNvSpPr>
+          <p:nvPr>
+            <p:ph type="title"/>
+          </p:nvPr>
+        </p:nvSpPr>
+        <p:spPr>
+          <a:xfrm>
+            <a:off x="504000" y="226080"/>
+            <a:ext cx="9072000" cy="946440"/>
+          </a:xfrm>
+          <a:prstGeom prst="rect">
+            <a:avLst/>
+          </a:prstGeom>
+          <a:noFill/>
+          <a:ln w="0">
+            <a:noFill/>
+          </a:ln>
+        </p:spPr>
+        <p:txBody>
+          <a:bodyPr lIns="0" rIns="0" tIns="0" bIns="0" anchor="ctr">
+            <a:spAutoFit/>
+          </a:bodyPr>
+          <a:p>
+            <a:pPr indent="0" algn="ctr">
+              <a:buNone/>
+            </a:pPr>
+            <a:endParaRPr b="0" lang="en-US" sz="4400" strike="noStrike" u="none">
+              <a:solidFill>
+                <a:srgbClr val="000000"/>
+              </a:solidFill>
+              <a:effectLst/>
+              <a:uFillTx/>
+              <a:latin typeface="Arial"/>
+            </a:endParaRPr>
+          </a:p>
+        </p:txBody>
+      </p:sp>
+      <p:sp>
+        <p:nvSpPr>
+          <p:cNvPr id="168" name="PlaceHolder 2"/>
+          <p:cNvSpPr>
+            <a:spLocks noGrp="1"/>
+          </p:cNvSpPr>
+          <p:nvPr>
+            <p:ph type="subTitle"/>
+          </p:nvPr>
+        </p:nvSpPr>
+        <p:spPr>
+          <a:xfrm>
+            <a:off x="504000" y="1326600"/>
+            <a:ext cx="9072000" cy="3288600"/>
+          </a:xfrm>
+          <a:prstGeom prst="rect">
+            <a:avLst/>
+          </a:prstGeom>
+          <a:noFill/>
+          <a:ln w="0">
+            <a:noFill/>
+          </a:ln>
+        </p:spPr>
+        <p:txBody>
+          <a:bodyPr lIns="0" rIns="0" tIns="0" bIns="0" anchor="ctr">
+            <a:spAutoFit/>
+          </a:bodyPr>
+          <a:p>
+            <a:pPr indent="0" algn="ctr">
+              <a:buNone/>
+            </a:pPr>
+            <a:endParaRPr b="0" lang="en-US" sz="3200" strike="noStrike" u="none">
+              <a:solidFill>
+                <a:srgbClr val="000000"/>
+              </a:solidFill>
+              <a:effectLst/>
+              <a:uFillTx/>
+              <a:latin typeface="Arial"/>
+            </a:endParaRPr>
+          </a:p>
+        </p:txBody>
+      </p:sp>
+      <p:sp>
+        <p:nvSpPr>
+          <p:cNvPr id="4" name="PlaceHolder 3"/>
+          <p:cNvSpPr>
+            <a:spLocks noGrp="1"/>
+          </p:cNvSpPr>
+          <p:nvPr>
+            <p:ph type="ftr" idx="61"/>
+          </p:nvPr>
+        </p:nvSpPr>
+        <p:spPr/>
+        <p:txBody>
+          <a:bodyPr/>
+          <a:p>
+            <a:r>
+              <a:t>Footer</a:t>
+            </a:r>
+          </a:p>
+        </p:txBody>
+      </p:sp>
+      <p:sp>
+        <p:nvSpPr>
+          <p:cNvPr id="5" name="PlaceHolder 4"/>
+          <p:cNvSpPr>
+            <a:spLocks noGrp="1"/>
+          </p:cNvSpPr>
+          <p:nvPr>
+            <p:ph type="sldNum" idx="62"/>
+          </p:nvPr>
+        </p:nvSpPr>
+        <p:spPr/>
+        <p:txBody>
+          <a:bodyPr/>
+          <a:p>
+            <a:fld id="{0DAAF255-AE4F-4861-A35A-82876F5AA0D0}" type="slidenum">
+              <a:t>&lt;#&gt;</a:t>
+            </a:fld>
+          </a:p>
+        </p:txBody>
+      </p:sp>
+      <p:sp>
+        <p:nvSpPr>
+          <p:cNvPr id="6" name="PlaceHolder 5"/>
+          <p:cNvSpPr>
+            <a:spLocks noGrp="1"/>
+          </p:cNvSpPr>
+          <p:nvPr>
+            <p:ph type="dt" idx="63"/>
+          </p:nvPr>
+        </p:nvSpPr>
+        <p:spPr/>
+        <p:txBody>
+          <a:bodyPr/>
+          <a:p>
+            <a:r>
+              <a:rPr lang="en-US"/>
+              <a:t/>
+            </a:r>
+          </a:p>
+        </p:txBody>
+      </p:sp>
+    </p:spTree>
+  </p:cSld>
+</p:sldLayout>
+</file>
+
+<file path=ppt/slideLayouts/slideLayout24.xml><?xml version="1.0" encoding="utf-8"?>
+<p:sldLayout xmlns:a="http://schemas.openxmlformats.org/drawingml/2006/main" xmlns:p="http://schemas.openxmlformats.org/presentationml/2006/main" xmlns:r="http://schemas.openxmlformats.org/officeDocument/2006/relationships" xmlns:p14="http://schemas.microsoft.com/office/powerpoint/2010/main" xmlns:p15="http://schemas.microsoft.com/office/powerpoint/2012/main" xmlns:mc="http://schemas.openxmlformats.org/markup-compatibility/2006" type="tx" preserve="1">
+  <p:cSld name="Default 17">
+    <p:spTree>
+      <p:nvGrpSpPr>
+        <p:cNvPr id="1" name=""/>
+        <p:cNvGrpSpPr/>
+        <p:nvPr/>
+      </p:nvGrpSpPr>
+      <p:grpSpPr>
+        <a:xfrm>
+          <a:off x="0" y="0"/>
+          <a:ext cx="0" cy="0"/>
+          <a:chOff x="0" y="0"/>
+          <a:chExt cx="0" cy="0"/>
+        </a:xfrm>
+      </p:grpSpPr>
+      <p:sp>
+        <p:nvSpPr>
+          <p:cNvPr id="176" name="PlaceHolder 1"/>
+          <p:cNvSpPr>
+            <a:spLocks noGrp="1"/>
+          </p:cNvSpPr>
+          <p:nvPr>
+            <p:ph type="title"/>
+          </p:nvPr>
+        </p:nvSpPr>
+        <p:spPr>
+          <a:xfrm>
+            <a:off x="504000" y="226080"/>
+            <a:ext cx="9072000" cy="946440"/>
+          </a:xfrm>
+          <a:prstGeom prst="rect">
+            <a:avLst/>
+          </a:prstGeom>
+          <a:noFill/>
+          <a:ln w="0">
+            <a:noFill/>
+          </a:ln>
+        </p:spPr>
+        <p:txBody>
+          <a:bodyPr lIns="0" rIns="0" tIns="0" bIns="0" anchor="ctr">
+            <a:spAutoFit/>
+          </a:bodyPr>
+          <a:p>
+            <a:pPr indent="0" algn="ctr">
+              <a:buNone/>
+            </a:pPr>
+            <a:endParaRPr b="0" lang="en-US" sz="4400" strike="noStrike" u="none">
+              <a:solidFill>
+                <a:srgbClr val="000000"/>
+              </a:solidFill>
+              <a:effectLst/>
+              <a:uFillTx/>
+              <a:latin typeface="Arial"/>
+            </a:endParaRPr>
+          </a:p>
+        </p:txBody>
+      </p:sp>
+      <p:sp>
+        <p:nvSpPr>
+          <p:cNvPr id="177" name="PlaceHolder 2"/>
+          <p:cNvSpPr>
+            <a:spLocks noGrp="1"/>
+          </p:cNvSpPr>
+          <p:nvPr>
+            <p:ph/>
+          </p:nvPr>
+        </p:nvSpPr>
+        <p:spPr>
+          <a:xfrm>
+            <a:off x="504000" y="1326600"/>
+            <a:ext cx="9072000" cy="3288600"/>
+          </a:xfrm>
+          <a:prstGeom prst="rect">
+            <a:avLst/>
+          </a:prstGeom>
+          <a:noFill/>
+          <a:ln w="0">
+            <a:noFill/>
+          </a:ln>
+        </p:spPr>
+        <p:txBody>
+          <a:bodyPr lIns="0" rIns="0" tIns="0" bIns="0" anchor="t">
+            <a:normAutofit/>
+          </a:bodyPr>
+          <a:p>
+            <a:pPr indent="0">
+              <a:spcBef>
+                <a:spcPts val="1417"/>
+              </a:spcBef>
+              <a:buNone/>
+            </a:pPr>
+            <a:endParaRPr b="0" lang="en-US" sz="3200" strike="noStrike" u="none">
+              <a:solidFill>
+                <a:srgbClr val="000000"/>
+              </a:solidFill>
+              <a:effectLst/>
+              <a:uFillTx/>
+              <a:latin typeface="Arial"/>
+            </a:endParaRPr>
+          </a:p>
+        </p:txBody>
+      </p:sp>
+      <p:sp>
+        <p:nvSpPr>
+          <p:cNvPr id="4" name="PlaceHolder 3"/>
+          <p:cNvSpPr>
+            <a:spLocks noGrp="1"/>
+          </p:cNvSpPr>
+          <p:nvPr>
+            <p:ph type="ftr" idx="64"/>
+          </p:nvPr>
+        </p:nvSpPr>
+        <p:spPr/>
+        <p:txBody>
+          <a:bodyPr/>
+          <a:p>
+            <a:r>
+              <a:t>Footer</a:t>
+            </a:r>
+          </a:p>
+        </p:txBody>
+      </p:sp>
+      <p:sp>
+        <p:nvSpPr>
+          <p:cNvPr id="5" name="PlaceHolder 4"/>
+          <p:cNvSpPr>
+            <a:spLocks noGrp="1"/>
+          </p:cNvSpPr>
+          <p:nvPr>
+            <p:ph type="sldNum" idx="65"/>
+          </p:nvPr>
+        </p:nvSpPr>
+        <p:spPr/>
+        <p:txBody>
+          <a:bodyPr/>
+          <a:p>
+            <a:fld id="{2A97AAD6-8AD3-4AD0-88CC-2ED6234BF5F3}" type="slidenum">
+              <a:t>&lt;#&gt;</a:t>
+            </a:fld>
+          </a:p>
+        </p:txBody>
+      </p:sp>
+      <p:sp>
+        <p:nvSpPr>
+          <p:cNvPr id="6" name="PlaceHolder 5"/>
+          <p:cNvSpPr>
+            <a:spLocks noGrp="1"/>
+          </p:cNvSpPr>
+          <p:nvPr>
+            <p:ph type="dt" idx="66"/>
+          </p:nvPr>
+        </p:nvSpPr>
+        <p:spPr/>
+        <p:txBody>
+          <a:bodyPr/>
+          <a:p>
+            <a:r>
+              <a:rPr lang="en-US"/>
+              <a:t/>
+            </a:r>
+          </a:p>
+        </p:txBody>
+      </p:sp>
+    </p:spTree>
+  </p:cSld>
+</p:sldLayout>
+</file>
+
+<file path=ppt/slideLayouts/slideLayout25.xml><?xml version="1.0" encoding="utf-8"?>
+<p:sldLayout xmlns:a="http://schemas.openxmlformats.org/drawingml/2006/main" xmlns:p="http://schemas.openxmlformats.org/presentationml/2006/main" xmlns:r="http://schemas.openxmlformats.org/officeDocument/2006/relationships" xmlns:p14="http://schemas.microsoft.com/office/powerpoint/2010/main" xmlns:p15="http://schemas.microsoft.com/office/powerpoint/2012/main" xmlns:mc="http://schemas.openxmlformats.org/markup-compatibility/2006" type="title" preserve="1">
+  <p:cSld name="Default 18">
+    <p:spTree>
+      <p:nvGrpSpPr>
+        <p:cNvPr id="1" name=""/>
+        <p:cNvGrpSpPr/>
+        <p:nvPr/>
+      </p:nvGrpSpPr>
+      <p:grpSpPr>
+        <a:xfrm>
+          <a:off x="0" y="0"/>
+          <a:ext cx="0" cy="0"/>
+          <a:chOff x="0" y="0"/>
+          <a:chExt cx="0" cy="0"/>
+        </a:xfrm>
+      </p:grpSpPr>
+      <p:sp>
+        <p:nvSpPr>
+          <p:cNvPr id="184" name="PlaceHolder 1"/>
+          <p:cNvSpPr>
+            <a:spLocks noGrp="1"/>
+          </p:cNvSpPr>
+          <p:nvPr>
+            <p:ph type="title"/>
+          </p:nvPr>
+        </p:nvSpPr>
+        <p:spPr>
+          <a:xfrm>
+            <a:off x="504000" y="226080"/>
+            <a:ext cx="9072000" cy="946440"/>
+          </a:xfrm>
+          <a:prstGeom prst="rect">
+            <a:avLst/>
+          </a:prstGeom>
+          <a:noFill/>
+          <a:ln w="0">
+            <a:noFill/>
+          </a:ln>
+        </p:spPr>
+        <p:txBody>
+          <a:bodyPr lIns="0" rIns="0" tIns="0" bIns="0" anchor="ctr">
+            <a:spAutoFit/>
+          </a:bodyPr>
+          <a:p>
+            <a:pPr indent="0" algn="ctr">
+              <a:buNone/>
+            </a:pPr>
+            <a:endParaRPr b="0" lang="en-US" sz="4400" strike="noStrike" u="none">
+              <a:solidFill>
+                <a:srgbClr val="000000"/>
+              </a:solidFill>
+              <a:effectLst/>
+              <a:uFillTx/>
+              <a:latin typeface="Arial"/>
+            </a:endParaRPr>
+          </a:p>
+        </p:txBody>
+      </p:sp>
+      <p:sp>
+        <p:nvSpPr>
+          <p:cNvPr id="185" name="PlaceHolder 2"/>
+          <p:cNvSpPr>
+            <a:spLocks noGrp="1"/>
+          </p:cNvSpPr>
+          <p:nvPr>
+            <p:ph type="subTitle"/>
+          </p:nvPr>
+        </p:nvSpPr>
+        <p:spPr>
+          <a:xfrm>
+            <a:off x="504000" y="1326600"/>
+            <a:ext cx="9072000" cy="3288600"/>
+          </a:xfrm>
+          <a:prstGeom prst="rect">
+            <a:avLst/>
+          </a:prstGeom>
+          <a:noFill/>
+          <a:ln w="0">
+            <a:noFill/>
+          </a:ln>
+        </p:spPr>
+        <p:txBody>
+          <a:bodyPr lIns="0" rIns="0" tIns="0" bIns="0" anchor="ctr">
+            <a:spAutoFit/>
+          </a:bodyPr>
+          <a:p>
+            <a:pPr indent="0" algn="ctr">
+              <a:buNone/>
+            </a:pPr>
+            <a:endParaRPr b="0" lang="en-US" sz="3200" strike="noStrike" u="none">
+              <a:solidFill>
+                <a:srgbClr val="000000"/>
+              </a:solidFill>
+              <a:effectLst/>
+              <a:uFillTx/>
+              <a:latin typeface="Arial"/>
+            </a:endParaRPr>
+          </a:p>
+        </p:txBody>
+      </p:sp>
+      <p:sp>
+        <p:nvSpPr>
+          <p:cNvPr id="4" name="PlaceHolder 3"/>
+          <p:cNvSpPr>
+            <a:spLocks noGrp="1"/>
+          </p:cNvSpPr>
+          <p:nvPr>
+            <p:ph type="ftr" idx="67"/>
+          </p:nvPr>
+        </p:nvSpPr>
+        <p:spPr/>
+        <p:txBody>
+          <a:bodyPr/>
+          <a:p>
+            <a:r>
+              <a:t>Footer</a:t>
+            </a:r>
+          </a:p>
+        </p:txBody>
+      </p:sp>
+      <p:sp>
+        <p:nvSpPr>
+          <p:cNvPr id="5" name="PlaceHolder 4"/>
+          <p:cNvSpPr>
+            <a:spLocks noGrp="1"/>
+          </p:cNvSpPr>
+          <p:nvPr>
+            <p:ph type="sldNum" idx="68"/>
+          </p:nvPr>
+        </p:nvSpPr>
+        <p:spPr/>
+        <p:txBody>
+          <a:bodyPr/>
+          <a:p>
+            <a:fld id="{E240917D-8A29-4B5E-A56B-A9B0C5E6F1A6}" type="slidenum">
+              <a:t>&lt;#&gt;</a:t>
+            </a:fld>
+          </a:p>
+        </p:txBody>
+      </p:sp>
+      <p:sp>
+        <p:nvSpPr>
+          <p:cNvPr id="6" name="PlaceHolder 5"/>
+          <p:cNvSpPr>
+            <a:spLocks noGrp="1"/>
+          </p:cNvSpPr>
+          <p:nvPr>
+            <p:ph type="dt" idx="69"/>
+          </p:nvPr>
+        </p:nvSpPr>
+        <p:spPr/>
+        <p:txBody>
+          <a:bodyPr/>
+          <a:p>
+            <a:r>
+              <a:rPr lang="en-US"/>
+              <a:t/>
+            </a:r>
+          </a:p>
+        </p:txBody>
+      </p:sp>
+    </p:spTree>
+  </p:cSld>
+</p:sldLayout>
+</file>
+
+<file path=ppt/slideLayouts/slideLayout26.xml><?xml version="1.0" encoding="utf-8"?>
+<p:sldLayout xmlns:a="http://schemas.openxmlformats.org/drawingml/2006/main" xmlns:p="http://schemas.openxmlformats.org/presentationml/2006/main" xmlns:r="http://schemas.openxmlformats.org/officeDocument/2006/relationships" xmlns:p14="http://schemas.microsoft.com/office/powerpoint/2010/main" xmlns:p15="http://schemas.microsoft.com/office/powerpoint/2012/main" xmlns:mc="http://schemas.openxmlformats.org/markup-compatibility/2006" type="tx" preserve="1">
+  <p:cSld name="Default 19">
+    <p:spTree>
+      <p:nvGrpSpPr>
+        <p:cNvPr id="1" name=""/>
+        <p:cNvGrpSpPr/>
+        <p:nvPr/>
+      </p:nvGrpSpPr>
+      <p:grpSpPr>
+        <a:xfrm>
+          <a:off x="0" y="0"/>
+          <a:ext cx="0" cy="0"/>
+          <a:chOff x="0" y="0"/>
+          <a:chExt cx="0" cy="0"/>
+        </a:xfrm>
+      </p:grpSpPr>
+      <p:sp>
+        <p:nvSpPr>
+          <p:cNvPr id="193" name="PlaceHolder 1"/>
+          <p:cNvSpPr>
+            <a:spLocks noGrp="1"/>
+          </p:cNvSpPr>
+          <p:nvPr>
+            <p:ph type="title"/>
+          </p:nvPr>
+        </p:nvSpPr>
+        <p:spPr>
+          <a:xfrm>
+            <a:off x="504000" y="226080"/>
+            <a:ext cx="9072000" cy="946440"/>
+          </a:xfrm>
+          <a:prstGeom prst="rect">
+            <a:avLst/>
+          </a:prstGeom>
+          <a:noFill/>
+          <a:ln w="0">
+            <a:noFill/>
+          </a:ln>
+        </p:spPr>
+        <p:txBody>
+          <a:bodyPr lIns="0" rIns="0" tIns="0" bIns="0" anchor="ctr">
+            <a:spAutoFit/>
+          </a:bodyPr>
+          <a:p>
+            <a:pPr indent="0" algn="ctr">
+              <a:buNone/>
+            </a:pPr>
+            <a:endParaRPr b="0" lang="en-US" sz="4400" strike="noStrike" u="none">
+              <a:solidFill>
+                <a:srgbClr val="000000"/>
+              </a:solidFill>
+              <a:effectLst/>
+              <a:uFillTx/>
+              <a:latin typeface="Arial"/>
+            </a:endParaRPr>
+          </a:p>
+        </p:txBody>
+      </p:sp>
+      <p:sp>
+        <p:nvSpPr>
+          <p:cNvPr id="194" name="PlaceHolder 2"/>
+          <p:cNvSpPr>
+            <a:spLocks noGrp="1"/>
+          </p:cNvSpPr>
+          <p:nvPr>
+            <p:ph/>
+          </p:nvPr>
+        </p:nvSpPr>
+        <p:spPr>
+          <a:xfrm>
+            <a:off x="504000" y="1326600"/>
+            <a:ext cx="9072000" cy="3288600"/>
+          </a:xfrm>
+          <a:prstGeom prst="rect">
+            <a:avLst/>
+          </a:prstGeom>
+          <a:noFill/>
+          <a:ln w="0">
+            <a:noFill/>
+          </a:ln>
+        </p:spPr>
+        <p:txBody>
+          <a:bodyPr lIns="0" rIns="0" tIns="0" bIns="0" anchor="t">
+            <a:normAutofit/>
+          </a:bodyPr>
+          <a:p>
+            <a:pPr indent="0">
+              <a:spcBef>
+                <a:spcPts val="1417"/>
+              </a:spcBef>
+              <a:buNone/>
+            </a:pPr>
+            <a:endParaRPr b="0" lang="en-US" sz="3200" strike="noStrike" u="none">
+              <a:solidFill>
+                <a:srgbClr val="000000"/>
+              </a:solidFill>
+              <a:effectLst/>
+              <a:uFillTx/>
+              <a:latin typeface="Arial"/>
+            </a:endParaRPr>
+          </a:p>
+        </p:txBody>
+      </p:sp>
+      <p:sp>
+        <p:nvSpPr>
+          <p:cNvPr id="4" name="PlaceHolder 3"/>
+          <p:cNvSpPr>
+            <a:spLocks noGrp="1"/>
+          </p:cNvSpPr>
+          <p:nvPr>
+            <p:ph type="ftr" idx="70"/>
+          </p:nvPr>
+        </p:nvSpPr>
+        <p:spPr/>
+        <p:txBody>
+          <a:bodyPr/>
+          <a:p>
+            <a:r>
+              <a:t>Footer</a:t>
+            </a:r>
+          </a:p>
+        </p:txBody>
+      </p:sp>
+      <p:sp>
+        <p:nvSpPr>
+          <p:cNvPr id="5" name="PlaceHolder 4"/>
+          <p:cNvSpPr>
+            <a:spLocks noGrp="1"/>
+          </p:cNvSpPr>
+          <p:nvPr>
+            <p:ph type="sldNum" idx="71"/>
+          </p:nvPr>
+        </p:nvSpPr>
+        <p:spPr/>
+        <p:txBody>
+          <a:bodyPr/>
+          <a:p>
+            <a:fld id="{C1B234D1-A804-4222-93B8-6ACDBEAA5656}" type="slidenum">
+              <a:t>&lt;#&gt;</a:t>
+            </a:fld>
+          </a:p>
+        </p:txBody>
+      </p:sp>
+      <p:sp>
+        <p:nvSpPr>
+          <p:cNvPr id="6" name="PlaceHolder 5"/>
+          <p:cNvSpPr>
+            <a:spLocks noGrp="1"/>
+          </p:cNvSpPr>
+          <p:nvPr>
+            <p:ph type="dt" idx="72"/>
+          </p:nvPr>
+        </p:nvSpPr>
+        <p:spPr/>
+        <p:txBody>
+          <a:bodyPr/>
+          <a:p>
+            <a:r>
+              <a:rPr lang="en-US"/>
+              <a:t/>
+            </a:r>
+          </a:p>
+        </p:txBody>
+      </p:sp>
+    </p:spTree>
+  </p:cSld>
+</p:sldLayout>
+</file>
+
+<file path=ppt/slideLayouts/slideLayout27.xml><?xml version="1.0" encoding="utf-8"?>
 <p:sldLayout xmlns:a="http://schemas.openxmlformats.org/drawingml/2006/main" xmlns:p="http://schemas.openxmlformats.org/presentationml/2006/main" xmlns:r="http://schemas.openxmlformats.org/officeDocument/2006/relationships" xmlns:p14="http://schemas.microsoft.com/office/powerpoint/2010/main" xmlns:p15="http://schemas.microsoft.com/office/powerpoint/2012/main" xmlns:mc="http://schemas.openxmlformats.org/markup-compatibility/2006" type="blank" preserve="1">
   <p:cSld name="Vivid2__">
     <p:spTree>
@@ -2520,7 +3198,7 @@
             <a:spLocks noGrp="1"/>
           </p:cNvSpPr>
           <p:nvPr>
-            <p:ph type="ftr" idx="61"/>
+            <p:ph type="ftr" idx="73"/>
           </p:nvPr>
         </p:nvSpPr>
         <p:spPr/>
@@ -2540,14 +3218,14 @@
             <a:spLocks noGrp="1"/>
           </p:cNvSpPr>
           <p:nvPr>
-            <p:ph type="sldNum" idx="62"/>
+            <p:ph type="sldNum" idx="74"/>
           </p:nvPr>
         </p:nvSpPr>
         <p:spPr/>
         <p:txBody>
           <a:bodyPr/>
           <a:p>
-            <a:fld id="{1C77D4E7-6998-4AB6-9A2C-22BF4E81E98A}" type="slidenum">
+            <a:fld id="{F33AA5C2-31B0-4A2E-8B88-0D88814C4E35}" type="slidenum">
               <a:t>&lt;#&gt;</a:t>
             </a:fld>
           </a:p>
@@ -2560,7 +3238,7 @@
             <a:spLocks noGrp="1"/>
           </p:cNvSpPr>
           <p:nvPr>
-            <p:ph type="dt" idx="63"/>
+            <p:ph type="dt" idx="75"/>
           </p:nvPr>
         </p:nvSpPr>
         <p:spPr/>
@@ -2717,7 +3395,7 @@
         <p:txBody>
           <a:bodyPr/>
           <a:p>
-            <a:fld id="{CD082962-A3CF-4D3D-902A-5687296E26EF}" type="slidenum">
+            <a:fld id="{D01E1549-2013-44C0-9BF6-7089CEABBE96}" type="slidenum">
               <a:t>&lt;#&gt;</a:t>
             </a:fld>
           </a:p>
@@ -2800,7 +3478,7 @@
         <p:txBody>
           <a:bodyPr/>
           <a:p>
-            <a:fld id="{EDB17B2B-AC50-4377-8949-81ACB2537A33}" type="slidenum">
+            <a:fld id="{B981D088-FCA5-48FE-A5DB-CE0C9CF97BA8}" type="slidenum">
               <a:t>&lt;#&gt;</a:t>
             </a:fld>
           </a:p>
@@ -2883,7 +3561,7 @@
         <p:txBody>
           <a:bodyPr/>
           <a:p>
-            <a:fld id="{7DED9228-326B-4865-9650-251F14891CA1}" type="slidenum">
+            <a:fld id="{D6BC81D2-A70D-4817-A595-E1AD7C8ED2FA}" type="slidenum">
               <a:t>&lt;#&gt;</a:t>
             </a:fld>
           </a:p>
@@ -2966,7 +3644,7 @@
         <p:txBody>
           <a:bodyPr/>
           <a:p>
-            <a:fld id="{9868551A-A9F4-4949-BFBC-06E4464985A8}" type="slidenum">
+            <a:fld id="{716AA1FF-F834-4E0B-9345-C51984CA1240}" type="slidenum">
               <a:t>&lt;#&gt;</a:t>
             </a:fld>
           </a:p>
@@ -2999,6 +3677,176 @@
 </file>
 
 <file path=ppt/slideLayouts/slideLayout7.xml><?xml version="1.0" encoding="utf-8"?>
+<p:sldLayout xmlns:a="http://schemas.openxmlformats.org/drawingml/2006/main" xmlns:p="http://schemas.openxmlformats.org/presentationml/2006/main" xmlns:r="http://schemas.openxmlformats.org/officeDocument/2006/relationships" xmlns:p14="http://schemas.microsoft.com/office/powerpoint/2010/main" xmlns:p15="http://schemas.microsoft.com/office/powerpoint/2012/main" xmlns:mc="http://schemas.openxmlformats.org/markup-compatibility/2006" type="tx" preserve="1">
+  <p:cSld name="Vivid2_">
+    <p:spTree>
+      <p:nvGrpSpPr>
+        <p:cNvPr id="1" name=""/>
+        <p:cNvGrpSpPr/>
+        <p:nvPr/>
+      </p:nvGrpSpPr>
+      <p:grpSpPr>
+        <a:xfrm>
+          <a:off x="0" y="0"/>
+          <a:ext cx="0" cy="0"/>
+          <a:chOff x="0" y="0"/>
+          <a:chExt cx="0" cy="0"/>
+        </a:xfrm>
+      </p:grpSpPr>
+      <p:sp>
+        <p:nvSpPr>
+          <p:cNvPr id="38" name="PlaceHolder 1"/>
+          <p:cNvSpPr>
+            <a:spLocks noGrp="1"/>
+          </p:cNvSpPr>
+          <p:nvPr>
+            <p:ph type="title"/>
+          </p:nvPr>
+        </p:nvSpPr>
+        <p:spPr>
+          <a:xfrm>
+            <a:off x="504000" y="226080"/>
+            <a:ext cx="9072000" cy="946440"/>
+          </a:xfrm>
+          <a:prstGeom prst="rect">
+            <a:avLst/>
+          </a:prstGeom>
+          <a:noFill/>
+          <a:ln w="0">
+            <a:noFill/>
+          </a:ln>
+        </p:spPr>
+        <p:txBody>
+          <a:bodyPr lIns="0" rIns="0" tIns="0" bIns="0" anchor="ctr">
+            <a:spAutoFit/>
+          </a:bodyPr>
+          <a:p>
+            <a:pPr indent="0" algn="ctr">
+              <a:buNone/>
+            </a:pPr>
+            <a:endParaRPr b="0" lang="en-US" sz="4400" strike="noStrike" u="none">
+              <a:solidFill>
+                <a:srgbClr val="000000"/>
+              </a:solidFill>
+              <a:effectLst/>
+              <a:uFillTx/>
+              <a:latin typeface="Arial"/>
+            </a:endParaRPr>
+          </a:p>
+        </p:txBody>
+      </p:sp>
+      <p:sp>
+        <p:nvSpPr>
+          <p:cNvPr id="39" name="PlaceHolder 2"/>
+          <p:cNvSpPr>
+            <a:spLocks noGrp="1"/>
+          </p:cNvSpPr>
+          <p:nvPr>
+            <p:ph/>
+          </p:nvPr>
+        </p:nvSpPr>
+        <p:spPr>
+          <a:xfrm>
+            <a:off x="504000" y="1326600"/>
+            <a:ext cx="9072000" cy="3288600"/>
+          </a:xfrm>
+          <a:prstGeom prst="rect">
+            <a:avLst/>
+          </a:prstGeom>
+          <a:noFill/>
+          <a:ln w="0">
+            <a:noFill/>
+          </a:ln>
+        </p:spPr>
+        <p:txBody>
+          <a:bodyPr lIns="0" rIns="0" tIns="0" bIns="0" anchor="t">
+            <a:normAutofit/>
+          </a:bodyPr>
+          <a:p>
+            <a:pPr indent="0">
+              <a:spcBef>
+                <a:spcPts val="1417"/>
+              </a:spcBef>
+              <a:buNone/>
+            </a:pPr>
+            <a:endParaRPr b="0" lang="en-US" sz="3200" strike="noStrike" u="none">
+              <a:solidFill>
+                <a:srgbClr val="000000"/>
+              </a:solidFill>
+              <a:effectLst/>
+              <a:uFillTx/>
+              <a:latin typeface="Arial"/>
+            </a:endParaRPr>
+          </a:p>
+        </p:txBody>
+      </p:sp>
+      <p:sp>
+        <p:nvSpPr>
+          <p:cNvPr id="4" name="PlaceHolder 3"/>
+          <p:cNvSpPr>
+            <a:spLocks noGrp="1"/>
+          </p:cNvSpPr>
+          <p:nvPr>
+            <p:ph type="ftr" idx="16"/>
+          </p:nvPr>
+        </p:nvSpPr>
+        <p:spPr/>
+        <p:txBody>
+          <a:bodyPr/>
+          <a:p>
+            <a:r>
+              <a:t>Footer</a:t>
+            </a:r>
+          </a:p>
+        </p:txBody>
+      </p:sp>
+      <p:sp>
+        <p:nvSpPr>
+          <p:cNvPr id="5" name="PlaceHolder 4"/>
+          <p:cNvSpPr>
+            <a:spLocks noGrp="1"/>
+          </p:cNvSpPr>
+          <p:nvPr>
+            <p:ph type="sldNum" idx="17"/>
+          </p:nvPr>
+        </p:nvSpPr>
+        <p:spPr/>
+        <p:txBody>
+          <a:bodyPr/>
+          <a:p>
+            <a:fld id="{24061F7B-50A8-4A1D-8F21-F3452B604CA6}" type="slidenum">
+              <a:t>&lt;#&gt;</a:t>
+            </a:fld>
+          </a:p>
+        </p:txBody>
+      </p:sp>
+      <p:sp>
+        <p:nvSpPr>
+          <p:cNvPr id="6" name="PlaceHolder 5"/>
+          <p:cNvSpPr>
+            <a:spLocks noGrp="1"/>
+          </p:cNvSpPr>
+          <p:nvPr>
+            <p:ph type="dt" idx="18"/>
+          </p:nvPr>
+        </p:nvSpPr>
+        <p:spPr/>
+        <p:txBody>
+          <a:bodyPr/>
+          <a:p>
+            <a:r>
+              <a:rPr lang="en-US"/>
+              <a:t/>
+            </a:r>
+          </a:p>
+        </p:txBody>
+      </p:sp>
+    </p:spTree>
+  </p:cSld>
+</p:sldLayout>
+</file>
+
+<file path=ppt/slideLayouts/slideLayout8.xml><?xml version="1.0" encoding="utf-8"?>
 <p:sldLayout xmlns:a="http://schemas.openxmlformats.org/drawingml/2006/main" xmlns:p="http://schemas.openxmlformats.org/presentationml/2006/main" xmlns:r="http://schemas.openxmlformats.org/officeDocument/2006/relationships" xmlns:p14="http://schemas.microsoft.com/office/powerpoint/2010/main" xmlns:p15="http://schemas.microsoft.com/office/powerpoint/2012/main" xmlns:mc="http://schemas.openxmlformats.org/markup-compatibility/2006" type="title" preserve="1">
   <p:cSld name="Vivid2_">
     <p:spTree>
@@ -3017,7 +3865,7 @@
       </p:grpSpPr>
       <p:sp>
         <p:nvSpPr>
-          <p:cNvPr id="38" name="PlaceHolder 1"/>
+          <p:cNvPr id="40" name="PlaceHolder 1"/>
           <p:cNvSpPr>
             <a:spLocks noGrp="1"/>
           </p:cNvSpPr>
@@ -3059,7 +3907,7 @@
       </p:sp>
       <p:sp>
         <p:nvSpPr>
-          <p:cNvPr id="39" name="PlaceHolder 2"/>
+          <p:cNvPr id="41" name="PlaceHolder 2"/>
           <p:cNvSpPr>
             <a:spLocks noGrp="1"/>
           </p:cNvSpPr>
@@ -3133,177 +3981,7 @@
         <p:txBody>
           <a:bodyPr/>
           <a:p>
-            <a:fld id="{00849872-0950-4D60-954C-5293008A6685}" type="slidenum">
-              <a:t>&lt;#&gt;</a:t>
-            </a:fld>
-          </a:p>
-        </p:txBody>
-      </p:sp>
-      <p:sp>
-        <p:nvSpPr>
-          <p:cNvPr id="6" name="PlaceHolder 5"/>
-          <p:cNvSpPr>
-            <a:spLocks noGrp="1"/>
-          </p:cNvSpPr>
-          <p:nvPr>
-            <p:ph type="dt" idx="18"/>
-          </p:nvPr>
-        </p:nvSpPr>
-        <p:spPr/>
-        <p:txBody>
-          <a:bodyPr/>
-          <a:p>
-            <a:r>
-              <a:rPr lang="en-US"/>
-              <a:t/>
-            </a:r>
-          </a:p>
-        </p:txBody>
-      </p:sp>
-    </p:spTree>
-  </p:cSld>
-</p:sldLayout>
-</file>
-
-<file path=ppt/slideLayouts/slideLayout8.xml><?xml version="1.0" encoding="utf-8"?>
-<p:sldLayout xmlns:a="http://schemas.openxmlformats.org/drawingml/2006/main" xmlns:p="http://schemas.openxmlformats.org/presentationml/2006/main" xmlns:r="http://schemas.openxmlformats.org/officeDocument/2006/relationships" xmlns:p14="http://schemas.microsoft.com/office/powerpoint/2010/main" xmlns:p15="http://schemas.microsoft.com/office/powerpoint/2012/main" xmlns:mc="http://schemas.openxmlformats.org/markup-compatibility/2006" type="tx" preserve="1">
-  <p:cSld name="Vivid2_">
-    <p:spTree>
-      <p:nvGrpSpPr>
-        <p:cNvPr id="1" name=""/>
-        <p:cNvGrpSpPr/>
-        <p:nvPr/>
-      </p:nvGrpSpPr>
-      <p:grpSpPr>
-        <a:xfrm>
-          <a:off x="0" y="0"/>
-          <a:ext cx="0" cy="0"/>
-          <a:chOff x="0" y="0"/>
-          <a:chExt cx="0" cy="0"/>
-        </a:xfrm>
-      </p:grpSpPr>
-      <p:sp>
-        <p:nvSpPr>
-          <p:cNvPr id="40" name="PlaceHolder 1"/>
-          <p:cNvSpPr>
-            <a:spLocks noGrp="1"/>
-          </p:cNvSpPr>
-          <p:nvPr>
-            <p:ph type="title"/>
-          </p:nvPr>
-        </p:nvSpPr>
-        <p:spPr>
-          <a:xfrm>
-            <a:off x="504000" y="226080"/>
-            <a:ext cx="9072000" cy="946440"/>
-          </a:xfrm>
-          <a:prstGeom prst="rect">
-            <a:avLst/>
-          </a:prstGeom>
-          <a:noFill/>
-          <a:ln w="0">
-            <a:noFill/>
-          </a:ln>
-        </p:spPr>
-        <p:txBody>
-          <a:bodyPr lIns="0" rIns="0" tIns="0" bIns="0" anchor="ctr">
-            <a:spAutoFit/>
-          </a:bodyPr>
-          <a:p>
-            <a:pPr indent="0" algn="ctr">
-              <a:buNone/>
-            </a:pPr>
-            <a:endParaRPr b="0" lang="en-US" sz="4400" strike="noStrike" u="none">
-              <a:solidFill>
-                <a:srgbClr val="000000"/>
-              </a:solidFill>
-              <a:effectLst/>
-              <a:uFillTx/>
-              <a:latin typeface="Arial"/>
-            </a:endParaRPr>
-          </a:p>
-        </p:txBody>
-      </p:sp>
-      <p:sp>
-        <p:nvSpPr>
-          <p:cNvPr id="41" name="PlaceHolder 2"/>
-          <p:cNvSpPr>
-            <a:spLocks noGrp="1"/>
-          </p:cNvSpPr>
-          <p:nvPr>
-            <p:ph/>
-          </p:nvPr>
-        </p:nvSpPr>
-        <p:spPr>
-          <a:xfrm>
-            <a:off x="504000" y="1326600"/>
-            <a:ext cx="9072000" cy="3288600"/>
-          </a:xfrm>
-          <a:prstGeom prst="rect">
-            <a:avLst/>
-          </a:prstGeom>
-          <a:noFill/>
-          <a:ln w="0">
-            <a:noFill/>
-          </a:ln>
-        </p:spPr>
-        <p:txBody>
-          <a:bodyPr lIns="0" rIns="0" tIns="0" bIns="0" anchor="t">
-            <a:normAutofit/>
-          </a:bodyPr>
-          <a:p>
-            <a:pPr indent="0">
-              <a:spcBef>
-                <a:spcPts val="1417"/>
-              </a:spcBef>
-              <a:buNone/>
-            </a:pPr>
-            <a:endParaRPr b="0" lang="en-US" sz="3200" strike="noStrike" u="none">
-              <a:solidFill>
-                <a:srgbClr val="000000"/>
-              </a:solidFill>
-              <a:effectLst/>
-              <a:uFillTx/>
-              <a:latin typeface="Arial"/>
-            </a:endParaRPr>
-          </a:p>
-        </p:txBody>
-      </p:sp>
-      <p:sp>
-        <p:nvSpPr>
-          <p:cNvPr id="4" name="PlaceHolder 3"/>
-          <p:cNvSpPr>
-            <a:spLocks noGrp="1"/>
-          </p:cNvSpPr>
-          <p:nvPr>
-            <p:ph type="ftr" idx="16"/>
-          </p:nvPr>
-        </p:nvSpPr>
-        <p:spPr/>
-        <p:txBody>
-          <a:bodyPr/>
-          <a:p>
-            <a:r>
-              <a:t>Footer</a:t>
-            </a:r>
-          </a:p>
-        </p:txBody>
-      </p:sp>
-      <p:sp>
-        <p:nvSpPr>
-          <p:cNvPr id="5" name="PlaceHolder 4"/>
-          <p:cNvSpPr>
-            <a:spLocks noGrp="1"/>
-          </p:cNvSpPr>
-          <p:nvPr>
-            <p:ph type="sldNum" idx="17"/>
-          </p:nvPr>
-        </p:nvSpPr>
-        <p:spPr/>
-        <p:txBody>
-          <a:bodyPr/>
-          <a:p>
-            <a:fld id="{602B9982-E810-4504-86C3-9A82A37715FA}" type="slidenum">
+            <a:fld id="{0492A790-8E3B-4504-83B5-ACAE4BA9BCDA}" type="slidenum">
               <a:t>&lt;#&gt;</a:t>
             </a:fld>
           </a:p>
@@ -3470,7 +4148,7 @@
         <p:txBody>
           <a:bodyPr/>
           <a:p>
-            <a:fld id="{49A47B8D-25E9-4205-AE85-26690D4CD05A}" type="slidenum">
+            <a:fld id="{21B270B7-B536-45BD-A0B5-3C0A0431DEF1}" type="slidenum">
               <a:t>&lt;#&gt;</a:t>
             </a:fld>
           </a:p>
@@ -3528,7 +4206,7 @@
         <p:spPr>
           <a:xfrm>
             <a:off x="0" y="3780000"/>
-            <a:ext cx="10077120" cy="1887120"/>
+            <a:ext cx="10076400" cy="1886400"/>
           </a:xfrm>
           <a:prstGeom prst="rect">
             <a:avLst/>
@@ -3591,7 +4269,7 @@
         <p:spPr>
           <a:xfrm>
             <a:off x="3420000" y="5130000"/>
-            <a:ext cx="3237120" cy="447120"/>
+            <a:ext cx="3236400" cy="446400"/>
           </a:xfrm>
           <a:prstGeom prst="rect">
             <a:avLst/>
@@ -3669,7 +4347,7 @@
         <p:spPr>
           <a:xfrm>
             <a:off x="7236000" y="5130000"/>
-            <a:ext cx="2337120" cy="447120"/>
+            <a:ext cx="2336400" cy="446400"/>
           </a:xfrm>
           <a:prstGeom prst="rect">
             <a:avLst/>
@@ -3712,7 +4390,7 @@
                 <a:tab algn="l" pos="0"/>
               </a:tabLst>
             </a:pPr>
-            <a:fld id="{E936F397-7C89-49ED-9C8D-E6E3B225D4D8}" type="slidenum">
+            <a:fld id="{2CD86C57-0F64-4CB1-99B7-A7BCF254C0B0}" type="slidenum">
               <a:rPr b="0" lang="en-US" sz="1400" strike="noStrike" u="none">
                 <a:solidFill>
                   <a:srgbClr val="dbf5f9"/>
@@ -3747,7 +4425,7 @@
         <p:spPr>
           <a:xfrm>
             <a:off x="504000" y="5130000"/>
-            <a:ext cx="2337120" cy="447120"/>
+            <a:ext cx="2336400" cy="446400"/>
           </a:xfrm>
           <a:prstGeom prst="rect">
             <a:avLst/>
@@ -3834,8 +4512,8 @@
         </p:nvSpPr>
         <p:spPr>
           <a:xfrm flipV="1">
-            <a:off x="0" y="-2880"/>
-            <a:ext cx="10077120" cy="177120"/>
+            <a:off x="0" y="-3600"/>
+            <a:ext cx="10076400" cy="176400"/>
           </a:xfrm>
           <a:prstGeom prst="rect">
             <a:avLst/>
@@ -3894,7 +4572,7 @@
         <p:spPr>
           <a:xfrm>
             <a:off x="0" y="5580000"/>
-            <a:ext cx="10077120" cy="87120"/>
+            <a:ext cx="10076400" cy="86400"/>
           </a:xfrm>
           <a:prstGeom prst="rect">
             <a:avLst/>
@@ -4263,7 +4941,7 @@
         <p:spPr>
           <a:xfrm>
             <a:off x="3420000" y="5130000"/>
-            <a:ext cx="3237120" cy="447120"/>
+            <a:ext cx="3236400" cy="446400"/>
           </a:xfrm>
           <a:prstGeom prst="rect">
             <a:avLst/>
@@ -4341,7 +5019,7 @@
         <p:spPr>
           <a:xfrm>
             <a:off x="7236000" y="5130000"/>
-            <a:ext cx="2337120" cy="447120"/>
+            <a:ext cx="2336400" cy="446400"/>
           </a:xfrm>
           <a:prstGeom prst="rect">
             <a:avLst/>
@@ -4384,7 +5062,7 @@
                 <a:tab algn="l" pos="0"/>
               </a:tabLst>
             </a:pPr>
-            <a:fld id="{82215F35-E606-4471-B99B-E2F8A5BA2DE6}" type="slidenum">
+            <a:fld id="{83AE6EB1-290E-47A1-AB58-BEEE1F8E5380}" type="slidenum">
               <a:rPr b="0" lang="en-US" sz="1400" strike="noStrike" u="none">
                 <a:solidFill>
                   <a:srgbClr val="484848"/>
@@ -4419,7 +5097,7 @@
         <p:spPr>
           <a:xfrm>
             <a:off x="504000" y="5130000"/>
-            <a:ext cx="2337120" cy="447120"/>
+            <a:ext cx="2336400" cy="446400"/>
           </a:xfrm>
           <a:prstGeom prst="rect">
             <a:avLst/>
@@ -4506,8 +5184,8 @@
         </p:nvSpPr>
         <p:spPr>
           <a:xfrm flipV="1">
-            <a:off x="0" y="-2880"/>
-            <a:ext cx="10077120" cy="177120"/>
+            <a:off x="0" y="-3600"/>
+            <a:ext cx="10076400" cy="176400"/>
           </a:xfrm>
           <a:prstGeom prst="rect">
             <a:avLst/>
@@ -4566,7 +5244,7 @@
         <p:spPr>
           <a:xfrm>
             <a:off x="0" y="5580000"/>
-            <a:ext cx="10077120" cy="87120"/>
+            <a:ext cx="10076400" cy="86400"/>
           </a:xfrm>
           <a:prstGeom prst="rect">
             <a:avLst/>
@@ -4676,13 +5354,13 @@
             <a:spLocks noGrp="1"/>
           </p:cNvSpPr>
           <p:nvPr>
-            <p:ph type="body"/>
+            <p:ph type="ftr" idx="31"/>
           </p:nvPr>
         </p:nvSpPr>
         <p:spPr>
           <a:xfrm>
-            <a:off x="504000" y="1326600"/>
-            <a:ext cx="9071640" cy="3288240"/>
+            <a:off x="3420000" y="5130000"/>
+            <a:ext cx="3236400" cy="446400"/>
           </a:xfrm>
           <a:prstGeom prst="rect">
             <a:avLst/>
@@ -4694,224 +5372,49 @@
         </p:spPr>
         <p:txBody>
           <a:bodyPr lIns="0" rIns="0" tIns="0" bIns="0" anchor="t">
-            <a:normAutofit/>
+            <a:noAutofit/>
           </a:bodyPr>
-          <a:p>
-            <a:pPr marL="432000" indent="-324000">
-              <a:spcBef>
-                <a:spcPts val="1417"/>
-              </a:spcBef>
-              <a:buClr>
-                <a:srgbClr val="000000"/>
-              </a:buClr>
-              <a:buSzPct val="45000"/>
-              <a:buFont typeface="Wingdings" charset="2"/>
-              <a:buChar char=""/>
-            </a:pPr>
-            <a:r>
-              <a:rPr b="0" lang="en-US" sz="1800" strike="noStrike" u="none">
-                <a:solidFill>
-                  <a:srgbClr val="000000"/>
-                </a:solidFill>
-                <a:effectLst/>
-                <a:uFillTx/>
-                <a:latin typeface="Arial"/>
-              </a:rPr>
-              <a:t>Click to edit the outline text format</a:t>
-            </a:r>
-            <a:endParaRPr b="0" lang="en-US" sz="1800" strike="noStrike" u="none">
-              <a:solidFill>
-                <a:srgbClr val="000000"/>
-              </a:solidFill>
-              <a:effectLst/>
-              <a:uFillTx/>
-              <a:latin typeface="Arial"/>
-            </a:endParaRPr>
-          </a:p>
-          <a:p>
-            <a:pPr lvl="1" marL="432000" indent="-216000">
-              <a:spcBef>
-                <a:spcPts val="1134"/>
-              </a:spcBef>
-              <a:buClr>
-                <a:srgbClr val="000000"/>
-              </a:buClr>
-              <a:buSzPct val="45000"/>
-              <a:buFont typeface="Wingdings" charset="2"/>
-              <a:buChar char=""/>
-            </a:pPr>
-            <a:r>
-              <a:rPr b="0" lang="en-US" sz="1800" strike="noStrike" u="none">
-                <a:solidFill>
-                  <a:srgbClr val="000000"/>
-                </a:solidFill>
-                <a:effectLst/>
-                <a:uFillTx/>
-                <a:latin typeface="Times New Roman"/>
-              </a:rPr>
-              <a:t>Second Outline Level</a:t>
-            </a:r>
-            <a:endParaRPr b="0" lang="en-US" sz="1800" strike="noStrike" u="none">
-              <a:solidFill>
-                <a:srgbClr val="000000"/>
-              </a:solidFill>
-              <a:effectLst/>
-              <a:uFillTx/>
-              <a:latin typeface="Times New Roman"/>
-            </a:endParaRPr>
-          </a:p>
-          <a:p>
-            <a:pPr lvl="2" marL="648000" indent="-216000">
-              <a:spcBef>
-                <a:spcPts val="850"/>
-              </a:spcBef>
-              <a:buClr>
-                <a:srgbClr val="000000"/>
-              </a:buClr>
-              <a:buSzPct val="45000"/>
-              <a:buFont typeface="Wingdings" charset="2"/>
-              <a:buChar char=""/>
-            </a:pPr>
-            <a:r>
-              <a:rPr b="0" lang="en-US" sz="1800" strike="noStrike" u="none">
-                <a:solidFill>
-                  <a:srgbClr val="000000"/>
-                </a:solidFill>
-                <a:effectLst/>
-                <a:uFillTx/>
-                <a:latin typeface="Times New Roman"/>
-              </a:rPr>
-              <a:t>Third Outline Level</a:t>
-            </a:r>
-            <a:endParaRPr b="0" lang="en-US" sz="1800" strike="noStrike" u="none">
-              <a:solidFill>
-                <a:srgbClr val="000000"/>
-              </a:solidFill>
-              <a:effectLst/>
-              <a:uFillTx/>
-              <a:latin typeface="Times New Roman"/>
-            </a:endParaRPr>
-          </a:p>
-          <a:p>
-            <a:pPr lvl="3" marL="864000" indent="-216000">
-              <a:spcBef>
-                <a:spcPts val="567"/>
-              </a:spcBef>
-              <a:buClr>
-                <a:srgbClr val="000000"/>
-              </a:buClr>
-              <a:buSzPct val="45000"/>
-              <a:buFont typeface="Wingdings" charset="2"/>
-              <a:buChar char=""/>
-            </a:pPr>
-            <a:r>
-              <a:rPr b="0" lang="en-US" sz="1800" strike="noStrike" u="none">
-                <a:solidFill>
-                  <a:srgbClr val="000000"/>
-                </a:solidFill>
-                <a:effectLst/>
-                <a:uFillTx/>
-                <a:latin typeface="Times New Roman"/>
-              </a:rPr>
-              <a:t>Fourth Outline Level</a:t>
-            </a:r>
-            <a:endParaRPr b="0" lang="en-US" sz="1800" strike="noStrike" u="none">
-              <a:solidFill>
-                <a:srgbClr val="000000"/>
-              </a:solidFill>
-              <a:effectLst/>
-              <a:uFillTx/>
-              <a:latin typeface="Times New Roman"/>
-            </a:endParaRPr>
-          </a:p>
-          <a:p>
-            <a:pPr lvl="4" marL="1080000" indent="-216000">
-              <a:spcBef>
-                <a:spcPts val="283"/>
-              </a:spcBef>
-              <a:buClr>
-                <a:srgbClr val="000000"/>
-              </a:buClr>
-              <a:buSzPct val="45000"/>
-              <a:buFont typeface="Wingdings" charset="2"/>
-              <a:buChar char=""/>
-            </a:pPr>
-            <a:r>
-              <a:rPr b="0" lang="en-US" sz="1800" strike="noStrike" u="none">
-                <a:solidFill>
-                  <a:srgbClr val="000000"/>
-                </a:solidFill>
-                <a:effectLst/>
-                <a:uFillTx/>
-                <a:latin typeface="Times New Roman"/>
-              </a:rPr>
-              <a:t>Fifth Outline Level</a:t>
-            </a:r>
-            <a:endParaRPr b="0" lang="en-US" sz="1800" strike="noStrike" u="none">
-              <a:solidFill>
-                <a:srgbClr val="000000"/>
-              </a:solidFill>
-              <a:effectLst/>
-              <a:uFillTx/>
-              <a:latin typeface="Times New Roman"/>
-            </a:endParaRPr>
-          </a:p>
-          <a:p>
-            <a:pPr lvl="5" marL="1296000" indent="-216000">
-              <a:spcBef>
-                <a:spcPts val="283"/>
-              </a:spcBef>
-              <a:buClr>
-                <a:srgbClr val="000000"/>
-              </a:buClr>
-              <a:buSzPct val="45000"/>
-              <a:buFont typeface="Wingdings" charset="2"/>
-              <a:buChar char=""/>
-            </a:pPr>
-            <a:r>
-              <a:rPr b="0" lang="en-US" sz="1800" strike="noStrike" u="none">
-                <a:solidFill>
-                  <a:srgbClr val="000000"/>
-                </a:solidFill>
-                <a:effectLst/>
-                <a:uFillTx/>
-                <a:latin typeface="Times New Roman"/>
-              </a:rPr>
-              <a:t>Sixth Outline Level</a:t>
-            </a:r>
-            <a:endParaRPr b="0" lang="en-US" sz="1800" strike="noStrike" u="none">
-              <a:solidFill>
-                <a:srgbClr val="000000"/>
-              </a:solidFill>
-              <a:effectLst/>
-              <a:uFillTx/>
-              <a:latin typeface="Times New Roman"/>
-            </a:endParaRPr>
-          </a:p>
-          <a:p>
-            <a:pPr lvl="6" marL="1512000" indent="-216000">
-              <a:spcBef>
-                <a:spcPts val="283"/>
-              </a:spcBef>
-              <a:buClr>
-                <a:srgbClr val="000000"/>
-              </a:buClr>
-              <a:buSzPct val="45000"/>
-              <a:buFont typeface="Wingdings" charset="2"/>
-              <a:buChar char=""/>
-            </a:pPr>
-            <a:r>
-              <a:rPr b="0" lang="en-US" sz="1800" strike="noStrike" u="none">
-                <a:solidFill>
-                  <a:srgbClr val="000000"/>
-                </a:solidFill>
-                <a:effectLst/>
-                <a:uFillTx/>
-                <a:latin typeface="Times New Roman"/>
-              </a:rPr>
-              <a:t>Seventh Outline Level</a:t>
-            </a:r>
-            <a:endParaRPr b="0" lang="en-US" sz="1800" strike="noStrike" u="none">
+          <a:lstStyle>
+            <a:lvl1pPr indent="0" algn="ctr">
+              <a:lnSpc>
+                <a:spcPct val="100000"/>
+              </a:lnSpc>
+              <a:buNone/>
+              <a:tabLst>
+                <a:tab algn="l" pos="0"/>
+              </a:tabLst>
+              <a:defRPr b="0" lang="en-US" sz="1400" strike="noStrike" u="none">
+                <a:solidFill>
+                  <a:srgbClr val="484848"/>
+                </a:solidFill>
+                <a:effectLst/>
+                <a:uFillTx/>
+                <a:latin typeface="Noto Sans"/>
+              </a:defRPr>
+            </a:lvl1pPr>
+          </a:lstStyle>
+          <a:p>
+            <a:pPr indent="0" algn="ctr">
+              <a:lnSpc>
+                <a:spcPct val="100000"/>
+              </a:lnSpc>
+              <a:buNone/>
+              <a:tabLst>
+                <a:tab algn="l" pos="0"/>
+              </a:tabLst>
+            </a:pPr>
+            <a:r>
+              <a:rPr b="0" lang="en-US" sz="1400" strike="noStrike" u="none">
+                <a:solidFill>
+                  <a:srgbClr val="484848"/>
+                </a:solidFill>
+                <a:effectLst/>
+                <a:uFillTx/>
+                <a:latin typeface="Noto Sans"/>
+              </a:rPr>
+              <a:t> </a:t>
+            </a:r>
+            <a:endParaRPr b="0" lang="en-US" sz="1400" strike="noStrike" u="none">
               <a:solidFill>
                 <a:srgbClr val="000000"/>
               </a:solidFill>
@@ -4929,13 +5432,13 @@
             <a:spLocks noGrp="1"/>
           </p:cNvSpPr>
           <p:nvPr>
-            <p:ph type="ftr" idx="31"/>
+            <p:ph type="sldNum" idx="32"/>
           </p:nvPr>
         </p:nvSpPr>
         <p:spPr>
           <a:xfrm>
-            <a:off x="3420000" y="5130000"/>
-            <a:ext cx="3237120" cy="447120"/>
+            <a:off x="7236000" y="5130000"/>
+            <a:ext cx="2336400" cy="446400"/>
           </a:xfrm>
           <a:prstGeom prst="rect">
             <a:avLst/>
@@ -4950,7 +5453,7 @@
             <a:noAutofit/>
           </a:bodyPr>
           <a:lstStyle>
-            <a:lvl1pPr indent="0" algn="ctr">
+            <a:lvl1pPr indent="0" algn="r">
               <a:lnSpc>
                 <a:spcPct val="100000"/>
               </a:lnSpc>
@@ -4969,7 +5472,7 @@
             </a:lvl1pPr>
           </a:lstStyle>
           <a:p>
-            <a:pPr indent="0" algn="ctr">
+            <a:pPr indent="0" algn="r">
               <a:lnSpc>
                 <a:spcPct val="100000"/>
               </a:lnSpc>
@@ -4978,7 +5481,7 @@
                 <a:tab algn="l" pos="0"/>
               </a:tabLst>
             </a:pPr>
-            <a:r>
+            <a:fld id="{A59DB684-51B6-44CB-9C4A-F9A42180B9EF}" type="slidenum">
               <a:rPr b="0" lang="en-US" sz="1400" strike="noStrike" u="none">
                 <a:solidFill>
                   <a:srgbClr val="484848"/>
@@ -4987,8 +5490,8 @@
                 <a:uFillTx/>
                 <a:latin typeface="Noto Sans"/>
               </a:rPr>
-              <a:t>&lt;footer&gt;</a:t>
-            </a:r>
+              <a:t>1</a:t>
+            </a:fld>
             <a:endParaRPr b="0" lang="en-US" sz="1400" strike="noStrike" u="none">
               <a:solidFill>
                 <a:srgbClr val="000000"/>
@@ -5007,13 +5510,13 @@
             <a:spLocks noGrp="1"/>
           </p:cNvSpPr>
           <p:nvPr>
-            <p:ph type="sldNum" idx="32"/>
+            <p:ph type="dt" idx="33"/>
           </p:nvPr>
         </p:nvSpPr>
         <p:spPr>
           <a:xfrm>
-            <a:off x="7236000" y="5130000"/>
-            <a:ext cx="2337120" cy="447120"/>
+            <a:off x="504000" y="5130000"/>
+            <a:ext cx="2336400" cy="446400"/>
           </a:xfrm>
           <a:prstGeom prst="rect">
             <a:avLst/>
@@ -5028,84 +5531,6 @@
             <a:noAutofit/>
           </a:bodyPr>
           <a:lstStyle>
-            <a:lvl1pPr indent="0" algn="r">
-              <a:lnSpc>
-                <a:spcPct val="100000"/>
-              </a:lnSpc>
-              <a:buNone/>
-              <a:tabLst>
-                <a:tab algn="l" pos="0"/>
-              </a:tabLst>
-              <a:defRPr b="0" lang="en-US" sz="1400" strike="noStrike" u="none">
-                <a:solidFill>
-                  <a:srgbClr val="484848"/>
-                </a:solidFill>
-                <a:effectLst/>
-                <a:uFillTx/>
-                <a:latin typeface="Noto Sans"/>
-              </a:defRPr>
-            </a:lvl1pPr>
-          </a:lstStyle>
-          <a:p>
-            <a:pPr indent="0" algn="r">
-              <a:lnSpc>
-                <a:spcPct val="100000"/>
-              </a:lnSpc>
-              <a:buNone/>
-              <a:tabLst>
-                <a:tab algn="l" pos="0"/>
-              </a:tabLst>
-            </a:pPr>
-            <a:fld id="{4D467FDC-55EB-471B-882A-68A095B50834}" type="slidenum">
-              <a:rPr b="0" lang="en-US" sz="1400" strike="noStrike" u="none">
-                <a:solidFill>
-                  <a:srgbClr val="484848"/>
-                </a:solidFill>
-                <a:effectLst/>
-                <a:uFillTx/>
-                <a:latin typeface="Noto Sans"/>
-              </a:rPr>
-              <a:t>&lt;number&gt;</a:t>
-            </a:fld>
-            <a:endParaRPr b="0" lang="en-US" sz="1400" strike="noStrike" u="none">
-              <a:solidFill>
-                <a:srgbClr val="000000"/>
-              </a:solidFill>
-              <a:effectLst/>
-              <a:uFillTx/>
-              <a:latin typeface="Times New Roman"/>
-            </a:endParaRPr>
-          </a:p>
-        </p:txBody>
-      </p:sp>
-      <p:sp>
-        <p:nvSpPr>
-          <p:cNvPr id="82" name="PlaceHolder 5"/>
-          <p:cNvSpPr>
-            <a:spLocks noGrp="1"/>
-          </p:cNvSpPr>
-          <p:nvPr>
-            <p:ph type="dt" idx="33"/>
-          </p:nvPr>
-        </p:nvSpPr>
-        <p:spPr>
-          <a:xfrm>
-            <a:off x="504000" y="5130000"/>
-            <a:ext cx="2337120" cy="447120"/>
-          </a:xfrm>
-          <a:prstGeom prst="rect">
-            <a:avLst/>
-          </a:prstGeom>
-          <a:noFill/>
-          <a:ln w="0">
-            <a:noFill/>
-          </a:ln>
-        </p:spPr>
-        <p:txBody>
-          <a:bodyPr lIns="0" rIns="0" tIns="0" bIns="0" anchor="t">
-            <a:noAutofit/>
-          </a:bodyPr>
-          <a:lstStyle>
             <a:lvl1pPr indent="0">
               <a:buNone/>
               <a:defRPr b="0" lang="en-US" sz="1400" strike="noStrike" u="none">
@@ -5131,7 +5556,7 @@
                 <a:uFillTx/>
                 <a:latin typeface="Times New Roman"/>
               </a:rPr>
-              <a:t>&lt;date/time&gt;</a:t>
+              <a:t> </a:t>
             </a:r>
             <a:endParaRPr b="0" lang="en-US" sz="1400" strike="noStrike" u="none">
               <a:solidFill>
@@ -5172,14 +5597,14 @@
       </p:grpSpPr>
       <p:sp>
         <p:nvSpPr>
-          <p:cNvPr id="85" name=""/>
+          <p:cNvPr id="84" name=""/>
           <p:cNvSpPr/>
           <p:nvPr/>
         </p:nvSpPr>
         <p:spPr>
           <a:xfrm flipV="1">
-            <a:off x="0" y="-2880"/>
-            <a:ext cx="10077120" cy="177120"/>
+            <a:off x="0" y="-3600"/>
+            <a:ext cx="10076400" cy="176400"/>
           </a:xfrm>
           <a:prstGeom prst="rect">
             <a:avLst/>
@@ -5231,14 +5656,14 @@
       </p:sp>
       <p:sp>
         <p:nvSpPr>
-          <p:cNvPr id="86" name=""/>
+          <p:cNvPr id="85" name=""/>
           <p:cNvSpPr/>
           <p:nvPr/>
         </p:nvSpPr>
         <p:spPr>
           <a:xfrm>
             <a:off x="0" y="5580000"/>
-            <a:ext cx="10077120" cy="87120"/>
+            <a:ext cx="10076400" cy="86400"/>
           </a:xfrm>
           <a:prstGeom prst="rect">
             <a:avLst/>
@@ -5290,7 +5715,7 @@
       </p:sp>
       <p:sp>
         <p:nvSpPr>
-          <p:cNvPr id="87" name="PlaceHolder 1"/>
+          <p:cNvPr id="86" name="PlaceHolder 1"/>
           <p:cNvSpPr>
             <a:spLocks noGrp="1"/>
           </p:cNvSpPr>
@@ -5343,18 +5768,18 @@
       </p:sp>
       <p:sp>
         <p:nvSpPr>
-          <p:cNvPr id="88" name="PlaceHolder 2"/>
+          <p:cNvPr id="87" name="PlaceHolder 2"/>
           <p:cNvSpPr>
             <a:spLocks noGrp="1"/>
           </p:cNvSpPr>
           <p:nvPr>
-            <p:ph type="ftr" idx="34"/>
+            <p:ph type="body"/>
           </p:nvPr>
         </p:nvSpPr>
         <p:spPr>
           <a:xfrm>
-            <a:off x="3420000" y="5130000"/>
-            <a:ext cx="3237120" cy="447120"/>
+            <a:off x="504000" y="1326600"/>
+            <a:ext cx="9071640" cy="3288240"/>
           </a:xfrm>
           <a:prstGeom prst="rect">
             <a:avLst/>
@@ -5366,49 +5791,64 @@
         </p:spPr>
         <p:txBody>
           <a:bodyPr lIns="0" rIns="0" tIns="0" bIns="0" anchor="t">
-            <a:noAutofit/>
+            <a:normAutofit/>
           </a:bodyPr>
-          <a:lstStyle>
-            <a:lvl1pPr indent="0" algn="ctr">
-              <a:lnSpc>
-                <a:spcPct val="100000"/>
-              </a:lnSpc>
-              <a:buNone/>
-              <a:tabLst>
-                <a:tab algn="l" pos="0"/>
-              </a:tabLst>
-              <a:defRPr b="0" lang="en-US" sz="1400" strike="noStrike" u="none">
-                <a:solidFill>
-                  <a:srgbClr val="484848"/>
-                </a:solidFill>
-                <a:effectLst/>
-                <a:uFillTx/>
-                <a:latin typeface="Noto Sans"/>
-              </a:defRPr>
-            </a:lvl1pPr>
-          </a:lstStyle>
-          <a:p>
-            <a:pPr indent="0" algn="ctr">
-              <a:lnSpc>
-                <a:spcPct val="100000"/>
-              </a:lnSpc>
-              <a:buNone/>
-              <a:tabLst>
-                <a:tab algn="l" pos="0"/>
-              </a:tabLst>
-            </a:pPr>
-            <a:r>
-              <a:rPr b="0" lang="en-US" sz="1400" strike="noStrike" u="none">
-                <a:solidFill>
-                  <a:srgbClr val="484848"/>
-                </a:solidFill>
-                <a:effectLst/>
-                <a:uFillTx/>
-                <a:latin typeface="Noto Sans"/>
-              </a:rPr>
-              <a:t> </a:t>
-            </a:r>
-            <a:endParaRPr b="0" lang="en-US" sz="1400" strike="noStrike" u="none">
+          <a:p>
+            <a:pPr marL="432000" indent="-324000">
+              <a:spcBef>
+                <a:spcPts val="1417"/>
+              </a:spcBef>
+              <a:buClr>
+                <a:srgbClr val="000000"/>
+              </a:buClr>
+              <a:buSzPct val="45000"/>
+              <a:buFont typeface="Wingdings" charset="2"/>
+              <a:buChar char=""/>
+            </a:pPr>
+            <a:r>
+              <a:rPr b="0" lang="en-US" sz="1800" strike="noStrike" u="none">
+                <a:solidFill>
+                  <a:srgbClr val="000000"/>
+                </a:solidFill>
+                <a:effectLst/>
+                <a:uFillTx/>
+                <a:latin typeface="Arial"/>
+              </a:rPr>
+              <a:t>Click to edit the outline text format</a:t>
+            </a:r>
+            <a:endParaRPr b="0" lang="en-US" sz="1800" strike="noStrike" u="none">
+              <a:solidFill>
+                <a:srgbClr val="000000"/>
+              </a:solidFill>
+              <a:effectLst/>
+              <a:uFillTx/>
+              <a:latin typeface="Arial"/>
+            </a:endParaRPr>
+          </a:p>
+          <a:p>
+            <a:pPr lvl="1" marL="432000" indent="-216000">
+              <a:spcBef>
+                <a:spcPts val="1134"/>
+              </a:spcBef>
+              <a:buClr>
+                <a:srgbClr val="000000"/>
+              </a:buClr>
+              <a:buSzPct val="45000"/>
+              <a:buFont typeface="Wingdings" charset="2"/>
+              <a:buChar char=""/>
+            </a:pPr>
+            <a:r>
+              <a:rPr b="0" lang="en-US" sz="1800" strike="noStrike" u="none">
+                <a:solidFill>
+                  <a:srgbClr val="000000"/>
+                </a:solidFill>
+                <a:effectLst/>
+                <a:uFillTx/>
+                <a:latin typeface="Times New Roman"/>
+              </a:rPr>
+              <a:t>Second Outline Level</a:t>
+            </a:r>
+            <a:endParaRPr b="0" lang="en-US" sz="1800" strike="noStrike" u="none">
               <a:solidFill>
                 <a:srgbClr val="000000"/>
               </a:solidFill>
@@ -5417,22 +5857,182 @@
               <a:latin typeface="Times New Roman"/>
             </a:endParaRPr>
           </a:p>
-        </p:txBody>
-      </p:sp>
-      <p:sp>
-        <p:nvSpPr>
-          <p:cNvPr id="89" name="PlaceHolder 3"/>
+          <a:p>
+            <a:pPr lvl="2" marL="648000" indent="-216000">
+              <a:spcBef>
+                <a:spcPts val="850"/>
+              </a:spcBef>
+              <a:buClr>
+                <a:srgbClr val="000000"/>
+              </a:buClr>
+              <a:buSzPct val="45000"/>
+              <a:buFont typeface="Wingdings" charset="2"/>
+              <a:buChar char=""/>
+            </a:pPr>
+            <a:r>
+              <a:rPr b="0" lang="en-US" sz="1800" strike="noStrike" u="none">
+                <a:solidFill>
+                  <a:srgbClr val="000000"/>
+                </a:solidFill>
+                <a:effectLst/>
+                <a:uFillTx/>
+                <a:latin typeface="Times New Roman"/>
+              </a:rPr>
+              <a:t>Third Outline Level</a:t>
+            </a:r>
+            <a:endParaRPr b="0" lang="en-US" sz="1800" strike="noStrike" u="none">
+              <a:solidFill>
+                <a:srgbClr val="000000"/>
+              </a:solidFill>
+              <a:effectLst/>
+              <a:uFillTx/>
+              <a:latin typeface="Times New Roman"/>
+            </a:endParaRPr>
+          </a:p>
+          <a:p>
+            <a:pPr lvl="3" marL="864000" indent="-216000">
+              <a:spcBef>
+                <a:spcPts val="567"/>
+              </a:spcBef>
+              <a:buClr>
+                <a:srgbClr val="000000"/>
+              </a:buClr>
+              <a:buSzPct val="45000"/>
+              <a:buFont typeface="Wingdings" charset="2"/>
+              <a:buChar char=""/>
+            </a:pPr>
+            <a:r>
+              <a:rPr b="0" lang="en-US" sz="1800" strike="noStrike" u="none">
+                <a:solidFill>
+                  <a:srgbClr val="000000"/>
+                </a:solidFill>
+                <a:effectLst/>
+                <a:uFillTx/>
+                <a:latin typeface="Times New Roman"/>
+              </a:rPr>
+              <a:t>Fourth Outline Level</a:t>
+            </a:r>
+            <a:endParaRPr b="0" lang="en-US" sz="1800" strike="noStrike" u="none">
+              <a:solidFill>
+                <a:srgbClr val="000000"/>
+              </a:solidFill>
+              <a:effectLst/>
+              <a:uFillTx/>
+              <a:latin typeface="Times New Roman"/>
+            </a:endParaRPr>
+          </a:p>
+          <a:p>
+            <a:pPr lvl="4" marL="1080000" indent="-216000">
+              <a:spcBef>
+                <a:spcPts val="283"/>
+              </a:spcBef>
+              <a:buClr>
+                <a:srgbClr val="000000"/>
+              </a:buClr>
+              <a:buSzPct val="45000"/>
+              <a:buFont typeface="Wingdings" charset="2"/>
+              <a:buChar char=""/>
+            </a:pPr>
+            <a:r>
+              <a:rPr b="0" lang="en-US" sz="1800" strike="noStrike" u="none">
+                <a:solidFill>
+                  <a:srgbClr val="000000"/>
+                </a:solidFill>
+                <a:effectLst/>
+                <a:uFillTx/>
+                <a:latin typeface="Times New Roman"/>
+              </a:rPr>
+              <a:t>Fifth Outline Level</a:t>
+            </a:r>
+            <a:endParaRPr b="0" lang="en-US" sz="1800" strike="noStrike" u="none">
+              <a:solidFill>
+                <a:srgbClr val="000000"/>
+              </a:solidFill>
+              <a:effectLst/>
+              <a:uFillTx/>
+              <a:latin typeface="Times New Roman"/>
+            </a:endParaRPr>
+          </a:p>
+          <a:p>
+            <a:pPr lvl="5" marL="1296000" indent="-216000">
+              <a:spcBef>
+                <a:spcPts val="283"/>
+              </a:spcBef>
+              <a:buClr>
+                <a:srgbClr val="000000"/>
+              </a:buClr>
+              <a:buSzPct val="45000"/>
+              <a:buFont typeface="Wingdings" charset="2"/>
+              <a:buChar char=""/>
+            </a:pPr>
+            <a:r>
+              <a:rPr b="0" lang="en-US" sz="1800" strike="noStrike" u="none">
+                <a:solidFill>
+                  <a:srgbClr val="000000"/>
+                </a:solidFill>
+                <a:effectLst/>
+                <a:uFillTx/>
+                <a:latin typeface="Times New Roman"/>
+              </a:rPr>
+              <a:t>Sixth Outline Level</a:t>
+            </a:r>
+            <a:endParaRPr b="0" lang="en-US" sz="1800" strike="noStrike" u="none">
+              <a:solidFill>
+                <a:srgbClr val="000000"/>
+              </a:solidFill>
+              <a:effectLst/>
+              <a:uFillTx/>
+              <a:latin typeface="Times New Roman"/>
+            </a:endParaRPr>
+          </a:p>
+          <a:p>
+            <a:pPr lvl="6" marL="1512000" indent="-216000">
+              <a:spcBef>
+                <a:spcPts val="283"/>
+              </a:spcBef>
+              <a:buClr>
+                <a:srgbClr val="000000"/>
+              </a:buClr>
+              <a:buSzPct val="45000"/>
+              <a:buFont typeface="Wingdings" charset="2"/>
+              <a:buChar char=""/>
+            </a:pPr>
+            <a:r>
+              <a:rPr b="0" lang="en-US" sz="1800" strike="noStrike" u="none">
+                <a:solidFill>
+                  <a:srgbClr val="000000"/>
+                </a:solidFill>
+                <a:effectLst/>
+                <a:uFillTx/>
+                <a:latin typeface="Times New Roman"/>
+              </a:rPr>
+              <a:t>Seventh Outline Level</a:t>
+            </a:r>
+            <a:endParaRPr b="0" lang="en-US" sz="1800" strike="noStrike" u="none">
+              <a:solidFill>
+                <a:srgbClr val="000000"/>
+              </a:solidFill>
+              <a:effectLst/>
+              <a:uFillTx/>
+              <a:latin typeface="Times New Roman"/>
+            </a:endParaRPr>
+          </a:p>
+        </p:txBody>
+      </p:sp>
+      <p:sp>
+        <p:nvSpPr>
+          <p:cNvPr id="88" name="PlaceHolder 3"/>
           <p:cNvSpPr>
             <a:spLocks noGrp="1"/>
           </p:cNvSpPr>
           <p:nvPr>
-            <p:ph type="sldNum" idx="35"/>
+            <p:ph type="ftr" idx="34"/>
           </p:nvPr>
         </p:nvSpPr>
         <p:spPr>
           <a:xfrm>
-            <a:off x="7236000" y="5130000"/>
-            <a:ext cx="2337120" cy="447120"/>
+            <a:off x="3420000" y="5130000"/>
+            <a:ext cx="3236400" cy="446400"/>
           </a:xfrm>
           <a:prstGeom prst="rect">
             <a:avLst/>
@@ -5447,7 +6047,7 @@
             <a:noAutofit/>
           </a:bodyPr>
           <a:lstStyle>
-            <a:lvl1pPr indent="0" algn="r">
+            <a:lvl1pPr indent="0" algn="ctr">
               <a:lnSpc>
                 <a:spcPct val="100000"/>
               </a:lnSpc>
@@ -5466,7 +6066,7 @@
             </a:lvl1pPr>
           </a:lstStyle>
           <a:p>
-            <a:pPr indent="0" algn="r">
+            <a:pPr indent="0" algn="ctr">
               <a:lnSpc>
                 <a:spcPct val="100000"/>
               </a:lnSpc>
@@ -5475,7 +6075,7 @@
                 <a:tab algn="l" pos="0"/>
               </a:tabLst>
             </a:pPr>
-            <a:fld id="{77AE1998-B1B8-4DC5-9B6C-AA219DE26C04}" type="slidenum">
+            <a:r>
               <a:rPr b="0" lang="en-US" sz="1400" strike="noStrike" u="none">
                 <a:solidFill>
                   <a:srgbClr val="484848"/>
@@ -5484,8 +6084,8 @@
                 <a:uFillTx/>
                 <a:latin typeface="Noto Sans"/>
               </a:rPr>
-              <a:t>1</a:t>
-            </a:fld>
+              <a:t>&lt;footer&gt;</a:t>
+            </a:r>
             <a:endParaRPr b="0" lang="en-US" sz="1400" strike="noStrike" u="none">
               <a:solidFill>
                 <a:srgbClr val="000000"/>
@@ -5499,18 +6099,18 @@
       </p:sp>
       <p:sp>
         <p:nvSpPr>
-          <p:cNvPr id="90" name="PlaceHolder 4"/>
+          <p:cNvPr id="89" name="PlaceHolder 4"/>
           <p:cNvSpPr>
             <a:spLocks noGrp="1"/>
           </p:cNvSpPr>
           <p:nvPr>
-            <p:ph type="dt" idx="36"/>
+            <p:ph type="sldNum" idx="35"/>
           </p:nvPr>
         </p:nvSpPr>
         <p:spPr>
           <a:xfrm>
-            <a:off x="504000" y="5130000"/>
-            <a:ext cx="2337120" cy="447120"/>
+            <a:off x="7236000" y="5130000"/>
+            <a:ext cx="2336400" cy="446400"/>
           </a:xfrm>
           <a:prstGeom prst="rect">
             <a:avLst/>
@@ -5525,6 +6125,84 @@
             <a:noAutofit/>
           </a:bodyPr>
           <a:lstStyle>
+            <a:lvl1pPr indent="0" algn="r">
+              <a:lnSpc>
+                <a:spcPct val="100000"/>
+              </a:lnSpc>
+              <a:buNone/>
+              <a:tabLst>
+                <a:tab algn="l" pos="0"/>
+              </a:tabLst>
+              <a:defRPr b="0" lang="en-US" sz="1400" strike="noStrike" u="none">
+                <a:solidFill>
+                  <a:srgbClr val="484848"/>
+                </a:solidFill>
+                <a:effectLst/>
+                <a:uFillTx/>
+                <a:latin typeface="Noto Sans"/>
+              </a:defRPr>
+            </a:lvl1pPr>
+          </a:lstStyle>
+          <a:p>
+            <a:pPr indent="0" algn="r">
+              <a:lnSpc>
+                <a:spcPct val="100000"/>
+              </a:lnSpc>
+              <a:buNone/>
+              <a:tabLst>
+                <a:tab algn="l" pos="0"/>
+              </a:tabLst>
+            </a:pPr>
+            <a:fld id="{8C0ADCC3-5346-4BFA-A5A2-A86458EC6CF3}" type="slidenum">
+              <a:rPr b="0" lang="en-US" sz="1400" strike="noStrike" u="none">
+                <a:solidFill>
+                  <a:srgbClr val="484848"/>
+                </a:solidFill>
+                <a:effectLst/>
+                <a:uFillTx/>
+                <a:latin typeface="Noto Sans"/>
+              </a:rPr>
+              <a:t>&lt;number&gt;</a:t>
+            </a:fld>
+            <a:endParaRPr b="0" lang="en-US" sz="1400" strike="noStrike" u="none">
+              <a:solidFill>
+                <a:srgbClr val="000000"/>
+              </a:solidFill>
+              <a:effectLst/>
+              <a:uFillTx/>
+              <a:latin typeface="Times New Roman"/>
+            </a:endParaRPr>
+          </a:p>
+        </p:txBody>
+      </p:sp>
+      <p:sp>
+        <p:nvSpPr>
+          <p:cNvPr id="90" name="PlaceHolder 5"/>
+          <p:cNvSpPr>
+            <a:spLocks noGrp="1"/>
+          </p:cNvSpPr>
+          <p:nvPr>
+            <p:ph type="dt" idx="36"/>
+          </p:nvPr>
+        </p:nvSpPr>
+        <p:spPr>
+          <a:xfrm>
+            <a:off x="504000" y="5130000"/>
+            <a:ext cx="2336400" cy="446400"/>
+          </a:xfrm>
+          <a:prstGeom prst="rect">
+            <a:avLst/>
+          </a:prstGeom>
+          <a:noFill/>
+          <a:ln w="0">
+            <a:noFill/>
+          </a:ln>
+        </p:spPr>
+        <p:txBody>
+          <a:bodyPr lIns="0" rIns="0" tIns="0" bIns="0" anchor="t">
+            <a:noAutofit/>
+          </a:bodyPr>
+          <a:lstStyle>
             <a:lvl1pPr indent="0">
               <a:buNone/>
               <a:defRPr b="0" lang="en-US" sz="1400" strike="noStrike" u="none">
@@ -5550,7 +6228,7 @@
                 <a:uFillTx/>
                 <a:latin typeface="Times New Roman"/>
               </a:rPr>
-              <a:t> </a:t>
+              <a:t>&lt;date/time&gt;</a:t>
             </a:r>
             <a:endParaRPr b="0" lang="en-US" sz="1400" strike="noStrike" u="none">
               <a:solidFill>
@@ -5597,8 +6275,8 @@
         </p:nvSpPr>
         <p:spPr>
           <a:xfrm flipV="1">
-            <a:off x="0" y="-2880"/>
-            <a:ext cx="10077120" cy="177120"/>
+            <a:off x="0" y="-3600"/>
+            <a:ext cx="10076400" cy="176400"/>
           </a:xfrm>
           <a:prstGeom prst="rect">
             <a:avLst/>
@@ -5657,7 +6335,7 @@
         <p:spPr>
           <a:xfrm>
             <a:off x="0" y="5580000"/>
-            <a:ext cx="10077120" cy="87120"/>
+            <a:ext cx="10076400" cy="86400"/>
           </a:xfrm>
           <a:prstGeom prst="rect">
             <a:avLst/>
@@ -5773,7 +6451,7 @@
         <p:spPr>
           <a:xfrm>
             <a:off x="3420000" y="5130000"/>
-            <a:ext cx="3237120" cy="447120"/>
+            <a:ext cx="3236400" cy="446400"/>
           </a:xfrm>
           <a:prstGeom prst="rect">
             <a:avLst/>
@@ -5851,7 +6529,7 @@
         <p:spPr>
           <a:xfrm>
             <a:off x="7236000" y="5130000"/>
-            <a:ext cx="2337120" cy="447120"/>
+            <a:ext cx="2336400" cy="446400"/>
           </a:xfrm>
           <a:prstGeom prst="rect">
             <a:avLst/>
@@ -5894,7 +6572,7 @@
                 <a:tab algn="l" pos="0"/>
               </a:tabLst>
             </a:pPr>
-            <a:fld id="{80C15B64-9490-4475-86BC-AB7A27E5DCF4}" type="slidenum">
+            <a:fld id="{B333B61F-83DB-4BED-AC0B-9F01E30698DA}" type="slidenum">
               <a:rPr b="0" lang="en-US" sz="1400" strike="noStrike" u="none">
                 <a:solidFill>
                   <a:srgbClr val="484848"/>
@@ -5929,7 +6607,7 @@
         <p:spPr>
           <a:xfrm>
             <a:off x="504000" y="5130000"/>
-            <a:ext cx="2337120" cy="447120"/>
+            <a:ext cx="2336400" cy="446400"/>
           </a:xfrm>
           <a:prstGeom prst="rect">
             <a:avLst/>
@@ -6016,8 +6694,8 @@
         </p:nvSpPr>
         <p:spPr>
           <a:xfrm flipV="1">
-            <a:off x="0" y="-2880"/>
-            <a:ext cx="10077120" cy="177120"/>
+            <a:off x="0" y="-3600"/>
+            <a:ext cx="10076400" cy="176400"/>
           </a:xfrm>
           <a:prstGeom prst="rect">
             <a:avLst/>
@@ -6076,7 +6754,7 @@
         <p:spPr>
           <a:xfrm>
             <a:off x="0" y="5580000"/>
-            <a:ext cx="10077120" cy="87120"/>
+            <a:ext cx="10076400" cy="86400"/>
           </a:xfrm>
           <a:prstGeom prst="rect">
             <a:avLst/>
@@ -6445,7 +7123,7 @@
         <p:spPr>
           <a:xfrm>
             <a:off x="3420000" y="5130000"/>
-            <a:ext cx="3237120" cy="447120"/>
+            <a:ext cx="3236400" cy="446400"/>
           </a:xfrm>
           <a:prstGeom prst="rect">
             <a:avLst/>
@@ -6523,7 +7201,7 @@
         <p:spPr>
           <a:xfrm>
             <a:off x="7236000" y="5130000"/>
-            <a:ext cx="2337120" cy="447120"/>
+            <a:ext cx="2336400" cy="446400"/>
           </a:xfrm>
           <a:prstGeom prst="rect">
             <a:avLst/>
@@ -6566,7 +7244,7 @@
                 <a:tab algn="l" pos="0"/>
               </a:tabLst>
             </a:pPr>
-            <a:fld id="{1B0A8E35-2096-42EF-B4E9-82ADF947EB53}" type="slidenum">
+            <a:fld id="{C753C43F-8D81-4BB5-9000-3A13F1581DEB}" type="slidenum">
               <a:rPr b="0" lang="en-US" sz="1400" strike="noStrike" u="none">
                 <a:solidFill>
                   <a:srgbClr val="484848"/>
@@ -6601,7 +7279,7 @@
         <p:spPr>
           <a:xfrm>
             <a:off x="504000" y="5130000"/>
-            <a:ext cx="2337120" cy="447120"/>
+            <a:ext cx="2336400" cy="446400"/>
           </a:xfrm>
           <a:prstGeom prst="rect">
             <a:avLst/>
@@ -6688,8 +7366,8 @@
         </p:nvSpPr>
         <p:spPr>
           <a:xfrm flipV="1">
-            <a:off x="0" y="-2880"/>
-            <a:ext cx="10077120" cy="177120"/>
+            <a:off x="0" y="-3600"/>
+            <a:ext cx="10076400" cy="176400"/>
           </a:xfrm>
           <a:prstGeom prst="rect">
             <a:avLst/>
@@ -6748,7 +7426,7 @@
         <p:spPr>
           <a:xfrm>
             <a:off x="0" y="5580000"/>
-            <a:ext cx="10077120" cy="87120"/>
+            <a:ext cx="10076400" cy="86400"/>
           </a:xfrm>
           <a:prstGeom prst="rect">
             <a:avLst/>
@@ -6858,13 +7536,13 @@
             <a:spLocks noGrp="1"/>
           </p:cNvSpPr>
           <p:nvPr>
-            <p:ph type="ftr" idx="43"/>
+            <p:ph type="body"/>
           </p:nvPr>
         </p:nvSpPr>
         <p:spPr>
           <a:xfrm>
-            <a:off x="3420000" y="5130000"/>
-            <a:ext cx="3237120" cy="447120"/>
+            <a:off x="504000" y="1326600"/>
+            <a:ext cx="9071640" cy="3288240"/>
           </a:xfrm>
           <a:prstGeom prst="rect">
             <a:avLst/>
@@ -6876,49 +7554,224 @@
         </p:spPr>
         <p:txBody>
           <a:bodyPr lIns="0" rIns="0" tIns="0" bIns="0" anchor="t">
-            <a:noAutofit/>
+            <a:normAutofit/>
           </a:bodyPr>
-          <a:lstStyle>
-            <a:lvl1pPr indent="0" algn="ctr">
-              <a:lnSpc>
-                <a:spcPct val="100000"/>
-              </a:lnSpc>
-              <a:buNone/>
-              <a:tabLst>
-                <a:tab algn="l" pos="0"/>
-              </a:tabLst>
-              <a:defRPr b="0" lang="en-US" sz="1400" strike="noStrike" u="none">
-                <a:solidFill>
-                  <a:srgbClr val="484848"/>
-                </a:solidFill>
-                <a:effectLst/>
-                <a:uFillTx/>
-                <a:latin typeface="Noto Sans"/>
-              </a:defRPr>
-            </a:lvl1pPr>
-          </a:lstStyle>
-          <a:p>
-            <a:pPr indent="0" algn="ctr">
-              <a:lnSpc>
-                <a:spcPct val="100000"/>
-              </a:lnSpc>
-              <a:buNone/>
-              <a:tabLst>
-                <a:tab algn="l" pos="0"/>
-              </a:tabLst>
-            </a:pPr>
-            <a:r>
-              <a:rPr b="0" lang="en-US" sz="1400" strike="noStrike" u="none">
-                <a:solidFill>
-                  <a:srgbClr val="484848"/>
-                </a:solidFill>
-                <a:effectLst/>
-                <a:uFillTx/>
-                <a:latin typeface="Noto Sans"/>
-              </a:rPr>
-              <a:t> </a:t>
-            </a:r>
-            <a:endParaRPr b="0" lang="en-US" sz="1400" strike="noStrike" u="none">
+          <a:p>
+            <a:pPr marL="432000" indent="-324000">
+              <a:spcBef>
+                <a:spcPts val="1417"/>
+              </a:spcBef>
+              <a:buClr>
+                <a:srgbClr val="000000"/>
+              </a:buClr>
+              <a:buSzPct val="45000"/>
+              <a:buFont typeface="Wingdings" charset="2"/>
+              <a:buChar char=""/>
+            </a:pPr>
+            <a:r>
+              <a:rPr b="0" lang="en-US" sz="1800" strike="noStrike" u="none">
+                <a:solidFill>
+                  <a:srgbClr val="000000"/>
+                </a:solidFill>
+                <a:effectLst/>
+                <a:uFillTx/>
+                <a:latin typeface="Arial"/>
+              </a:rPr>
+              <a:t>Click to edit the outline text format</a:t>
+            </a:r>
+            <a:endParaRPr b="0" lang="en-US" sz="1800" strike="noStrike" u="none">
+              <a:solidFill>
+                <a:srgbClr val="000000"/>
+              </a:solidFill>
+              <a:effectLst/>
+              <a:uFillTx/>
+              <a:latin typeface="Arial"/>
+            </a:endParaRPr>
+          </a:p>
+          <a:p>
+            <a:pPr lvl="1" marL="432000" indent="-216000">
+              <a:spcBef>
+                <a:spcPts val="1134"/>
+              </a:spcBef>
+              <a:buClr>
+                <a:srgbClr val="000000"/>
+              </a:buClr>
+              <a:buSzPct val="45000"/>
+              <a:buFont typeface="Wingdings" charset="2"/>
+              <a:buChar char=""/>
+            </a:pPr>
+            <a:r>
+              <a:rPr b="0" lang="en-US" sz="1800" strike="noStrike" u="none">
+                <a:solidFill>
+                  <a:srgbClr val="000000"/>
+                </a:solidFill>
+                <a:effectLst/>
+                <a:uFillTx/>
+                <a:latin typeface="Times New Roman"/>
+              </a:rPr>
+              <a:t>Second Outline Level</a:t>
+            </a:r>
+            <a:endParaRPr b="0" lang="en-US" sz="1800" strike="noStrike" u="none">
+              <a:solidFill>
+                <a:srgbClr val="000000"/>
+              </a:solidFill>
+              <a:effectLst/>
+              <a:uFillTx/>
+              <a:latin typeface="Times New Roman"/>
+            </a:endParaRPr>
+          </a:p>
+          <a:p>
+            <a:pPr lvl="2" marL="648000" indent="-216000">
+              <a:spcBef>
+                <a:spcPts val="850"/>
+              </a:spcBef>
+              <a:buClr>
+                <a:srgbClr val="000000"/>
+              </a:buClr>
+              <a:buSzPct val="45000"/>
+              <a:buFont typeface="Wingdings" charset="2"/>
+              <a:buChar char=""/>
+            </a:pPr>
+            <a:r>
+              <a:rPr b="0" lang="en-US" sz="1800" strike="noStrike" u="none">
+                <a:solidFill>
+                  <a:srgbClr val="000000"/>
+                </a:solidFill>
+                <a:effectLst/>
+                <a:uFillTx/>
+                <a:latin typeface="Times New Roman"/>
+              </a:rPr>
+              <a:t>Third Outline Level</a:t>
+            </a:r>
+            <a:endParaRPr b="0" lang="en-US" sz="1800" strike="noStrike" u="none">
+              <a:solidFill>
+                <a:srgbClr val="000000"/>
+              </a:solidFill>
+              <a:effectLst/>
+              <a:uFillTx/>
+              <a:latin typeface="Times New Roman"/>
+            </a:endParaRPr>
+          </a:p>
+          <a:p>
+            <a:pPr lvl="3" marL="864000" indent="-216000">
+              <a:spcBef>
+                <a:spcPts val="567"/>
+              </a:spcBef>
+              <a:buClr>
+                <a:srgbClr val="000000"/>
+              </a:buClr>
+              <a:buSzPct val="45000"/>
+              <a:buFont typeface="Wingdings" charset="2"/>
+              <a:buChar char=""/>
+            </a:pPr>
+            <a:r>
+              <a:rPr b="0" lang="en-US" sz="1800" strike="noStrike" u="none">
+                <a:solidFill>
+                  <a:srgbClr val="000000"/>
+                </a:solidFill>
+                <a:effectLst/>
+                <a:uFillTx/>
+                <a:latin typeface="Times New Roman"/>
+              </a:rPr>
+              <a:t>Fourth Outline Level</a:t>
+            </a:r>
+            <a:endParaRPr b="0" lang="en-US" sz="1800" strike="noStrike" u="none">
+              <a:solidFill>
+                <a:srgbClr val="000000"/>
+              </a:solidFill>
+              <a:effectLst/>
+              <a:uFillTx/>
+              <a:latin typeface="Times New Roman"/>
+            </a:endParaRPr>
+          </a:p>
+          <a:p>
+            <a:pPr lvl="4" marL="1080000" indent="-216000">
+              <a:spcBef>
+                <a:spcPts val="283"/>
+              </a:spcBef>
+              <a:buClr>
+                <a:srgbClr val="000000"/>
+              </a:buClr>
+              <a:buSzPct val="45000"/>
+              <a:buFont typeface="Wingdings" charset="2"/>
+              <a:buChar char=""/>
+            </a:pPr>
+            <a:r>
+              <a:rPr b="0" lang="en-US" sz="1800" strike="noStrike" u="none">
+                <a:solidFill>
+                  <a:srgbClr val="000000"/>
+                </a:solidFill>
+                <a:effectLst/>
+                <a:uFillTx/>
+                <a:latin typeface="Times New Roman"/>
+              </a:rPr>
+              <a:t>Fifth Outline Level</a:t>
+            </a:r>
+            <a:endParaRPr b="0" lang="en-US" sz="1800" strike="noStrike" u="none">
+              <a:solidFill>
+                <a:srgbClr val="000000"/>
+              </a:solidFill>
+              <a:effectLst/>
+              <a:uFillTx/>
+              <a:latin typeface="Times New Roman"/>
+            </a:endParaRPr>
+          </a:p>
+          <a:p>
+            <a:pPr lvl="5" marL="1296000" indent="-216000">
+              <a:spcBef>
+                <a:spcPts val="283"/>
+              </a:spcBef>
+              <a:buClr>
+                <a:srgbClr val="000000"/>
+              </a:buClr>
+              <a:buSzPct val="45000"/>
+              <a:buFont typeface="Wingdings" charset="2"/>
+              <a:buChar char=""/>
+            </a:pPr>
+            <a:r>
+              <a:rPr b="0" lang="en-US" sz="1800" strike="noStrike" u="none">
+                <a:solidFill>
+                  <a:srgbClr val="000000"/>
+                </a:solidFill>
+                <a:effectLst/>
+                <a:uFillTx/>
+                <a:latin typeface="Times New Roman"/>
+              </a:rPr>
+              <a:t>Sixth Outline Level</a:t>
+            </a:r>
+            <a:endParaRPr b="0" lang="en-US" sz="1800" strike="noStrike" u="none">
+              <a:solidFill>
+                <a:srgbClr val="000000"/>
+              </a:solidFill>
+              <a:effectLst/>
+              <a:uFillTx/>
+              <a:latin typeface="Times New Roman"/>
+            </a:endParaRPr>
+          </a:p>
+          <a:p>
+            <a:pPr lvl="6" marL="1512000" indent="-216000">
+              <a:spcBef>
+                <a:spcPts val="283"/>
+              </a:spcBef>
+              <a:buClr>
+                <a:srgbClr val="000000"/>
+              </a:buClr>
+              <a:buSzPct val="45000"/>
+              <a:buFont typeface="Wingdings" charset="2"/>
+              <a:buChar char=""/>
+            </a:pPr>
+            <a:r>
+              <a:rPr b="0" lang="en-US" sz="1800" strike="noStrike" u="none">
+                <a:solidFill>
+                  <a:srgbClr val="000000"/>
+                </a:solidFill>
+                <a:effectLst/>
+                <a:uFillTx/>
+                <a:latin typeface="Times New Roman"/>
+              </a:rPr>
+              <a:t>Seventh Outline Level</a:t>
+            </a:r>
+            <a:endParaRPr b="0" lang="en-US" sz="1800" strike="noStrike" u="none">
               <a:solidFill>
                 <a:srgbClr val="000000"/>
               </a:solidFill>
@@ -6936,13 +7789,13 @@
             <a:spLocks noGrp="1"/>
           </p:cNvSpPr>
           <p:nvPr>
-            <p:ph type="sldNum" idx="44"/>
+            <p:ph type="ftr" idx="43"/>
           </p:nvPr>
         </p:nvSpPr>
         <p:spPr>
           <a:xfrm>
-            <a:off x="7236000" y="5130000"/>
-            <a:ext cx="2337120" cy="447120"/>
+            <a:off x="3420000" y="5130000"/>
+            <a:ext cx="3236400" cy="446400"/>
           </a:xfrm>
           <a:prstGeom prst="rect">
             <a:avLst/>
@@ -6957,7 +7810,7 @@
             <a:noAutofit/>
           </a:bodyPr>
           <a:lstStyle>
-            <a:lvl1pPr indent="0" algn="r">
+            <a:lvl1pPr indent="0" algn="ctr">
               <a:lnSpc>
                 <a:spcPct val="100000"/>
               </a:lnSpc>
@@ -6976,7 +7829,7 @@
             </a:lvl1pPr>
           </a:lstStyle>
           <a:p>
-            <a:pPr indent="0" algn="r">
+            <a:pPr indent="0" algn="ctr">
               <a:lnSpc>
                 <a:spcPct val="100000"/>
               </a:lnSpc>
@@ -6985,7 +7838,7 @@
                 <a:tab algn="l" pos="0"/>
               </a:tabLst>
             </a:pPr>
-            <a:fld id="{F5AACC38-ABF5-41E4-9577-3E6D8BA667DA}" type="slidenum">
+            <a:r>
               <a:rPr b="0" lang="en-US" sz="1400" strike="noStrike" u="none">
                 <a:solidFill>
                   <a:srgbClr val="484848"/>
@@ -6994,8 +7847,8 @@
                 <a:uFillTx/>
                 <a:latin typeface="Noto Sans"/>
               </a:rPr>
-              <a:t>1</a:t>
-            </a:fld>
+              <a:t>&lt;footer&gt;</a:t>
+            </a:r>
             <a:endParaRPr b="0" lang="en-US" sz="1400" strike="noStrike" u="none">
               <a:solidFill>
                 <a:srgbClr val="000000"/>
@@ -7014,13 +7867,13 @@
             <a:spLocks noGrp="1"/>
           </p:cNvSpPr>
           <p:nvPr>
-            <p:ph type="dt" idx="45"/>
+            <p:ph type="sldNum" idx="44"/>
           </p:nvPr>
         </p:nvSpPr>
         <p:spPr>
           <a:xfrm>
-            <a:off x="504000" y="5130000"/>
-            <a:ext cx="2337120" cy="447120"/>
+            <a:off x="7236000" y="5130000"/>
+            <a:ext cx="2336400" cy="446400"/>
           </a:xfrm>
           <a:prstGeom prst="rect">
             <a:avLst/>
@@ -7035,6 +7888,84 @@
             <a:noAutofit/>
           </a:bodyPr>
           <a:lstStyle>
+            <a:lvl1pPr indent="0" algn="r">
+              <a:lnSpc>
+                <a:spcPct val="100000"/>
+              </a:lnSpc>
+              <a:buNone/>
+              <a:tabLst>
+                <a:tab algn="l" pos="0"/>
+              </a:tabLst>
+              <a:defRPr b="0" lang="en-US" sz="1400" strike="noStrike" u="none">
+                <a:solidFill>
+                  <a:srgbClr val="484848"/>
+                </a:solidFill>
+                <a:effectLst/>
+                <a:uFillTx/>
+                <a:latin typeface="Noto Sans"/>
+              </a:defRPr>
+            </a:lvl1pPr>
+          </a:lstStyle>
+          <a:p>
+            <a:pPr indent="0" algn="r">
+              <a:lnSpc>
+                <a:spcPct val="100000"/>
+              </a:lnSpc>
+              <a:buNone/>
+              <a:tabLst>
+                <a:tab algn="l" pos="0"/>
+              </a:tabLst>
+            </a:pPr>
+            <a:fld id="{40693A81-E0DC-4C79-8A47-3F173024707B}" type="slidenum">
+              <a:rPr b="0" lang="en-US" sz="1400" strike="noStrike" u="none">
+                <a:solidFill>
+                  <a:srgbClr val="484848"/>
+                </a:solidFill>
+                <a:effectLst/>
+                <a:uFillTx/>
+                <a:latin typeface="Noto Sans"/>
+              </a:rPr>
+              <a:t>&lt;number&gt;</a:t>
+            </a:fld>
+            <a:endParaRPr b="0" lang="en-US" sz="1400" strike="noStrike" u="none">
+              <a:solidFill>
+                <a:srgbClr val="000000"/>
+              </a:solidFill>
+              <a:effectLst/>
+              <a:uFillTx/>
+              <a:latin typeface="Times New Roman"/>
+            </a:endParaRPr>
+          </a:p>
+        </p:txBody>
+      </p:sp>
+      <p:sp>
+        <p:nvSpPr>
+          <p:cNvPr id="116" name="PlaceHolder 5"/>
+          <p:cNvSpPr>
+            <a:spLocks noGrp="1"/>
+          </p:cNvSpPr>
+          <p:nvPr>
+            <p:ph type="dt" idx="45"/>
+          </p:nvPr>
+        </p:nvSpPr>
+        <p:spPr>
+          <a:xfrm>
+            <a:off x="504000" y="5130000"/>
+            <a:ext cx="2336400" cy="446400"/>
+          </a:xfrm>
+          <a:prstGeom prst="rect">
+            <a:avLst/>
+          </a:prstGeom>
+          <a:noFill/>
+          <a:ln w="0">
+            <a:noFill/>
+          </a:ln>
+        </p:spPr>
+        <p:txBody>
+          <a:bodyPr lIns="0" rIns="0" tIns="0" bIns="0" anchor="t">
+            <a:noAutofit/>
+          </a:bodyPr>
+          <a:lstStyle>
             <a:lvl1pPr indent="0">
               <a:buNone/>
               <a:defRPr b="0" lang="en-US" sz="1400" strike="noStrike" u="none">
@@ -7060,7 +7991,7 @@
                 <a:uFillTx/>
                 <a:latin typeface="Times New Roman"/>
               </a:rPr>
-              <a:t> </a:t>
+              <a:t>&lt;date/time&gt;</a:t>
             </a:r>
             <a:endParaRPr b="0" lang="en-US" sz="1400" strike="noStrike" u="none">
               <a:solidFill>
@@ -7101,14 +8032,14 @@
       </p:grpSpPr>
       <p:sp>
         <p:nvSpPr>
-          <p:cNvPr id="118" name=""/>
+          <p:cNvPr id="119" name=""/>
           <p:cNvSpPr/>
           <p:nvPr/>
         </p:nvSpPr>
         <p:spPr>
           <a:xfrm flipV="1">
-            <a:off x="0" y="-2880"/>
-            <a:ext cx="10077120" cy="177120"/>
+            <a:off x="0" y="-3600"/>
+            <a:ext cx="10076400" cy="176400"/>
           </a:xfrm>
           <a:prstGeom prst="rect">
             <a:avLst/>
@@ -7160,14 +8091,14 @@
       </p:sp>
       <p:sp>
         <p:nvSpPr>
-          <p:cNvPr id="119" name=""/>
+          <p:cNvPr id="120" name=""/>
           <p:cNvSpPr/>
           <p:nvPr/>
         </p:nvSpPr>
         <p:spPr>
           <a:xfrm>
             <a:off x="0" y="5580000"/>
-            <a:ext cx="10077120" cy="87120"/>
+            <a:ext cx="10076400" cy="86400"/>
           </a:xfrm>
           <a:prstGeom prst="rect">
             <a:avLst/>
@@ -7219,7 +8150,7 @@
       </p:sp>
       <p:sp>
         <p:nvSpPr>
-          <p:cNvPr id="120" name="PlaceHolder 1"/>
+          <p:cNvPr id="121" name="PlaceHolder 1"/>
           <p:cNvSpPr>
             <a:spLocks noGrp="1"/>
           </p:cNvSpPr>
@@ -7272,18 +8203,18 @@
       </p:sp>
       <p:sp>
         <p:nvSpPr>
-          <p:cNvPr id="121" name="PlaceHolder 2"/>
+          <p:cNvPr id="122" name="PlaceHolder 2"/>
           <p:cNvSpPr>
             <a:spLocks noGrp="1"/>
           </p:cNvSpPr>
           <p:nvPr>
-            <p:ph type="body"/>
+            <p:ph type="ftr" idx="46"/>
           </p:nvPr>
         </p:nvSpPr>
         <p:spPr>
           <a:xfrm>
-            <a:off x="504000" y="1326600"/>
-            <a:ext cx="9071640" cy="3288240"/>
+            <a:off x="3420000" y="5130000"/>
+            <a:ext cx="3236400" cy="446400"/>
           </a:xfrm>
           <a:prstGeom prst="rect">
             <a:avLst/>
@@ -7295,64 +8226,49 @@
         </p:spPr>
         <p:txBody>
           <a:bodyPr lIns="0" rIns="0" tIns="0" bIns="0" anchor="t">
-            <a:normAutofit/>
+            <a:noAutofit/>
           </a:bodyPr>
-          <a:p>
-            <a:pPr marL="432000" indent="-324000">
-              <a:spcBef>
-                <a:spcPts val="1417"/>
-              </a:spcBef>
-              <a:buClr>
-                <a:srgbClr val="000000"/>
-              </a:buClr>
-              <a:buSzPct val="45000"/>
-              <a:buFont typeface="Wingdings" charset="2"/>
-              <a:buChar char=""/>
-            </a:pPr>
-            <a:r>
-              <a:rPr b="0" lang="en-US" sz="1800" strike="noStrike" u="none">
-                <a:solidFill>
-                  <a:srgbClr val="000000"/>
-                </a:solidFill>
-                <a:effectLst/>
-                <a:uFillTx/>
-                <a:latin typeface="Arial"/>
-              </a:rPr>
-              <a:t>Click to edit the outline text format</a:t>
-            </a:r>
-            <a:endParaRPr b="0" lang="en-US" sz="1800" strike="noStrike" u="none">
-              <a:solidFill>
-                <a:srgbClr val="000000"/>
-              </a:solidFill>
-              <a:effectLst/>
-              <a:uFillTx/>
-              <a:latin typeface="Arial"/>
-            </a:endParaRPr>
-          </a:p>
-          <a:p>
-            <a:pPr lvl="1" marL="432000" indent="-216000">
-              <a:spcBef>
-                <a:spcPts val="1134"/>
-              </a:spcBef>
-              <a:buClr>
-                <a:srgbClr val="000000"/>
-              </a:buClr>
-              <a:buSzPct val="45000"/>
-              <a:buFont typeface="Wingdings" charset="2"/>
-              <a:buChar char=""/>
-            </a:pPr>
-            <a:r>
-              <a:rPr b="0" lang="en-US" sz="1800" strike="noStrike" u="none">
-                <a:solidFill>
-                  <a:srgbClr val="000000"/>
-                </a:solidFill>
-                <a:effectLst/>
-                <a:uFillTx/>
-                <a:latin typeface="Times New Roman"/>
-              </a:rPr>
-              <a:t>Second Outline Level</a:t>
-            </a:r>
-            <a:endParaRPr b="0" lang="en-US" sz="1800" strike="noStrike" u="none">
+          <a:lstStyle>
+            <a:lvl1pPr indent="0" algn="ctr">
+              <a:lnSpc>
+                <a:spcPct val="100000"/>
+              </a:lnSpc>
+              <a:buNone/>
+              <a:tabLst>
+                <a:tab algn="l" pos="0"/>
+              </a:tabLst>
+              <a:defRPr b="0" lang="en-US" sz="1400" strike="noStrike" u="none">
+                <a:solidFill>
+                  <a:srgbClr val="484848"/>
+                </a:solidFill>
+                <a:effectLst/>
+                <a:uFillTx/>
+                <a:latin typeface="Noto Sans"/>
+              </a:defRPr>
+            </a:lvl1pPr>
+          </a:lstStyle>
+          <a:p>
+            <a:pPr indent="0" algn="ctr">
+              <a:lnSpc>
+                <a:spcPct val="100000"/>
+              </a:lnSpc>
+              <a:buNone/>
+              <a:tabLst>
+                <a:tab algn="l" pos="0"/>
+              </a:tabLst>
+            </a:pPr>
+            <a:r>
+              <a:rPr b="0" lang="en-US" sz="1400" strike="noStrike" u="none">
+                <a:solidFill>
+                  <a:srgbClr val="484848"/>
+                </a:solidFill>
+                <a:effectLst/>
+                <a:uFillTx/>
+                <a:latin typeface="Noto Sans"/>
+              </a:rPr>
+              <a:t> </a:t>
+            </a:r>
+            <a:endParaRPr b="0" lang="en-US" sz="1400" strike="noStrike" u="none">
               <a:solidFill>
                 <a:srgbClr val="000000"/>
               </a:solidFill>
@@ -7361,182 +8277,22 @@
               <a:latin typeface="Times New Roman"/>
             </a:endParaRPr>
           </a:p>
-          <a:p>
-            <a:pPr lvl="2" marL="648000" indent="-216000">
-              <a:spcBef>
-                <a:spcPts val="850"/>
-              </a:spcBef>
-              <a:buClr>
-                <a:srgbClr val="000000"/>
-              </a:buClr>
-              <a:buSzPct val="45000"/>
-              <a:buFont typeface="Wingdings" charset="2"/>
-              <a:buChar char=""/>
-            </a:pPr>
-            <a:r>
-              <a:rPr b="0" lang="en-US" sz="1800" strike="noStrike" u="none">
-                <a:solidFill>
-                  <a:srgbClr val="000000"/>
-                </a:solidFill>
-                <a:effectLst/>
-                <a:uFillTx/>
-                <a:latin typeface="Times New Roman"/>
-              </a:rPr>
-              <a:t>Third Outline Level</a:t>
-            </a:r>
-            <a:endParaRPr b="0" lang="en-US" sz="1800" strike="noStrike" u="none">
-              <a:solidFill>
-                <a:srgbClr val="000000"/>
-              </a:solidFill>
-              <a:effectLst/>
-              <a:uFillTx/>
-              <a:latin typeface="Times New Roman"/>
-            </a:endParaRPr>
-          </a:p>
-          <a:p>
-            <a:pPr lvl="3" marL="864000" indent="-216000">
-              <a:spcBef>
-                <a:spcPts val="567"/>
-              </a:spcBef>
-              <a:buClr>
-                <a:srgbClr val="000000"/>
-              </a:buClr>
-              <a:buSzPct val="45000"/>
-              <a:buFont typeface="Wingdings" charset="2"/>
-              <a:buChar char=""/>
-            </a:pPr>
-            <a:r>
-              <a:rPr b="0" lang="en-US" sz="1800" strike="noStrike" u="none">
-                <a:solidFill>
-                  <a:srgbClr val="000000"/>
-                </a:solidFill>
-                <a:effectLst/>
-                <a:uFillTx/>
-                <a:latin typeface="Times New Roman"/>
-              </a:rPr>
-              <a:t>Fourth Outline Level</a:t>
-            </a:r>
-            <a:endParaRPr b="0" lang="en-US" sz="1800" strike="noStrike" u="none">
-              <a:solidFill>
-                <a:srgbClr val="000000"/>
-              </a:solidFill>
-              <a:effectLst/>
-              <a:uFillTx/>
-              <a:latin typeface="Times New Roman"/>
-            </a:endParaRPr>
-          </a:p>
-          <a:p>
-            <a:pPr lvl="4" marL="1080000" indent="-216000">
-              <a:spcBef>
-                <a:spcPts val="283"/>
-              </a:spcBef>
-              <a:buClr>
-                <a:srgbClr val="000000"/>
-              </a:buClr>
-              <a:buSzPct val="45000"/>
-              <a:buFont typeface="Wingdings" charset="2"/>
-              <a:buChar char=""/>
-            </a:pPr>
-            <a:r>
-              <a:rPr b="0" lang="en-US" sz="1800" strike="noStrike" u="none">
-                <a:solidFill>
-                  <a:srgbClr val="000000"/>
-                </a:solidFill>
-                <a:effectLst/>
-                <a:uFillTx/>
-                <a:latin typeface="Times New Roman"/>
-              </a:rPr>
-              <a:t>Fifth Outline Level</a:t>
-            </a:r>
-            <a:endParaRPr b="0" lang="en-US" sz="1800" strike="noStrike" u="none">
-              <a:solidFill>
-                <a:srgbClr val="000000"/>
-              </a:solidFill>
-              <a:effectLst/>
-              <a:uFillTx/>
-              <a:latin typeface="Times New Roman"/>
-            </a:endParaRPr>
-          </a:p>
-          <a:p>
-            <a:pPr lvl="5" marL="1296000" indent="-216000">
-              <a:spcBef>
-                <a:spcPts val="283"/>
-              </a:spcBef>
-              <a:buClr>
-                <a:srgbClr val="000000"/>
-              </a:buClr>
-              <a:buSzPct val="45000"/>
-              <a:buFont typeface="Wingdings" charset="2"/>
-              <a:buChar char=""/>
-            </a:pPr>
-            <a:r>
-              <a:rPr b="0" lang="en-US" sz="1800" strike="noStrike" u="none">
-                <a:solidFill>
-                  <a:srgbClr val="000000"/>
-                </a:solidFill>
-                <a:effectLst/>
-                <a:uFillTx/>
-                <a:latin typeface="Times New Roman"/>
-              </a:rPr>
-              <a:t>Sixth Outline Level</a:t>
-            </a:r>
-            <a:endParaRPr b="0" lang="en-US" sz="1800" strike="noStrike" u="none">
-              <a:solidFill>
-                <a:srgbClr val="000000"/>
-              </a:solidFill>
-              <a:effectLst/>
-              <a:uFillTx/>
-              <a:latin typeface="Times New Roman"/>
-            </a:endParaRPr>
-          </a:p>
-          <a:p>
-            <a:pPr lvl="6" marL="1512000" indent="-216000">
-              <a:spcBef>
-                <a:spcPts val="283"/>
-              </a:spcBef>
-              <a:buClr>
-                <a:srgbClr val="000000"/>
-              </a:buClr>
-              <a:buSzPct val="45000"/>
-              <a:buFont typeface="Wingdings" charset="2"/>
-              <a:buChar char=""/>
-            </a:pPr>
-            <a:r>
-              <a:rPr b="0" lang="en-US" sz="1800" strike="noStrike" u="none">
-                <a:solidFill>
-                  <a:srgbClr val="000000"/>
-                </a:solidFill>
-                <a:effectLst/>
-                <a:uFillTx/>
-                <a:latin typeface="Times New Roman"/>
-              </a:rPr>
-              <a:t>Seventh Outline Level</a:t>
-            </a:r>
-            <a:endParaRPr b="0" lang="en-US" sz="1800" strike="noStrike" u="none">
-              <a:solidFill>
-                <a:srgbClr val="000000"/>
-              </a:solidFill>
-              <a:effectLst/>
-              <a:uFillTx/>
-              <a:latin typeface="Times New Roman"/>
-            </a:endParaRPr>
-          </a:p>
-        </p:txBody>
-      </p:sp>
-      <p:sp>
-        <p:nvSpPr>
-          <p:cNvPr id="122" name="PlaceHolder 3"/>
+        </p:txBody>
+      </p:sp>
+      <p:sp>
+        <p:nvSpPr>
+          <p:cNvPr id="123" name="PlaceHolder 3"/>
           <p:cNvSpPr>
             <a:spLocks noGrp="1"/>
           </p:cNvSpPr>
           <p:nvPr>
-            <p:ph type="ftr" idx="46"/>
+            <p:ph type="sldNum" idx="47"/>
           </p:nvPr>
         </p:nvSpPr>
         <p:spPr>
           <a:xfrm>
-            <a:off x="3420000" y="5130000"/>
-            <a:ext cx="3237120" cy="447120"/>
+            <a:off x="7236000" y="5130000"/>
+            <a:ext cx="2336400" cy="446400"/>
           </a:xfrm>
           <a:prstGeom prst="rect">
             <a:avLst/>
@@ -7551,7 +8307,7 @@
             <a:noAutofit/>
           </a:bodyPr>
           <a:lstStyle>
-            <a:lvl1pPr indent="0" algn="ctr">
+            <a:lvl1pPr indent="0" algn="r">
               <a:lnSpc>
                 <a:spcPct val="100000"/>
               </a:lnSpc>
@@ -7570,7 +8326,7 @@
             </a:lvl1pPr>
           </a:lstStyle>
           <a:p>
-            <a:pPr indent="0" algn="ctr">
+            <a:pPr indent="0" algn="r">
               <a:lnSpc>
                 <a:spcPct val="100000"/>
               </a:lnSpc>
@@ -7579,7 +8335,7 @@
                 <a:tab algn="l" pos="0"/>
               </a:tabLst>
             </a:pPr>
-            <a:r>
+            <a:fld id="{63FA6CDE-ABA3-40DD-A242-AA5FAACF9E55}" type="slidenum">
               <a:rPr b="0" lang="en-US" sz="1400" strike="noStrike" u="none">
                 <a:solidFill>
                   <a:srgbClr val="484848"/>
@@ -7588,8 +8344,8 @@
                 <a:uFillTx/>
                 <a:latin typeface="Noto Sans"/>
               </a:rPr>
-              <a:t>&lt;footer&gt;</a:t>
-            </a:r>
+              <a:t>1</a:t>
+            </a:fld>
             <a:endParaRPr b="0" lang="en-US" sz="1400" strike="noStrike" u="none">
               <a:solidFill>
                 <a:srgbClr val="000000"/>
@@ -7603,18 +8359,18 @@
       </p:sp>
       <p:sp>
         <p:nvSpPr>
-          <p:cNvPr id="123" name="PlaceHolder 4"/>
+          <p:cNvPr id="124" name="PlaceHolder 4"/>
           <p:cNvSpPr>
             <a:spLocks noGrp="1"/>
           </p:cNvSpPr>
           <p:nvPr>
-            <p:ph type="sldNum" idx="47"/>
+            <p:ph type="dt" idx="48"/>
           </p:nvPr>
         </p:nvSpPr>
         <p:spPr>
           <a:xfrm>
-            <a:off x="7236000" y="5130000"/>
-            <a:ext cx="2337120" cy="447120"/>
+            <a:off x="504000" y="5130000"/>
+            <a:ext cx="2336400" cy="446400"/>
           </a:xfrm>
           <a:prstGeom prst="rect">
             <a:avLst/>
@@ -7629,84 +8385,6 @@
             <a:noAutofit/>
           </a:bodyPr>
           <a:lstStyle>
-            <a:lvl1pPr indent="0" algn="r">
-              <a:lnSpc>
-                <a:spcPct val="100000"/>
-              </a:lnSpc>
-              <a:buNone/>
-              <a:tabLst>
-                <a:tab algn="l" pos="0"/>
-              </a:tabLst>
-              <a:defRPr b="0" lang="en-US" sz="1400" strike="noStrike" u="none">
-                <a:solidFill>
-                  <a:srgbClr val="484848"/>
-                </a:solidFill>
-                <a:effectLst/>
-                <a:uFillTx/>
-                <a:latin typeface="Noto Sans"/>
-              </a:defRPr>
-            </a:lvl1pPr>
-          </a:lstStyle>
-          <a:p>
-            <a:pPr indent="0" algn="r">
-              <a:lnSpc>
-                <a:spcPct val="100000"/>
-              </a:lnSpc>
-              <a:buNone/>
-              <a:tabLst>
-                <a:tab algn="l" pos="0"/>
-              </a:tabLst>
-            </a:pPr>
-            <a:fld id="{E167F789-036D-4890-A25D-6CBE4F905BEA}" type="slidenum">
-              <a:rPr b="0" lang="en-US" sz="1400" strike="noStrike" u="none">
-                <a:solidFill>
-                  <a:srgbClr val="484848"/>
-                </a:solidFill>
-                <a:effectLst/>
-                <a:uFillTx/>
-                <a:latin typeface="Noto Sans"/>
-              </a:rPr>
-              <a:t>&lt;number&gt;</a:t>
-            </a:fld>
-            <a:endParaRPr b="0" lang="en-US" sz="1400" strike="noStrike" u="none">
-              <a:solidFill>
-                <a:srgbClr val="000000"/>
-              </a:solidFill>
-              <a:effectLst/>
-              <a:uFillTx/>
-              <a:latin typeface="Times New Roman"/>
-            </a:endParaRPr>
-          </a:p>
-        </p:txBody>
-      </p:sp>
-      <p:sp>
-        <p:nvSpPr>
-          <p:cNvPr id="124" name="PlaceHolder 5"/>
-          <p:cNvSpPr>
-            <a:spLocks noGrp="1"/>
-          </p:cNvSpPr>
-          <p:nvPr>
-            <p:ph type="dt" idx="48"/>
-          </p:nvPr>
-        </p:nvSpPr>
-        <p:spPr>
-          <a:xfrm>
-            <a:off x="504000" y="5130000"/>
-            <a:ext cx="2337120" cy="447120"/>
-          </a:xfrm>
-          <a:prstGeom prst="rect">
-            <a:avLst/>
-          </a:prstGeom>
-          <a:noFill/>
-          <a:ln w="0">
-            <a:noFill/>
-          </a:ln>
-        </p:spPr>
-        <p:txBody>
-          <a:bodyPr lIns="0" rIns="0" tIns="0" bIns="0" anchor="t">
-            <a:noAutofit/>
-          </a:bodyPr>
-          <a:lstStyle>
             <a:lvl1pPr indent="0">
               <a:buNone/>
               <a:defRPr b="0" lang="en-US" sz="1400" strike="noStrike" u="none">
@@ -7732,7 +8410,7 @@
                 <a:uFillTx/>
                 <a:latin typeface="Times New Roman"/>
               </a:rPr>
-              <a:t>&lt;date/time&gt;</a:t>
+              <a:t> </a:t>
             </a:r>
             <a:endParaRPr b="0" lang="en-US" sz="1400" strike="noStrike" u="none">
               <a:solidFill>
@@ -7779,8 +8457,8 @@
         </p:nvSpPr>
         <p:spPr>
           <a:xfrm flipV="1">
-            <a:off x="0" y="-2880"/>
-            <a:ext cx="10077120" cy="177120"/>
+            <a:off x="0" y="-3600"/>
+            <a:ext cx="10076400" cy="176400"/>
           </a:xfrm>
           <a:prstGeom prst="rect">
             <a:avLst/>
@@ -7839,7 +8517,7 @@
         <p:spPr>
           <a:xfrm>
             <a:off x="0" y="5580000"/>
-            <a:ext cx="10077120" cy="87120"/>
+            <a:ext cx="10076400" cy="86400"/>
           </a:xfrm>
           <a:prstGeom prst="rect">
             <a:avLst/>
@@ -7955,7 +8633,7 @@
         <p:spPr>
           <a:xfrm>
             <a:off x="3420000" y="5130000"/>
-            <a:ext cx="3237120" cy="447120"/>
+            <a:ext cx="3236400" cy="446400"/>
           </a:xfrm>
           <a:prstGeom prst="rect">
             <a:avLst/>
@@ -8033,7 +8711,7 @@
         <p:spPr>
           <a:xfrm>
             <a:off x="7236000" y="5130000"/>
-            <a:ext cx="2337120" cy="447120"/>
+            <a:ext cx="2336400" cy="446400"/>
           </a:xfrm>
           <a:prstGeom prst="rect">
             <a:avLst/>
@@ -8076,7 +8754,7 @@
                 <a:tab algn="l" pos="0"/>
               </a:tabLst>
             </a:pPr>
-            <a:fld id="{6CAFC532-CD99-431A-8FE0-FDE086286B4D}" type="slidenum">
+            <a:fld id="{EF9258DB-4A94-43F2-9D9D-A79940089D0A}" type="slidenum">
               <a:rPr b="0" lang="en-US" sz="1400" strike="noStrike" u="none">
                 <a:solidFill>
                   <a:srgbClr val="484848"/>
@@ -8111,7 +8789,7 @@
         <p:spPr>
           <a:xfrm>
             <a:off x="504000" y="5130000"/>
-            <a:ext cx="2337120" cy="447120"/>
+            <a:ext cx="2336400" cy="446400"/>
           </a:xfrm>
           <a:prstGeom prst="rect">
             <a:avLst/>
@@ -8198,8 +8876,8 @@
         </p:nvSpPr>
         <p:spPr>
           <a:xfrm flipV="1">
-            <a:off x="0" y="-2880"/>
-            <a:ext cx="10077120" cy="177120"/>
+            <a:off x="0" y="-3600"/>
+            <a:ext cx="10076400" cy="176400"/>
           </a:xfrm>
           <a:prstGeom prst="rect">
             <a:avLst/>
@@ -8258,7 +8936,7 @@
         <p:spPr>
           <a:xfrm>
             <a:off x="0" y="5580000"/>
-            <a:ext cx="10077120" cy="87120"/>
+            <a:ext cx="10076400" cy="86400"/>
           </a:xfrm>
           <a:prstGeom prst="rect">
             <a:avLst/>
@@ -8627,7 +9305,7 @@
         <p:spPr>
           <a:xfrm>
             <a:off x="3420000" y="5130000"/>
-            <a:ext cx="3237120" cy="447120"/>
+            <a:ext cx="3236400" cy="446400"/>
           </a:xfrm>
           <a:prstGeom prst="rect">
             <a:avLst/>
@@ -8705,7 +9383,7 @@
         <p:spPr>
           <a:xfrm>
             <a:off x="7236000" y="5130000"/>
-            <a:ext cx="2337120" cy="447120"/>
+            <a:ext cx="2336400" cy="446400"/>
           </a:xfrm>
           <a:prstGeom prst="rect">
             <a:avLst/>
@@ -8748,7 +9426,7 @@
                 <a:tab algn="l" pos="0"/>
               </a:tabLst>
             </a:pPr>
-            <a:fld id="{2E8AE0B4-2AC8-47CF-AA42-750360045A0A}" type="slidenum">
+            <a:fld id="{2F947E49-D41B-41CB-B411-7ABC8BD0E75B}" type="slidenum">
               <a:rPr b="0" lang="en-US" sz="1400" strike="noStrike" u="none">
                 <a:solidFill>
                   <a:srgbClr val="484848"/>
@@ -8783,7 +9461,7 @@
         <p:spPr>
           <a:xfrm>
             <a:off x="504000" y="5130000"/>
-            <a:ext cx="2337120" cy="447120"/>
+            <a:ext cx="2336400" cy="446400"/>
           </a:xfrm>
           <a:prstGeom prst="rect">
             <a:avLst/>
@@ -8870,8 +9548,8 @@
         </p:nvSpPr>
         <p:spPr>
           <a:xfrm flipV="1">
-            <a:off x="0" y="-2880"/>
-            <a:ext cx="10077120" cy="177120"/>
+            <a:off x="0" y="-3600"/>
+            <a:ext cx="10076400" cy="176400"/>
           </a:xfrm>
           <a:prstGeom prst="rect">
             <a:avLst/>
@@ -8930,7 +9608,7 @@
         <p:spPr>
           <a:xfrm>
             <a:off x="0" y="5580000"/>
-            <a:ext cx="10077120" cy="87120"/>
+            <a:ext cx="10076400" cy="86400"/>
           </a:xfrm>
           <a:prstGeom prst="rect">
             <a:avLst/>
@@ -9046,7 +9724,7 @@
         <p:spPr>
           <a:xfrm>
             <a:off x="3420000" y="5130000"/>
-            <a:ext cx="3237120" cy="447120"/>
+            <a:ext cx="3236400" cy="446400"/>
           </a:xfrm>
           <a:prstGeom prst="rect">
             <a:avLst/>
@@ -9124,7 +9802,7 @@
         <p:spPr>
           <a:xfrm>
             <a:off x="7236000" y="5130000"/>
-            <a:ext cx="2337120" cy="447120"/>
+            <a:ext cx="2336400" cy="446400"/>
           </a:xfrm>
           <a:prstGeom prst="rect">
             <a:avLst/>
@@ -9167,7 +9845,7 @@
                 <a:tab algn="l" pos="0"/>
               </a:tabLst>
             </a:pPr>
-            <a:fld id="{4B114E3A-1ED4-4AD9-82EB-8B5722EEB470}" type="slidenum">
+            <a:fld id="{6B767FAB-5015-46CB-BD3C-3B644BAA3AC7}" type="slidenum">
               <a:rPr b="0" lang="en-US" sz="1400" strike="noStrike" u="none">
                 <a:solidFill>
                   <a:srgbClr val="484848"/>
@@ -9202,7 +9880,7 @@
         <p:spPr>
           <a:xfrm>
             <a:off x="504000" y="5130000"/>
-            <a:ext cx="2337120" cy="447120"/>
+            <a:ext cx="2336400" cy="446400"/>
           </a:xfrm>
           <a:prstGeom prst="rect">
             <a:avLst/>
@@ -9290,7 +9968,7 @@
         <p:spPr>
           <a:xfrm>
             <a:off x="0" y="3780000"/>
-            <a:ext cx="10077120" cy="1887120"/>
+            <a:ext cx="10076400" cy="1886400"/>
           </a:xfrm>
           <a:prstGeom prst="rect">
             <a:avLst/>
@@ -9406,7 +10084,7 @@
         <p:spPr>
           <a:xfrm>
             <a:off x="3420000" y="5130000"/>
-            <a:ext cx="3237120" cy="447120"/>
+            <a:ext cx="3236400" cy="446400"/>
           </a:xfrm>
           <a:prstGeom prst="rect">
             <a:avLst/>
@@ -9484,7 +10162,7 @@
         <p:spPr>
           <a:xfrm>
             <a:off x="7236000" y="5130000"/>
-            <a:ext cx="2337120" cy="447120"/>
+            <a:ext cx="2336400" cy="446400"/>
           </a:xfrm>
           <a:prstGeom prst="rect">
             <a:avLst/>
@@ -9527,7 +10205,7 @@
                 <a:tab algn="l" pos="0"/>
               </a:tabLst>
             </a:pPr>
-            <a:fld id="{61BC0832-57B4-4E41-B6D6-87BD65B0099C}" type="slidenum">
+            <a:fld id="{CBA6D72E-27CE-4544-B61C-3B009F065A82}" type="slidenum">
               <a:rPr b="0" lang="en-US" sz="1400" strike="noStrike" u="none">
                 <a:solidFill>
                   <a:srgbClr val="dbf5f9"/>
@@ -9562,7 +10240,7 @@
         <p:spPr>
           <a:xfrm>
             <a:off x="504000" y="5130000"/>
-            <a:ext cx="2337120" cy="447120"/>
+            <a:ext cx="2336400" cy="446400"/>
           </a:xfrm>
           <a:prstGeom prst="rect">
             <a:avLst/>
@@ -9902,8 +10580,8 @@
         </p:nvSpPr>
         <p:spPr>
           <a:xfrm flipV="1">
-            <a:off x="0" y="-2880"/>
-            <a:ext cx="10077120" cy="177120"/>
+            <a:off x="0" y="-3600"/>
+            <a:ext cx="10076400" cy="176400"/>
           </a:xfrm>
           <a:prstGeom prst="rect">
             <a:avLst/>
@@ -9962,7 +10640,7 @@
         <p:spPr>
           <a:xfrm>
             <a:off x="0" y="5580000"/>
-            <a:ext cx="10077120" cy="87120"/>
+            <a:ext cx="10076400" cy="86400"/>
           </a:xfrm>
           <a:prstGeom prst="rect">
             <a:avLst/>
@@ -10331,7 +11009,7 @@
         <p:spPr>
           <a:xfrm>
             <a:off x="3420000" y="5130000"/>
-            <a:ext cx="3237120" cy="447120"/>
+            <a:ext cx="3236400" cy="446400"/>
           </a:xfrm>
           <a:prstGeom prst="rect">
             <a:avLst/>
@@ -10409,7 +11087,7 @@
         <p:spPr>
           <a:xfrm>
             <a:off x="7236000" y="5130000"/>
-            <a:ext cx="2337120" cy="447120"/>
+            <a:ext cx="2336400" cy="446400"/>
           </a:xfrm>
           <a:prstGeom prst="rect">
             <a:avLst/>
@@ -10452,7 +11130,7 @@
                 <a:tab algn="l" pos="0"/>
               </a:tabLst>
             </a:pPr>
-            <a:fld id="{C1297177-1EC4-4FDB-AFFC-22D3343AC0FD}" type="slidenum">
+            <a:fld id="{F6F1D571-5BA7-4916-B89D-825F8337C692}" type="slidenum">
               <a:rPr b="0" lang="en-US" sz="1400" strike="noStrike" u="none">
                 <a:solidFill>
                   <a:srgbClr val="484848"/>
@@ -10487,7 +11165,7 @@
         <p:spPr>
           <a:xfrm>
             <a:off x="504000" y="5130000"/>
-            <a:ext cx="2337120" cy="447120"/>
+            <a:ext cx="2336400" cy="446400"/>
           </a:xfrm>
           <a:prstGeom prst="rect">
             <a:avLst/>
@@ -10574,8 +11252,8 @@
         </p:nvSpPr>
         <p:spPr>
           <a:xfrm flipV="1">
-            <a:off x="0" y="-2880"/>
-            <a:ext cx="10077120" cy="177120"/>
+            <a:off x="0" y="-3600"/>
+            <a:ext cx="10076400" cy="176400"/>
           </a:xfrm>
           <a:prstGeom prst="rect">
             <a:avLst/>
@@ -10634,7 +11312,7 @@
         <p:spPr>
           <a:xfrm>
             <a:off x="0" y="5580000"/>
-            <a:ext cx="10077120" cy="87120"/>
+            <a:ext cx="10076400" cy="86400"/>
           </a:xfrm>
           <a:prstGeom prst="rect">
             <a:avLst/>
@@ -10691,13 +11369,13 @@
             <a:spLocks noGrp="1"/>
           </p:cNvSpPr>
           <p:nvPr>
-            <p:ph type="ftr" idx="61"/>
+            <p:ph type="title"/>
           </p:nvPr>
         </p:nvSpPr>
         <p:spPr>
           <a:xfrm>
-            <a:off x="3420000" y="5130000"/>
-            <a:ext cx="3237120" cy="447120"/>
+            <a:off x="504000" y="561600"/>
+            <a:ext cx="9071640" cy="274680"/>
           </a:xfrm>
           <a:prstGeom prst="rect">
             <a:avLst/>
@@ -10708,56 +11386,31 @@
           </a:ln>
         </p:spPr>
         <p:txBody>
-          <a:bodyPr lIns="0" rIns="0" tIns="0" bIns="0" anchor="t">
-            <a:noAutofit/>
+          <a:bodyPr lIns="0" rIns="0" tIns="0" bIns="0" anchor="ctr">
+            <a:spAutoFit/>
           </a:bodyPr>
-          <a:lstStyle>
-            <a:lvl1pPr indent="0" algn="ctr">
-              <a:lnSpc>
-                <a:spcPct val="100000"/>
-              </a:lnSpc>
+          <a:p>
+            <a:pPr indent="0">
               <a:buNone/>
-              <a:tabLst>
-                <a:tab algn="l" pos="0"/>
-              </a:tabLst>
-              <a:defRPr b="0" lang="en-US" sz="1400" strike="noStrike" u="none">
-                <a:solidFill>
-                  <a:srgbClr val="484848"/>
-                </a:solidFill>
-                <a:effectLst/>
-                <a:uFillTx/>
-                <a:latin typeface="Noto Sans"/>
-              </a:defRPr>
-            </a:lvl1pPr>
-          </a:lstStyle>
-          <a:p>
-            <a:pPr indent="0" algn="ctr">
-              <a:lnSpc>
-                <a:spcPct val="100000"/>
-              </a:lnSpc>
-              <a:buNone/>
-              <a:tabLst>
-                <a:tab algn="l" pos="0"/>
-              </a:tabLst>
-            </a:pPr>
-            <a:r>
-              <a:rPr b="0" lang="en-US" sz="1400" strike="noStrike" u="none">
-                <a:solidFill>
-                  <a:srgbClr val="484848"/>
-                </a:solidFill>
-                <a:effectLst/>
-                <a:uFillTx/>
-                <a:latin typeface="Noto Sans"/>
-              </a:rPr>
-              <a:t> </a:t>
-            </a:r>
-            <a:endParaRPr b="0" lang="en-US" sz="1400" strike="noStrike" u="none">
-              <a:solidFill>
-                <a:srgbClr val="000000"/>
-              </a:solidFill>
-              <a:effectLst/>
-              <a:uFillTx/>
-              <a:latin typeface="Times New Roman"/>
+            </a:pPr>
+            <a:r>
+              <a:rPr b="0" lang="en-US" sz="1800" strike="noStrike" u="none">
+                <a:solidFill>
+                  <a:srgbClr val="000000"/>
+                </a:solidFill>
+                <a:effectLst/>
+                <a:uFillTx/>
+                <a:latin typeface="Arial"/>
+              </a:rPr>
+              <a:t>Click to edit the title text format</a:t>
+            </a:r>
+            <a:endParaRPr b="0" lang="en-US" sz="1800" strike="noStrike" u="none">
+              <a:solidFill>
+                <a:srgbClr val="000000"/>
+              </a:solidFill>
+              <a:effectLst/>
+              <a:uFillTx/>
+              <a:latin typeface="Arial"/>
             </a:endParaRPr>
           </a:p>
         </p:txBody>
@@ -10769,13 +11422,13 @@
             <a:spLocks noGrp="1"/>
           </p:cNvSpPr>
           <p:nvPr>
-            <p:ph type="sldNum" idx="62"/>
+            <p:ph type="ftr" idx="61"/>
           </p:nvPr>
         </p:nvSpPr>
         <p:spPr>
           <a:xfrm>
-            <a:off x="7236000" y="5130000"/>
-            <a:ext cx="2337120" cy="447120"/>
+            <a:off x="3420000" y="5130000"/>
+            <a:ext cx="3236400" cy="446400"/>
           </a:xfrm>
           <a:prstGeom prst="rect">
             <a:avLst/>
@@ -10790,7 +11443,7 @@
             <a:noAutofit/>
           </a:bodyPr>
           <a:lstStyle>
-            <a:lvl1pPr indent="0" algn="r">
+            <a:lvl1pPr indent="0" algn="ctr">
               <a:lnSpc>
                 <a:spcPct val="100000"/>
               </a:lnSpc>
@@ -10809,7 +11462,7 @@
             </a:lvl1pPr>
           </a:lstStyle>
           <a:p>
-            <a:pPr indent="0" algn="r">
+            <a:pPr indent="0" algn="ctr">
               <a:lnSpc>
                 <a:spcPct val="100000"/>
               </a:lnSpc>
@@ -10818,7 +11471,7 @@
                 <a:tab algn="l" pos="0"/>
               </a:tabLst>
             </a:pPr>
-            <a:fld id="{5F27E70D-1086-4B91-B0CE-58ED7534769E}" type="slidenum">
+            <a:r>
               <a:rPr b="0" lang="en-US" sz="1400" strike="noStrike" u="none">
                 <a:solidFill>
                   <a:srgbClr val="484848"/>
@@ -10827,8 +11480,8 @@
                 <a:uFillTx/>
                 <a:latin typeface="Noto Sans"/>
               </a:rPr>
-              <a:t>1</a:t>
-            </a:fld>
+              <a:t> </a:t>
+            </a:r>
             <a:endParaRPr b="0" lang="en-US" sz="1400" strike="noStrike" u="none">
               <a:solidFill>
                 <a:srgbClr val="000000"/>
@@ -10847,13 +11500,13 @@
             <a:spLocks noGrp="1"/>
           </p:cNvSpPr>
           <p:nvPr>
-            <p:ph type="dt" idx="63"/>
+            <p:ph type="sldNum" idx="62"/>
           </p:nvPr>
         </p:nvSpPr>
         <p:spPr>
           <a:xfrm>
-            <a:off x="504000" y="5130000"/>
-            <a:ext cx="2337120" cy="447120"/>
+            <a:off x="7236000" y="5130000"/>
+            <a:ext cx="2336400" cy="446400"/>
           </a:xfrm>
           <a:prstGeom prst="rect">
             <a:avLst/>
@@ -10868,33 +11521,45 @@
             <a:noAutofit/>
           </a:bodyPr>
           <a:lstStyle>
-            <a:lvl1pPr indent="0">
+            <a:lvl1pPr indent="0" algn="r">
+              <a:lnSpc>
+                <a:spcPct val="100000"/>
+              </a:lnSpc>
               <a:buNone/>
+              <a:tabLst>
+                <a:tab algn="l" pos="0"/>
+              </a:tabLst>
               <a:defRPr b="0" lang="en-US" sz="1400" strike="noStrike" u="none">
                 <a:solidFill>
-                  <a:srgbClr val="000000"/>
-                </a:solidFill>
-                <a:effectLst/>
-                <a:uFillTx/>
-                <a:latin typeface="Times New Roman"/>
+                  <a:srgbClr val="484848"/>
+                </a:solidFill>
+                <a:effectLst/>
+                <a:uFillTx/>
+                <a:latin typeface="Noto Sans"/>
               </a:defRPr>
             </a:lvl1pPr>
           </a:lstStyle>
           <a:p>
-            <a:pPr indent="0">
+            <a:pPr indent="0" algn="r">
+              <a:lnSpc>
+                <a:spcPct val="100000"/>
+              </a:lnSpc>
               <a:buNone/>
-            </a:pPr>
-            <a:r>
+              <a:tabLst>
+                <a:tab algn="l" pos="0"/>
+              </a:tabLst>
+            </a:pPr>
+            <a:fld id="{58B44FA3-3373-4ADE-A2B4-640942A63EFC}" type="slidenum">
               <a:rPr b="0" lang="en-US" sz="1400" strike="noStrike" u="none">
                 <a:solidFill>
-                  <a:srgbClr val="000000"/>
-                </a:solidFill>
-                <a:effectLst/>
-                <a:uFillTx/>
-                <a:latin typeface="Times New Roman"/>
-              </a:rPr>
-              <a:t> </a:t>
-            </a:r>
+                  <a:srgbClr val="484848"/>
+                </a:solidFill>
+                <a:effectLst/>
+                <a:uFillTx/>
+                <a:latin typeface="Noto Sans"/>
+              </a:rPr>
+              <a:t>1</a:t>
+            </a:fld>
             <a:endParaRPr b="0" lang="en-US" sz="1400" strike="noStrike" u="none">
               <a:solidFill>
                 <a:srgbClr val="000000"/>
@@ -10913,13 +11578,13 @@
             <a:spLocks noGrp="1"/>
           </p:cNvSpPr>
           <p:nvPr>
-            <p:ph type="title"/>
+            <p:ph type="dt" idx="63"/>
           </p:nvPr>
         </p:nvSpPr>
         <p:spPr>
           <a:xfrm>
-            <a:off x="504000" y="226080"/>
-            <a:ext cx="9072000" cy="946440"/>
+            <a:off x="504000" y="5130000"/>
+            <a:ext cx="2336400" cy="446400"/>
           </a:xfrm>
           <a:prstGeom prst="rect">
             <a:avLst/>
@@ -10930,140 +11595,28 @@
           </a:ln>
         </p:spPr>
         <p:txBody>
-          <a:bodyPr lIns="0" rIns="0" tIns="0" bIns="0" anchor="ctr">
+          <a:bodyPr lIns="0" rIns="0" tIns="0" bIns="0" anchor="t">
             <a:noAutofit/>
           </a:bodyPr>
-          <a:p>
-            <a:pPr indent="0" algn="ctr">
+          <a:lstStyle>
+            <a:lvl1pPr indent="0">
               <a:buNone/>
-            </a:pPr>
-            <a:r>
-              <a:rPr b="0" lang="en-US" sz="4400" strike="noStrike" u="none">
-                <a:solidFill>
-                  <a:srgbClr val="000000"/>
-                </a:solidFill>
-                <a:effectLst/>
-                <a:uFillTx/>
-                <a:latin typeface="Arial"/>
-              </a:rPr>
-              <a:t>Click to edit the title text format</a:t>
-            </a:r>
-            <a:endParaRPr b="0" lang="en-US" sz="4400" strike="noStrike" u="none">
-              <a:solidFill>
-                <a:srgbClr val="000000"/>
-              </a:solidFill>
-              <a:effectLst/>
-              <a:uFillTx/>
-              <a:latin typeface="Arial"/>
-            </a:endParaRPr>
-          </a:p>
-        </p:txBody>
-      </p:sp>
-      <p:sp>
-        <p:nvSpPr>
-          <p:cNvPr id="167" name="PlaceHolder 5"/>
-          <p:cNvSpPr>
-            <a:spLocks noGrp="1"/>
-          </p:cNvSpPr>
-          <p:nvPr>
-            <p:ph type="body"/>
-          </p:nvPr>
-        </p:nvSpPr>
-        <p:spPr>
-          <a:xfrm>
-            <a:off x="504000" y="1326600"/>
-            <a:ext cx="9072000" cy="3288600"/>
-          </a:xfrm>
-          <a:prstGeom prst="rect">
-            <a:avLst/>
-          </a:prstGeom>
-          <a:noFill/>
-          <a:ln w="0">
-            <a:noFill/>
-          </a:ln>
-        </p:spPr>
-        <p:txBody>
-          <a:bodyPr lIns="0" rIns="0" tIns="0" bIns="0" anchor="t">
-            <a:normAutofit/>
-          </a:bodyPr>
-          <a:p>
-            <a:pPr marL="432000" indent="-324000">
-              <a:spcBef>
-                <a:spcPts val="1417"/>
-              </a:spcBef>
-              <a:buClr>
-                <a:srgbClr val="000000"/>
-              </a:buClr>
-              <a:buSzPct val="45000"/>
-              <a:buFont typeface="Wingdings" charset="2"/>
-              <a:buChar char=""/>
-            </a:pPr>
-            <a:r>
-              <a:rPr b="0" lang="en-US" sz="3200" strike="noStrike" u="none">
-                <a:solidFill>
-                  <a:srgbClr val="000000"/>
-                </a:solidFill>
-                <a:effectLst/>
-                <a:uFillTx/>
-                <a:latin typeface="Arial"/>
-              </a:rPr>
-              <a:t>Click to edit the outline text format</a:t>
-            </a:r>
-            <a:endParaRPr b="0" lang="en-US" sz="3200" strike="noStrike" u="none">
-              <a:solidFill>
-                <a:srgbClr val="000000"/>
-              </a:solidFill>
-              <a:effectLst/>
-              <a:uFillTx/>
-              <a:latin typeface="Arial"/>
-            </a:endParaRPr>
-          </a:p>
-          <a:p>
-            <a:pPr lvl="1" marL="432000" indent="-216000">
-              <a:spcBef>
-                <a:spcPts val="1134"/>
-              </a:spcBef>
-              <a:buClr>
-                <a:srgbClr val="000000"/>
-              </a:buClr>
-              <a:buSzPct val="45000"/>
-              <a:buFont typeface="Wingdings" charset="2"/>
-              <a:buChar char=""/>
-            </a:pPr>
-            <a:r>
-              <a:rPr b="0" lang="en-US" sz="2800" strike="noStrike" u="none">
+              <a:defRPr b="0" lang="en-US" sz="1400" strike="noStrike" u="none">
                 <a:solidFill>
                   <a:srgbClr val="000000"/>
                 </a:solidFill>
                 <a:effectLst/>
                 <a:uFillTx/>
                 <a:latin typeface="Times New Roman"/>
-              </a:rPr>
-              <a:t>Second Outline Level</a:t>
-            </a:r>
-            <a:endParaRPr b="0" lang="en-US" sz="2800" strike="noStrike" u="none">
-              <a:solidFill>
-                <a:srgbClr val="000000"/>
-              </a:solidFill>
-              <a:effectLst/>
-              <a:uFillTx/>
-              <a:latin typeface="Times New Roman"/>
-            </a:endParaRPr>
-          </a:p>
-          <a:p>
-            <a:pPr lvl="2" marL="648000" indent="-216000">
-              <a:spcBef>
-                <a:spcPts val="850"/>
-              </a:spcBef>
-              <a:buClr>
-                <a:srgbClr val="000000"/>
-              </a:buClr>
-              <a:buSzPct val="45000"/>
-              <a:buFont typeface="Wingdings" charset="2"/>
-              <a:buChar char=""/>
-            </a:pPr>
-            <a:r>
-              <a:rPr b="0" lang="en-US" sz="2400" strike="noStrike" u="none">
+              </a:defRPr>
+            </a:lvl1pPr>
+          </a:lstStyle>
+          <a:p>
+            <a:pPr indent="0">
+              <a:buNone/>
+            </a:pPr>
+            <a:r>
+              <a:rPr b="0" lang="en-US" sz="1400" strike="noStrike" u="none">
                 <a:solidFill>
                   <a:srgbClr val="000000"/>
                 </a:solidFill>
@@ -11071,137 +11624,9 @@
                 <a:uFillTx/>
                 <a:latin typeface="Times New Roman"/>
               </a:rPr>
-              <a:t>Third Outline Level</a:t>
-            </a:r>
-            <a:endParaRPr b="0" lang="en-US" sz="2400" strike="noStrike" u="none">
-              <a:solidFill>
-                <a:srgbClr val="000000"/>
-              </a:solidFill>
-              <a:effectLst/>
-              <a:uFillTx/>
-              <a:latin typeface="Times New Roman"/>
-            </a:endParaRPr>
-          </a:p>
-          <a:p>
-            <a:pPr lvl="3" marL="864000" indent="-216000">
-              <a:spcBef>
-                <a:spcPts val="567"/>
-              </a:spcBef>
-              <a:buClr>
-                <a:srgbClr val="000000"/>
-              </a:buClr>
-              <a:buSzPct val="45000"/>
-              <a:buFont typeface="Wingdings" charset="2"/>
-              <a:buChar char=""/>
-            </a:pPr>
-            <a:r>
-              <a:rPr b="0" lang="en-US" sz="2000" strike="noStrike" u="none">
-                <a:solidFill>
-                  <a:srgbClr val="000000"/>
-                </a:solidFill>
-                <a:effectLst/>
-                <a:uFillTx/>
-                <a:latin typeface="Times New Roman"/>
-              </a:rPr>
-              <a:t>Fourth Outline Level</a:t>
-            </a:r>
-            <a:endParaRPr b="0" lang="en-US" sz="2000" strike="noStrike" u="none">
-              <a:solidFill>
-                <a:srgbClr val="000000"/>
-              </a:solidFill>
-              <a:effectLst/>
-              <a:uFillTx/>
-              <a:latin typeface="Times New Roman"/>
-            </a:endParaRPr>
-          </a:p>
-          <a:p>
-            <a:pPr lvl="4" marL="1080000" indent="-216000">
-              <a:spcBef>
-                <a:spcPts val="283"/>
-              </a:spcBef>
-              <a:buClr>
-                <a:srgbClr val="000000"/>
-              </a:buClr>
-              <a:buSzPct val="45000"/>
-              <a:buFont typeface="Wingdings" charset="2"/>
-              <a:buChar char=""/>
-            </a:pPr>
-            <a:r>
-              <a:rPr b="0" lang="en-US" sz="2000" strike="noStrike" u="none">
-                <a:solidFill>
-                  <a:srgbClr val="000000"/>
-                </a:solidFill>
-                <a:effectLst/>
-                <a:uFillTx/>
-                <a:latin typeface="Times New Roman"/>
-              </a:rPr>
-              <a:t>Fifth Outline Level</a:t>
-            </a:r>
-            <a:endParaRPr b="0" lang="en-US" sz="2000" strike="noStrike" u="none">
-              <a:solidFill>
-                <a:srgbClr val="000000"/>
-              </a:solidFill>
-              <a:effectLst/>
-              <a:uFillTx/>
-              <a:latin typeface="Times New Roman"/>
-            </a:endParaRPr>
-          </a:p>
-          <a:p>
-            <a:pPr lvl="5" marL="1296000" indent="-216000">
-              <a:spcBef>
-                <a:spcPts val="283"/>
-              </a:spcBef>
-              <a:buClr>
-                <a:srgbClr val="000000"/>
-              </a:buClr>
-              <a:buSzPct val="45000"/>
-              <a:buFont typeface="Wingdings" charset="2"/>
-              <a:buChar char=""/>
-            </a:pPr>
-            <a:r>
-              <a:rPr b="0" lang="en-US" sz="2000" strike="noStrike" u="none">
-                <a:solidFill>
-                  <a:srgbClr val="000000"/>
-                </a:solidFill>
-                <a:effectLst/>
-                <a:uFillTx/>
-                <a:latin typeface="Times New Roman"/>
-              </a:rPr>
-              <a:t>Sixth Outline Level</a:t>
-            </a:r>
-            <a:endParaRPr b="0" lang="en-US" sz="2000" strike="noStrike" u="none">
-              <a:solidFill>
-                <a:srgbClr val="000000"/>
-              </a:solidFill>
-              <a:effectLst/>
-              <a:uFillTx/>
-              <a:latin typeface="Times New Roman"/>
-            </a:endParaRPr>
-          </a:p>
-          <a:p>
-            <a:pPr lvl="6" marL="1512000" indent="-216000">
-              <a:spcBef>
-                <a:spcPts val="283"/>
-              </a:spcBef>
-              <a:buClr>
-                <a:srgbClr val="000000"/>
-              </a:buClr>
-              <a:buSzPct val="45000"/>
-              <a:buFont typeface="Wingdings" charset="2"/>
-              <a:buChar char=""/>
-            </a:pPr>
-            <a:r>
-              <a:rPr b="0" lang="en-US" sz="2000" strike="noStrike" u="none">
-                <a:solidFill>
-                  <a:srgbClr val="000000"/>
-                </a:solidFill>
-                <a:effectLst/>
-                <a:uFillTx/>
-                <a:latin typeface="Times New Roman"/>
-              </a:rPr>
-              <a:t>Seventh Outline Level</a:t>
-            </a:r>
-            <a:endParaRPr b="0" lang="en-US" sz="2000" strike="noStrike" u="none">
+              <a:t> </a:t>
+            </a:r>
+            <a:endParaRPr b="0" lang="en-US" sz="1400" strike="noStrike" u="none">
               <a:solidFill>
                 <a:srgbClr val="000000"/>
               </a:solidFill>
@@ -11221,7 +11646,7 @@
 </p:sldMaster>
 </file>
 
-<file path=ppt/slideMasters/slideMaster3.xml><?xml version="1.0" encoding="utf-8"?>
+<file path=ppt/slideMasters/slideMaster22.xml><?xml version="1.0" encoding="utf-8"?>
 <p:sldMaster xmlns:a="http://schemas.openxmlformats.org/drawingml/2006/main" xmlns:p="http://schemas.openxmlformats.org/presentationml/2006/main" xmlns:r="http://schemas.openxmlformats.org/officeDocument/2006/relationships" xmlns:p14="http://schemas.microsoft.com/office/powerpoint/2010/main" xmlns:p15="http://schemas.microsoft.com/office/powerpoint/2012/main" xmlns:mc="http://schemas.openxmlformats.org/markup-compatibility/2006">
   <p:cSld>
     <p:spTree>
@@ -11240,14 +11665,14 @@
       </p:grpSpPr>
       <p:sp>
         <p:nvSpPr>
-          <p:cNvPr id="12" name=""/>
+          <p:cNvPr id="169" name=""/>
           <p:cNvSpPr/>
           <p:nvPr/>
         </p:nvSpPr>
         <p:spPr>
           <a:xfrm flipV="1">
-            <a:off x="0" y="-2880"/>
-            <a:ext cx="10077120" cy="1077120"/>
+            <a:off x="0" y="-3600"/>
+            <a:ext cx="10076400" cy="176400"/>
           </a:xfrm>
           <a:prstGeom prst="rect">
             <a:avLst/>
@@ -11299,7 +11724,66 @@
       </p:sp>
       <p:sp>
         <p:nvSpPr>
-          <p:cNvPr id="13" name="PlaceHolder 1"/>
+          <p:cNvPr id="170" name=""/>
+          <p:cNvSpPr/>
+          <p:nvPr/>
+        </p:nvSpPr>
+        <p:spPr>
+          <a:xfrm>
+            <a:off x="0" y="5580000"/>
+            <a:ext cx="10076400" cy="86400"/>
+          </a:xfrm>
+          <a:prstGeom prst="rect">
+            <a:avLst/>
+          </a:prstGeom>
+          <a:pattFill prst="lgGrid">
+            <a:fgClr>
+              <a:srgbClr val="3465a4"/>
+            </a:fgClr>
+            <a:bgClr>
+              <a:srgbClr val="009eda"/>
+            </a:bgClr>
+          </a:pattFill>
+          <a:ln w="18000">
+            <a:noFill/>
+          </a:ln>
+          <a:effectLst>
+            <a:outerShdw blurRad="0" dir="16200000" dist="25200" rotWithShape="0">
+              <a:srgbClr val="f49100"/>
+            </a:outerShdw>
+          </a:effectLst>
+        </p:spPr>
+        <p:style>
+          <a:lnRef idx="0"/>
+          <a:fillRef idx="0"/>
+          <a:effectRef idx="0"/>
+          <a:fontRef idx="minor"/>
+        </p:style>
+        <p:txBody>
+          <a:bodyPr wrap="none" lIns="36000" rIns="36000" tIns="36000" bIns="36000" anchor="ctr">
+            <a:noAutofit/>
+          </a:bodyPr>
+          <a:p>
+            <a:pPr>
+              <a:lnSpc>
+                <a:spcPct val="100000"/>
+              </a:lnSpc>
+            </a:pPr>
+            <a:endParaRPr b="0" lang="en-US" sz="2200" strike="noStrike" u="none">
+              <a:solidFill>
+                <a:srgbClr val="ffffff"/>
+              </a:solidFill>
+              <a:effectLst/>
+              <a:uFillTx/>
+              <a:latin typeface="Noto Sans"/>
+              <a:ea typeface="DejaVu Sans"/>
+            </a:endParaRPr>
+          </a:p>
+        </p:txBody>
+      </p:sp>
+      <p:sp>
+        <p:nvSpPr>
+          <p:cNvPr id="171" name="PlaceHolder 1"/>
           <p:cNvSpPr>
             <a:spLocks noGrp="1"/>
           </p:cNvSpPr>
@@ -11352,7 +11836,7 @@
       </p:sp>
       <p:sp>
         <p:nvSpPr>
-          <p:cNvPr id="14" name="PlaceHolder 2"/>
+          <p:cNvPr id="172" name="PlaceHolder 2"/>
           <p:cNvSpPr>
             <a:spLocks noGrp="1"/>
           </p:cNvSpPr>
@@ -11605,18 +12089,18 @@
       </p:sp>
       <p:sp>
         <p:nvSpPr>
-          <p:cNvPr id="15" name="PlaceHolder 3"/>
+          <p:cNvPr id="173" name="PlaceHolder 3"/>
           <p:cNvSpPr>
             <a:spLocks noGrp="1"/>
           </p:cNvSpPr>
           <p:nvPr>
-            <p:ph type="ftr" idx="7"/>
+            <p:ph type="ftr" idx="64"/>
           </p:nvPr>
         </p:nvSpPr>
         <p:spPr>
           <a:xfrm>
             <a:off x="3420000" y="5130000"/>
-            <a:ext cx="3237120" cy="447120"/>
+            <a:ext cx="3236400" cy="446400"/>
           </a:xfrm>
           <a:prstGeom prst="rect">
             <a:avLst/>
@@ -11683,18 +12167,18 @@
       </p:sp>
       <p:sp>
         <p:nvSpPr>
-          <p:cNvPr id="16" name="PlaceHolder 4"/>
+          <p:cNvPr id="174" name="PlaceHolder 4"/>
           <p:cNvSpPr>
             <a:spLocks noGrp="1"/>
           </p:cNvSpPr>
           <p:nvPr>
-            <p:ph type="sldNum" idx="8"/>
+            <p:ph type="sldNum" idx="65"/>
           </p:nvPr>
         </p:nvSpPr>
         <p:spPr>
           <a:xfrm>
             <a:off x="7236000" y="5130000"/>
-            <a:ext cx="2337120" cy="447120"/>
+            <a:ext cx="2336400" cy="446400"/>
           </a:xfrm>
           <a:prstGeom prst="rect">
             <a:avLst/>
@@ -11737,7 +12221,7 @@
                 <a:tab algn="l" pos="0"/>
               </a:tabLst>
             </a:pPr>
-            <a:fld id="{F9E178C9-B959-4362-8C66-63009608CFF4}" type="slidenum">
+            <a:fld id="{B5277395-2619-4500-BA93-D3590239F70C}" type="slidenum">
               <a:rPr b="0" lang="en-US" sz="1400" strike="noStrike" u="none">
                 <a:solidFill>
                   <a:srgbClr val="484848"/>
@@ -11761,18 +12245,18 @@
       </p:sp>
       <p:sp>
         <p:nvSpPr>
-          <p:cNvPr id="17" name="PlaceHolder 5"/>
+          <p:cNvPr id="175" name="PlaceHolder 5"/>
           <p:cNvSpPr>
             <a:spLocks noGrp="1"/>
           </p:cNvSpPr>
           <p:nvPr>
-            <p:ph type="dt" idx="9"/>
+            <p:ph type="dt" idx="66"/>
           </p:nvPr>
         </p:nvSpPr>
         <p:spPr>
           <a:xfrm>
             <a:off x="504000" y="5130000"/>
-            <a:ext cx="2337120" cy="447120"/>
+            <a:ext cx="2336400" cy="446400"/>
           </a:xfrm>
           <a:prstGeom prst="rect">
             <a:avLst/>
@@ -11829,12 +12313,12 @@
   </p:cSld>
   <p:clrMap bg1="lt1" tx1="dk1" bg2="lt2" tx2="dk2" accent1="accent1" accent2="accent2" accent3="accent3" accent4="accent4" accent5="accent5" accent6="accent6" hlink="hlink" folHlink="folHlink"/>
   <p:sldLayoutIdLst>
-    <p:sldLayoutId id="2147483653" r:id="rId2"/>
+    <p:sldLayoutId id="2147483693" r:id="rId2"/>
   </p:sldLayoutIdLst>
 </p:sldMaster>
 </file>
 
-<file path=ppt/slideMasters/slideMaster4.xml><?xml version="1.0" encoding="utf-8"?>
+<file path=ppt/slideMasters/slideMaster23.xml><?xml version="1.0" encoding="utf-8"?>
 <p:sldMaster xmlns:a="http://schemas.openxmlformats.org/drawingml/2006/main" xmlns:p="http://schemas.openxmlformats.org/presentationml/2006/main" xmlns:r="http://schemas.openxmlformats.org/officeDocument/2006/relationships" xmlns:p14="http://schemas.microsoft.com/office/powerpoint/2010/main" xmlns:p15="http://schemas.microsoft.com/office/powerpoint/2012/main" xmlns:mc="http://schemas.openxmlformats.org/markup-compatibility/2006">
   <p:cSld>
     <p:spTree>
@@ -11853,14 +12337,14 @@
       </p:grpSpPr>
       <p:sp>
         <p:nvSpPr>
-          <p:cNvPr id="20" name=""/>
+          <p:cNvPr id="178" name=""/>
           <p:cNvSpPr/>
           <p:nvPr/>
         </p:nvSpPr>
         <p:spPr>
           <a:xfrm flipV="1">
-            <a:off x="0" y="-2880"/>
-            <a:ext cx="10077120" cy="1077120"/>
+            <a:off x="0" y="-3600"/>
+            <a:ext cx="10076400" cy="176400"/>
           </a:xfrm>
           <a:prstGeom prst="rect">
             <a:avLst/>
@@ -11912,18 +12396,77 @@
       </p:sp>
       <p:sp>
         <p:nvSpPr>
-          <p:cNvPr id="21" name="PlaceHolder 1"/>
+          <p:cNvPr id="179" name=""/>
+          <p:cNvSpPr/>
+          <p:nvPr/>
+        </p:nvSpPr>
+        <p:spPr>
+          <a:xfrm>
+            <a:off x="0" y="5580000"/>
+            <a:ext cx="10076400" cy="86400"/>
+          </a:xfrm>
+          <a:prstGeom prst="rect">
+            <a:avLst/>
+          </a:prstGeom>
+          <a:pattFill prst="lgGrid">
+            <a:fgClr>
+              <a:srgbClr val="3465a4"/>
+            </a:fgClr>
+            <a:bgClr>
+              <a:srgbClr val="009eda"/>
+            </a:bgClr>
+          </a:pattFill>
+          <a:ln w="18000">
+            <a:noFill/>
+          </a:ln>
+          <a:effectLst>
+            <a:outerShdw blurRad="0" dir="16200000" dist="25200" rotWithShape="0">
+              <a:srgbClr val="f49100"/>
+            </a:outerShdw>
+          </a:effectLst>
+        </p:spPr>
+        <p:style>
+          <a:lnRef idx="0"/>
+          <a:fillRef idx="0"/>
+          <a:effectRef idx="0"/>
+          <a:fontRef idx="minor"/>
+        </p:style>
+        <p:txBody>
+          <a:bodyPr wrap="none" lIns="36000" rIns="36000" tIns="36000" bIns="36000" anchor="ctr">
+            <a:noAutofit/>
+          </a:bodyPr>
+          <a:p>
+            <a:pPr>
+              <a:lnSpc>
+                <a:spcPct val="100000"/>
+              </a:lnSpc>
+            </a:pPr>
+            <a:endParaRPr b="0" lang="en-US" sz="2200" strike="noStrike" u="none">
+              <a:solidFill>
+                <a:srgbClr val="ffffff"/>
+              </a:solidFill>
+              <a:effectLst/>
+              <a:uFillTx/>
+              <a:latin typeface="Noto Sans"/>
+              <a:ea typeface="DejaVu Sans"/>
+            </a:endParaRPr>
+          </a:p>
+        </p:txBody>
+      </p:sp>
+      <p:sp>
+        <p:nvSpPr>
+          <p:cNvPr id="180" name="PlaceHolder 1"/>
           <p:cNvSpPr>
             <a:spLocks noGrp="1"/>
           </p:cNvSpPr>
           <p:nvPr>
-            <p:ph type="ftr" idx="10"/>
+            <p:ph type="title"/>
           </p:nvPr>
         </p:nvSpPr>
         <p:spPr>
           <a:xfrm>
-            <a:off x="3420000" y="5130000"/>
-            <a:ext cx="3237120" cy="447120"/>
+            <a:off x="504000" y="561600"/>
+            <a:ext cx="9071640" cy="274680"/>
           </a:xfrm>
           <a:prstGeom prst="rect">
             <a:avLst/>
@@ -11934,74 +12477,49 @@
           </a:ln>
         </p:spPr>
         <p:txBody>
-          <a:bodyPr lIns="0" rIns="0" tIns="0" bIns="0" anchor="t">
-            <a:noAutofit/>
+          <a:bodyPr lIns="0" rIns="0" tIns="0" bIns="0" anchor="ctr">
+            <a:spAutoFit/>
           </a:bodyPr>
-          <a:lstStyle>
-            <a:lvl1pPr indent="0" algn="ctr">
-              <a:lnSpc>
-                <a:spcPct val="100000"/>
-              </a:lnSpc>
+          <a:p>
+            <a:pPr indent="0">
               <a:buNone/>
-              <a:tabLst>
-                <a:tab algn="l" pos="0"/>
-              </a:tabLst>
-              <a:defRPr b="0" lang="en-US" sz="1400" strike="noStrike" u="none">
-                <a:solidFill>
-                  <a:srgbClr val="484848"/>
-                </a:solidFill>
-                <a:effectLst/>
-                <a:uFillTx/>
-                <a:latin typeface="Noto Sans"/>
-              </a:defRPr>
-            </a:lvl1pPr>
-          </a:lstStyle>
-          <a:p>
-            <a:pPr indent="0" algn="ctr">
-              <a:lnSpc>
-                <a:spcPct val="100000"/>
-              </a:lnSpc>
-              <a:buNone/>
-              <a:tabLst>
-                <a:tab algn="l" pos="0"/>
-              </a:tabLst>
-            </a:pPr>
-            <a:r>
-              <a:rPr b="0" lang="en-US" sz="1400" strike="noStrike" u="none">
-                <a:solidFill>
-                  <a:srgbClr val="484848"/>
-                </a:solidFill>
-                <a:effectLst/>
-                <a:uFillTx/>
-                <a:latin typeface="Noto Sans"/>
-              </a:rPr>
-              <a:t> </a:t>
-            </a:r>
-            <a:endParaRPr b="0" lang="en-US" sz="1400" strike="noStrike" u="none">
-              <a:solidFill>
-                <a:srgbClr val="000000"/>
-              </a:solidFill>
-              <a:effectLst/>
-              <a:uFillTx/>
-              <a:latin typeface="Times New Roman"/>
-            </a:endParaRPr>
-          </a:p>
-        </p:txBody>
-      </p:sp>
-      <p:sp>
-        <p:nvSpPr>
-          <p:cNvPr id="22" name="PlaceHolder 2"/>
+            </a:pPr>
+            <a:r>
+              <a:rPr b="0" lang="en-US" sz="1800" strike="noStrike" u="none">
+                <a:solidFill>
+                  <a:srgbClr val="000000"/>
+                </a:solidFill>
+                <a:effectLst/>
+                <a:uFillTx/>
+                <a:latin typeface="Arial"/>
+              </a:rPr>
+              <a:t>Click to edit the title text format</a:t>
+            </a:r>
+            <a:endParaRPr b="0" lang="en-US" sz="1800" strike="noStrike" u="none">
+              <a:solidFill>
+                <a:srgbClr val="000000"/>
+              </a:solidFill>
+              <a:effectLst/>
+              <a:uFillTx/>
+              <a:latin typeface="Arial"/>
+            </a:endParaRPr>
+          </a:p>
+        </p:txBody>
+      </p:sp>
+      <p:sp>
+        <p:nvSpPr>
+          <p:cNvPr id="181" name="PlaceHolder 2"/>
           <p:cNvSpPr>
             <a:spLocks noGrp="1"/>
           </p:cNvSpPr>
           <p:nvPr>
-            <p:ph type="sldNum" idx="11"/>
+            <p:ph type="ftr" idx="67"/>
           </p:nvPr>
         </p:nvSpPr>
         <p:spPr>
           <a:xfrm>
-            <a:off x="7236000" y="5130000"/>
-            <a:ext cx="2337120" cy="447120"/>
+            <a:off x="3420000" y="5130000"/>
+            <a:ext cx="3236400" cy="446400"/>
           </a:xfrm>
           <a:prstGeom prst="rect">
             <a:avLst/>
@@ -12016,7 +12534,7 @@
             <a:noAutofit/>
           </a:bodyPr>
           <a:lstStyle>
-            <a:lvl1pPr indent="0" algn="r">
+            <a:lvl1pPr indent="0" algn="ctr">
               <a:lnSpc>
                 <a:spcPct val="100000"/>
               </a:lnSpc>
@@ -12035,7 +12553,7 @@
             </a:lvl1pPr>
           </a:lstStyle>
           <a:p>
-            <a:pPr indent="0" algn="r">
+            <a:pPr indent="0" algn="ctr">
               <a:lnSpc>
                 <a:spcPct val="100000"/>
               </a:lnSpc>
@@ -12044,7 +12562,7 @@
                 <a:tab algn="l" pos="0"/>
               </a:tabLst>
             </a:pPr>
-            <a:fld id="{AF71C248-A798-4D7B-B23C-8167E8D22AD2}" type="slidenum">
+            <a:r>
               <a:rPr b="0" lang="en-US" sz="1400" strike="noStrike" u="none">
                 <a:solidFill>
                   <a:srgbClr val="484848"/>
@@ -12053,8 +12571,8 @@
                 <a:uFillTx/>
                 <a:latin typeface="Noto Sans"/>
               </a:rPr>
-              <a:t>1</a:t>
-            </a:fld>
+              <a:t> </a:t>
+            </a:r>
             <a:endParaRPr b="0" lang="en-US" sz="1400" strike="noStrike" u="none">
               <a:solidFill>
                 <a:srgbClr val="000000"/>
@@ -12068,18 +12586,18 @@
       </p:sp>
       <p:sp>
         <p:nvSpPr>
-          <p:cNvPr id="23" name="PlaceHolder 3"/>
+          <p:cNvPr id="182" name="PlaceHolder 3"/>
           <p:cNvSpPr>
             <a:spLocks noGrp="1"/>
           </p:cNvSpPr>
           <p:nvPr>
-            <p:ph type="dt" idx="12"/>
+            <p:ph type="sldNum" idx="68"/>
           </p:nvPr>
         </p:nvSpPr>
         <p:spPr>
           <a:xfrm>
-            <a:off x="504000" y="5130000"/>
-            <a:ext cx="2337120" cy="447120"/>
+            <a:off x="7236000" y="5130000"/>
+            <a:ext cx="2336400" cy="446400"/>
           </a:xfrm>
           <a:prstGeom prst="rect">
             <a:avLst/>
@@ -12094,6 +12612,84 @@
             <a:noAutofit/>
           </a:bodyPr>
           <a:lstStyle>
+            <a:lvl1pPr indent="0" algn="r">
+              <a:lnSpc>
+                <a:spcPct val="100000"/>
+              </a:lnSpc>
+              <a:buNone/>
+              <a:tabLst>
+                <a:tab algn="l" pos="0"/>
+              </a:tabLst>
+              <a:defRPr b="0" lang="en-US" sz="1400" strike="noStrike" u="none">
+                <a:solidFill>
+                  <a:srgbClr val="484848"/>
+                </a:solidFill>
+                <a:effectLst/>
+                <a:uFillTx/>
+                <a:latin typeface="Noto Sans"/>
+              </a:defRPr>
+            </a:lvl1pPr>
+          </a:lstStyle>
+          <a:p>
+            <a:pPr indent="0" algn="r">
+              <a:lnSpc>
+                <a:spcPct val="100000"/>
+              </a:lnSpc>
+              <a:buNone/>
+              <a:tabLst>
+                <a:tab algn="l" pos="0"/>
+              </a:tabLst>
+            </a:pPr>
+            <a:fld id="{70B49F01-89D5-423A-BFD1-3DD340C409D3}" type="slidenum">
+              <a:rPr b="0" lang="en-US" sz="1400" strike="noStrike" u="none">
+                <a:solidFill>
+                  <a:srgbClr val="484848"/>
+                </a:solidFill>
+                <a:effectLst/>
+                <a:uFillTx/>
+                <a:latin typeface="Noto Sans"/>
+              </a:rPr>
+              <a:t>1</a:t>
+            </a:fld>
+            <a:endParaRPr b="0" lang="en-US" sz="1400" strike="noStrike" u="none">
+              <a:solidFill>
+                <a:srgbClr val="000000"/>
+              </a:solidFill>
+              <a:effectLst/>
+              <a:uFillTx/>
+              <a:latin typeface="Times New Roman"/>
+            </a:endParaRPr>
+          </a:p>
+        </p:txBody>
+      </p:sp>
+      <p:sp>
+        <p:nvSpPr>
+          <p:cNvPr id="183" name="PlaceHolder 4"/>
+          <p:cNvSpPr>
+            <a:spLocks noGrp="1"/>
+          </p:cNvSpPr>
+          <p:nvPr>
+            <p:ph type="dt" idx="69"/>
+          </p:nvPr>
+        </p:nvSpPr>
+        <p:spPr>
+          <a:xfrm>
+            <a:off x="504000" y="5130000"/>
+            <a:ext cx="2336400" cy="446400"/>
+          </a:xfrm>
+          <a:prstGeom prst="rect">
+            <a:avLst/>
+          </a:prstGeom>
+          <a:noFill/>
+          <a:ln w="0">
+            <a:noFill/>
+          </a:ln>
+        </p:spPr>
+        <p:txBody>
+          <a:bodyPr lIns="0" rIns="0" tIns="0" bIns="0" anchor="t">
+            <a:noAutofit/>
+          </a:bodyPr>
+          <a:lstStyle>
             <a:lvl1pPr indent="0">
               <a:buNone/>
               <a:defRPr b="0" lang="en-US" sz="1400" strike="noStrike" u="none">
@@ -12136,12 +12732,12 @@
   </p:cSld>
   <p:clrMap bg1="lt1" tx1="dk1" bg2="lt2" tx2="dk2" accent1="accent1" accent2="accent2" accent3="accent3" accent4="accent4" accent5="accent5" accent6="accent6" hlink="hlink" folHlink="folHlink"/>
   <p:sldLayoutIdLst>
-    <p:sldLayoutId id="2147483655" r:id="rId2"/>
+    <p:sldLayoutId id="2147483695" r:id="rId2"/>
   </p:sldLayoutIdLst>
 </p:sldMaster>
 </file>
 
-<file path=ppt/slideMasters/slideMaster5.xml><?xml version="1.0" encoding="utf-8"?>
+<file path=ppt/slideMasters/slideMaster24.xml><?xml version="1.0" encoding="utf-8"?>
 <p:sldMaster xmlns:a="http://schemas.openxmlformats.org/drawingml/2006/main" xmlns:p="http://schemas.openxmlformats.org/presentationml/2006/main" xmlns:r="http://schemas.openxmlformats.org/officeDocument/2006/relationships" xmlns:p14="http://schemas.microsoft.com/office/powerpoint/2010/main" xmlns:p15="http://schemas.microsoft.com/office/powerpoint/2012/main" xmlns:mc="http://schemas.openxmlformats.org/markup-compatibility/2006">
   <p:cSld>
     <p:spTree>
@@ -12160,14 +12756,14 @@
       </p:grpSpPr>
       <p:sp>
         <p:nvSpPr>
-          <p:cNvPr id="24" name=""/>
+          <p:cNvPr id="186" name=""/>
           <p:cNvSpPr/>
           <p:nvPr/>
         </p:nvSpPr>
         <p:spPr>
           <a:xfrm flipV="1">
-            <a:off x="0" y="-2880"/>
-            <a:ext cx="10077120" cy="177120"/>
+            <a:off x="0" y="-3600"/>
+            <a:ext cx="10076400" cy="176400"/>
           </a:xfrm>
           <a:prstGeom prst="rect">
             <a:avLst/>
@@ -12219,14 +12815,14 @@
       </p:sp>
       <p:sp>
         <p:nvSpPr>
-          <p:cNvPr id="25" name=""/>
+          <p:cNvPr id="187" name=""/>
           <p:cNvSpPr/>
           <p:nvPr/>
         </p:nvSpPr>
         <p:spPr>
           <a:xfrm>
             <a:off x="0" y="5580000"/>
-            <a:ext cx="10077120" cy="87120"/>
+            <a:ext cx="10076400" cy="86400"/>
           </a:xfrm>
           <a:prstGeom prst="rect">
             <a:avLst/>
@@ -12278,18 +12874,18 @@
       </p:sp>
       <p:sp>
         <p:nvSpPr>
-          <p:cNvPr id="26" name="PlaceHolder 1"/>
+          <p:cNvPr id="188" name="PlaceHolder 1"/>
           <p:cNvSpPr>
             <a:spLocks noGrp="1"/>
           </p:cNvSpPr>
           <p:nvPr>
-            <p:ph type="ftr" idx="13"/>
+            <p:ph type="title"/>
           </p:nvPr>
         </p:nvSpPr>
         <p:spPr>
           <a:xfrm>
-            <a:off x="3420000" y="5130000"/>
-            <a:ext cx="3237120" cy="447120"/>
+            <a:off x="504000" y="561600"/>
+            <a:ext cx="9071640" cy="274680"/>
           </a:xfrm>
           <a:prstGeom prst="rect">
             <a:avLst/>
@@ -12300,74 +12896,49 @@
           </a:ln>
         </p:spPr>
         <p:txBody>
-          <a:bodyPr lIns="0" rIns="0" tIns="0" bIns="0" anchor="t">
-            <a:noAutofit/>
+          <a:bodyPr lIns="0" rIns="0" tIns="0" bIns="0" anchor="ctr">
+            <a:spAutoFit/>
           </a:bodyPr>
-          <a:lstStyle>
-            <a:lvl1pPr indent="0" algn="ctr">
-              <a:lnSpc>
-                <a:spcPct val="100000"/>
-              </a:lnSpc>
+          <a:p>
+            <a:pPr indent="0">
               <a:buNone/>
-              <a:tabLst>
-                <a:tab algn="l" pos="0"/>
-              </a:tabLst>
-              <a:defRPr b="0" lang="en-US" sz="1400" strike="noStrike" u="none">
-                <a:solidFill>
-                  <a:srgbClr val="484848"/>
-                </a:solidFill>
-                <a:effectLst/>
-                <a:uFillTx/>
-                <a:latin typeface="Noto Sans"/>
-              </a:defRPr>
-            </a:lvl1pPr>
-          </a:lstStyle>
-          <a:p>
-            <a:pPr indent="0" algn="ctr">
-              <a:lnSpc>
-                <a:spcPct val="100000"/>
-              </a:lnSpc>
-              <a:buNone/>
-              <a:tabLst>
-                <a:tab algn="l" pos="0"/>
-              </a:tabLst>
-            </a:pPr>
-            <a:r>
-              <a:rPr b="0" lang="en-US" sz="1400" strike="noStrike" u="none">
-                <a:solidFill>
-                  <a:srgbClr val="484848"/>
-                </a:solidFill>
-                <a:effectLst/>
-                <a:uFillTx/>
-                <a:latin typeface="Noto Sans"/>
-              </a:rPr>
-              <a:t> </a:t>
-            </a:r>
-            <a:endParaRPr b="0" lang="en-US" sz="1400" strike="noStrike" u="none">
-              <a:solidFill>
-                <a:srgbClr val="000000"/>
-              </a:solidFill>
-              <a:effectLst/>
-              <a:uFillTx/>
-              <a:latin typeface="Times New Roman"/>
-            </a:endParaRPr>
-          </a:p>
-        </p:txBody>
-      </p:sp>
-      <p:sp>
-        <p:nvSpPr>
-          <p:cNvPr id="27" name="PlaceHolder 2"/>
+            </a:pPr>
+            <a:r>
+              <a:rPr b="0" lang="en-US" sz="1800" strike="noStrike" u="none">
+                <a:solidFill>
+                  <a:srgbClr val="000000"/>
+                </a:solidFill>
+                <a:effectLst/>
+                <a:uFillTx/>
+                <a:latin typeface="Arial"/>
+              </a:rPr>
+              <a:t>Click to edit the title text format</a:t>
+            </a:r>
+            <a:endParaRPr b="0" lang="en-US" sz="1800" strike="noStrike" u="none">
+              <a:solidFill>
+                <a:srgbClr val="000000"/>
+              </a:solidFill>
+              <a:effectLst/>
+              <a:uFillTx/>
+              <a:latin typeface="Arial"/>
+            </a:endParaRPr>
+          </a:p>
+        </p:txBody>
+      </p:sp>
+      <p:sp>
+        <p:nvSpPr>
+          <p:cNvPr id="189" name="PlaceHolder 2"/>
           <p:cNvSpPr>
             <a:spLocks noGrp="1"/>
           </p:cNvSpPr>
           <p:nvPr>
-            <p:ph type="sldNum" idx="14"/>
+            <p:ph type="body"/>
           </p:nvPr>
         </p:nvSpPr>
         <p:spPr>
           <a:xfrm>
-            <a:off x="7236000" y="5130000"/>
-            <a:ext cx="2337120" cy="447120"/>
+            <a:off x="504000" y="1326600"/>
+            <a:ext cx="9071640" cy="3288240"/>
           </a:xfrm>
           <a:prstGeom prst="rect">
             <a:avLst/>
@@ -12379,49 +12950,64 @@
         </p:spPr>
         <p:txBody>
           <a:bodyPr lIns="0" rIns="0" tIns="0" bIns="0" anchor="t">
-            <a:noAutofit/>
+            <a:normAutofit/>
           </a:bodyPr>
-          <a:lstStyle>
-            <a:lvl1pPr indent="0" algn="r">
-              <a:lnSpc>
-                <a:spcPct val="100000"/>
-              </a:lnSpc>
-              <a:buNone/>
-              <a:tabLst>
-                <a:tab algn="l" pos="0"/>
-              </a:tabLst>
-              <a:defRPr b="0" lang="en-US" sz="1400" strike="noStrike" u="none">
-                <a:solidFill>
-                  <a:srgbClr val="484848"/>
-                </a:solidFill>
-                <a:effectLst/>
-                <a:uFillTx/>
-                <a:latin typeface="Noto Sans"/>
-              </a:defRPr>
-            </a:lvl1pPr>
-          </a:lstStyle>
-          <a:p>
-            <a:pPr indent="0" algn="r">
-              <a:lnSpc>
-                <a:spcPct val="100000"/>
-              </a:lnSpc>
-              <a:buNone/>
-              <a:tabLst>
-                <a:tab algn="l" pos="0"/>
-              </a:tabLst>
-            </a:pPr>
-            <a:fld id="{044EC413-C396-4594-ADEF-F090DE16BEF0}" type="slidenum">
-              <a:rPr b="0" lang="en-US" sz="1400" strike="noStrike" u="none">
-                <a:solidFill>
-                  <a:srgbClr val="484848"/>
-                </a:solidFill>
-                <a:effectLst/>
-                <a:uFillTx/>
-                <a:latin typeface="Noto Sans"/>
-              </a:rPr>
-              <a:t>1</a:t>
-            </a:fld>
-            <a:endParaRPr b="0" lang="en-US" sz="1400" strike="noStrike" u="none">
+          <a:p>
+            <a:pPr marL="432000" indent="-324000">
+              <a:spcBef>
+                <a:spcPts val="1417"/>
+              </a:spcBef>
+              <a:buClr>
+                <a:srgbClr val="000000"/>
+              </a:buClr>
+              <a:buSzPct val="45000"/>
+              <a:buFont typeface="Wingdings" charset="2"/>
+              <a:buChar char=""/>
+            </a:pPr>
+            <a:r>
+              <a:rPr b="0" lang="en-US" sz="1800" strike="noStrike" u="none">
+                <a:solidFill>
+                  <a:srgbClr val="000000"/>
+                </a:solidFill>
+                <a:effectLst/>
+                <a:uFillTx/>
+                <a:latin typeface="Arial"/>
+              </a:rPr>
+              <a:t>Click to edit the outline text format</a:t>
+            </a:r>
+            <a:endParaRPr b="0" lang="en-US" sz="1800" strike="noStrike" u="none">
+              <a:solidFill>
+                <a:srgbClr val="000000"/>
+              </a:solidFill>
+              <a:effectLst/>
+              <a:uFillTx/>
+              <a:latin typeface="Arial"/>
+            </a:endParaRPr>
+          </a:p>
+          <a:p>
+            <a:pPr lvl="1" marL="432000" indent="-216000">
+              <a:spcBef>
+                <a:spcPts val="1134"/>
+              </a:spcBef>
+              <a:buClr>
+                <a:srgbClr val="000000"/>
+              </a:buClr>
+              <a:buSzPct val="45000"/>
+              <a:buFont typeface="Wingdings" charset="2"/>
+              <a:buChar char=""/>
+            </a:pPr>
+            <a:r>
+              <a:rPr b="0" lang="en-US" sz="1800" strike="noStrike" u="none">
+                <a:solidFill>
+                  <a:srgbClr val="000000"/>
+                </a:solidFill>
+                <a:effectLst/>
+                <a:uFillTx/>
+                <a:latin typeface="Times New Roman"/>
+              </a:rPr>
+              <a:t>Second Outline Level</a:t>
+            </a:r>
+            <a:endParaRPr b="0" lang="en-US" sz="1800" strike="noStrike" u="none">
               <a:solidFill>
                 <a:srgbClr val="000000"/>
               </a:solidFill>
@@ -12430,22 +13016,182 @@
               <a:latin typeface="Times New Roman"/>
             </a:endParaRPr>
           </a:p>
-        </p:txBody>
-      </p:sp>
-      <p:sp>
-        <p:nvSpPr>
-          <p:cNvPr id="28" name="PlaceHolder 3"/>
+          <a:p>
+            <a:pPr lvl="2" marL="648000" indent="-216000">
+              <a:spcBef>
+                <a:spcPts val="850"/>
+              </a:spcBef>
+              <a:buClr>
+                <a:srgbClr val="000000"/>
+              </a:buClr>
+              <a:buSzPct val="45000"/>
+              <a:buFont typeface="Wingdings" charset="2"/>
+              <a:buChar char=""/>
+            </a:pPr>
+            <a:r>
+              <a:rPr b="0" lang="en-US" sz="1800" strike="noStrike" u="none">
+                <a:solidFill>
+                  <a:srgbClr val="000000"/>
+                </a:solidFill>
+                <a:effectLst/>
+                <a:uFillTx/>
+                <a:latin typeface="Times New Roman"/>
+              </a:rPr>
+              <a:t>Third Outline Level</a:t>
+            </a:r>
+            <a:endParaRPr b="0" lang="en-US" sz="1800" strike="noStrike" u="none">
+              <a:solidFill>
+                <a:srgbClr val="000000"/>
+              </a:solidFill>
+              <a:effectLst/>
+              <a:uFillTx/>
+              <a:latin typeface="Times New Roman"/>
+            </a:endParaRPr>
+          </a:p>
+          <a:p>
+            <a:pPr lvl="3" marL="864000" indent="-216000">
+              <a:spcBef>
+                <a:spcPts val="567"/>
+              </a:spcBef>
+              <a:buClr>
+                <a:srgbClr val="000000"/>
+              </a:buClr>
+              <a:buSzPct val="45000"/>
+              <a:buFont typeface="Wingdings" charset="2"/>
+              <a:buChar char=""/>
+            </a:pPr>
+            <a:r>
+              <a:rPr b="0" lang="en-US" sz="1800" strike="noStrike" u="none">
+                <a:solidFill>
+                  <a:srgbClr val="000000"/>
+                </a:solidFill>
+                <a:effectLst/>
+                <a:uFillTx/>
+                <a:latin typeface="Times New Roman"/>
+              </a:rPr>
+              <a:t>Fourth Outline Level</a:t>
+            </a:r>
+            <a:endParaRPr b="0" lang="en-US" sz="1800" strike="noStrike" u="none">
+              <a:solidFill>
+                <a:srgbClr val="000000"/>
+              </a:solidFill>
+              <a:effectLst/>
+              <a:uFillTx/>
+              <a:latin typeface="Times New Roman"/>
+            </a:endParaRPr>
+          </a:p>
+          <a:p>
+            <a:pPr lvl="4" marL="1080000" indent="-216000">
+              <a:spcBef>
+                <a:spcPts val="283"/>
+              </a:spcBef>
+              <a:buClr>
+                <a:srgbClr val="000000"/>
+              </a:buClr>
+              <a:buSzPct val="45000"/>
+              <a:buFont typeface="Wingdings" charset="2"/>
+              <a:buChar char=""/>
+            </a:pPr>
+            <a:r>
+              <a:rPr b="0" lang="en-US" sz="1800" strike="noStrike" u="none">
+                <a:solidFill>
+                  <a:srgbClr val="000000"/>
+                </a:solidFill>
+                <a:effectLst/>
+                <a:uFillTx/>
+                <a:latin typeface="Times New Roman"/>
+              </a:rPr>
+              <a:t>Fifth Outline Level</a:t>
+            </a:r>
+            <a:endParaRPr b="0" lang="en-US" sz="1800" strike="noStrike" u="none">
+              <a:solidFill>
+                <a:srgbClr val="000000"/>
+              </a:solidFill>
+              <a:effectLst/>
+              <a:uFillTx/>
+              <a:latin typeface="Times New Roman"/>
+            </a:endParaRPr>
+          </a:p>
+          <a:p>
+            <a:pPr lvl="5" marL="1296000" indent="-216000">
+              <a:spcBef>
+                <a:spcPts val="283"/>
+              </a:spcBef>
+              <a:buClr>
+                <a:srgbClr val="000000"/>
+              </a:buClr>
+              <a:buSzPct val="45000"/>
+              <a:buFont typeface="Wingdings" charset="2"/>
+              <a:buChar char=""/>
+            </a:pPr>
+            <a:r>
+              <a:rPr b="0" lang="en-US" sz="1800" strike="noStrike" u="none">
+                <a:solidFill>
+                  <a:srgbClr val="000000"/>
+                </a:solidFill>
+                <a:effectLst/>
+                <a:uFillTx/>
+                <a:latin typeface="Times New Roman"/>
+              </a:rPr>
+              <a:t>Sixth Outline Level</a:t>
+            </a:r>
+            <a:endParaRPr b="0" lang="en-US" sz="1800" strike="noStrike" u="none">
+              <a:solidFill>
+                <a:srgbClr val="000000"/>
+              </a:solidFill>
+              <a:effectLst/>
+              <a:uFillTx/>
+              <a:latin typeface="Times New Roman"/>
+            </a:endParaRPr>
+          </a:p>
+          <a:p>
+            <a:pPr lvl="6" marL="1512000" indent="-216000">
+              <a:spcBef>
+                <a:spcPts val="283"/>
+              </a:spcBef>
+              <a:buClr>
+                <a:srgbClr val="000000"/>
+              </a:buClr>
+              <a:buSzPct val="45000"/>
+              <a:buFont typeface="Wingdings" charset="2"/>
+              <a:buChar char=""/>
+            </a:pPr>
+            <a:r>
+              <a:rPr b="0" lang="en-US" sz="1800" strike="noStrike" u="none">
+                <a:solidFill>
+                  <a:srgbClr val="000000"/>
+                </a:solidFill>
+                <a:effectLst/>
+                <a:uFillTx/>
+                <a:latin typeface="Times New Roman"/>
+              </a:rPr>
+              <a:t>Seventh Outline Level</a:t>
+            </a:r>
+            <a:endParaRPr b="0" lang="en-US" sz="1800" strike="noStrike" u="none">
+              <a:solidFill>
+                <a:srgbClr val="000000"/>
+              </a:solidFill>
+              <a:effectLst/>
+              <a:uFillTx/>
+              <a:latin typeface="Times New Roman"/>
+            </a:endParaRPr>
+          </a:p>
+        </p:txBody>
+      </p:sp>
+      <p:sp>
+        <p:nvSpPr>
+          <p:cNvPr id="190" name="PlaceHolder 3"/>
           <p:cNvSpPr>
             <a:spLocks noGrp="1"/>
           </p:cNvSpPr>
           <p:nvPr>
-            <p:ph type="dt" idx="15"/>
+            <p:ph type="ftr" idx="70"/>
           </p:nvPr>
         </p:nvSpPr>
         <p:spPr>
           <a:xfrm>
-            <a:off x="504000" y="5130000"/>
-            <a:ext cx="2337120" cy="447120"/>
+            <a:off x="3420000" y="5130000"/>
+            <a:ext cx="3236400" cy="446400"/>
           </a:xfrm>
           <a:prstGeom prst="rect">
             <a:avLst/>
@@ -12460,32 +13206,44 @@
             <a:noAutofit/>
           </a:bodyPr>
           <a:lstStyle>
-            <a:lvl1pPr indent="0">
+            <a:lvl1pPr indent="0" algn="ctr">
+              <a:lnSpc>
+                <a:spcPct val="100000"/>
+              </a:lnSpc>
               <a:buNone/>
+              <a:tabLst>
+                <a:tab algn="l" pos="0"/>
+              </a:tabLst>
               <a:defRPr b="0" lang="en-US" sz="1400" strike="noStrike" u="none">
                 <a:solidFill>
-                  <a:srgbClr val="000000"/>
-                </a:solidFill>
-                <a:effectLst/>
-                <a:uFillTx/>
-                <a:latin typeface="Times New Roman"/>
+                  <a:srgbClr val="484848"/>
+                </a:solidFill>
+                <a:effectLst/>
+                <a:uFillTx/>
+                <a:latin typeface="Noto Sans"/>
               </a:defRPr>
             </a:lvl1pPr>
           </a:lstStyle>
           <a:p>
-            <a:pPr indent="0">
+            <a:pPr indent="0" algn="ctr">
+              <a:lnSpc>
+                <a:spcPct val="100000"/>
+              </a:lnSpc>
               <a:buNone/>
+              <a:tabLst>
+                <a:tab algn="l" pos="0"/>
+              </a:tabLst>
             </a:pPr>
             <a:r>
               <a:rPr b="0" lang="en-US" sz="1400" strike="noStrike" u="none">
                 <a:solidFill>
-                  <a:srgbClr val="000000"/>
-                </a:solidFill>
-                <a:effectLst/>
-                <a:uFillTx/>
-                <a:latin typeface="Times New Roman"/>
-              </a:rPr>
-              <a:t> </a:t>
+                  <a:srgbClr val="484848"/>
+                </a:solidFill>
+                <a:effectLst/>
+                <a:uFillTx/>
+                <a:latin typeface="Noto Sans"/>
+              </a:rPr>
+              <a:t>&lt;footer&gt;</a:t>
             </a:r>
             <a:endParaRPr b="0" lang="en-US" sz="1400" strike="noStrike" u="none">
               <a:solidFill>
@@ -12500,18 +13258,18 @@
       </p:sp>
       <p:sp>
         <p:nvSpPr>
-          <p:cNvPr id="29" name="PlaceHolder 4"/>
+          <p:cNvPr id="191" name="PlaceHolder 4"/>
           <p:cNvSpPr>
             <a:spLocks noGrp="1"/>
           </p:cNvSpPr>
           <p:nvPr>
-            <p:ph type="title"/>
+            <p:ph type="sldNum" idx="71"/>
           </p:nvPr>
         </p:nvSpPr>
         <p:spPr>
           <a:xfrm>
-            <a:off x="504000" y="226080"/>
-            <a:ext cx="9072000" cy="946440"/>
+            <a:off x="7236000" y="5130000"/>
+            <a:ext cx="2336400" cy="446400"/>
           </a:xfrm>
           <a:prstGeom prst="rect">
             <a:avLst/>
@@ -12522,49 +13280,74 @@
           </a:ln>
         </p:spPr>
         <p:txBody>
-          <a:bodyPr lIns="0" rIns="0" tIns="0" bIns="0" anchor="ctr">
+          <a:bodyPr lIns="0" rIns="0" tIns="0" bIns="0" anchor="t">
             <a:noAutofit/>
           </a:bodyPr>
-          <a:p>
-            <a:pPr indent="0" algn="ctr">
+          <a:lstStyle>
+            <a:lvl1pPr indent="0" algn="r">
+              <a:lnSpc>
+                <a:spcPct val="100000"/>
+              </a:lnSpc>
               <a:buNone/>
-            </a:pPr>
-            <a:r>
-              <a:rPr b="0" lang="en-US" sz="4400" strike="noStrike" u="none">
-                <a:solidFill>
-                  <a:srgbClr val="000000"/>
-                </a:solidFill>
-                <a:effectLst/>
-                <a:uFillTx/>
-                <a:latin typeface="Arial"/>
-              </a:rPr>
-              <a:t>Click to edit the title text format</a:t>
-            </a:r>
-            <a:endParaRPr b="0" lang="en-US" sz="4400" strike="noStrike" u="none">
-              <a:solidFill>
-                <a:srgbClr val="000000"/>
-              </a:solidFill>
-              <a:effectLst/>
-              <a:uFillTx/>
-              <a:latin typeface="Arial"/>
-            </a:endParaRPr>
-          </a:p>
-        </p:txBody>
-      </p:sp>
-      <p:sp>
-        <p:nvSpPr>
-          <p:cNvPr id="30" name="PlaceHolder 5"/>
+              <a:tabLst>
+                <a:tab algn="l" pos="0"/>
+              </a:tabLst>
+              <a:defRPr b="0" lang="en-US" sz="1400" strike="noStrike" u="none">
+                <a:solidFill>
+                  <a:srgbClr val="484848"/>
+                </a:solidFill>
+                <a:effectLst/>
+                <a:uFillTx/>
+                <a:latin typeface="Noto Sans"/>
+              </a:defRPr>
+            </a:lvl1pPr>
+          </a:lstStyle>
+          <a:p>
+            <a:pPr indent="0" algn="r">
+              <a:lnSpc>
+                <a:spcPct val="100000"/>
+              </a:lnSpc>
+              <a:buNone/>
+              <a:tabLst>
+                <a:tab algn="l" pos="0"/>
+              </a:tabLst>
+            </a:pPr>
+            <a:fld id="{8A5D10B2-236C-415A-B2A0-C8511E0BF4F0}" type="slidenum">
+              <a:rPr b="0" lang="en-US" sz="1400" strike="noStrike" u="none">
+                <a:solidFill>
+                  <a:srgbClr val="484848"/>
+                </a:solidFill>
+                <a:effectLst/>
+                <a:uFillTx/>
+                <a:latin typeface="Noto Sans"/>
+              </a:rPr>
+              <a:t>&lt;number&gt;</a:t>
+            </a:fld>
+            <a:endParaRPr b="0" lang="en-US" sz="1400" strike="noStrike" u="none">
+              <a:solidFill>
+                <a:srgbClr val="000000"/>
+              </a:solidFill>
+              <a:effectLst/>
+              <a:uFillTx/>
+              <a:latin typeface="Times New Roman"/>
+            </a:endParaRPr>
+          </a:p>
+        </p:txBody>
+      </p:sp>
+      <p:sp>
+        <p:nvSpPr>
+          <p:cNvPr id="192" name="PlaceHolder 5"/>
           <p:cNvSpPr>
             <a:spLocks noGrp="1"/>
           </p:cNvSpPr>
           <p:nvPr>
-            <p:ph type="body"/>
+            <p:ph type="dt" idx="72"/>
           </p:nvPr>
         </p:nvSpPr>
         <p:spPr>
           <a:xfrm>
-            <a:off x="504000" y="1326600"/>
-            <a:ext cx="9072000" cy="3288600"/>
+            <a:off x="504000" y="5130000"/>
+            <a:ext cx="2336400" cy="446400"/>
           </a:xfrm>
           <a:prstGeom prst="rect">
             <a:avLst/>
@@ -12576,86 +13359,27 @@
         </p:spPr>
         <p:txBody>
           <a:bodyPr lIns="0" rIns="0" tIns="0" bIns="0" anchor="t">
-            <a:normAutofit/>
+            <a:noAutofit/>
           </a:bodyPr>
-          <a:p>
-            <a:pPr marL="432000" indent="-324000">
-              <a:spcBef>
-                <a:spcPts val="1417"/>
-              </a:spcBef>
-              <a:buClr>
-                <a:srgbClr val="000000"/>
-              </a:buClr>
-              <a:buSzPct val="45000"/>
-              <a:buFont typeface="Wingdings" charset="2"/>
-              <a:buChar char=""/>
-            </a:pPr>
-            <a:r>
-              <a:rPr b="0" lang="en-US" sz="3200" strike="noStrike" u="none">
-                <a:solidFill>
-                  <a:srgbClr val="000000"/>
-                </a:solidFill>
-                <a:effectLst/>
-                <a:uFillTx/>
-                <a:latin typeface="Arial"/>
-              </a:rPr>
-              <a:t>Click to edit the outline text format</a:t>
-            </a:r>
-            <a:endParaRPr b="0" lang="en-US" sz="3200" strike="noStrike" u="none">
-              <a:solidFill>
-                <a:srgbClr val="000000"/>
-              </a:solidFill>
-              <a:effectLst/>
-              <a:uFillTx/>
-              <a:latin typeface="Arial"/>
-            </a:endParaRPr>
-          </a:p>
-          <a:p>
-            <a:pPr lvl="1" marL="432000" indent="-216000">
-              <a:spcBef>
-                <a:spcPts val="1134"/>
-              </a:spcBef>
-              <a:buClr>
-                <a:srgbClr val="000000"/>
-              </a:buClr>
-              <a:buSzPct val="45000"/>
-              <a:buFont typeface="Wingdings" charset="2"/>
-              <a:buChar char=""/>
-            </a:pPr>
-            <a:r>
-              <a:rPr b="0" lang="en-US" sz="2800" strike="noStrike" u="none">
+          <a:lstStyle>
+            <a:lvl1pPr indent="0">
+              <a:buNone/>
+              <a:defRPr b="0" lang="en-US" sz="1400" strike="noStrike" u="none">
                 <a:solidFill>
                   <a:srgbClr val="000000"/>
                 </a:solidFill>
                 <a:effectLst/>
                 <a:uFillTx/>
                 <a:latin typeface="Times New Roman"/>
-              </a:rPr>
-              <a:t>Second Outline Level</a:t>
-            </a:r>
-            <a:endParaRPr b="0" lang="en-US" sz="2800" strike="noStrike" u="none">
-              <a:solidFill>
-                <a:srgbClr val="000000"/>
-              </a:solidFill>
-              <a:effectLst/>
-              <a:uFillTx/>
-              <a:latin typeface="Times New Roman"/>
-            </a:endParaRPr>
-          </a:p>
-          <a:p>
-            <a:pPr lvl="2" marL="648000" indent="-216000">
-              <a:spcBef>
-                <a:spcPts val="850"/>
-              </a:spcBef>
-              <a:buClr>
-                <a:srgbClr val="000000"/>
-              </a:buClr>
-              <a:buSzPct val="45000"/>
-              <a:buFont typeface="Wingdings" charset="2"/>
-              <a:buChar char=""/>
-            </a:pPr>
-            <a:r>
-              <a:rPr b="0" lang="en-US" sz="2400" strike="noStrike" u="none">
+              </a:defRPr>
+            </a:lvl1pPr>
+          </a:lstStyle>
+          <a:p>
+            <a:pPr indent="0">
+              <a:buNone/>
+            </a:pPr>
+            <a:r>
+              <a:rPr b="0" lang="en-US" sz="1400" strike="noStrike" u="none">
                 <a:solidFill>
                   <a:srgbClr val="000000"/>
                 </a:solidFill>
@@ -12663,137 +13387,9 @@
                 <a:uFillTx/>
                 <a:latin typeface="Times New Roman"/>
               </a:rPr>
-              <a:t>Third Outline Level</a:t>
-            </a:r>
-            <a:endParaRPr b="0" lang="en-US" sz="2400" strike="noStrike" u="none">
-              <a:solidFill>
-                <a:srgbClr val="000000"/>
-              </a:solidFill>
-              <a:effectLst/>
-              <a:uFillTx/>
-              <a:latin typeface="Times New Roman"/>
-            </a:endParaRPr>
-          </a:p>
-          <a:p>
-            <a:pPr lvl="3" marL="864000" indent="-216000">
-              <a:spcBef>
-                <a:spcPts val="567"/>
-              </a:spcBef>
-              <a:buClr>
-                <a:srgbClr val="000000"/>
-              </a:buClr>
-              <a:buSzPct val="45000"/>
-              <a:buFont typeface="Wingdings" charset="2"/>
-              <a:buChar char=""/>
-            </a:pPr>
-            <a:r>
-              <a:rPr b="0" lang="en-US" sz="2000" strike="noStrike" u="none">
-                <a:solidFill>
-                  <a:srgbClr val="000000"/>
-                </a:solidFill>
-                <a:effectLst/>
-                <a:uFillTx/>
-                <a:latin typeface="Times New Roman"/>
-              </a:rPr>
-              <a:t>Fourth Outline Level</a:t>
-            </a:r>
-            <a:endParaRPr b="0" lang="en-US" sz="2000" strike="noStrike" u="none">
-              <a:solidFill>
-                <a:srgbClr val="000000"/>
-              </a:solidFill>
-              <a:effectLst/>
-              <a:uFillTx/>
-              <a:latin typeface="Times New Roman"/>
-            </a:endParaRPr>
-          </a:p>
-          <a:p>
-            <a:pPr lvl="4" marL="1080000" indent="-216000">
-              <a:spcBef>
-                <a:spcPts val="283"/>
-              </a:spcBef>
-              <a:buClr>
-                <a:srgbClr val="000000"/>
-              </a:buClr>
-              <a:buSzPct val="45000"/>
-              <a:buFont typeface="Wingdings" charset="2"/>
-              <a:buChar char=""/>
-            </a:pPr>
-            <a:r>
-              <a:rPr b="0" lang="en-US" sz="2000" strike="noStrike" u="none">
-                <a:solidFill>
-                  <a:srgbClr val="000000"/>
-                </a:solidFill>
-                <a:effectLst/>
-                <a:uFillTx/>
-                <a:latin typeface="Times New Roman"/>
-              </a:rPr>
-              <a:t>Fifth Outline Level</a:t>
-            </a:r>
-            <a:endParaRPr b="0" lang="en-US" sz="2000" strike="noStrike" u="none">
-              <a:solidFill>
-                <a:srgbClr val="000000"/>
-              </a:solidFill>
-              <a:effectLst/>
-              <a:uFillTx/>
-              <a:latin typeface="Times New Roman"/>
-            </a:endParaRPr>
-          </a:p>
-          <a:p>
-            <a:pPr lvl="5" marL="1296000" indent="-216000">
-              <a:spcBef>
-                <a:spcPts val="283"/>
-              </a:spcBef>
-              <a:buClr>
-                <a:srgbClr val="000000"/>
-              </a:buClr>
-              <a:buSzPct val="45000"/>
-              <a:buFont typeface="Wingdings" charset="2"/>
-              <a:buChar char=""/>
-            </a:pPr>
-            <a:r>
-              <a:rPr b="0" lang="en-US" sz="2000" strike="noStrike" u="none">
-                <a:solidFill>
-                  <a:srgbClr val="000000"/>
-                </a:solidFill>
-                <a:effectLst/>
-                <a:uFillTx/>
-                <a:latin typeface="Times New Roman"/>
-              </a:rPr>
-              <a:t>Sixth Outline Level</a:t>
-            </a:r>
-            <a:endParaRPr b="0" lang="en-US" sz="2000" strike="noStrike" u="none">
-              <a:solidFill>
-                <a:srgbClr val="000000"/>
-              </a:solidFill>
-              <a:effectLst/>
-              <a:uFillTx/>
-              <a:latin typeface="Times New Roman"/>
-            </a:endParaRPr>
-          </a:p>
-          <a:p>
-            <a:pPr lvl="6" marL="1512000" indent="-216000">
-              <a:spcBef>
-                <a:spcPts val="283"/>
-              </a:spcBef>
-              <a:buClr>
-                <a:srgbClr val="000000"/>
-              </a:buClr>
-              <a:buSzPct val="45000"/>
-              <a:buFont typeface="Wingdings" charset="2"/>
-              <a:buChar char=""/>
-            </a:pPr>
-            <a:r>
-              <a:rPr b="0" lang="en-US" sz="2000" strike="noStrike" u="none">
-                <a:solidFill>
-                  <a:srgbClr val="000000"/>
-                </a:solidFill>
-                <a:effectLst/>
-                <a:uFillTx/>
-                <a:latin typeface="Times New Roman"/>
-              </a:rPr>
-              <a:t>Seventh Outline Level</a:t>
-            </a:r>
-            <a:endParaRPr b="0" lang="en-US" sz="2000" strike="noStrike" u="none">
+              <a:t>&lt;date/time&gt;</a:t>
+            </a:r>
+            <a:endParaRPr b="0" lang="en-US" sz="1400" strike="noStrike" u="none">
               <a:solidFill>
                 <a:srgbClr val="000000"/>
               </a:solidFill>
@@ -12808,12 +13404,12 @@
   </p:cSld>
   <p:clrMap bg1="lt1" tx1="dk1" bg2="lt2" tx2="dk2" accent1="accent1" accent2="accent2" accent3="accent3" accent4="accent4" accent5="accent5" accent6="accent6" hlink="hlink" folHlink="folHlink"/>
   <p:sldLayoutIdLst>
-    <p:sldLayoutId id="2147483657" r:id="rId2"/>
+    <p:sldLayoutId id="2147483697" r:id="rId2"/>
   </p:sldLayoutIdLst>
 </p:sldMaster>
 </file>
 
-<file path=ppt/slideMasters/slideMaster6.xml><?xml version="1.0" encoding="utf-8"?>
+<file path=ppt/slideMasters/slideMaster25.xml><?xml version="1.0" encoding="utf-8"?>
 <p:sldMaster xmlns:a="http://schemas.openxmlformats.org/drawingml/2006/main" xmlns:p="http://schemas.openxmlformats.org/presentationml/2006/main" xmlns:r="http://schemas.openxmlformats.org/officeDocument/2006/relationships" xmlns:p14="http://schemas.microsoft.com/office/powerpoint/2010/main" xmlns:p15="http://schemas.microsoft.com/office/powerpoint/2012/main" xmlns:mc="http://schemas.openxmlformats.org/markup-compatibility/2006">
   <p:cSld>
     <p:spTree>
@@ -12832,14 +13428,14 @@
       </p:grpSpPr>
       <p:sp>
         <p:nvSpPr>
-          <p:cNvPr id="31" name=""/>
+          <p:cNvPr id="195" name=""/>
           <p:cNvSpPr/>
           <p:nvPr/>
         </p:nvSpPr>
         <p:spPr>
           <a:xfrm flipV="1">
-            <a:off x="0" y="-2880"/>
-            <a:ext cx="10077120" cy="177120"/>
+            <a:off x="0" y="-3600"/>
+            <a:ext cx="10076400" cy="176400"/>
           </a:xfrm>
           <a:prstGeom prst="rect">
             <a:avLst/>
@@ -12891,14 +13487,14 @@
       </p:sp>
       <p:sp>
         <p:nvSpPr>
-          <p:cNvPr id="32" name=""/>
+          <p:cNvPr id="196" name=""/>
           <p:cNvSpPr/>
           <p:nvPr/>
         </p:nvSpPr>
         <p:spPr>
           <a:xfrm>
             <a:off x="0" y="5580000"/>
-            <a:ext cx="10077120" cy="87120"/>
+            <a:ext cx="10076400" cy="86400"/>
           </a:xfrm>
           <a:prstGeom prst="rect">
             <a:avLst/>
@@ -12950,18 +13546,18 @@
       </p:sp>
       <p:sp>
         <p:nvSpPr>
-          <p:cNvPr id="33" name="PlaceHolder 1"/>
+          <p:cNvPr id="197" name="PlaceHolder 1"/>
           <p:cNvSpPr>
             <a:spLocks noGrp="1"/>
           </p:cNvSpPr>
           <p:nvPr>
-            <p:ph type="ftr" idx="16"/>
+            <p:ph type="ftr" idx="73"/>
           </p:nvPr>
         </p:nvSpPr>
         <p:spPr>
           <a:xfrm>
             <a:off x="3420000" y="5130000"/>
-            <a:ext cx="3237120" cy="447120"/>
+            <a:ext cx="3236400" cy="446400"/>
           </a:xfrm>
           <a:prstGeom prst="rect">
             <a:avLst/>
@@ -13013,7 +13609,7 @@
                 <a:uFillTx/>
                 <a:latin typeface="Noto Sans"/>
               </a:rPr>
-              <a:t> </a:t>
+              <a:t>&lt;footer&gt;</a:t>
             </a:r>
             <a:endParaRPr b="0" lang="en-US" sz="1400" strike="noStrike" u="none">
               <a:solidFill>
@@ -13028,18 +13624,18 @@
       </p:sp>
       <p:sp>
         <p:nvSpPr>
-          <p:cNvPr id="34" name="PlaceHolder 2"/>
+          <p:cNvPr id="198" name="PlaceHolder 2"/>
           <p:cNvSpPr>
             <a:spLocks noGrp="1"/>
           </p:cNvSpPr>
           <p:nvPr>
-            <p:ph type="sldNum" idx="17"/>
+            <p:ph type="sldNum" idx="74"/>
           </p:nvPr>
         </p:nvSpPr>
         <p:spPr>
           <a:xfrm>
             <a:off x="7236000" y="5130000"/>
-            <a:ext cx="2337120" cy="447120"/>
+            <a:ext cx="2336400" cy="446400"/>
           </a:xfrm>
           <a:prstGeom prst="rect">
             <a:avLst/>
@@ -13082,7 +13678,2271 @@
                 <a:tab algn="l" pos="0"/>
               </a:tabLst>
             </a:pPr>
-            <a:fld id="{E68E2E88-9EA4-4914-8B7C-0EF7E2F10E63}" type="slidenum">
+            <a:fld id="{7333EC17-F917-4095-9220-649617E07368}" type="slidenum">
+              <a:rPr b="0" lang="en-US" sz="1400" strike="noStrike" u="none">
+                <a:solidFill>
+                  <a:srgbClr val="484848"/>
+                </a:solidFill>
+                <a:effectLst/>
+                <a:uFillTx/>
+                <a:latin typeface="Noto Sans"/>
+              </a:rPr>
+              <a:t>&lt;number&gt;</a:t>
+            </a:fld>
+            <a:endParaRPr b="0" lang="en-US" sz="1400" strike="noStrike" u="none">
+              <a:solidFill>
+                <a:srgbClr val="000000"/>
+              </a:solidFill>
+              <a:effectLst/>
+              <a:uFillTx/>
+              <a:latin typeface="Times New Roman"/>
+            </a:endParaRPr>
+          </a:p>
+        </p:txBody>
+      </p:sp>
+      <p:sp>
+        <p:nvSpPr>
+          <p:cNvPr id="199" name="PlaceHolder 3"/>
+          <p:cNvSpPr>
+            <a:spLocks noGrp="1"/>
+          </p:cNvSpPr>
+          <p:nvPr>
+            <p:ph type="dt" idx="75"/>
+          </p:nvPr>
+        </p:nvSpPr>
+        <p:spPr>
+          <a:xfrm>
+            <a:off x="504000" y="5130000"/>
+            <a:ext cx="2336400" cy="446400"/>
+          </a:xfrm>
+          <a:prstGeom prst="rect">
+            <a:avLst/>
+          </a:prstGeom>
+          <a:noFill/>
+          <a:ln w="0">
+            <a:noFill/>
+          </a:ln>
+        </p:spPr>
+        <p:txBody>
+          <a:bodyPr lIns="0" rIns="0" tIns="0" bIns="0" anchor="t">
+            <a:noAutofit/>
+          </a:bodyPr>
+          <a:lstStyle>
+            <a:lvl1pPr indent="0">
+              <a:buNone/>
+              <a:defRPr b="0" lang="en-US" sz="1400" strike="noStrike" u="none">
+                <a:solidFill>
+                  <a:srgbClr val="000000"/>
+                </a:solidFill>
+                <a:effectLst/>
+                <a:uFillTx/>
+                <a:latin typeface="Times New Roman"/>
+              </a:defRPr>
+            </a:lvl1pPr>
+          </a:lstStyle>
+          <a:p>
+            <a:pPr indent="0">
+              <a:buNone/>
+            </a:pPr>
+            <a:r>
+              <a:rPr b="0" lang="en-US" sz="1400" strike="noStrike" u="none">
+                <a:solidFill>
+                  <a:srgbClr val="000000"/>
+                </a:solidFill>
+                <a:effectLst/>
+                <a:uFillTx/>
+                <a:latin typeface="Times New Roman"/>
+              </a:rPr>
+              <a:t>&lt;date/time&gt;</a:t>
+            </a:r>
+            <a:endParaRPr b="0" lang="en-US" sz="1400" strike="noStrike" u="none">
+              <a:solidFill>
+                <a:srgbClr val="000000"/>
+              </a:solidFill>
+              <a:effectLst/>
+              <a:uFillTx/>
+              <a:latin typeface="Times New Roman"/>
+            </a:endParaRPr>
+          </a:p>
+        </p:txBody>
+      </p:sp>
+      <p:sp>
+        <p:nvSpPr>
+          <p:cNvPr id="200" name="PlaceHolder 4"/>
+          <p:cNvSpPr>
+            <a:spLocks noGrp="1"/>
+          </p:cNvSpPr>
+          <p:nvPr>
+            <p:ph type="title"/>
+          </p:nvPr>
+        </p:nvSpPr>
+        <p:spPr>
+          <a:xfrm>
+            <a:off x="504000" y="226080"/>
+            <a:ext cx="9072000" cy="946440"/>
+          </a:xfrm>
+          <a:prstGeom prst="rect">
+            <a:avLst/>
+          </a:prstGeom>
+          <a:noFill/>
+          <a:ln w="0">
+            <a:noFill/>
+          </a:ln>
+        </p:spPr>
+        <p:txBody>
+          <a:bodyPr lIns="0" rIns="0" tIns="0" bIns="0" anchor="ctr">
+            <a:noAutofit/>
+          </a:bodyPr>
+          <a:p>
+            <a:pPr indent="0" algn="ctr">
+              <a:buNone/>
+            </a:pPr>
+            <a:r>
+              <a:rPr b="0" lang="en-US" sz="4400" strike="noStrike" u="none">
+                <a:solidFill>
+                  <a:srgbClr val="000000"/>
+                </a:solidFill>
+                <a:effectLst/>
+                <a:uFillTx/>
+                <a:latin typeface="Arial"/>
+              </a:rPr>
+              <a:t>Click to edit the title text format</a:t>
+            </a:r>
+            <a:endParaRPr b="0" lang="en-US" sz="4400" strike="noStrike" u="none">
+              <a:solidFill>
+                <a:srgbClr val="000000"/>
+              </a:solidFill>
+              <a:effectLst/>
+              <a:uFillTx/>
+              <a:latin typeface="Arial"/>
+            </a:endParaRPr>
+          </a:p>
+        </p:txBody>
+      </p:sp>
+      <p:sp>
+        <p:nvSpPr>
+          <p:cNvPr id="201" name="PlaceHolder 5"/>
+          <p:cNvSpPr>
+            <a:spLocks noGrp="1"/>
+          </p:cNvSpPr>
+          <p:nvPr>
+            <p:ph type="body"/>
+          </p:nvPr>
+        </p:nvSpPr>
+        <p:spPr>
+          <a:xfrm>
+            <a:off x="504000" y="1326600"/>
+            <a:ext cx="9072000" cy="3288600"/>
+          </a:xfrm>
+          <a:prstGeom prst="rect">
+            <a:avLst/>
+          </a:prstGeom>
+          <a:noFill/>
+          <a:ln w="0">
+            <a:noFill/>
+          </a:ln>
+        </p:spPr>
+        <p:txBody>
+          <a:bodyPr lIns="0" rIns="0" tIns="0" bIns="0" anchor="t">
+            <a:normAutofit/>
+          </a:bodyPr>
+          <a:p>
+            <a:pPr marL="432000" indent="-324000">
+              <a:spcBef>
+                <a:spcPts val="1417"/>
+              </a:spcBef>
+              <a:buClr>
+                <a:srgbClr val="000000"/>
+              </a:buClr>
+              <a:buSzPct val="45000"/>
+              <a:buFont typeface="Wingdings" charset="2"/>
+              <a:buChar char=""/>
+            </a:pPr>
+            <a:r>
+              <a:rPr b="0" lang="en-US" sz="3200" strike="noStrike" u="none">
+                <a:solidFill>
+                  <a:srgbClr val="000000"/>
+                </a:solidFill>
+                <a:effectLst/>
+                <a:uFillTx/>
+                <a:latin typeface="Arial"/>
+              </a:rPr>
+              <a:t>Click to edit the outline text format</a:t>
+            </a:r>
+            <a:endParaRPr b="0" lang="en-US" sz="3200" strike="noStrike" u="none">
+              <a:solidFill>
+                <a:srgbClr val="000000"/>
+              </a:solidFill>
+              <a:effectLst/>
+              <a:uFillTx/>
+              <a:latin typeface="Arial"/>
+            </a:endParaRPr>
+          </a:p>
+          <a:p>
+            <a:pPr lvl="1" marL="432000" indent="-216000">
+              <a:spcBef>
+                <a:spcPts val="1134"/>
+              </a:spcBef>
+              <a:buClr>
+                <a:srgbClr val="000000"/>
+              </a:buClr>
+              <a:buSzPct val="45000"/>
+              <a:buFont typeface="Wingdings" charset="2"/>
+              <a:buChar char=""/>
+            </a:pPr>
+            <a:r>
+              <a:rPr b="0" lang="en-US" sz="2800" strike="noStrike" u="none">
+                <a:solidFill>
+                  <a:srgbClr val="000000"/>
+                </a:solidFill>
+                <a:effectLst/>
+                <a:uFillTx/>
+                <a:latin typeface="Times New Roman"/>
+              </a:rPr>
+              <a:t>Second Outline Level</a:t>
+            </a:r>
+            <a:endParaRPr b="0" lang="en-US" sz="2800" strike="noStrike" u="none">
+              <a:solidFill>
+                <a:srgbClr val="000000"/>
+              </a:solidFill>
+              <a:effectLst/>
+              <a:uFillTx/>
+              <a:latin typeface="Times New Roman"/>
+            </a:endParaRPr>
+          </a:p>
+          <a:p>
+            <a:pPr lvl="2" marL="648000" indent="-216000">
+              <a:spcBef>
+                <a:spcPts val="850"/>
+              </a:spcBef>
+              <a:buClr>
+                <a:srgbClr val="000000"/>
+              </a:buClr>
+              <a:buSzPct val="45000"/>
+              <a:buFont typeface="Wingdings" charset="2"/>
+              <a:buChar char=""/>
+            </a:pPr>
+            <a:r>
+              <a:rPr b="0" lang="en-US" sz="2400" strike="noStrike" u="none">
+                <a:solidFill>
+                  <a:srgbClr val="000000"/>
+                </a:solidFill>
+                <a:effectLst/>
+                <a:uFillTx/>
+                <a:latin typeface="Times New Roman"/>
+              </a:rPr>
+              <a:t>Third Outline Level</a:t>
+            </a:r>
+            <a:endParaRPr b="0" lang="en-US" sz="2400" strike="noStrike" u="none">
+              <a:solidFill>
+                <a:srgbClr val="000000"/>
+              </a:solidFill>
+              <a:effectLst/>
+              <a:uFillTx/>
+              <a:latin typeface="Times New Roman"/>
+            </a:endParaRPr>
+          </a:p>
+          <a:p>
+            <a:pPr lvl="3" marL="864000" indent="-216000">
+              <a:spcBef>
+                <a:spcPts val="567"/>
+              </a:spcBef>
+              <a:buClr>
+                <a:srgbClr val="000000"/>
+              </a:buClr>
+              <a:buSzPct val="45000"/>
+              <a:buFont typeface="Wingdings" charset="2"/>
+              <a:buChar char=""/>
+            </a:pPr>
+            <a:r>
+              <a:rPr b="0" lang="en-US" sz="2000" strike="noStrike" u="none">
+                <a:solidFill>
+                  <a:srgbClr val="000000"/>
+                </a:solidFill>
+                <a:effectLst/>
+                <a:uFillTx/>
+                <a:latin typeface="Times New Roman"/>
+              </a:rPr>
+              <a:t>Fourth Outline Level</a:t>
+            </a:r>
+            <a:endParaRPr b="0" lang="en-US" sz="2000" strike="noStrike" u="none">
+              <a:solidFill>
+                <a:srgbClr val="000000"/>
+              </a:solidFill>
+              <a:effectLst/>
+              <a:uFillTx/>
+              <a:latin typeface="Times New Roman"/>
+            </a:endParaRPr>
+          </a:p>
+          <a:p>
+            <a:pPr lvl="4" marL="1080000" indent="-216000">
+              <a:spcBef>
+                <a:spcPts val="283"/>
+              </a:spcBef>
+              <a:buClr>
+                <a:srgbClr val="000000"/>
+              </a:buClr>
+              <a:buSzPct val="45000"/>
+              <a:buFont typeface="Wingdings" charset="2"/>
+              <a:buChar char=""/>
+            </a:pPr>
+            <a:r>
+              <a:rPr b="0" lang="en-US" sz="2000" strike="noStrike" u="none">
+                <a:solidFill>
+                  <a:srgbClr val="000000"/>
+                </a:solidFill>
+                <a:effectLst/>
+                <a:uFillTx/>
+                <a:latin typeface="Times New Roman"/>
+              </a:rPr>
+              <a:t>Fifth Outline Level</a:t>
+            </a:r>
+            <a:endParaRPr b="0" lang="en-US" sz="2000" strike="noStrike" u="none">
+              <a:solidFill>
+                <a:srgbClr val="000000"/>
+              </a:solidFill>
+              <a:effectLst/>
+              <a:uFillTx/>
+              <a:latin typeface="Times New Roman"/>
+            </a:endParaRPr>
+          </a:p>
+          <a:p>
+            <a:pPr lvl="5" marL="1296000" indent="-216000">
+              <a:spcBef>
+                <a:spcPts val="283"/>
+              </a:spcBef>
+              <a:buClr>
+                <a:srgbClr val="000000"/>
+              </a:buClr>
+              <a:buSzPct val="45000"/>
+              <a:buFont typeface="Wingdings" charset="2"/>
+              <a:buChar char=""/>
+            </a:pPr>
+            <a:r>
+              <a:rPr b="0" lang="en-US" sz="2000" strike="noStrike" u="none">
+                <a:solidFill>
+                  <a:srgbClr val="000000"/>
+                </a:solidFill>
+                <a:effectLst/>
+                <a:uFillTx/>
+                <a:latin typeface="Times New Roman"/>
+              </a:rPr>
+              <a:t>Sixth Outline Level</a:t>
+            </a:r>
+            <a:endParaRPr b="0" lang="en-US" sz="2000" strike="noStrike" u="none">
+              <a:solidFill>
+                <a:srgbClr val="000000"/>
+              </a:solidFill>
+              <a:effectLst/>
+              <a:uFillTx/>
+              <a:latin typeface="Times New Roman"/>
+            </a:endParaRPr>
+          </a:p>
+          <a:p>
+            <a:pPr lvl="6" marL="1512000" indent="-216000">
+              <a:spcBef>
+                <a:spcPts val="283"/>
+              </a:spcBef>
+              <a:buClr>
+                <a:srgbClr val="000000"/>
+              </a:buClr>
+              <a:buSzPct val="45000"/>
+              <a:buFont typeface="Wingdings" charset="2"/>
+              <a:buChar char=""/>
+            </a:pPr>
+            <a:r>
+              <a:rPr b="0" lang="en-US" sz="2000" strike="noStrike" u="none">
+                <a:solidFill>
+                  <a:srgbClr val="000000"/>
+                </a:solidFill>
+                <a:effectLst/>
+                <a:uFillTx/>
+                <a:latin typeface="Times New Roman"/>
+              </a:rPr>
+              <a:t>Seventh Outline Level</a:t>
+            </a:r>
+            <a:endParaRPr b="0" lang="en-US" sz="2000" strike="noStrike" u="none">
+              <a:solidFill>
+                <a:srgbClr val="000000"/>
+              </a:solidFill>
+              <a:effectLst/>
+              <a:uFillTx/>
+              <a:latin typeface="Times New Roman"/>
+            </a:endParaRPr>
+          </a:p>
+        </p:txBody>
+      </p:sp>
+    </p:spTree>
+  </p:cSld>
+  <p:clrMap bg1="lt1" tx1="dk1" bg2="lt2" tx2="dk2" accent1="accent1" accent2="accent2" accent3="accent3" accent4="accent4" accent5="accent5" accent6="accent6" hlink="hlink" folHlink="folHlink"/>
+  <p:sldLayoutIdLst>
+    <p:sldLayoutId id="2147483699" r:id="rId2"/>
+  </p:sldLayoutIdLst>
+</p:sldMaster>
+</file>
+
+<file path=ppt/slideMasters/slideMaster3.xml><?xml version="1.0" encoding="utf-8"?>
+<p:sldMaster xmlns:a="http://schemas.openxmlformats.org/drawingml/2006/main" xmlns:p="http://schemas.openxmlformats.org/presentationml/2006/main" xmlns:r="http://schemas.openxmlformats.org/officeDocument/2006/relationships" xmlns:p14="http://schemas.microsoft.com/office/powerpoint/2010/main" xmlns:p15="http://schemas.microsoft.com/office/powerpoint/2012/main" xmlns:mc="http://schemas.openxmlformats.org/markup-compatibility/2006">
+  <p:cSld>
+    <p:spTree>
+      <p:nvGrpSpPr>
+        <p:cNvPr id="1" name=""/>
+        <p:cNvGrpSpPr/>
+        <p:nvPr/>
+      </p:nvGrpSpPr>
+      <p:grpSpPr>
+        <a:xfrm>
+          <a:off x="0" y="0"/>
+          <a:ext cx="0" cy="0"/>
+          <a:chOff x="0" y="0"/>
+          <a:chExt cx="0" cy="0"/>
+        </a:xfrm>
+      </p:grpSpPr>
+      <p:sp>
+        <p:nvSpPr>
+          <p:cNvPr id="12" name=""/>
+          <p:cNvSpPr/>
+          <p:nvPr/>
+        </p:nvSpPr>
+        <p:spPr>
+          <a:xfrm flipV="1">
+            <a:off x="0" y="-3600"/>
+            <a:ext cx="10076400" cy="1076400"/>
+          </a:xfrm>
+          <a:prstGeom prst="rect">
+            <a:avLst/>
+          </a:prstGeom>
+          <a:pattFill prst="lgGrid">
+            <a:fgClr>
+              <a:srgbClr val="3465a4"/>
+            </a:fgClr>
+            <a:bgClr>
+              <a:srgbClr val="009eda"/>
+            </a:bgClr>
+          </a:pattFill>
+          <a:ln w="18000">
+            <a:noFill/>
+          </a:ln>
+          <a:effectLst>
+            <a:outerShdw blurRad="0" dir="5400000" dist="25200" rotWithShape="0">
+              <a:srgbClr val="f49100"/>
+            </a:outerShdw>
+          </a:effectLst>
+        </p:spPr>
+        <p:style>
+          <a:lnRef idx="0"/>
+          <a:fillRef idx="0"/>
+          <a:effectRef idx="0"/>
+          <a:fontRef idx="minor"/>
+        </p:style>
+        <p:txBody>
+          <a:bodyPr wrap="none" lIns="36000" rIns="36000" tIns="36000" bIns="36000" anchor="ctr">
+            <a:noAutofit/>
+          </a:bodyPr>
+          <a:p>
+            <a:pPr>
+              <a:lnSpc>
+                <a:spcPct val="100000"/>
+              </a:lnSpc>
+            </a:pPr>
+            <a:endParaRPr b="0" lang="en-US" sz="2200" strike="noStrike" u="none">
+              <a:solidFill>
+                <a:srgbClr val="ffffff"/>
+              </a:solidFill>
+              <a:effectLst/>
+              <a:uFillTx/>
+              <a:latin typeface="Noto Sans"/>
+              <a:ea typeface="DejaVu Sans"/>
+            </a:endParaRPr>
+          </a:p>
+        </p:txBody>
+      </p:sp>
+      <p:sp>
+        <p:nvSpPr>
+          <p:cNvPr id="13" name="PlaceHolder 1"/>
+          <p:cNvSpPr>
+            <a:spLocks noGrp="1"/>
+          </p:cNvSpPr>
+          <p:nvPr>
+            <p:ph type="title"/>
+          </p:nvPr>
+        </p:nvSpPr>
+        <p:spPr>
+          <a:xfrm>
+            <a:off x="504000" y="561600"/>
+            <a:ext cx="9071640" cy="274680"/>
+          </a:xfrm>
+          <a:prstGeom prst="rect">
+            <a:avLst/>
+          </a:prstGeom>
+          <a:noFill/>
+          <a:ln w="0">
+            <a:noFill/>
+          </a:ln>
+        </p:spPr>
+        <p:txBody>
+          <a:bodyPr lIns="0" rIns="0" tIns="0" bIns="0" anchor="ctr">
+            <a:spAutoFit/>
+          </a:bodyPr>
+          <a:p>
+            <a:pPr indent="0">
+              <a:buNone/>
+            </a:pPr>
+            <a:r>
+              <a:rPr b="0" lang="en-US" sz="1800" strike="noStrike" u="none">
+                <a:solidFill>
+                  <a:srgbClr val="000000"/>
+                </a:solidFill>
+                <a:effectLst/>
+                <a:uFillTx/>
+                <a:latin typeface="Arial"/>
+              </a:rPr>
+              <a:t>Click to edit the title text format</a:t>
+            </a:r>
+            <a:endParaRPr b="0" lang="en-US" sz="1800" strike="noStrike" u="none">
+              <a:solidFill>
+                <a:srgbClr val="000000"/>
+              </a:solidFill>
+              <a:effectLst/>
+              <a:uFillTx/>
+              <a:latin typeface="Arial"/>
+            </a:endParaRPr>
+          </a:p>
+        </p:txBody>
+      </p:sp>
+      <p:sp>
+        <p:nvSpPr>
+          <p:cNvPr id="14" name="PlaceHolder 2"/>
+          <p:cNvSpPr>
+            <a:spLocks noGrp="1"/>
+          </p:cNvSpPr>
+          <p:nvPr>
+            <p:ph type="body"/>
+          </p:nvPr>
+        </p:nvSpPr>
+        <p:spPr>
+          <a:xfrm>
+            <a:off x="504000" y="1326600"/>
+            <a:ext cx="9071640" cy="3288240"/>
+          </a:xfrm>
+          <a:prstGeom prst="rect">
+            <a:avLst/>
+          </a:prstGeom>
+          <a:noFill/>
+          <a:ln w="0">
+            <a:noFill/>
+          </a:ln>
+        </p:spPr>
+        <p:txBody>
+          <a:bodyPr lIns="0" rIns="0" tIns="0" bIns="0" anchor="t">
+            <a:normAutofit/>
+          </a:bodyPr>
+          <a:p>
+            <a:pPr marL="432000" indent="-324000">
+              <a:spcBef>
+                <a:spcPts val="1417"/>
+              </a:spcBef>
+              <a:buClr>
+                <a:srgbClr val="000000"/>
+              </a:buClr>
+              <a:buSzPct val="45000"/>
+              <a:buFont typeface="Wingdings" charset="2"/>
+              <a:buChar char=""/>
+            </a:pPr>
+            <a:r>
+              <a:rPr b="0" lang="en-US" sz="1800" strike="noStrike" u="none">
+                <a:solidFill>
+                  <a:srgbClr val="000000"/>
+                </a:solidFill>
+                <a:effectLst/>
+                <a:uFillTx/>
+                <a:latin typeface="Arial"/>
+              </a:rPr>
+              <a:t>Click to edit the outline text format</a:t>
+            </a:r>
+            <a:endParaRPr b="0" lang="en-US" sz="1800" strike="noStrike" u="none">
+              <a:solidFill>
+                <a:srgbClr val="000000"/>
+              </a:solidFill>
+              <a:effectLst/>
+              <a:uFillTx/>
+              <a:latin typeface="Arial"/>
+            </a:endParaRPr>
+          </a:p>
+          <a:p>
+            <a:pPr lvl="1" marL="432000" indent="-216000">
+              <a:spcBef>
+                <a:spcPts val="1134"/>
+              </a:spcBef>
+              <a:buClr>
+                <a:srgbClr val="000000"/>
+              </a:buClr>
+              <a:buSzPct val="45000"/>
+              <a:buFont typeface="Wingdings" charset="2"/>
+              <a:buChar char=""/>
+            </a:pPr>
+            <a:r>
+              <a:rPr b="0" lang="en-US" sz="1800" strike="noStrike" u="none">
+                <a:solidFill>
+                  <a:srgbClr val="000000"/>
+                </a:solidFill>
+                <a:effectLst/>
+                <a:uFillTx/>
+                <a:latin typeface="Times New Roman"/>
+              </a:rPr>
+              <a:t>Second Outline Level</a:t>
+            </a:r>
+            <a:endParaRPr b="0" lang="en-US" sz="1800" strike="noStrike" u="none">
+              <a:solidFill>
+                <a:srgbClr val="000000"/>
+              </a:solidFill>
+              <a:effectLst/>
+              <a:uFillTx/>
+              <a:latin typeface="Times New Roman"/>
+            </a:endParaRPr>
+          </a:p>
+          <a:p>
+            <a:pPr lvl="2" marL="648000" indent="-216000">
+              <a:spcBef>
+                <a:spcPts val="850"/>
+              </a:spcBef>
+              <a:buClr>
+                <a:srgbClr val="000000"/>
+              </a:buClr>
+              <a:buSzPct val="45000"/>
+              <a:buFont typeface="Wingdings" charset="2"/>
+              <a:buChar char=""/>
+            </a:pPr>
+            <a:r>
+              <a:rPr b="0" lang="en-US" sz="1800" strike="noStrike" u="none">
+                <a:solidFill>
+                  <a:srgbClr val="000000"/>
+                </a:solidFill>
+                <a:effectLst/>
+                <a:uFillTx/>
+                <a:latin typeface="Times New Roman"/>
+              </a:rPr>
+              <a:t>Third Outline Level</a:t>
+            </a:r>
+            <a:endParaRPr b="0" lang="en-US" sz="1800" strike="noStrike" u="none">
+              <a:solidFill>
+                <a:srgbClr val="000000"/>
+              </a:solidFill>
+              <a:effectLst/>
+              <a:uFillTx/>
+              <a:latin typeface="Times New Roman"/>
+            </a:endParaRPr>
+          </a:p>
+          <a:p>
+            <a:pPr lvl="3" marL="864000" indent="-216000">
+              <a:spcBef>
+                <a:spcPts val="567"/>
+              </a:spcBef>
+              <a:buClr>
+                <a:srgbClr val="000000"/>
+              </a:buClr>
+              <a:buSzPct val="45000"/>
+              <a:buFont typeface="Wingdings" charset="2"/>
+              <a:buChar char=""/>
+            </a:pPr>
+            <a:r>
+              <a:rPr b="0" lang="en-US" sz="1800" strike="noStrike" u="none">
+                <a:solidFill>
+                  <a:srgbClr val="000000"/>
+                </a:solidFill>
+                <a:effectLst/>
+                <a:uFillTx/>
+                <a:latin typeface="Times New Roman"/>
+              </a:rPr>
+              <a:t>Fourth Outline Level</a:t>
+            </a:r>
+            <a:endParaRPr b="0" lang="en-US" sz="1800" strike="noStrike" u="none">
+              <a:solidFill>
+                <a:srgbClr val="000000"/>
+              </a:solidFill>
+              <a:effectLst/>
+              <a:uFillTx/>
+              <a:latin typeface="Times New Roman"/>
+            </a:endParaRPr>
+          </a:p>
+          <a:p>
+            <a:pPr lvl="4" marL="1080000" indent="-216000">
+              <a:spcBef>
+                <a:spcPts val="283"/>
+              </a:spcBef>
+              <a:buClr>
+                <a:srgbClr val="000000"/>
+              </a:buClr>
+              <a:buSzPct val="45000"/>
+              <a:buFont typeface="Wingdings" charset="2"/>
+              <a:buChar char=""/>
+            </a:pPr>
+            <a:r>
+              <a:rPr b="0" lang="en-US" sz="1800" strike="noStrike" u="none">
+                <a:solidFill>
+                  <a:srgbClr val="000000"/>
+                </a:solidFill>
+                <a:effectLst/>
+                <a:uFillTx/>
+                <a:latin typeface="Times New Roman"/>
+              </a:rPr>
+              <a:t>Fifth Outline Level</a:t>
+            </a:r>
+            <a:endParaRPr b="0" lang="en-US" sz="1800" strike="noStrike" u="none">
+              <a:solidFill>
+                <a:srgbClr val="000000"/>
+              </a:solidFill>
+              <a:effectLst/>
+              <a:uFillTx/>
+              <a:latin typeface="Times New Roman"/>
+            </a:endParaRPr>
+          </a:p>
+          <a:p>
+            <a:pPr lvl="5" marL="1296000" indent="-216000">
+              <a:spcBef>
+                <a:spcPts val="283"/>
+              </a:spcBef>
+              <a:buClr>
+                <a:srgbClr val="000000"/>
+              </a:buClr>
+              <a:buSzPct val="45000"/>
+              <a:buFont typeface="Wingdings" charset="2"/>
+              <a:buChar char=""/>
+            </a:pPr>
+            <a:r>
+              <a:rPr b="0" lang="en-US" sz="1800" strike="noStrike" u="none">
+                <a:solidFill>
+                  <a:srgbClr val="000000"/>
+                </a:solidFill>
+                <a:effectLst/>
+                <a:uFillTx/>
+                <a:latin typeface="Times New Roman"/>
+              </a:rPr>
+              <a:t>Sixth Outline Level</a:t>
+            </a:r>
+            <a:endParaRPr b="0" lang="en-US" sz="1800" strike="noStrike" u="none">
+              <a:solidFill>
+                <a:srgbClr val="000000"/>
+              </a:solidFill>
+              <a:effectLst/>
+              <a:uFillTx/>
+              <a:latin typeface="Times New Roman"/>
+            </a:endParaRPr>
+          </a:p>
+          <a:p>
+            <a:pPr lvl="6" marL="1512000" indent="-216000">
+              <a:spcBef>
+                <a:spcPts val="283"/>
+              </a:spcBef>
+              <a:buClr>
+                <a:srgbClr val="000000"/>
+              </a:buClr>
+              <a:buSzPct val="45000"/>
+              <a:buFont typeface="Wingdings" charset="2"/>
+              <a:buChar char=""/>
+            </a:pPr>
+            <a:r>
+              <a:rPr b="0" lang="en-US" sz="1800" strike="noStrike" u="none">
+                <a:solidFill>
+                  <a:srgbClr val="000000"/>
+                </a:solidFill>
+                <a:effectLst/>
+                <a:uFillTx/>
+                <a:latin typeface="Times New Roman"/>
+              </a:rPr>
+              <a:t>Seventh Outline Level</a:t>
+            </a:r>
+            <a:endParaRPr b="0" lang="en-US" sz="1800" strike="noStrike" u="none">
+              <a:solidFill>
+                <a:srgbClr val="000000"/>
+              </a:solidFill>
+              <a:effectLst/>
+              <a:uFillTx/>
+              <a:latin typeface="Times New Roman"/>
+            </a:endParaRPr>
+          </a:p>
+        </p:txBody>
+      </p:sp>
+      <p:sp>
+        <p:nvSpPr>
+          <p:cNvPr id="15" name="PlaceHolder 3"/>
+          <p:cNvSpPr>
+            <a:spLocks noGrp="1"/>
+          </p:cNvSpPr>
+          <p:nvPr>
+            <p:ph type="ftr" idx="7"/>
+          </p:nvPr>
+        </p:nvSpPr>
+        <p:spPr>
+          <a:xfrm>
+            <a:off x="3420000" y="5130000"/>
+            <a:ext cx="3236400" cy="446400"/>
+          </a:xfrm>
+          <a:prstGeom prst="rect">
+            <a:avLst/>
+          </a:prstGeom>
+          <a:noFill/>
+          <a:ln w="0">
+            <a:noFill/>
+          </a:ln>
+        </p:spPr>
+        <p:txBody>
+          <a:bodyPr lIns="0" rIns="0" tIns="0" bIns="0" anchor="t">
+            <a:noAutofit/>
+          </a:bodyPr>
+          <a:lstStyle>
+            <a:lvl1pPr indent="0" algn="ctr">
+              <a:lnSpc>
+                <a:spcPct val="100000"/>
+              </a:lnSpc>
+              <a:buNone/>
+              <a:tabLst>
+                <a:tab algn="l" pos="0"/>
+              </a:tabLst>
+              <a:defRPr b="0" lang="en-US" sz="1400" strike="noStrike" u="none">
+                <a:solidFill>
+                  <a:srgbClr val="484848"/>
+                </a:solidFill>
+                <a:effectLst/>
+                <a:uFillTx/>
+                <a:latin typeface="Noto Sans"/>
+              </a:defRPr>
+            </a:lvl1pPr>
+          </a:lstStyle>
+          <a:p>
+            <a:pPr indent="0" algn="ctr">
+              <a:lnSpc>
+                <a:spcPct val="100000"/>
+              </a:lnSpc>
+              <a:buNone/>
+              <a:tabLst>
+                <a:tab algn="l" pos="0"/>
+              </a:tabLst>
+            </a:pPr>
+            <a:r>
+              <a:rPr b="0" lang="en-US" sz="1400" strike="noStrike" u="none">
+                <a:solidFill>
+                  <a:srgbClr val="484848"/>
+                </a:solidFill>
+                <a:effectLst/>
+                <a:uFillTx/>
+                <a:latin typeface="Noto Sans"/>
+              </a:rPr>
+              <a:t>&lt;footer&gt;</a:t>
+            </a:r>
+            <a:endParaRPr b="0" lang="en-US" sz="1400" strike="noStrike" u="none">
+              <a:solidFill>
+                <a:srgbClr val="000000"/>
+              </a:solidFill>
+              <a:effectLst/>
+              <a:uFillTx/>
+              <a:latin typeface="Times New Roman"/>
+            </a:endParaRPr>
+          </a:p>
+        </p:txBody>
+      </p:sp>
+      <p:sp>
+        <p:nvSpPr>
+          <p:cNvPr id="16" name="PlaceHolder 4"/>
+          <p:cNvSpPr>
+            <a:spLocks noGrp="1"/>
+          </p:cNvSpPr>
+          <p:nvPr>
+            <p:ph type="sldNum" idx="8"/>
+          </p:nvPr>
+        </p:nvSpPr>
+        <p:spPr>
+          <a:xfrm>
+            <a:off x="7236000" y="5130000"/>
+            <a:ext cx="2336400" cy="446400"/>
+          </a:xfrm>
+          <a:prstGeom prst="rect">
+            <a:avLst/>
+          </a:prstGeom>
+          <a:noFill/>
+          <a:ln w="0">
+            <a:noFill/>
+          </a:ln>
+        </p:spPr>
+        <p:txBody>
+          <a:bodyPr lIns="0" rIns="0" tIns="0" bIns="0" anchor="t">
+            <a:noAutofit/>
+          </a:bodyPr>
+          <a:lstStyle>
+            <a:lvl1pPr indent="0" algn="r">
+              <a:lnSpc>
+                <a:spcPct val="100000"/>
+              </a:lnSpc>
+              <a:buNone/>
+              <a:tabLst>
+                <a:tab algn="l" pos="0"/>
+              </a:tabLst>
+              <a:defRPr b="0" lang="en-US" sz="1400" strike="noStrike" u="none">
+                <a:solidFill>
+                  <a:srgbClr val="484848"/>
+                </a:solidFill>
+                <a:effectLst/>
+                <a:uFillTx/>
+                <a:latin typeface="Noto Sans"/>
+              </a:defRPr>
+            </a:lvl1pPr>
+          </a:lstStyle>
+          <a:p>
+            <a:pPr indent="0" algn="r">
+              <a:lnSpc>
+                <a:spcPct val="100000"/>
+              </a:lnSpc>
+              <a:buNone/>
+              <a:tabLst>
+                <a:tab algn="l" pos="0"/>
+              </a:tabLst>
+            </a:pPr>
+            <a:fld id="{B2BB644D-A792-4DE6-BE75-71520862514D}" type="slidenum">
+              <a:rPr b="0" lang="en-US" sz="1400" strike="noStrike" u="none">
+                <a:solidFill>
+                  <a:srgbClr val="484848"/>
+                </a:solidFill>
+                <a:effectLst/>
+                <a:uFillTx/>
+                <a:latin typeface="Noto Sans"/>
+              </a:rPr>
+              <a:t>&lt;number&gt;</a:t>
+            </a:fld>
+            <a:endParaRPr b="0" lang="en-US" sz="1400" strike="noStrike" u="none">
+              <a:solidFill>
+                <a:srgbClr val="000000"/>
+              </a:solidFill>
+              <a:effectLst/>
+              <a:uFillTx/>
+              <a:latin typeface="Times New Roman"/>
+            </a:endParaRPr>
+          </a:p>
+        </p:txBody>
+      </p:sp>
+      <p:sp>
+        <p:nvSpPr>
+          <p:cNvPr id="17" name="PlaceHolder 5"/>
+          <p:cNvSpPr>
+            <a:spLocks noGrp="1"/>
+          </p:cNvSpPr>
+          <p:nvPr>
+            <p:ph type="dt" idx="9"/>
+          </p:nvPr>
+        </p:nvSpPr>
+        <p:spPr>
+          <a:xfrm>
+            <a:off x="504000" y="5130000"/>
+            <a:ext cx="2336400" cy="446400"/>
+          </a:xfrm>
+          <a:prstGeom prst="rect">
+            <a:avLst/>
+          </a:prstGeom>
+          <a:noFill/>
+          <a:ln w="0">
+            <a:noFill/>
+          </a:ln>
+        </p:spPr>
+        <p:txBody>
+          <a:bodyPr lIns="0" rIns="0" tIns="0" bIns="0" anchor="t">
+            <a:noAutofit/>
+          </a:bodyPr>
+          <a:lstStyle>
+            <a:lvl1pPr indent="0">
+              <a:buNone/>
+              <a:defRPr b="0" lang="en-US" sz="1400" strike="noStrike" u="none">
+                <a:solidFill>
+                  <a:srgbClr val="000000"/>
+                </a:solidFill>
+                <a:effectLst/>
+                <a:uFillTx/>
+                <a:latin typeface="Times New Roman"/>
+              </a:defRPr>
+            </a:lvl1pPr>
+          </a:lstStyle>
+          <a:p>
+            <a:pPr indent="0">
+              <a:buNone/>
+            </a:pPr>
+            <a:r>
+              <a:rPr b="0" lang="en-US" sz="1400" strike="noStrike" u="none">
+                <a:solidFill>
+                  <a:srgbClr val="000000"/>
+                </a:solidFill>
+                <a:effectLst/>
+                <a:uFillTx/>
+                <a:latin typeface="Times New Roman"/>
+              </a:rPr>
+              <a:t>&lt;date/time&gt;</a:t>
+            </a:r>
+            <a:endParaRPr b="0" lang="en-US" sz="1400" strike="noStrike" u="none">
+              <a:solidFill>
+                <a:srgbClr val="000000"/>
+              </a:solidFill>
+              <a:effectLst/>
+              <a:uFillTx/>
+              <a:latin typeface="Times New Roman"/>
+            </a:endParaRPr>
+          </a:p>
+        </p:txBody>
+      </p:sp>
+    </p:spTree>
+  </p:cSld>
+  <p:clrMap bg1="lt1" tx1="dk1" bg2="lt2" tx2="dk2" accent1="accent1" accent2="accent2" accent3="accent3" accent4="accent4" accent5="accent5" accent6="accent6" hlink="hlink" folHlink="folHlink"/>
+  <p:sldLayoutIdLst>
+    <p:sldLayoutId id="2147483653" r:id="rId2"/>
+  </p:sldLayoutIdLst>
+</p:sldMaster>
+</file>
+
+<file path=ppt/slideMasters/slideMaster4.xml><?xml version="1.0" encoding="utf-8"?>
+<p:sldMaster xmlns:a="http://schemas.openxmlformats.org/drawingml/2006/main" xmlns:p="http://schemas.openxmlformats.org/presentationml/2006/main" xmlns:r="http://schemas.openxmlformats.org/officeDocument/2006/relationships" xmlns:p14="http://schemas.microsoft.com/office/powerpoint/2010/main" xmlns:p15="http://schemas.microsoft.com/office/powerpoint/2012/main" xmlns:mc="http://schemas.openxmlformats.org/markup-compatibility/2006">
+  <p:cSld>
+    <p:spTree>
+      <p:nvGrpSpPr>
+        <p:cNvPr id="1" name=""/>
+        <p:cNvGrpSpPr/>
+        <p:nvPr/>
+      </p:nvGrpSpPr>
+      <p:grpSpPr>
+        <a:xfrm>
+          <a:off x="0" y="0"/>
+          <a:ext cx="0" cy="0"/>
+          <a:chOff x="0" y="0"/>
+          <a:chExt cx="0" cy="0"/>
+        </a:xfrm>
+      </p:grpSpPr>
+      <p:sp>
+        <p:nvSpPr>
+          <p:cNvPr id="20" name=""/>
+          <p:cNvSpPr/>
+          <p:nvPr/>
+        </p:nvSpPr>
+        <p:spPr>
+          <a:xfrm flipV="1">
+            <a:off x="0" y="-3600"/>
+            <a:ext cx="10076400" cy="1076400"/>
+          </a:xfrm>
+          <a:prstGeom prst="rect">
+            <a:avLst/>
+          </a:prstGeom>
+          <a:pattFill prst="lgGrid">
+            <a:fgClr>
+              <a:srgbClr val="3465a4"/>
+            </a:fgClr>
+            <a:bgClr>
+              <a:srgbClr val="009eda"/>
+            </a:bgClr>
+          </a:pattFill>
+          <a:ln w="18000">
+            <a:noFill/>
+          </a:ln>
+          <a:effectLst>
+            <a:outerShdw blurRad="0" dir="5400000" dist="25200" rotWithShape="0">
+              <a:srgbClr val="f49100"/>
+            </a:outerShdw>
+          </a:effectLst>
+        </p:spPr>
+        <p:style>
+          <a:lnRef idx="0"/>
+          <a:fillRef idx="0"/>
+          <a:effectRef idx="0"/>
+          <a:fontRef idx="minor"/>
+        </p:style>
+        <p:txBody>
+          <a:bodyPr wrap="none" lIns="36000" rIns="36000" tIns="36000" bIns="36000" anchor="ctr">
+            <a:noAutofit/>
+          </a:bodyPr>
+          <a:p>
+            <a:pPr>
+              <a:lnSpc>
+                <a:spcPct val="100000"/>
+              </a:lnSpc>
+            </a:pPr>
+            <a:endParaRPr b="0" lang="en-US" sz="2200" strike="noStrike" u="none">
+              <a:solidFill>
+                <a:srgbClr val="ffffff"/>
+              </a:solidFill>
+              <a:effectLst/>
+              <a:uFillTx/>
+              <a:latin typeface="Noto Sans"/>
+              <a:ea typeface="DejaVu Sans"/>
+            </a:endParaRPr>
+          </a:p>
+        </p:txBody>
+      </p:sp>
+      <p:sp>
+        <p:nvSpPr>
+          <p:cNvPr id="21" name="PlaceHolder 1"/>
+          <p:cNvSpPr>
+            <a:spLocks noGrp="1"/>
+          </p:cNvSpPr>
+          <p:nvPr>
+            <p:ph type="ftr" idx="10"/>
+          </p:nvPr>
+        </p:nvSpPr>
+        <p:spPr>
+          <a:xfrm>
+            <a:off x="3420000" y="5130000"/>
+            <a:ext cx="3236400" cy="446400"/>
+          </a:xfrm>
+          <a:prstGeom prst="rect">
+            <a:avLst/>
+          </a:prstGeom>
+          <a:noFill/>
+          <a:ln w="0">
+            <a:noFill/>
+          </a:ln>
+        </p:spPr>
+        <p:txBody>
+          <a:bodyPr lIns="0" rIns="0" tIns="0" bIns="0" anchor="t">
+            <a:noAutofit/>
+          </a:bodyPr>
+          <a:lstStyle>
+            <a:lvl1pPr indent="0" algn="ctr">
+              <a:lnSpc>
+                <a:spcPct val="100000"/>
+              </a:lnSpc>
+              <a:buNone/>
+              <a:tabLst>
+                <a:tab algn="l" pos="0"/>
+              </a:tabLst>
+              <a:defRPr b="0" lang="en-US" sz="1400" strike="noStrike" u="none">
+                <a:solidFill>
+                  <a:srgbClr val="484848"/>
+                </a:solidFill>
+                <a:effectLst/>
+                <a:uFillTx/>
+                <a:latin typeface="Noto Sans"/>
+              </a:defRPr>
+            </a:lvl1pPr>
+          </a:lstStyle>
+          <a:p>
+            <a:pPr indent="0" algn="ctr">
+              <a:lnSpc>
+                <a:spcPct val="100000"/>
+              </a:lnSpc>
+              <a:buNone/>
+              <a:tabLst>
+                <a:tab algn="l" pos="0"/>
+              </a:tabLst>
+            </a:pPr>
+            <a:r>
+              <a:rPr b="0" lang="en-US" sz="1400" strike="noStrike" u="none">
+                <a:solidFill>
+                  <a:srgbClr val="484848"/>
+                </a:solidFill>
+                <a:effectLst/>
+                <a:uFillTx/>
+                <a:latin typeface="Noto Sans"/>
+              </a:rPr>
+              <a:t> </a:t>
+            </a:r>
+            <a:endParaRPr b="0" lang="en-US" sz="1400" strike="noStrike" u="none">
+              <a:solidFill>
+                <a:srgbClr val="000000"/>
+              </a:solidFill>
+              <a:effectLst/>
+              <a:uFillTx/>
+              <a:latin typeface="Times New Roman"/>
+            </a:endParaRPr>
+          </a:p>
+        </p:txBody>
+      </p:sp>
+      <p:sp>
+        <p:nvSpPr>
+          <p:cNvPr id="22" name="PlaceHolder 2"/>
+          <p:cNvSpPr>
+            <a:spLocks noGrp="1"/>
+          </p:cNvSpPr>
+          <p:nvPr>
+            <p:ph type="sldNum" idx="11"/>
+          </p:nvPr>
+        </p:nvSpPr>
+        <p:spPr>
+          <a:xfrm>
+            <a:off x="7236000" y="5130000"/>
+            <a:ext cx="2336400" cy="446400"/>
+          </a:xfrm>
+          <a:prstGeom prst="rect">
+            <a:avLst/>
+          </a:prstGeom>
+          <a:noFill/>
+          <a:ln w="0">
+            <a:noFill/>
+          </a:ln>
+        </p:spPr>
+        <p:txBody>
+          <a:bodyPr lIns="0" rIns="0" tIns="0" bIns="0" anchor="t">
+            <a:noAutofit/>
+          </a:bodyPr>
+          <a:lstStyle>
+            <a:lvl1pPr indent="0" algn="r">
+              <a:lnSpc>
+                <a:spcPct val="100000"/>
+              </a:lnSpc>
+              <a:buNone/>
+              <a:tabLst>
+                <a:tab algn="l" pos="0"/>
+              </a:tabLst>
+              <a:defRPr b="0" lang="en-US" sz="1400" strike="noStrike" u="none">
+                <a:solidFill>
+                  <a:srgbClr val="484848"/>
+                </a:solidFill>
+                <a:effectLst/>
+                <a:uFillTx/>
+                <a:latin typeface="Noto Sans"/>
+              </a:defRPr>
+            </a:lvl1pPr>
+          </a:lstStyle>
+          <a:p>
+            <a:pPr indent="0" algn="r">
+              <a:lnSpc>
+                <a:spcPct val="100000"/>
+              </a:lnSpc>
+              <a:buNone/>
+              <a:tabLst>
+                <a:tab algn="l" pos="0"/>
+              </a:tabLst>
+            </a:pPr>
+            <a:fld id="{7EE77D0C-F120-4C86-BF78-CCB2A3511045}" type="slidenum">
+              <a:rPr b="0" lang="en-US" sz="1400" strike="noStrike" u="none">
+                <a:solidFill>
+                  <a:srgbClr val="484848"/>
+                </a:solidFill>
+                <a:effectLst/>
+                <a:uFillTx/>
+                <a:latin typeface="Noto Sans"/>
+              </a:rPr>
+              <a:t>1</a:t>
+            </a:fld>
+            <a:endParaRPr b="0" lang="en-US" sz="1400" strike="noStrike" u="none">
+              <a:solidFill>
+                <a:srgbClr val="000000"/>
+              </a:solidFill>
+              <a:effectLst/>
+              <a:uFillTx/>
+              <a:latin typeface="Times New Roman"/>
+            </a:endParaRPr>
+          </a:p>
+        </p:txBody>
+      </p:sp>
+      <p:sp>
+        <p:nvSpPr>
+          <p:cNvPr id="23" name="PlaceHolder 3"/>
+          <p:cNvSpPr>
+            <a:spLocks noGrp="1"/>
+          </p:cNvSpPr>
+          <p:nvPr>
+            <p:ph type="dt" idx="12"/>
+          </p:nvPr>
+        </p:nvSpPr>
+        <p:spPr>
+          <a:xfrm>
+            <a:off x="504000" y="5130000"/>
+            <a:ext cx="2336400" cy="446400"/>
+          </a:xfrm>
+          <a:prstGeom prst="rect">
+            <a:avLst/>
+          </a:prstGeom>
+          <a:noFill/>
+          <a:ln w="0">
+            <a:noFill/>
+          </a:ln>
+        </p:spPr>
+        <p:txBody>
+          <a:bodyPr lIns="0" rIns="0" tIns="0" bIns="0" anchor="t">
+            <a:noAutofit/>
+          </a:bodyPr>
+          <a:lstStyle>
+            <a:lvl1pPr indent="0">
+              <a:buNone/>
+              <a:defRPr b="0" lang="en-US" sz="1400" strike="noStrike" u="none">
+                <a:solidFill>
+                  <a:srgbClr val="000000"/>
+                </a:solidFill>
+                <a:effectLst/>
+                <a:uFillTx/>
+                <a:latin typeface="Times New Roman"/>
+              </a:defRPr>
+            </a:lvl1pPr>
+          </a:lstStyle>
+          <a:p>
+            <a:pPr indent="0">
+              <a:buNone/>
+            </a:pPr>
+            <a:r>
+              <a:rPr b="0" lang="en-US" sz="1400" strike="noStrike" u="none">
+                <a:solidFill>
+                  <a:srgbClr val="000000"/>
+                </a:solidFill>
+                <a:effectLst/>
+                <a:uFillTx/>
+                <a:latin typeface="Times New Roman"/>
+              </a:rPr>
+              <a:t> </a:t>
+            </a:r>
+            <a:endParaRPr b="0" lang="en-US" sz="1400" strike="noStrike" u="none">
+              <a:solidFill>
+                <a:srgbClr val="000000"/>
+              </a:solidFill>
+              <a:effectLst/>
+              <a:uFillTx/>
+              <a:latin typeface="Times New Roman"/>
+            </a:endParaRPr>
+          </a:p>
+        </p:txBody>
+      </p:sp>
+    </p:spTree>
+  </p:cSld>
+  <p:clrMap bg1="lt1" tx1="dk1" bg2="lt2" tx2="dk2" accent1="accent1" accent2="accent2" accent3="accent3" accent4="accent4" accent5="accent5" accent6="accent6" hlink="hlink" folHlink="folHlink"/>
+  <p:sldLayoutIdLst>
+    <p:sldLayoutId id="2147483655" r:id="rId2"/>
+  </p:sldLayoutIdLst>
+</p:sldMaster>
+</file>
+
+<file path=ppt/slideMasters/slideMaster5.xml><?xml version="1.0" encoding="utf-8"?>
+<p:sldMaster xmlns:a="http://schemas.openxmlformats.org/drawingml/2006/main" xmlns:p="http://schemas.openxmlformats.org/presentationml/2006/main" xmlns:r="http://schemas.openxmlformats.org/officeDocument/2006/relationships" xmlns:p14="http://schemas.microsoft.com/office/powerpoint/2010/main" xmlns:p15="http://schemas.microsoft.com/office/powerpoint/2012/main" xmlns:mc="http://schemas.openxmlformats.org/markup-compatibility/2006">
+  <p:cSld>
+    <p:spTree>
+      <p:nvGrpSpPr>
+        <p:cNvPr id="1" name=""/>
+        <p:cNvGrpSpPr/>
+        <p:nvPr/>
+      </p:nvGrpSpPr>
+      <p:grpSpPr>
+        <a:xfrm>
+          <a:off x="0" y="0"/>
+          <a:ext cx="0" cy="0"/>
+          <a:chOff x="0" y="0"/>
+          <a:chExt cx="0" cy="0"/>
+        </a:xfrm>
+      </p:grpSpPr>
+      <p:sp>
+        <p:nvSpPr>
+          <p:cNvPr id="24" name=""/>
+          <p:cNvSpPr/>
+          <p:nvPr/>
+        </p:nvSpPr>
+        <p:spPr>
+          <a:xfrm flipV="1">
+            <a:off x="0" y="-3600"/>
+            <a:ext cx="10076400" cy="176400"/>
+          </a:xfrm>
+          <a:prstGeom prst="rect">
+            <a:avLst/>
+          </a:prstGeom>
+          <a:pattFill prst="lgGrid">
+            <a:fgClr>
+              <a:srgbClr val="3465a4"/>
+            </a:fgClr>
+            <a:bgClr>
+              <a:srgbClr val="009eda"/>
+            </a:bgClr>
+          </a:pattFill>
+          <a:ln w="18000">
+            <a:noFill/>
+          </a:ln>
+          <a:effectLst>
+            <a:outerShdw blurRad="0" dir="5400000" dist="25200" rotWithShape="0">
+              <a:srgbClr val="f49100"/>
+            </a:outerShdw>
+          </a:effectLst>
+        </p:spPr>
+        <p:style>
+          <a:lnRef idx="0"/>
+          <a:fillRef idx="0"/>
+          <a:effectRef idx="0"/>
+          <a:fontRef idx="minor"/>
+        </p:style>
+        <p:txBody>
+          <a:bodyPr wrap="none" lIns="36000" rIns="36000" tIns="36000" bIns="36000" anchor="ctr">
+            <a:noAutofit/>
+          </a:bodyPr>
+          <a:p>
+            <a:pPr>
+              <a:lnSpc>
+                <a:spcPct val="100000"/>
+              </a:lnSpc>
+            </a:pPr>
+            <a:endParaRPr b="0" lang="en-US" sz="2200" strike="noStrike" u="none">
+              <a:solidFill>
+                <a:srgbClr val="ffffff"/>
+              </a:solidFill>
+              <a:effectLst/>
+              <a:uFillTx/>
+              <a:latin typeface="Noto Sans"/>
+              <a:ea typeface="DejaVu Sans"/>
+            </a:endParaRPr>
+          </a:p>
+        </p:txBody>
+      </p:sp>
+      <p:sp>
+        <p:nvSpPr>
+          <p:cNvPr id="25" name=""/>
+          <p:cNvSpPr/>
+          <p:nvPr/>
+        </p:nvSpPr>
+        <p:spPr>
+          <a:xfrm>
+            <a:off x="0" y="5580000"/>
+            <a:ext cx="10076400" cy="86400"/>
+          </a:xfrm>
+          <a:prstGeom prst="rect">
+            <a:avLst/>
+          </a:prstGeom>
+          <a:pattFill prst="lgGrid">
+            <a:fgClr>
+              <a:srgbClr val="3465a4"/>
+            </a:fgClr>
+            <a:bgClr>
+              <a:srgbClr val="009eda"/>
+            </a:bgClr>
+          </a:pattFill>
+          <a:ln w="18000">
+            <a:noFill/>
+          </a:ln>
+          <a:effectLst>
+            <a:outerShdw blurRad="0" dir="16200000" dist="25200" rotWithShape="0">
+              <a:srgbClr val="f49100"/>
+            </a:outerShdw>
+          </a:effectLst>
+        </p:spPr>
+        <p:style>
+          <a:lnRef idx="0"/>
+          <a:fillRef idx="0"/>
+          <a:effectRef idx="0"/>
+          <a:fontRef idx="minor"/>
+        </p:style>
+        <p:txBody>
+          <a:bodyPr wrap="none" lIns="36000" rIns="36000" tIns="36000" bIns="36000" anchor="ctr">
+            <a:noAutofit/>
+          </a:bodyPr>
+          <a:p>
+            <a:pPr>
+              <a:lnSpc>
+                <a:spcPct val="100000"/>
+              </a:lnSpc>
+            </a:pPr>
+            <a:endParaRPr b="0" lang="en-US" sz="2200" strike="noStrike" u="none">
+              <a:solidFill>
+                <a:srgbClr val="ffffff"/>
+              </a:solidFill>
+              <a:effectLst/>
+              <a:uFillTx/>
+              <a:latin typeface="Noto Sans"/>
+              <a:ea typeface="DejaVu Sans"/>
+            </a:endParaRPr>
+          </a:p>
+        </p:txBody>
+      </p:sp>
+      <p:sp>
+        <p:nvSpPr>
+          <p:cNvPr id="26" name="PlaceHolder 1"/>
+          <p:cNvSpPr>
+            <a:spLocks noGrp="1"/>
+          </p:cNvSpPr>
+          <p:nvPr>
+            <p:ph type="ftr" idx="13"/>
+          </p:nvPr>
+        </p:nvSpPr>
+        <p:spPr>
+          <a:xfrm>
+            <a:off x="3420000" y="5130000"/>
+            <a:ext cx="3236400" cy="446400"/>
+          </a:xfrm>
+          <a:prstGeom prst="rect">
+            <a:avLst/>
+          </a:prstGeom>
+          <a:noFill/>
+          <a:ln w="0">
+            <a:noFill/>
+          </a:ln>
+        </p:spPr>
+        <p:txBody>
+          <a:bodyPr lIns="0" rIns="0" tIns="0" bIns="0" anchor="t">
+            <a:noAutofit/>
+          </a:bodyPr>
+          <a:lstStyle>
+            <a:lvl1pPr indent="0" algn="ctr">
+              <a:lnSpc>
+                <a:spcPct val="100000"/>
+              </a:lnSpc>
+              <a:buNone/>
+              <a:tabLst>
+                <a:tab algn="l" pos="0"/>
+              </a:tabLst>
+              <a:defRPr b="0" lang="en-US" sz="1400" strike="noStrike" u="none">
+                <a:solidFill>
+                  <a:srgbClr val="484848"/>
+                </a:solidFill>
+                <a:effectLst/>
+                <a:uFillTx/>
+                <a:latin typeface="Noto Sans"/>
+              </a:defRPr>
+            </a:lvl1pPr>
+          </a:lstStyle>
+          <a:p>
+            <a:pPr indent="0" algn="ctr">
+              <a:lnSpc>
+                <a:spcPct val="100000"/>
+              </a:lnSpc>
+              <a:buNone/>
+              <a:tabLst>
+                <a:tab algn="l" pos="0"/>
+              </a:tabLst>
+            </a:pPr>
+            <a:r>
+              <a:rPr b="0" lang="en-US" sz="1400" strike="noStrike" u="none">
+                <a:solidFill>
+                  <a:srgbClr val="484848"/>
+                </a:solidFill>
+                <a:effectLst/>
+                <a:uFillTx/>
+                <a:latin typeface="Noto Sans"/>
+              </a:rPr>
+              <a:t> </a:t>
+            </a:r>
+            <a:endParaRPr b="0" lang="en-US" sz="1400" strike="noStrike" u="none">
+              <a:solidFill>
+                <a:srgbClr val="000000"/>
+              </a:solidFill>
+              <a:effectLst/>
+              <a:uFillTx/>
+              <a:latin typeface="Times New Roman"/>
+            </a:endParaRPr>
+          </a:p>
+        </p:txBody>
+      </p:sp>
+      <p:sp>
+        <p:nvSpPr>
+          <p:cNvPr id="27" name="PlaceHolder 2"/>
+          <p:cNvSpPr>
+            <a:spLocks noGrp="1"/>
+          </p:cNvSpPr>
+          <p:nvPr>
+            <p:ph type="sldNum" idx="14"/>
+          </p:nvPr>
+        </p:nvSpPr>
+        <p:spPr>
+          <a:xfrm>
+            <a:off x="7236000" y="5130000"/>
+            <a:ext cx="2336400" cy="446400"/>
+          </a:xfrm>
+          <a:prstGeom prst="rect">
+            <a:avLst/>
+          </a:prstGeom>
+          <a:noFill/>
+          <a:ln w="0">
+            <a:noFill/>
+          </a:ln>
+        </p:spPr>
+        <p:txBody>
+          <a:bodyPr lIns="0" rIns="0" tIns="0" bIns="0" anchor="t">
+            <a:noAutofit/>
+          </a:bodyPr>
+          <a:lstStyle>
+            <a:lvl1pPr indent="0" algn="r">
+              <a:lnSpc>
+                <a:spcPct val="100000"/>
+              </a:lnSpc>
+              <a:buNone/>
+              <a:tabLst>
+                <a:tab algn="l" pos="0"/>
+              </a:tabLst>
+              <a:defRPr b="0" lang="en-US" sz="1400" strike="noStrike" u="none">
+                <a:solidFill>
+                  <a:srgbClr val="484848"/>
+                </a:solidFill>
+                <a:effectLst/>
+                <a:uFillTx/>
+                <a:latin typeface="Noto Sans"/>
+              </a:defRPr>
+            </a:lvl1pPr>
+          </a:lstStyle>
+          <a:p>
+            <a:pPr indent="0" algn="r">
+              <a:lnSpc>
+                <a:spcPct val="100000"/>
+              </a:lnSpc>
+              <a:buNone/>
+              <a:tabLst>
+                <a:tab algn="l" pos="0"/>
+              </a:tabLst>
+            </a:pPr>
+            <a:fld id="{0F82760B-E68B-43D3-B2FC-7F37B53EDA62}" type="slidenum">
+              <a:rPr b="0" lang="en-US" sz="1400" strike="noStrike" u="none">
+                <a:solidFill>
+                  <a:srgbClr val="484848"/>
+                </a:solidFill>
+                <a:effectLst/>
+                <a:uFillTx/>
+                <a:latin typeface="Noto Sans"/>
+              </a:rPr>
+              <a:t>1</a:t>
+            </a:fld>
+            <a:endParaRPr b="0" lang="en-US" sz="1400" strike="noStrike" u="none">
+              <a:solidFill>
+                <a:srgbClr val="000000"/>
+              </a:solidFill>
+              <a:effectLst/>
+              <a:uFillTx/>
+              <a:latin typeface="Times New Roman"/>
+            </a:endParaRPr>
+          </a:p>
+        </p:txBody>
+      </p:sp>
+      <p:sp>
+        <p:nvSpPr>
+          <p:cNvPr id="28" name="PlaceHolder 3"/>
+          <p:cNvSpPr>
+            <a:spLocks noGrp="1"/>
+          </p:cNvSpPr>
+          <p:nvPr>
+            <p:ph type="dt" idx="15"/>
+          </p:nvPr>
+        </p:nvSpPr>
+        <p:spPr>
+          <a:xfrm>
+            <a:off x="504000" y="5130000"/>
+            <a:ext cx="2336400" cy="446400"/>
+          </a:xfrm>
+          <a:prstGeom prst="rect">
+            <a:avLst/>
+          </a:prstGeom>
+          <a:noFill/>
+          <a:ln w="0">
+            <a:noFill/>
+          </a:ln>
+        </p:spPr>
+        <p:txBody>
+          <a:bodyPr lIns="0" rIns="0" tIns="0" bIns="0" anchor="t">
+            <a:noAutofit/>
+          </a:bodyPr>
+          <a:lstStyle>
+            <a:lvl1pPr indent="0">
+              <a:buNone/>
+              <a:defRPr b="0" lang="en-US" sz="1400" strike="noStrike" u="none">
+                <a:solidFill>
+                  <a:srgbClr val="000000"/>
+                </a:solidFill>
+                <a:effectLst/>
+                <a:uFillTx/>
+                <a:latin typeface="Times New Roman"/>
+              </a:defRPr>
+            </a:lvl1pPr>
+          </a:lstStyle>
+          <a:p>
+            <a:pPr indent="0">
+              <a:buNone/>
+            </a:pPr>
+            <a:r>
+              <a:rPr b="0" lang="en-US" sz="1400" strike="noStrike" u="none">
+                <a:solidFill>
+                  <a:srgbClr val="000000"/>
+                </a:solidFill>
+                <a:effectLst/>
+                <a:uFillTx/>
+                <a:latin typeface="Times New Roman"/>
+              </a:rPr>
+              <a:t> </a:t>
+            </a:r>
+            <a:endParaRPr b="0" lang="en-US" sz="1400" strike="noStrike" u="none">
+              <a:solidFill>
+                <a:srgbClr val="000000"/>
+              </a:solidFill>
+              <a:effectLst/>
+              <a:uFillTx/>
+              <a:latin typeface="Times New Roman"/>
+            </a:endParaRPr>
+          </a:p>
+        </p:txBody>
+      </p:sp>
+      <p:sp>
+        <p:nvSpPr>
+          <p:cNvPr id="29" name="PlaceHolder 4"/>
+          <p:cNvSpPr>
+            <a:spLocks noGrp="1"/>
+          </p:cNvSpPr>
+          <p:nvPr>
+            <p:ph type="title"/>
+          </p:nvPr>
+        </p:nvSpPr>
+        <p:spPr>
+          <a:xfrm>
+            <a:off x="504000" y="226080"/>
+            <a:ext cx="9072000" cy="946440"/>
+          </a:xfrm>
+          <a:prstGeom prst="rect">
+            <a:avLst/>
+          </a:prstGeom>
+          <a:noFill/>
+          <a:ln w="0">
+            <a:noFill/>
+          </a:ln>
+        </p:spPr>
+        <p:txBody>
+          <a:bodyPr lIns="0" rIns="0" tIns="0" bIns="0" anchor="ctr">
+            <a:noAutofit/>
+          </a:bodyPr>
+          <a:p>
+            <a:pPr indent="0" algn="ctr">
+              <a:buNone/>
+            </a:pPr>
+            <a:r>
+              <a:rPr b="0" lang="en-US" sz="4400" strike="noStrike" u="none">
+                <a:solidFill>
+                  <a:srgbClr val="000000"/>
+                </a:solidFill>
+                <a:effectLst/>
+                <a:uFillTx/>
+                <a:latin typeface="Arial"/>
+              </a:rPr>
+              <a:t>Click to edit the title text format</a:t>
+            </a:r>
+            <a:endParaRPr b="0" lang="en-US" sz="4400" strike="noStrike" u="none">
+              <a:solidFill>
+                <a:srgbClr val="000000"/>
+              </a:solidFill>
+              <a:effectLst/>
+              <a:uFillTx/>
+              <a:latin typeface="Arial"/>
+            </a:endParaRPr>
+          </a:p>
+        </p:txBody>
+      </p:sp>
+      <p:sp>
+        <p:nvSpPr>
+          <p:cNvPr id="30" name="PlaceHolder 5"/>
+          <p:cNvSpPr>
+            <a:spLocks noGrp="1"/>
+          </p:cNvSpPr>
+          <p:nvPr>
+            <p:ph type="body"/>
+          </p:nvPr>
+        </p:nvSpPr>
+        <p:spPr>
+          <a:xfrm>
+            <a:off x="504000" y="1326600"/>
+            <a:ext cx="9072000" cy="3288600"/>
+          </a:xfrm>
+          <a:prstGeom prst="rect">
+            <a:avLst/>
+          </a:prstGeom>
+          <a:noFill/>
+          <a:ln w="0">
+            <a:noFill/>
+          </a:ln>
+        </p:spPr>
+        <p:txBody>
+          <a:bodyPr lIns="0" rIns="0" tIns="0" bIns="0" anchor="t">
+            <a:normAutofit/>
+          </a:bodyPr>
+          <a:p>
+            <a:pPr marL="432000" indent="-324000">
+              <a:spcBef>
+                <a:spcPts val="1417"/>
+              </a:spcBef>
+              <a:buClr>
+                <a:srgbClr val="000000"/>
+              </a:buClr>
+              <a:buSzPct val="45000"/>
+              <a:buFont typeface="Wingdings" charset="2"/>
+              <a:buChar char=""/>
+            </a:pPr>
+            <a:r>
+              <a:rPr b="0" lang="en-US" sz="3200" strike="noStrike" u="none">
+                <a:solidFill>
+                  <a:srgbClr val="000000"/>
+                </a:solidFill>
+                <a:effectLst/>
+                <a:uFillTx/>
+                <a:latin typeface="Arial"/>
+              </a:rPr>
+              <a:t>Click to edit the outline text format</a:t>
+            </a:r>
+            <a:endParaRPr b="0" lang="en-US" sz="3200" strike="noStrike" u="none">
+              <a:solidFill>
+                <a:srgbClr val="000000"/>
+              </a:solidFill>
+              <a:effectLst/>
+              <a:uFillTx/>
+              <a:latin typeface="Arial"/>
+            </a:endParaRPr>
+          </a:p>
+          <a:p>
+            <a:pPr lvl="1" marL="432000" indent="-216000">
+              <a:spcBef>
+                <a:spcPts val="1134"/>
+              </a:spcBef>
+              <a:buClr>
+                <a:srgbClr val="000000"/>
+              </a:buClr>
+              <a:buSzPct val="45000"/>
+              <a:buFont typeface="Wingdings" charset="2"/>
+              <a:buChar char=""/>
+            </a:pPr>
+            <a:r>
+              <a:rPr b="0" lang="en-US" sz="2800" strike="noStrike" u="none">
+                <a:solidFill>
+                  <a:srgbClr val="000000"/>
+                </a:solidFill>
+                <a:effectLst/>
+                <a:uFillTx/>
+                <a:latin typeface="Times New Roman"/>
+              </a:rPr>
+              <a:t>Second Outline Level</a:t>
+            </a:r>
+            <a:endParaRPr b="0" lang="en-US" sz="2800" strike="noStrike" u="none">
+              <a:solidFill>
+                <a:srgbClr val="000000"/>
+              </a:solidFill>
+              <a:effectLst/>
+              <a:uFillTx/>
+              <a:latin typeface="Times New Roman"/>
+            </a:endParaRPr>
+          </a:p>
+          <a:p>
+            <a:pPr lvl="2" marL="648000" indent="-216000">
+              <a:spcBef>
+                <a:spcPts val="850"/>
+              </a:spcBef>
+              <a:buClr>
+                <a:srgbClr val="000000"/>
+              </a:buClr>
+              <a:buSzPct val="45000"/>
+              <a:buFont typeface="Wingdings" charset="2"/>
+              <a:buChar char=""/>
+            </a:pPr>
+            <a:r>
+              <a:rPr b="0" lang="en-US" sz="2400" strike="noStrike" u="none">
+                <a:solidFill>
+                  <a:srgbClr val="000000"/>
+                </a:solidFill>
+                <a:effectLst/>
+                <a:uFillTx/>
+                <a:latin typeface="Times New Roman"/>
+              </a:rPr>
+              <a:t>Third Outline Level</a:t>
+            </a:r>
+            <a:endParaRPr b="0" lang="en-US" sz="2400" strike="noStrike" u="none">
+              <a:solidFill>
+                <a:srgbClr val="000000"/>
+              </a:solidFill>
+              <a:effectLst/>
+              <a:uFillTx/>
+              <a:latin typeface="Times New Roman"/>
+            </a:endParaRPr>
+          </a:p>
+          <a:p>
+            <a:pPr lvl="3" marL="864000" indent="-216000">
+              <a:spcBef>
+                <a:spcPts val="567"/>
+              </a:spcBef>
+              <a:buClr>
+                <a:srgbClr val="000000"/>
+              </a:buClr>
+              <a:buSzPct val="45000"/>
+              <a:buFont typeface="Wingdings" charset="2"/>
+              <a:buChar char=""/>
+            </a:pPr>
+            <a:r>
+              <a:rPr b="0" lang="en-US" sz="2000" strike="noStrike" u="none">
+                <a:solidFill>
+                  <a:srgbClr val="000000"/>
+                </a:solidFill>
+                <a:effectLst/>
+                <a:uFillTx/>
+                <a:latin typeface="Times New Roman"/>
+              </a:rPr>
+              <a:t>Fourth Outline Level</a:t>
+            </a:r>
+            <a:endParaRPr b="0" lang="en-US" sz="2000" strike="noStrike" u="none">
+              <a:solidFill>
+                <a:srgbClr val="000000"/>
+              </a:solidFill>
+              <a:effectLst/>
+              <a:uFillTx/>
+              <a:latin typeface="Times New Roman"/>
+            </a:endParaRPr>
+          </a:p>
+          <a:p>
+            <a:pPr lvl="4" marL="1080000" indent="-216000">
+              <a:spcBef>
+                <a:spcPts val="283"/>
+              </a:spcBef>
+              <a:buClr>
+                <a:srgbClr val="000000"/>
+              </a:buClr>
+              <a:buSzPct val="45000"/>
+              <a:buFont typeface="Wingdings" charset="2"/>
+              <a:buChar char=""/>
+            </a:pPr>
+            <a:r>
+              <a:rPr b="0" lang="en-US" sz="2000" strike="noStrike" u="none">
+                <a:solidFill>
+                  <a:srgbClr val="000000"/>
+                </a:solidFill>
+                <a:effectLst/>
+                <a:uFillTx/>
+                <a:latin typeface="Times New Roman"/>
+              </a:rPr>
+              <a:t>Fifth Outline Level</a:t>
+            </a:r>
+            <a:endParaRPr b="0" lang="en-US" sz="2000" strike="noStrike" u="none">
+              <a:solidFill>
+                <a:srgbClr val="000000"/>
+              </a:solidFill>
+              <a:effectLst/>
+              <a:uFillTx/>
+              <a:latin typeface="Times New Roman"/>
+            </a:endParaRPr>
+          </a:p>
+          <a:p>
+            <a:pPr lvl="5" marL="1296000" indent="-216000">
+              <a:spcBef>
+                <a:spcPts val="283"/>
+              </a:spcBef>
+              <a:buClr>
+                <a:srgbClr val="000000"/>
+              </a:buClr>
+              <a:buSzPct val="45000"/>
+              <a:buFont typeface="Wingdings" charset="2"/>
+              <a:buChar char=""/>
+            </a:pPr>
+            <a:r>
+              <a:rPr b="0" lang="en-US" sz="2000" strike="noStrike" u="none">
+                <a:solidFill>
+                  <a:srgbClr val="000000"/>
+                </a:solidFill>
+                <a:effectLst/>
+                <a:uFillTx/>
+                <a:latin typeface="Times New Roman"/>
+              </a:rPr>
+              <a:t>Sixth Outline Level</a:t>
+            </a:r>
+            <a:endParaRPr b="0" lang="en-US" sz="2000" strike="noStrike" u="none">
+              <a:solidFill>
+                <a:srgbClr val="000000"/>
+              </a:solidFill>
+              <a:effectLst/>
+              <a:uFillTx/>
+              <a:latin typeface="Times New Roman"/>
+            </a:endParaRPr>
+          </a:p>
+          <a:p>
+            <a:pPr lvl="6" marL="1512000" indent="-216000">
+              <a:spcBef>
+                <a:spcPts val="283"/>
+              </a:spcBef>
+              <a:buClr>
+                <a:srgbClr val="000000"/>
+              </a:buClr>
+              <a:buSzPct val="45000"/>
+              <a:buFont typeface="Wingdings" charset="2"/>
+              <a:buChar char=""/>
+            </a:pPr>
+            <a:r>
+              <a:rPr b="0" lang="en-US" sz="2000" strike="noStrike" u="none">
+                <a:solidFill>
+                  <a:srgbClr val="000000"/>
+                </a:solidFill>
+                <a:effectLst/>
+                <a:uFillTx/>
+                <a:latin typeface="Times New Roman"/>
+              </a:rPr>
+              <a:t>Seventh Outline Level</a:t>
+            </a:r>
+            <a:endParaRPr b="0" lang="en-US" sz="2000" strike="noStrike" u="none">
+              <a:solidFill>
+                <a:srgbClr val="000000"/>
+              </a:solidFill>
+              <a:effectLst/>
+              <a:uFillTx/>
+              <a:latin typeface="Times New Roman"/>
+            </a:endParaRPr>
+          </a:p>
+        </p:txBody>
+      </p:sp>
+    </p:spTree>
+  </p:cSld>
+  <p:clrMap bg1="lt1" tx1="dk1" bg2="lt2" tx2="dk2" accent1="accent1" accent2="accent2" accent3="accent3" accent4="accent4" accent5="accent5" accent6="accent6" hlink="hlink" folHlink="folHlink"/>
+  <p:sldLayoutIdLst>
+    <p:sldLayoutId id="2147483657" r:id="rId2"/>
+  </p:sldLayoutIdLst>
+</p:sldMaster>
+</file>
+
+<file path=ppt/slideMasters/slideMaster6.xml><?xml version="1.0" encoding="utf-8"?>
+<p:sldMaster xmlns:a="http://schemas.openxmlformats.org/drawingml/2006/main" xmlns:p="http://schemas.openxmlformats.org/presentationml/2006/main" xmlns:r="http://schemas.openxmlformats.org/officeDocument/2006/relationships" xmlns:p14="http://schemas.microsoft.com/office/powerpoint/2010/main" xmlns:p15="http://schemas.microsoft.com/office/powerpoint/2012/main" xmlns:mc="http://schemas.openxmlformats.org/markup-compatibility/2006">
+  <p:cSld>
+    <p:spTree>
+      <p:nvGrpSpPr>
+        <p:cNvPr id="1" name=""/>
+        <p:cNvGrpSpPr/>
+        <p:nvPr/>
+      </p:nvGrpSpPr>
+      <p:grpSpPr>
+        <a:xfrm>
+          <a:off x="0" y="0"/>
+          <a:ext cx="0" cy="0"/>
+          <a:chOff x="0" y="0"/>
+          <a:chExt cx="0" cy="0"/>
+        </a:xfrm>
+      </p:grpSpPr>
+      <p:sp>
+        <p:nvSpPr>
+          <p:cNvPr id="31" name=""/>
+          <p:cNvSpPr/>
+          <p:nvPr/>
+        </p:nvSpPr>
+        <p:spPr>
+          <a:xfrm flipV="1">
+            <a:off x="0" y="-3600"/>
+            <a:ext cx="10076400" cy="176400"/>
+          </a:xfrm>
+          <a:prstGeom prst="rect">
+            <a:avLst/>
+          </a:prstGeom>
+          <a:pattFill prst="lgGrid">
+            <a:fgClr>
+              <a:srgbClr val="3465a4"/>
+            </a:fgClr>
+            <a:bgClr>
+              <a:srgbClr val="009eda"/>
+            </a:bgClr>
+          </a:pattFill>
+          <a:ln w="18000">
+            <a:noFill/>
+          </a:ln>
+          <a:effectLst>
+            <a:outerShdw blurRad="0" dir="5400000" dist="25200" rotWithShape="0">
+              <a:srgbClr val="f49100"/>
+            </a:outerShdw>
+          </a:effectLst>
+        </p:spPr>
+        <p:style>
+          <a:lnRef idx="0"/>
+          <a:fillRef idx="0"/>
+          <a:effectRef idx="0"/>
+          <a:fontRef idx="minor"/>
+        </p:style>
+        <p:txBody>
+          <a:bodyPr wrap="none" lIns="36000" rIns="36000" tIns="36000" bIns="36000" anchor="ctr">
+            <a:noAutofit/>
+          </a:bodyPr>
+          <a:p>
+            <a:pPr>
+              <a:lnSpc>
+                <a:spcPct val="100000"/>
+              </a:lnSpc>
+            </a:pPr>
+            <a:endParaRPr b="0" lang="en-US" sz="2200" strike="noStrike" u="none">
+              <a:solidFill>
+                <a:srgbClr val="ffffff"/>
+              </a:solidFill>
+              <a:effectLst/>
+              <a:uFillTx/>
+              <a:latin typeface="Noto Sans"/>
+              <a:ea typeface="DejaVu Sans"/>
+            </a:endParaRPr>
+          </a:p>
+        </p:txBody>
+      </p:sp>
+      <p:sp>
+        <p:nvSpPr>
+          <p:cNvPr id="32" name=""/>
+          <p:cNvSpPr/>
+          <p:nvPr/>
+        </p:nvSpPr>
+        <p:spPr>
+          <a:xfrm>
+            <a:off x="0" y="5580000"/>
+            <a:ext cx="10076400" cy="86400"/>
+          </a:xfrm>
+          <a:prstGeom prst="rect">
+            <a:avLst/>
+          </a:prstGeom>
+          <a:pattFill prst="lgGrid">
+            <a:fgClr>
+              <a:srgbClr val="3465a4"/>
+            </a:fgClr>
+            <a:bgClr>
+              <a:srgbClr val="009eda"/>
+            </a:bgClr>
+          </a:pattFill>
+          <a:ln w="18000">
+            <a:noFill/>
+          </a:ln>
+          <a:effectLst>
+            <a:outerShdw blurRad="0" dir="16200000" dist="25200" rotWithShape="0">
+              <a:srgbClr val="f49100"/>
+            </a:outerShdw>
+          </a:effectLst>
+        </p:spPr>
+        <p:style>
+          <a:lnRef idx="0"/>
+          <a:fillRef idx="0"/>
+          <a:effectRef idx="0"/>
+          <a:fontRef idx="minor"/>
+        </p:style>
+        <p:txBody>
+          <a:bodyPr wrap="none" lIns="36000" rIns="36000" tIns="36000" bIns="36000" anchor="ctr">
+            <a:noAutofit/>
+          </a:bodyPr>
+          <a:p>
+            <a:pPr>
+              <a:lnSpc>
+                <a:spcPct val="100000"/>
+              </a:lnSpc>
+            </a:pPr>
+            <a:endParaRPr b="0" lang="en-US" sz="2200" strike="noStrike" u="none">
+              <a:solidFill>
+                <a:srgbClr val="ffffff"/>
+              </a:solidFill>
+              <a:effectLst/>
+              <a:uFillTx/>
+              <a:latin typeface="Noto Sans"/>
+              <a:ea typeface="DejaVu Sans"/>
+            </a:endParaRPr>
+          </a:p>
+        </p:txBody>
+      </p:sp>
+      <p:sp>
+        <p:nvSpPr>
+          <p:cNvPr id="33" name="PlaceHolder 1"/>
+          <p:cNvSpPr>
+            <a:spLocks noGrp="1"/>
+          </p:cNvSpPr>
+          <p:nvPr>
+            <p:ph type="ftr" idx="16"/>
+          </p:nvPr>
+        </p:nvSpPr>
+        <p:spPr>
+          <a:xfrm>
+            <a:off x="3420000" y="5130000"/>
+            <a:ext cx="3236400" cy="446400"/>
+          </a:xfrm>
+          <a:prstGeom prst="rect">
+            <a:avLst/>
+          </a:prstGeom>
+          <a:noFill/>
+          <a:ln w="0">
+            <a:noFill/>
+          </a:ln>
+        </p:spPr>
+        <p:txBody>
+          <a:bodyPr lIns="0" rIns="0" tIns="0" bIns="0" anchor="t">
+            <a:noAutofit/>
+          </a:bodyPr>
+          <a:lstStyle>
+            <a:lvl1pPr indent="0" algn="ctr">
+              <a:lnSpc>
+                <a:spcPct val="100000"/>
+              </a:lnSpc>
+              <a:buNone/>
+              <a:tabLst>
+                <a:tab algn="l" pos="0"/>
+              </a:tabLst>
+              <a:defRPr b="0" lang="en-US" sz="1400" strike="noStrike" u="none">
+                <a:solidFill>
+                  <a:srgbClr val="484848"/>
+                </a:solidFill>
+                <a:effectLst/>
+                <a:uFillTx/>
+                <a:latin typeface="Noto Sans"/>
+              </a:defRPr>
+            </a:lvl1pPr>
+          </a:lstStyle>
+          <a:p>
+            <a:pPr indent="0" algn="ctr">
+              <a:lnSpc>
+                <a:spcPct val="100000"/>
+              </a:lnSpc>
+              <a:buNone/>
+              <a:tabLst>
+                <a:tab algn="l" pos="0"/>
+              </a:tabLst>
+            </a:pPr>
+            <a:r>
+              <a:rPr b="0" lang="en-US" sz="1400" strike="noStrike" u="none">
+                <a:solidFill>
+                  <a:srgbClr val="484848"/>
+                </a:solidFill>
+                <a:effectLst/>
+                <a:uFillTx/>
+                <a:latin typeface="Noto Sans"/>
+              </a:rPr>
+              <a:t> </a:t>
+            </a:r>
+            <a:endParaRPr b="0" lang="en-US" sz="1400" strike="noStrike" u="none">
+              <a:solidFill>
+                <a:srgbClr val="000000"/>
+              </a:solidFill>
+              <a:effectLst/>
+              <a:uFillTx/>
+              <a:latin typeface="Times New Roman"/>
+            </a:endParaRPr>
+          </a:p>
+        </p:txBody>
+      </p:sp>
+      <p:sp>
+        <p:nvSpPr>
+          <p:cNvPr id="34" name="PlaceHolder 2"/>
+          <p:cNvSpPr>
+            <a:spLocks noGrp="1"/>
+          </p:cNvSpPr>
+          <p:nvPr>
+            <p:ph type="sldNum" idx="17"/>
+          </p:nvPr>
+        </p:nvSpPr>
+        <p:spPr>
+          <a:xfrm>
+            <a:off x="7236000" y="5130000"/>
+            <a:ext cx="2336400" cy="446400"/>
+          </a:xfrm>
+          <a:prstGeom prst="rect">
+            <a:avLst/>
+          </a:prstGeom>
+          <a:noFill/>
+          <a:ln w="0">
+            <a:noFill/>
+          </a:ln>
+        </p:spPr>
+        <p:txBody>
+          <a:bodyPr lIns="0" rIns="0" tIns="0" bIns="0" anchor="t">
+            <a:noAutofit/>
+          </a:bodyPr>
+          <a:lstStyle>
+            <a:lvl1pPr indent="0" algn="r">
+              <a:lnSpc>
+                <a:spcPct val="100000"/>
+              </a:lnSpc>
+              <a:buNone/>
+              <a:tabLst>
+                <a:tab algn="l" pos="0"/>
+              </a:tabLst>
+              <a:defRPr b="0" lang="en-US" sz="1400" strike="noStrike" u="none">
+                <a:solidFill>
+                  <a:srgbClr val="484848"/>
+                </a:solidFill>
+                <a:effectLst/>
+                <a:uFillTx/>
+                <a:latin typeface="Noto Sans"/>
+              </a:defRPr>
+            </a:lvl1pPr>
+          </a:lstStyle>
+          <a:p>
+            <a:pPr indent="0" algn="r">
+              <a:lnSpc>
+                <a:spcPct val="100000"/>
+              </a:lnSpc>
+              <a:buNone/>
+              <a:tabLst>
+                <a:tab algn="l" pos="0"/>
+              </a:tabLst>
+            </a:pPr>
+            <a:fld id="{0D19F7AA-24BA-4253-9CB0-D2F082D59749}" type="slidenum">
               <a:rPr b="0" lang="en-US" sz="1400" strike="noStrike" u="none">
                 <a:solidFill>
                   <a:srgbClr val="484848"/>
@@ -13117,7 +15977,7 @@
         <p:spPr>
           <a:xfrm>
             <a:off x="504000" y="5130000"/>
-            <a:ext cx="2337120" cy="447120"/>
+            <a:ext cx="2336400" cy="446400"/>
           </a:xfrm>
           <a:prstGeom prst="rect">
             <a:avLst/>
@@ -13512,8 +16372,8 @@
         </p:nvSpPr>
         <p:spPr>
           <a:xfrm flipV="1">
-            <a:off x="0" y="-2880"/>
-            <a:ext cx="10077120" cy="177120"/>
+            <a:off x="0" y="-3600"/>
+            <a:ext cx="10076400" cy="176400"/>
           </a:xfrm>
           <a:prstGeom prst="rect">
             <a:avLst/>
@@ -13572,7 +16432,7 @@
         <p:spPr>
           <a:xfrm>
             <a:off x="0" y="5580000"/>
-            <a:ext cx="10077120" cy="87120"/>
+            <a:ext cx="10076400" cy="86400"/>
           </a:xfrm>
           <a:prstGeom prst="rect">
             <a:avLst/>
@@ -13688,7 +16548,7 @@
         <p:spPr>
           <a:xfrm>
             <a:off x="3420000" y="5130000"/>
-            <a:ext cx="3237120" cy="447120"/>
+            <a:ext cx="3236400" cy="446400"/>
           </a:xfrm>
           <a:prstGeom prst="rect">
             <a:avLst/>
@@ -13766,7 +16626,7 @@
         <p:spPr>
           <a:xfrm>
             <a:off x="7236000" y="5130000"/>
-            <a:ext cx="2337120" cy="447120"/>
+            <a:ext cx="2336400" cy="446400"/>
           </a:xfrm>
           <a:prstGeom prst="rect">
             <a:avLst/>
@@ -13809,7 +16669,7 @@
                 <a:tab algn="l" pos="0"/>
               </a:tabLst>
             </a:pPr>
-            <a:fld id="{8CCC8C09-1AF0-46EF-B2CE-00EDBA06D3F6}" type="slidenum">
+            <a:fld id="{709A65A4-CC8A-4F62-AE16-ED7A1ABA1626}" type="slidenum">
               <a:rPr b="0" lang="en-US" sz="1400" strike="noStrike" u="none">
                 <a:solidFill>
                   <a:srgbClr val="484848"/>
@@ -13844,7 +16704,7 @@
         <p:spPr>
           <a:xfrm>
             <a:off x="504000" y="5130000"/>
-            <a:ext cx="2337120" cy="447120"/>
+            <a:ext cx="2336400" cy="446400"/>
           </a:xfrm>
           <a:prstGeom prst="rect">
             <a:avLst/>
@@ -13931,8 +16791,8 @@
         </p:nvSpPr>
         <p:spPr>
           <a:xfrm flipV="1">
-            <a:off x="0" y="-2880"/>
-            <a:ext cx="10077120" cy="177120"/>
+            <a:off x="0" y="-3600"/>
+            <a:ext cx="10076400" cy="176400"/>
           </a:xfrm>
           <a:prstGeom prst="rect">
             <a:avLst/>
@@ -13991,7 +16851,7 @@
         <p:spPr>
           <a:xfrm>
             <a:off x="0" y="5580000"/>
-            <a:ext cx="10077120" cy="87120"/>
+            <a:ext cx="10076400" cy="86400"/>
           </a:xfrm>
           <a:prstGeom prst="rect">
             <a:avLst/>
@@ -14360,7 +17220,7 @@
         <p:spPr>
           <a:xfrm>
             <a:off x="3420000" y="5130000"/>
-            <a:ext cx="3237120" cy="447120"/>
+            <a:ext cx="3236400" cy="446400"/>
           </a:xfrm>
           <a:prstGeom prst="rect">
             <a:avLst/>
@@ -14438,7 +17298,7 @@
         <p:spPr>
           <a:xfrm>
             <a:off x="7236000" y="5130000"/>
-            <a:ext cx="2337120" cy="447120"/>
+            <a:ext cx="2336400" cy="446400"/>
           </a:xfrm>
           <a:prstGeom prst="rect">
             <a:avLst/>
@@ -14481,7 +17341,7 @@
                 <a:tab algn="l" pos="0"/>
               </a:tabLst>
             </a:pPr>
-            <a:fld id="{475E50E2-9003-49C8-81DC-9F13A6865F21}" type="slidenum">
+            <a:fld id="{7226B72F-A3C7-4D5B-A333-2337229A3F36}" type="slidenum">
               <a:rPr b="0" lang="en-US" sz="1400" strike="noStrike" u="none">
                 <a:solidFill>
                   <a:srgbClr val="484848"/>
@@ -14516,7 +17376,7 @@
         <p:spPr>
           <a:xfrm>
             <a:off x="504000" y="5130000"/>
-            <a:ext cx="2337120" cy="447120"/>
+            <a:ext cx="2336400" cy="446400"/>
           </a:xfrm>
           <a:prstGeom prst="rect">
             <a:avLst/>
@@ -14603,8 +17463,8 @@
         </p:nvSpPr>
         <p:spPr>
           <a:xfrm flipV="1">
-            <a:off x="0" y="-2880"/>
-            <a:ext cx="10077120" cy="177120"/>
+            <a:off x="0" y="-3600"/>
+            <a:ext cx="10076400" cy="176400"/>
           </a:xfrm>
           <a:prstGeom prst="rect">
             <a:avLst/>
@@ -14663,7 +17523,7 @@
         <p:spPr>
           <a:xfrm>
             <a:off x="0" y="5580000"/>
-            <a:ext cx="10077120" cy="87120"/>
+            <a:ext cx="10076400" cy="86400"/>
           </a:xfrm>
           <a:prstGeom prst="rect">
             <a:avLst/>
@@ -14779,7 +17639,7 @@
         <p:spPr>
           <a:xfrm>
             <a:off x="3420000" y="5130000"/>
-            <a:ext cx="3237120" cy="447120"/>
+            <a:ext cx="3236400" cy="446400"/>
           </a:xfrm>
           <a:prstGeom prst="rect">
             <a:avLst/>
@@ -14857,7 +17717,7 @@
         <p:spPr>
           <a:xfrm>
             <a:off x="7236000" y="5130000"/>
-            <a:ext cx="2337120" cy="447120"/>
+            <a:ext cx="2336400" cy="446400"/>
           </a:xfrm>
           <a:prstGeom prst="rect">
             <a:avLst/>
@@ -14900,7 +17760,7 @@
                 <a:tab algn="l" pos="0"/>
               </a:tabLst>
             </a:pPr>
-            <a:fld id="{DB8F159C-D9F8-4C4E-9425-D85E9378769B}" type="slidenum">
+            <a:fld id="{F335C2A7-B162-4EF5-8534-AB803E0687D8}" type="slidenum">
               <a:rPr b="0" lang="en-US" sz="1400" strike="noStrike" u="none">
                 <a:solidFill>
                   <a:srgbClr val="484848"/>
@@ -14935,7 +17795,7 @@
         <p:spPr>
           <a:xfrm>
             <a:off x="504000" y="5130000"/>
-            <a:ext cx="2337120" cy="447120"/>
+            <a:ext cx="2336400" cy="446400"/>
           </a:xfrm>
           <a:prstGeom prst="rect">
             <a:avLst/>
@@ -15016,7 +17876,7 @@
       </p:grpSpPr>
       <p:sp>
         <p:nvSpPr>
-          <p:cNvPr id="168" name="PlaceHolder 1"/>
+          <p:cNvPr id="202" name="PlaceHolder 1"/>
           <p:cNvSpPr>
             <a:spLocks noGrp="1"/>
           </p:cNvSpPr>
@@ -15027,7 +17887,7 @@
         <p:spPr>
           <a:xfrm>
             <a:off x="504000" y="270000"/>
-            <a:ext cx="9069120" cy="3237120"/>
+            <a:ext cx="9068400" cy="3236400"/>
           </a:xfrm>
           <a:prstGeom prst="rect">
             <a:avLst/>
@@ -15092,7 +17952,7 @@
       </p:sp>
       <p:sp>
         <p:nvSpPr>
-          <p:cNvPr id="169" name="PlaceHolder 2"/>
+          <p:cNvPr id="203" name="PlaceHolder 2"/>
           <p:cNvSpPr>
             <a:spLocks noGrp="1"/>
           </p:cNvSpPr>
@@ -15103,7 +17963,7 @@
         <p:spPr>
           <a:xfrm>
             <a:off x="504000" y="3870000"/>
-            <a:ext cx="9069120" cy="1647360"/>
+            <a:ext cx="9068400" cy="1648080"/>
           </a:xfrm>
           <a:prstGeom prst="rect">
             <a:avLst/>
@@ -15181,14 +18041,14 @@
       </p:grpSpPr>
       <p:sp>
         <p:nvSpPr>
-          <p:cNvPr id="185" name=""/>
+          <p:cNvPr id="219" name=""/>
           <p:cNvSpPr/>
           <p:nvPr/>
         </p:nvSpPr>
         <p:spPr>
           <a:xfrm>
             <a:off x="7315200" y="556200"/>
-            <a:ext cx="2740680" cy="2368440"/>
+            <a:ext cx="2739960" cy="2368080"/>
           </a:xfrm>
           <a:prstGeom prst="rect">
             <a:avLst/>
@@ -15377,7 +18237,7 @@
       </p:sp>
       <p:pic>
         <p:nvPicPr>
-          <p:cNvPr id="186" name="" descr=""/>
+          <p:cNvPr id="220" name="" descr=""/>
           <p:cNvPicPr/>
           <p:nvPr/>
         </p:nvPicPr>
@@ -15388,7 +18248,7 @@
         <p:spPr>
           <a:xfrm>
             <a:off x="228600" y="457200"/>
-            <a:ext cx="6855840" cy="3865680"/>
+            <a:ext cx="6855120" cy="3864960"/>
           </a:xfrm>
           <a:prstGeom prst="rect">
             <a:avLst/>
@@ -15431,7 +18291,7 @@
       </p:grpSpPr>
       <p:pic>
         <p:nvPicPr>
-          <p:cNvPr id="187" name="" descr=""/>
+          <p:cNvPr id="221" name="" descr=""/>
           <p:cNvPicPr/>
           <p:nvPr/>
         </p:nvPicPr>
@@ -15442,7 +18302,7 @@
         <p:spPr>
           <a:xfrm>
             <a:off x="914400" y="852120"/>
-            <a:ext cx="3369960" cy="2117520"/>
+            <a:ext cx="3369240" cy="2116800"/>
           </a:xfrm>
           <a:prstGeom prst="rect">
             <a:avLst/>
@@ -15455,14 +18315,14 @@
       </p:pic>
       <p:sp>
         <p:nvSpPr>
-          <p:cNvPr id="188" name=""/>
+          <p:cNvPr id="222" name=""/>
           <p:cNvSpPr/>
           <p:nvPr/>
         </p:nvSpPr>
         <p:spPr>
           <a:xfrm>
             <a:off x="5290560" y="1143000"/>
-            <a:ext cx="3623760" cy="3106800"/>
+            <a:ext cx="3623040" cy="3106080"/>
           </a:xfrm>
           <a:prstGeom prst="rect">
             <a:avLst/>
@@ -15502,7 +18362,7 @@
       </p:sp>
       <p:pic>
         <p:nvPicPr>
-          <p:cNvPr id="189" name="" descr=""/>
+          <p:cNvPr id="223" name="" descr=""/>
           <p:cNvPicPr/>
           <p:nvPr/>
         </p:nvPicPr>
@@ -15513,7 +18373,7 @@
         <p:spPr>
           <a:xfrm>
             <a:off x="1143000" y="3200400"/>
-            <a:ext cx="3151800" cy="1886040"/>
+            <a:ext cx="3151080" cy="1885320"/>
           </a:xfrm>
           <a:prstGeom prst="rect">
             <a:avLst/>
@@ -15526,14 +18386,14 @@
       </p:pic>
       <p:sp>
         <p:nvSpPr>
-          <p:cNvPr id="190" name=""/>
+          <p:cNvPr id="224" name=""/>
           <p:cNvSpPr/>
           <p:nvPr/>
         </p:nvSpPr>
         <p:spPr>
           <a:xfrm>
             <a:off x="4572000" y="914400"/>
-            <a:ext cx="5256720" cy="3136680"/>
+            <a:ext cx="5256000" cy="3136320"/>
           </a:xfrm>
           <a:prstGeom prst="rect">
             <a:avLst/>
@@ -15849,14 +18709,14 @@
       </p:grpSpPr>
       <p:sp>
         <p:nvSpPr>
-          <p:cNvPr id="191" name=""/>
+          <p:cNvPr id="225" name=""/>
           <p:cNvSpPr/>
           <p:nvPr/>
         </p:nvSpPr>
         <p:spPr>
           <a:xfrm>
             <a:off x="7086600" y="369000"/>
-            <a:ext cx="2969280" cy="5029200"/>
+            <a:ext cx="2968560" cy="5029920"/>
           </a:xfrm>
           <a:prstGeom prst="rect">
             <a:avLst/>
@@ -16111,7 +18971,7 @@
       </p:sp>
       <p:pic>
         <p:nvPicPr>
-          <p:cNvPr id="192" name="" descr=""/>
+          <p:cNvPr id="226" name="" descr=""/>
           <p:cNvPicPr/>
           <p:nvPr/>
         </p:nvPicPr>
@@ -16122,7 +18982,7 @@
         <p:spPr>
           <a:xfrm>
             <a:off x="228600" y="704880"/>
-            <a:ext cx="6855840" cy="3865680"/>
+            <a:ext cx="6855120" cy="3864960"/>
           </a:xfrm>
           <a:prstGeom prst="rect">
             <a:avLst/>
@@ -16165,14 +19025,14 @@
       </p:grpSpPr>
       <p:sp>
         <p:nvSpPr>
-          <p:cNvPr id="193" name=""/>
+          <p:cNvPr id="227" name=""/>
           <p:cNvSpPr/>
           <p:nvPr/>
         </p:nvSpPr>
         <p:spPr>
           <a:xfrm>
             <a:off x="5290560" y="1143000"/>
-            <a:ext cx="3623760" cy="3106800"/>
+            <a:ext cx="3623040" cy="3106080"/>
           </a:xfrm>
           <a:prstGeom prst="rect">
             <a:avLst/>
@@ -16212,14 +19072,14 @@
       </p:sp>
       <p:sp>
         <p:nvSpPr>
-          <p:cNvPr id="194" name=""/>
+          <p:cNvPr id="228" name=""/>
           <p:cNvSpPr/>
           <p:nvPr/>
         </p:nvSpPr>
         <p:spPr>
           <a:xfrm>
             <a:off x="5943600" y="914400"/>
-            <a:ext cx="3885120" cy="3381480"/>
+            <a:ext cx="3884400" cy="3136320"/>
           </a:xfrm>
           <a:prstGeom prst="rect">
             <a:avLst/>
@@ -16396,7 +19256,7 @@
       </p:sp>
       <p:pic>
         <p:nvPicPr>
-          <p:cNvPr id="195" name="" descr=""/>
+          <p:cNvPr id="229" name="" descr=""/>
           <p:cNvPicPr/>
           <p:nvPr/>
         </p:nvPicPr>
@@ -16407,7 +19267,7 @@
         <p:spPr>
           <a:xfrm>
             <a:off x="457200" y="951120"/>
-            <a:ext cx="5473080" cy="2705400"/>
+            <a:ext cx="5472360" cy="2704680"/>
           </a:xfrm>
           <a:prstGeom prst="rect">
             <a:avLst/>
@@ -16450,14 +19310,14 @@
       </p:grpSpPr>
       <p:sp>
         <p:nvSpPr>
-          <p:cNvPr id="196" name=""/>
+          <p:cNvPr id="230" name=""/>
           <p:cNvSpPr/>
           <p:nvPr/>
         </p:nvSpPr>
         <p:spPr>
           <a:xfrm>
             <a:off x="7086600" y="228600"/>
-            <a:ext cx="2991960" cy="5029200"/>
+            <a:ext cx="2991240" cy="5029920"/>
           </a:xfrm>
           <a:prstGeom prst="rect">
             <a:avLst/>
@@ -16748,7 +19608,7 @@
       </p:sp>
       <p:pic>
         <p:nvPicPr>
-          <p:cNvPr id="197" name="" descr=""/>
+          <p:cNvPr id="231" name="" descr=""/>
           <p:cNvPicPr/>
           <p:nvPr/>
         </p:nvPicPr>
@@ -16759,7 +19619,7 @@
         <p:spPr>
           <a:xfrm>
             <a:off x="228600" y="457200"/>
-            <a:ext cx="6855840" cy="3884040"/>
+            <a:ext cx="6855120" cy="3883320"/>
           </a:xfrm>
           <a:prstGeom prst="rect">
             <a:avLst/>
@@ -16802,14 +19662,14 @@
       </p:grpSpPr>
       <p:sp>
         <p:nvSpPr>
-          <p:cNvPr id="198" name=""/>
+          <p:cNvPr id="232" name=""/>
           <p:cNvSpPr/>
           <p:nvPr/>
         </p:nvSpPr>
         <p:spPr>
           <a:xfrm>
             <a:off x="7086600" y="228600"/>
-            <a:ext cx="2991960" cy="6279120"/>
+            <a:ext cx="2991240" cy="5874120"/>
           </a:xfrm>
           <a:prstGeom prst="rect">
             <a:avLst/>
@@ -17220,7 +20080,7 @@
       </p:sp>
       <p:pic>
         <p:nvPicPr>
-          <p:cNvPr id="199" name="" descr=""/>
+          <p:cNvPr id="233" name="" descr=""/>
           <p:cNvPicPr/>
           <p:nvPr/>
         </p:nvPicPr>
@@ -17231,7 +20091,7 @@
         <p:spPr>
           <a:xfrm>
             <a:off x="228600" y="685800"/>
-            <a:ext cx="6855840" cy="3865680"/>
+            <a:ext cx="6855120" cy="3864960"/>
           </a:xfrm>
           <a:prstGeom prst="rect">
             <a:avLst/>
@@ -17274,14 +20134,14 @@
       </p:grpSpPr>
       <p:sp>
         <p:nvSpPr>
-          <p:cNvPr id="200" name=""/>
+          <p:cNvPr id="234" name=""/>
           <p:cNvSpPr/>
           <p:nvPr/>
         </p:nvSpPr>
         <p:spPr>
           <a:xfrm>
             <a:off x="7315200" y="369000"/>
-            <a:ext cx="2740680" cy="3383280"/>
+            <a:ext cx="2739960" cy="3384000"/>
           </a:xfrm>
           <a:prstGeom prst="rect">
             <a:avLst/>
@@ -17419,14 +20279,14 @@
       </p:sp>
       <p:sp>
         <p:nvSpPr>
-          <p:cNvPr id="201" name=""/>
+          <p:cNvPr id="235" name=""/>
           <p:cNvSpPr/>
           <p:nvPr/>
         </p:nvSpPr>
         <p:spPr>
           <a:xfrm>
             <a:off x="18360" y="228600"/>
-            <a:ext cx="6608880" cy="5215320"/>
+            <a:ext cx="6608160" cy="5213160"/>
           </a:xfrm>
           <a:prstGeom prst="rect">
             <a:avLst/>
@@ -18105,14 +20965,14 @@
       </p:grpSpPr>
       <p:sp>
         <p:nvSpPr>
-          <p:cNvPr id="202" name=""/>
+          <p:cNvPr id="236" name=""/>
           <p:cNvSpPr/>
           <p:nvPr/>
         </p:nvSpPr>
         <p:spPr>
           <a:xfrm>
             <a:off x="1130400" y="914400"/>
-            <a:ext cx="7783920" cy="2610000"/>
+            <a:ext cx="7783200" cy="2610720"/>
           </a:xfrm>
           <a:prstGeom prst="rect">
             <a:avLst/>
@@ -18235,14 +21095,14 @@
       </p:grpSpPr>
       <p:sp>
         <p:nvSpPr>
-          <p:cNvPr id="203" name=""/>
+          <p:cNvPr id="237" name=""/>
           <p:cNvSpPr/>
           <p:nvPr/>
         </p:nvSpPr>
         <p:spPr>
           <a:xfrm>
             <a:off x="7315200" y="369000"/>
-            <a:ext cx="2740680" cy="1735560"/>
+            <a:ext cx="2739960" cy="1735560"/>
           </a:xfrm>
           <a:prstGeom prst="rect">
             <a:avLst/>
@@ -18338,14 +21198,14 @@
       </p:sp>
       <p:sp>
         <p:nvSpPr>
-          <p:cNvPr id="204" name=""/>
+          <p:cNvPr id="238" name=""/>
           <p:cNvSpPr/>
           <p:nvPr/>
         </p:nvSpPr>
         <p:spPr>
           <a:xfrm>
-            <a:off x="18360" y="228600"/>
-            <a:ext cx="6608880" cy="5031360"/>
+            <a:off x="228600" y="914400"/>
+            <a:ext cx="6608160" cy="3251520"/>
           </a:xfrm>
           <a:prstGeom prst="rect">
             <a:avLst/>
@@ -18760,14 +21620,14 @@
       </p:grpSpPr>
       <p:sp>
         <p:nvSpPr>
-          <p:cNvPr id="205" name=""/>
+          <p:cNvPr id="239" name=""/>
           <p:cNvSpPr/>
           <p:nvPr/>
         </p:nvSpPr>
         <p:spPr>
           <a:xfrm>
             <a:off x="685800" y="685800"/>
-            <a:ext cx="4799520" cy="1515960"/>
+            <a:ext cx="4798800" cy="584280"/>
           </a:xfrm>
           <a:prstGeom prst="rect">
             <a:avLst/>
@@ -18869,14 +21729,14 @@
       </p:sp>
       <p:sp>
         <p:nvSpPr>
-          <p:cNvPr id="206" name=""/>
+          <p:cNvPr id="240" name=""/>
           <p:cNvSpPr/>
           <p:nvPr/>
         </p:nvSpPr>
         <p:spPr>
           <a:xfrm>
             <a:off x="914400" y="1600200"/>
-            <a:ext cx="7542720" cy="2744280"/>
+            <a:ext cx="7542000" cy="2368080"/>
           </a:xfrm>
           <a:prstGeom prst="rect">
             <a:avLst/>
@@ -19122,7 +21982,7 @@
       </p:grpSpPr>
       <p:sp>
         <p:nvSpPr>
-          <p:cNvPr id="170" name="PlaceHolder 1"/>
+          <p:cNvPr id="204" name="PlaceHolder 1"/>
           <p:cNvSpPr>
             <a:spLocks noGrp="1"/>
           </p:cNvSpPr>
@@ -19132,8 +21992,8 @@
         </p:nvSpPr>
         <p:spPr>
           <a:xfrm>
-            <a:off x="504000" y="267480"/>
-            <a:ext cx="9069120" cy="992160"/>
+            <a:off x="504000" y="266760"/>
+            <a:ext cx="9068400" cy="992880"/>
           </a:xfrm>
           <a:prstGeom prst="rect">
             <a:avLst/>
@@ -19181,7 +22041,7 @@
       </p:sp>
       <p:sp>
         <p:nvSpPr>
-          <p:cNvPr id="171" name="PlaceHolder 2"/>
+          <p:cNvPr id="205" name="PlaceHolder 2"/>
           <p:cNvSpPr>
             <a:spLocks noGrp="1"/>
           </p:cNvSpPr>
@@ -19192,7 +22052,7 @@
         <p:spPr>
           <a:xfrm>
             <a:off x="504000" y="1440000"/>
-            <a:ext cx="9069120" cy="3687120"/>
+            <a:ext cx="9068400" cy="3686400"/>
           </a:xfrm>
           <a:prstGeom prst="rect">
             <a:avLst/>
@@ -19242,12 +22102,12 @@
             </a:endParaRPr>
           </a:p>
           <a:p>
-            <a:pPr lvl="1" marL="432000" indent="-216000">
+            <a:pPr marL="432000" indent="-324000">
               <a:lnSpc>
                 <a:spcPct val="100000"/>
               </a:lnSpc>
               <a:spcBef>
-                <a:spcPts val="1134"/>
+                <a:spcPts val="1417"/>
               </a:spcBef>
               <a:buClr>
                 <a:srgbClr val="000000"/>
@@ -19265,7 +22125,7 @@
                 <a:uFillTx/>
                 <a:latin typeface="Times New Roman"/>
               </a:rPr>
-              <a:t>SWR bridge</a:t>
+              <a:t>Power meter </a:t>
             </a:r>
             <a:endParaRPr b="0" lang="en-US" sz="2800" strike="noStrike" u="none">
               <a:solidFill>
@@ -19273,7 +22133,7 @@
               </a:solidFill>
               <a:effectLst/>
               <a:uFillTx/>
-              <a:latin typeface="Times New Roman"/>
+              <a:latin typeface="Arial"/>
             </a:endParaRPr>
           </a:p>
           <a:p>
@@ -19290,6 +22150,9 @@
               <a:buSzPct val="45000"/>
               <a:buFont typeface="Wingdings" charset="2"/>
               <a:buChar char=""/>
+              <a:tabLst>
+                <a:tab algn="l" pos="0"/>
+              </a:tabLst>
             </a:pPr>
             <a:r>
               <a:rPr b="0" lang="en-US" sz="2400" strike="noStrike" u="none">
@@ -19324,12 +22187,12 @@
             </a:endParaRPr>
           </a:p>
           <a:p>
-            <a:pPr lvl="1" marL="432000" indent="-216000">
+            <a:pPr marL="432000" indent="-324000">
               <a:lnSpc>
                 <a:spcPct val="100000"/>
               </a:lnSpc>
               <a:spcBef>
-                <a:spcPts val="1134"/>
+                <a:spcPts val="1417"/>
               </a:spcBef>
               <a:buClr>
                 <a:srgbClr val="000000"/>
@@ -19337,6 +22200,9 @@
               <a:buSzPct val="45000"/>
               <a:buFont typeface="Wingdings" charset="2"/>
               <a:buChar char=""/>
+              <a:tabLst>
+                <a:tab algn="l" pos="0"/>
+              </a:tabLst>
             </a:pPr>
             <a:r>
               <a:rPr b="0" lang="en-US" sz="2800" strike="noStrike" u="none">
@@ -19355,7 +22221,7 @@
               </a:solidFill>
               <a:effectLst/>
               <a:uFillTx/>
-              <a:latin typeface="Times New Roman"/>
+              <a:latin typeface="Arial"/>
             </a:endParaRPr>
           </a:p>
           <a:p>
@@ -19372,6 +22238,9 @@
               <a:buSzPct val="45000"/>
               <a:buFont typeface="Wingdings" charset="2"/>
               <a:buChar char=""/>
+              <a:tabLst>
+                <a:tab algn="l" pos="0"/>
+              </a:tabLst>
             </a:pPr>
             <a:r>
               <a:rPr b="0" lang="en-US" sz="2400" strike="noStrike" u="none">
@@ -19406,12 +22275,12 @@
             </a:endParaRPr>
           </a:p>
           <a:p>
-            <a:pPr lvl="1" marL="432000" indent="-216000">
+            <a:pPr marL="432000" indent="-324000">
               <a:lnSpc>
                 <a:spcPct val="100000"/>
               </a:lnSpc>
               <a:spcBef>
-                <a:spcPts val="1134"/>
+                <a:spcPts val="1417"/>
               </a:spcBef>
               <a:buClr>
                 <a:srgbClr val="000000"/>
@@ -19419,6 +22288,9 @@
               <a:buSzPct val="45000"/>
               <a:buFont typeface="Wingdings" charset="2"/>
               <a:buChar char=""/>
+              <a:tabLst>
+                <a:tab algn="l" pos="0"/>
+              </a:tabLst>
             </a:pPr>
             <a:r>
               <a:rPr b="0" lang="en-US" sz="2800" strike="noStrike" u="none">
@@ -19437,7 +22309,7 @@
               </a:solidFill>
               <a:effectLst/>
               <a:uFillTx/>
-              <a:latin typeface="Times New Roman"/>
+              <a:latin typeface="Arial"/>
             </a:endParaRPr>
           </a:p>
           <a:p>
@@ -19454,6 +22326,9 @@
               <a:buSzPct val="45000"/>
               <a:buFont typeface="Wingdings" charset="2"/>
               <a:buChar char=""/>
+              <a:tabLst>
+                <a:tab algn="l" pos="0"/>
+              </a:tabLst>
             </a:pPr>
             <a:r>
               <a:rPr b="0" lang="en-US" sz="2400" strike="noStrike" u="none">
@@ -19521,14 +22396,14 @@
       </p:grpSpPr>
       <p:sp>
         <p:nvSpPr>
-          <p:cNvPr id="207" name=""/>
+          <p:cNvPr id="241" name=""/>
           <p:cNvSpPr/>
           <p:nvPr/>
         </p:nvSpPr>
         <p:spPr>
           <a:xfrm>
             <a:off x="7543800" y="369000"/>
-            <a:ext cx="2284560" cy="3107160"/>
+            <a:ext cx="2283840" cy="2944080"/>
           </a:xfrm>
           <a:prstGeom prst="rect">
             <a:avLst/>
@@ -19654,14 +22529,14 @@
       </p:sp>
       <p:sp>
         <p:nvSpPr>
-          <p:cNvPr id="208" name=""/>
+          <p:cNvPr id="242" name=""/>
           <p:cNvSpPr/>
           <p:nvPr/>
         </p:nvSpPr>
         <p:spPr>
           <a:xfrm>
-            <a:off x="19080" y="228600"/>
-            <a:ext cx="7523280" cy="3418560"/>
+            <a:off x="21240" y="457200"/>
+            <a:ext cx="7522560" cy="3431880"/>
           </a:xfrm>
           <a:prstGeom prst="rect">
             <a:avLst/>
@@ -20337,14 +23212,14 @@
       </p:grpSpPr>
       <p:sp>
         <p:nvSpPr>
-          <p:cNvPr id="209" name=""/>
+          <p:cNvPr id="243" name=""/>
           <p:cNvSpPr/>
           <p:nvPr/>
         </p:nvSpPr>
         <p:spPr>
           <a:xfrm>
-            <a:off x="228600" y="457200"/>
-            <a:ext cx="7771320" cy="2075760"/>
+            <a:off x="230400" y="914400"/>
+            <a:ext cx="7770600" cy="2073960"/>
           </a:xfrm>
           <a:prstGeom prst="rect">
             <a:avLst/>
@@ -20753,7 +23628,7 @@
       </p:grpSpPr>
       <p:pic>
         <p:nvPicPr>
-          <p:cNvPr id="210" name="" descr=""/>
+          <p:cNvPr id="244" name="" descr=""/>
           <p:cNvPicPr/>
           <p:nvPr/>
         </p:nvPicPr>
@@ -20764,7 +23639,7 @@
         <p:spPr>
           <a:xfrm>
             <a:off x="685800" y="2092680"/>
-            <a:ext cx="8940240" cy="1792080"/>
+            <a:ext cx="8939520" cy="1791360"/>
           </a:xfrm>
           <a:prstGeom prst="rect">
             <a:avLst/>
@@ -20777,14 +23652,14 @@
       </p:pic>
       <p:sp>
         <p:nvSpPr>
-          <p:cNvPr id="211" name=""/>
+          <p:cNvPr id="245" name=""/>
           <p:cNvSpPr/>
           <p:nvPr/>
         </p:nvSpPr>
         <p:spPr>
           <a:xfrm>
             <a:off x="685800" y="457200"/>
-            <a:ext cx="4817880" cy="347760"/>
+            <a:ext cx="4817880" cy="348480"/>
           </a:xfrm>
           <a:prstGeom prst="rect">
             <a:avLst/>
@@ -20865,7 +23740,7 @@
       </p:grpSpPr>
       <p:sp>
         <p:nvSpPr>
-          <p:cNvPr id="212" name="PlaceHolder 1"/>
+          <p:cNvPr id="246" name="PlaceHolder 1"/>
           <p:cNvSpPr>
             <a:spLocks noGrp="1"/>
           </p:cNvSpPr>
@@ -20875,8 +23750,8 @@
         </p:nvSpPr>
         <p:spPr>
           <a:xfrm>
-            <a:off x="504000" y="627840"/>
-            <a:ext cx="9069120" cy="4391640"/>
+            <a:off x="504000" y="627120"/>
+            <a:ext cx="9068400" cy="4392360"/>
           </a:xfrm>
           <a:prstGeom prst="rect">
             <a:avLst/>
@@ -20950,14 +23825,14 @@
       </p:grpSpPr>
       <p:sp>
         <p:nvSpPr>
-          <p:cNvPr id="172" name=""/>
+          <p:cNvPr id="206" name=""/>
           <p:cNvSpPr/>
           <p:nvPr/>
         </p:nvSpPr>
         <p:spPr>
           <a:xfrm>
-            <a:off x="6401880" y="1359720"/>
-            <a:ext cx="3426840" cy="2594880"/>
+            <a:off x="6401880" y="1156320"/>
+            <a:ext cx="3426120" cy="2595600"/>
           </a:xfrm>
           <a:prstGeom prst="rect">
             <a:avLst/>
@@ -21090,7 +23965,7 @@
       </p:sp>
       <p:pic>
         <p:nvPicPr>
-          <p:cNvPr id="173" name="" descr=""/>
+          <p:cNvPr id="207" name="" descr=""/>
           <p:cNvPicPr/>
           <p:nvPr/>
         </p:nvPicPr>
@@ -21101,7 +23976,7 @@
         <p:spPr>
           <a:xfrm>
             <a:off x="228600" y="408960"/>
-            <a:ext cx="5987880" cy="4847760"/>
+            <a:ext cx="5987160" cy="4847040"/>
           </a:xfrm>
           <a:prstGeom prst="rect">
             <a:avLst/>
@@ -21144,7 +24019,7 @@
       </p:grpSpPr>
       <p:pic>
         <p:nvPicPr>
-          <p:cNvPr id="174" name="" descr=""/>
+          <p:cNvPr id="208" name="" descr=""/>
           <p:cNvPicPr/>
           <p:nvPr/>
         </p:nvPicPr>
@@ -21155,7 +24030,7 @@
         <p:spPr>
           <a:xfrm>
             <a:off x="0" y="408960"/>
-            <a:ext cx="5985720" cy="4845960"/>
+            <a:ext cx="5985000" cy="4845240"/>
           </a:xfrm>
           <a:prstGeom prst="rect">
             <a:avLst/>
@@ -21168,14 +24043,14 @@
       </p:pic>
       <p:sp>
         <p:nvSpPr>
-          <p:cNvPr id="175" name=""/>
+          <p:cNvPr id="209" name=""/>
           <p:cNvSpPr/>
           <p:nvPr/>
         </p:nvSpPr>
         <p:spPr>
           <a:xfrm>
-            <a:off x="6172920" y="1148400"/>
-            <a:ext cx="3654720" cy="1415520"/>
+            <a:off x="6172920" y="1151640"/>
+            <a:ext cx="3654000" cy="1416240"/>
           </a:xfrm>
           <a:prstGeom prst="rect">
             <a:avLst/>
@@ -21256,7 +24131,7 @@
       </p:grpSpPr>
       <p:pic>
         <p:nvPicPr>
-          <p:cNvPr id="176" name="" descr=""/>
+          <p:cNvPr id="210" name="" descr=""/>
           <p:cNvPicPr/>
           <p:nvPr/>
         </p:nvPicPr>
@@ -21267,7 +24142,7 @@
         <p:spPr>
           <a:xfrm>
             <a:off x="228600" y="712080"/>
-            <a:ext cx="6677640" cy="4085640"/>
+            <a:ext cx="6676920" cy="4084920"/>
           </a:xfrm>
           <a:prstGeom prst="rect">
             <a:avLst/>
@@ -21280,14 +24155,14 @@
       </p:pic>
       <p:sp>
         <p:nvSpPr>
-          <p:cNvPr id="177" name=""/>
+          <p:cNvPr id="211" name=""/>
           <p:cNvSpPr/>
           <p:nvPr/>
         </p:nvSpPr>
         <p:spPr>
           <a:xfrm>
-            <a:off x="7086600" y="502200"/>
-            <a:ext cx="2968920" cy="3391920"/>
+            <a:off x="7086600" y="950760"/>
+            <a:ext cx="2968200" cy="3392640"/>
           </a:xfrm>
           <a:prstGeom prst="rect">
             <a:avLst/>
@@ -21422,7 +24297,7 @@
       </p:grpSpPr>
       <p:sp>
         <p:nvSpPr>
-          <p:cNvPr id="178" name="PlaceHolder 1"/>
+          <p:cNvPr id="212" name="PlaceHolder 1"/>
           <p:cNvSpPr>
             <a:spLocks noGrp="1"/>
           </p:cNvSpPr>
@@ -21433,7 +24308,7 @@
         <p:spPr>
           <a:xfrm>
             <a:off x="504000" y="90000"/>
-            <a:ext cx="9069120" cy="987120"/>
+            <a:ext cx="9068400" cy="986400"/>
           </a:xfrm>
           <a:prstGeom prst="rect">
             <a:avLst/>
@@ -21481,7 +24356,7 @@
       </p:sp>
       <p:sp>
         <p:nvSpPr>
-          <p:cNvPr id="179" name="PlaceHolder 2"/>
+          <p:cNvPr id="213" name="PlaceHolder 2"/>
           <p:cNvSpPr>
             <a:spLocks noGrp="1"/>
           </p:cNvSpPr>
@@ -21492,7 +24367,7 @@
         <p:spPr>
           <a:xfrm>
             <a:off x="504000" y="1440000"/>
-            <a:ext cx="9069120" cy="3817800"/>
+            <a:ext cx="9068400" cy="3817080"/>
           </a:xfrm>
           <a:prstGeom prst="rect">
             <a:avLst/>
@@ -21647,7 +24522,7 @@
             </a:endParaRPr>
           </a:p>
           <a:p>
-            <a:pPr lvl="1" marL="864000" indent="0">
+            <a:pPr marL="864000" indent="0">
               <a:lnSpc>
                 <a:spcPct val="100000"/>
               </a:lnSpc>
@@ -21655,6 +24530,9 @@
                 <a:spcPts val="1134"/>
               </a:spcBef>
               <a:buNone/>
+              <a:tabLst>
+                <a:tab algn="l" pos="0"/>
+              </a:tabLst>
             </a:pPr>
             <a:endParaRPr b="0" lang="en-US" sz="2400" strike="noStrike" u="none">
               <a:solidFill>
@@ -21662,7 +24540,7 @@
               </a:solidFill>
               <a:effectLst/>
               <a:uFillTx/>
-              <a:latin typeface="Times New Roman"/>
+              <a:latin typeface="Arial"/>
             </a:endParaRPr>
           </a:p>
           <a:p>
@@ -21851,7 +24729,7 @@
       </p:grpSpPr>
       <p:sp>
         <p:nvSpPr>
-          <p:cNvPr id="180" name="PlaceHolder 1"/>
+          <p:cNvPr id="214" name="PlaceHolder 1"/>
           <p:cNvSpPr>
             <a:spLocks noGrp="1"/>
           </p:cNvSpPr>
@@ -21861,8 +24739,8 @@
         </p:nvSpPr>
         <p:spPr>
           <a:xfrm>
-            <a:off x="529560" y="866160"/>
-            <a:ext cx="9069120" cy="4391640"/>
+            <a:off x="529560" y="865440"/>
+            <a:ext cx="9068400" cy="4392360"/>
           </a:xfrm>
           <a:prstGeom prst="rect">
             <a:avLst/>
@@ -21891,7 +24769,7 @@
                 <a:uFillTx/>
                 <a:latin typeface="Arial"/>
               </a:rPr>
-              <a:t>Let’s do an example of a sketch that will read a temperature and humidity sensor and provide serial output of that data to the Arduino serial port, then an I2C LCD showing the data will be added.</a:t>
+              <a:t>Let’s do an example of a sketch that will read a temperature and humidity sensor and provide serial output of that data to the Arduino serial port then add an I2C LCD to also show the data.</a:t>
             </a:r>
             <a:endParaRPr b="0" lang="en-US" sz="3200" strike="noStrike" u="none">
               <a:solidFill>
@@ -21936,14 +24814,14 @@
       </p:grpSpPr>
       <p:sp>
         <p:nvSpPr>
-          <p:cNvPr id="181" name=""/>
+          <p:cNvPr id="215" name=""/>
           <p:cNvSpPr/>
           <p:nvPr/>
         </p:nvSpPr>
         <p:spPr>
           <a:xfrm>
             <a:off x="7315200" y="556200"/>
-            <a:ext cx="2740680" cy="3630600"/>
+            <a:ext cx="2739960" cy="3630240"/>
           </a:xfrm>
           <a:prstGeom prst="rect">
             <a:avLst/>
@@ -22147,7 +25025,7 @@
       </p:sp>
       <p:pic>
         <p:nvPicPr>
-          <p:cNvPr id="182" name="" descr=""/>
+          <p:cNvPr id="216" name="" descr=""/>
           <p:cNvPicPr/>
           <p:nvPr/>
         </p:nvPicPr>
@@ -22158,7 +25036,7 @@
         <p:spPr>
           <a:xfrm>
             <a:off x="228600" y="685800"/>
-            <a:ext cx="6855840" cy="3865680"/>
+            <a:ext cx="6855120" cy="3864960"/>
           </a:xfrm>
           <a:prstGeom prst="rect">
             <a:avLst/>
@@ -22201,14 +25079,14 @@
       </p:grpSpPr>
       <p:sp>
         <p:nvSpPr>
-          <p:cNvPr id="183" name=""/>
+          <p:cNvPr id="217" name=""/>
           <p:cNvSpPr/>
           <p:nvPr/>
         </p:nvSpPr>
         <p:spPr>
           <a:xfrm>
             <a:off x="7315200" y="556200"/>
-            <a:ext cx="2740680" cy="831960"/>
+            <a:ext cx="2739960" cy="831600"/>
           </a:xfrm>
           <a:prstGeom prst="rect">
             <a:avLst/>
@@ -22259,7 +25137,7 @@
       </p:sp>
       <p:pic>
         <p:nvPicPr>
-          <p:cNvPr id="184" name="" descr=""/>
+          <p:cNvPr id="218" name="" descr=""/>
           <p:cNvPicPr/>
           <p:nvPr/>
         </p:nvPicPr>
@@ -22270,7 +25148,7 @@
         <p:spPr>
           <a:xfrm>
             <a:off x="457200" y="556200"/>
-            <a:ext cx="6855480" cy="3856320"/>
+            <a:ext cx="6854760" cy="3855600"/>
           </a:xfrm>
           <a:prstGeom prst="rect">
             <a:avLst/>
@@ -23778,6 +26656,430 @@
 </a:theme>
 </file>
 
+<file path=ppt/theme/theme22.xml><?xml version="1.0" encoding="utf-8"?>
+<a:theme xmlns:a="http://schemas.openxmlformats.org/drawingml/2006/main" xmlns:r="http://schemas.openxmlformats.org/officeDocument/2006/relationships" name="Office">
+  <a:themeElements>
+    <a:clrScheme name="LibreOffice">
+      <a:dk1>
+        <a:srgbClr val="000000"/>
+      </a:dk1>
+      <a:lt1>
+        <a:srgbClr val="ffffff"/>
+      </a:lt1>
+      <a:dk2>
+        <a:srgbClr val="000000"/>
+      </a:dk2>
+      <a:lt2>
+        <a:srgbClr val="ffffff"/>
+      </a:lt2>
+      <a:accent1>
+        <a:srgbClr val="18a303"/>
+      </a:accent1>
+      <a:accent2>
+        <a:srgbClr val="0369a3"/>
+      </a:accent2>
+      <a:accent3>
+        <a:srgbClr val="a33e03"/>
+      </a:accent3>
+      <a:accent4>
+        <a:srgbClr val="8e03a3"/>
+      </a:accent4>
+      <a:accent5>
+        <a:srgbClr val="c99c00"/>
+      </a:accent5>
+      <a:accent6>
+        <a:srgbClr val="c9211e"/>
+      </a:accent6>
+      <a:hlink>
+        <a:srgbClr val="0000ee"/>
+      </a:hlink>
+      <a:folHlink>
+        <a:srgbClr val="551a8b"/>
+      </a:folHlink>
+    </a:clrScheme>
+    <a:fontScheme name="Office">
+      <a:majorFont>
+        <a:latin typeface="Arial" pitchFamily="0" charset="1"/>
+        <a:ea typeface="DejaVu Sans" pitchFamily="0" charset="1"/>
+        <a:cs typeface="DejaVu Sans" pitchFamily="0" charset="1"/>
+      </a:majorFont>
+      <a:minorFont>
+        <a:latin typeface="Arial" pitchFamily="0" charset="1"/>
+        <a:ea typeface="DejaVu Sans" pitchFamily="0" charset="1"/>
+        <a:cs typeface="DejaVu Sans" pitchFamily="0" charset="1"/>
+      </a:minorFont>
+    </a:fontScheme>
+    <a:fmtScheme>
+      <a:fillStyleLst>
+        <a:solidFill>
+          <a:schemeClr val="phClr"/>
+        </a:solidFill>
+        <a:solidFill>
+          <a:schemeClr val="phClr"/>
+        </a:solidFill>
+        <a:solidFill>
+          <a:schemeClr val="phClr"/>
+        </a:solidFill>
+      </a:fillStyleLst>
+      <a:lnStyleLst>
+        <a:ln w="6350" cap="flat" cmpd="sng" algn="ctr">
+          <a:prstDash val="solid"/>
+          <a:miter/>
+        </a:ln>
+        <a:ln w="6350" cap="flat" cmpd="sng" algn="ctr">
+          <a:prstDash val="solid"/>
+          <a:miter/>
+        </a:ln>
+        <a:ln w="6350" cap="flat" cmpd="sng" algn="ctr">
+          <a:prstDash val="solid"/>
+          <a:miter/>
+        </a:ln>
+      </a:lnStyleLst>
+      <a:effectStyleLst>
+        <a:effectStyle>
+          <a:effectLst/>
+        </a:effectStyle>
+        <a:effectStyle>
+          <a:effectLst/>
+        </a:effectStyle>
+        <a:effectStyle>
+          <a:effectLst/>
+        </a:effectStyle>
+      </a:effectStyleLst>
+      <a:bgFillStyleLst>
+        <a:solidFill>
+          <a:schemeClr val="phClr"/>
+        </a:solidFill>
+        <a:solidFill>
+          <a:schemeClr val="phClr"/>
+        </a:solidFill>
+        <a:solidFill>
+          <a:schemeClr val="phClr"/>
+        </a:solidFill>
+      </a:bgFillStyleLst>
+    </a:fmtScheme>
+  </a:themeElements>
+</a:theme>
+</file>
+
+<file path=ppt/theme/theme23.xml><?xml version="1.0" encoding="utf-8"?>
+<a:theme xmlns:a="http://schemas.openxmlformats.org/drawingml/2006/main" xmlns:r="http://schemas.openxmlformats.org/officeDocument/2006/relationships" name="Office">
+  <a:themeElements>
+    <a:clrScheme name="LibreOffice">
+      <a:dk1>
+        <a:srgbClr val="000000"/>
+      </a:dk1>
+      <a:lt1>
+        <a:srgbClr val="ffffff"/>
+      </a:lt1>
+      <a:dk2>
+        <a:srgbClr val="000000"/>
+      </a:dk2>
+      <a:lt2>
+        <a:srgbClr val="ffffff"/>
+      </a:lt2>
+      <a:accent1>
+        <a:srgbClr val="18a303"/>
+      </a:accent1>
+      <a:accent2>
+        <a:srgbClr val="0369a3"/>
+      </a:accent2>
+      <a:accent3>
+        <a:srgbClr val="a33e03"/>
+      </a:accent3>
+      <a:accent4>
+        <a:srgbClr val="8e03a3"/>
+      </a:accent4>
+      <a:accent5>
+        <a:srgbClr val="c99c00"/>
+      </a:accent5>
+      <a:accent6>
+        <a:srgbClr val="c9211e"/>
+      </a:accent6>
+      <a:hlink>
+        <a:srgbClr val="0000ee"/>
+      </a:hlink>
+      <a:folHlink>
+        <a:srgbClr val="551a8b"/>
+      </a:folHlink>
+    </a:clrScheme>
+    <a:fontScheme name="Office">
+      <a:majorFont>
+        <a:latin typeface="Arial" pitchFamily="0" charset="1"/>
+        <a:ea typeface="DejaVu Sans" pitchFamily="0" charset="1"/>
+        <a:cs typeface="DejaVu Sans" pitchFamily="0" charset="1"/>
+      </a:majorFont>
+      <a:minorFont>
+        <a:latin typeface="Arial" pitchFamily="0" charset="1"/>
+        <a:ea typeface="DejaVu Sans" pitchFamily="0" charset="1"/>
+        <a:cs typeface="DejaVu Sans" pitchFamily="0" charset="1"/>
+      </a:minorFont>
+    </a:fontScheme>
+    <a:fmtScheme>
+      <a:fillStyleLst>
+        <a:solidFill>
+          <a:schemeClr val="phClr"/>
+        </a:solidFill>
+        <a:solidFill>
+          <a:schemeClr val="phClr"/>
+        </a:solidFill>
+        <a:solidFill>
+          <a:schemeClr val="phClr"/>
+        </a:solidFill>
+      </a:fillStyleLst>
+      <a:lnStyleLst>
+        <a:ln w="6350" cap="flat" cmpd="sng" algn="ctr">
+          <a:prstDash val="solid"/>
+          <a:miter/>
+        </a:ln>
+        <a:ln w="6350" cap="flat" cmpd="sng" algn="ctr">
+          <a:prstDash val="solid"/>
+          <a:miter/>
+        </a:ln>
+        <a:ln w="6350" cap="flat" cmpd="sng" algn="ctr">
+          <a:prstDash val="solid"/>
+          <a:miter/>
+        </a:ln>
+      </a:lnStyleLst>
+      <a:effectStyleLst>
+        <a:effectStyle>
+          <a:effectLst/>
+        </a:effectStyle>
+        <a:effectStyle>
+          <a:effectLst/>
+        </a:effectStyle>
+        <a:effectStyle>
+          <a:effectLst/>
+        </a:effectStyle>
+      </a:effectStyleLst>
+      <a:bgFillStyleLst>
+        <a:solidFill>
+          <a:schemeClr val="phClr"/>
+        </a:solidFill>
+        <a:solidFill>
+          <a:schemeClr val="phClr"/>
+        </a:solidFill>
+        <a:solidFill>
+          <a:schemeClr val="phClr"/>
+        </a:solidFill>
+      </a:bgFillStyleLst>
+    </a:fmtScheme>
+  </a:themeElements>
+</a:theme>
+</file>
+
+<file path=ppt/theme/theme24.xml><?xml version="1.0" encoding="utf-8"?>
+<a:theme xmlns:a="http://schemas.openxmlformats.org/drawingml/2006/main" xmlns:r="http://schemas.openxmlformats.org/officeDocument/2006/relationships" name="Office">
+  <a:themeElements>
+    <a:clrScheme name="LibreOffice">
+      <a:dk1>
+        <a:srgbClr val="000000"/>
+      </a:dk1>
+      <a:lt1>
+        <a:srgbClr val="ffffff"/>
+      </a:lt1>
+      <a:dk2>
+        <a:srgbClr val="000000"/>
+      </a:dk2>
+      <a:lt2>
+        <a:srgbClr val="ffffff"/>
+      </a:lt2>
+      <a:accent1>
+        <a:srgbClr val="18a303"/>
+      </a:accent1>
+      <a:accent2>
+        <a:srgbClr val="0369a3"/>
+      </a:accent2>
+      <a:accent3>
+        <a:srgbClr val="a33e03"/>
+      </a:accent3>
+      <a:accent4>
+        <a:srgbClr val="8e03a3"/>
+      </a:accent4>
+      <a:accent5>
+        <a:srgbClr val="c99c00"/>
+      </a:accent5>
+      <a:accent6>
+        <a:srgbClr val="c9211e"/>
+      </a:accent6>
+      <a:hlink>
+        <a:srgbClr val="0000ee"/>
+      </a:hlink>
+      <a:folHlink>
+        <a:srgbClr val="551a8b"/>
+      </a:folHlink>
+    </a:clrScheme>
+    <a:fontScheme name="Office">
+      <a:majorFont>
+        <a:latin typeface="Arial" pitchFamily="0" charset="1"/>
+        <a:ea typeface="DejaVu Sans" pitchFamily="0" charset="1"/>
+        <a:cs typeface="DejaVu Sans" pitchFamily="0" charset="1"/>
+      </a:majorFont>
+      <a:minorFont>
+        <a:latin typeface="Arial" pitchFamily="0" charset="1"/>
+        <a:ea typeface="DejaVu Sans" pitchFamily="0" charset="1"/>
+        <a:cs typeface="DejaVu Sans" pitchFamily="0" charset="1"/>
+      </a:minorFont>
+    </a:fontScheme>
+    <a:fmtScheme>
+      <a:fillStyleLst>
+        <a:solidFill>
+          <a:schemeClr val="phClr"/>
+        </a:solidFill>
+        <a:solidFill>
+          <a:schemeClr val="phClr"/>
+        </a:solidFill>
+        <a:solidFill>
+          <a:schemeClr val="phClr"/>
+        </a:solidFill>
+      </a:fillStyleLst>
+      <a:lnStyleLst>
+        <a:ln w="6350" cap="flat" cmpd="sng" algn="ctr">
+          <a:prstDash val="solid"/>
+          <a:miter/>
+        </a:ln>
+        <a:ln w="6350" cap="flat" cmpd="sng" algn="ctr">
+          <a:prstDash val="solid"/>
+          <a:miter/>
+        </a:ln>
+        <a:ln w="6350" cap="flat" cmpd="sng" algn="ctr">
+          <a:prstDash val="solid"/>
+          <a:miter/>
+        </a:ln>
+      </a:lnStyleLst>
+      <a:effectStyleLst>
+        <a:effectStyle>
+          <a:effectLst/>
+        </a:effectStyle>
+        <a:effectStyle>
+          <a:effectLst/>
+        </a:effectStyle>
+        <a:effectStyle>
+          <a:effectLst/>
+        </a:effectStyle>
+      </a:effectStyleLst>
+      <a:bgFillStyleLst>
+        <a:solidFill>
+          <a:schemeClr val="phClr"/>
+        </a:solidFill>
+        <a:solidFill>
+          <a:schemeClr val="phClr"/>
+        </a:solidFill>
+        <a:solidFill>
+          <a:schemeClr val="phClr"/>
+        </a:solidFill>
+      </a:bgFillStyleLst>
+    </a:fmtScheme>
+  </a:themeElements>
+</a:theme>
+</file>
+
+<file path=ppt/theme/theme25.xml><?xml version="1.0" encoding="utf-8"?>
+<a:theme xmlns:a="http://schemas.openxmlformats.org/drawingml/2006/main" xmlns:r="http://schemas.openxmlformats.org/officeDocument/2006/relationships" name="Office">
+  <a:themeElements>
+    <a:clrScheme name="LibreOffice">
+      <a:dk1>
+        <a:srgbClr val="000000"/>
+      </a:dk1>
+      <a:lt1>
+        <a:srgbClr val="ffffff"/>
+      </a:lt1>
+      <a:dk2>
+        <a:srgbClr val="000000"/>
+      </a:dk2>
+      <a:lt2>
+        <a:srgbClr val="ffffff"/>
+      </a:lt2>
+      <a:accent1>
+        <a:srgbClr val="18a303"/>
+      </a:accent1>
+      <a:accent2>
+        <a:srgbClr val="0369a3"/>
+      </a:accent2>
+      <a:accent3>
+        <a:srgbClr val="a33e03"/>
+      </a:accent3>
+      <a:accent4>
+        <a:srgbClr val="8e03a3"/>
+      </a:accent4>
+      <a:accent5>
+        <a:srgbClr val="c99c00"/>
+      </a:accent5>
+      <a:accent6>
+        <a:srgbClr val="c9211e"/>
+      </a:accent6>
+      <a:hlink>
+        <a:srgbClr val="0000ee"/>
+      </a:hlink>
+      <a:folHlink>
+        <a:srgbClr val="551a8b"/>
+      </a:folHlink>
+    </a:clrScheme>
+    <a:fontScheme name="Office">
+      <a:majorFont>
+        <a:latin typeface="Arial" pitchFamily="0" charset="1"/>
+        <a:ea typeface="DejaVu Sans" pitchFamily="0" charset="1"/>
+        <a:cs typeface="DejaVu Sans" pitchFamily="0" charset="1"/>
+      </a:majorFont>
+      <a:minorFont>
+        <a:latin typeface="Arial" pitchFamily="0" charset="1"/>
+        <a:ea typeface="DejaVu Sans" pitchFamily="0" charset="1"/>
+        <a:cs typeface="DejaVu Sans" pitchFamily="0" charset="1"/>
+      </a:minorFont>
+    </a:fontScheme>
+    <a:fmtScheme>
+      <a:fillStyleLst>
+        <a:solidFill>
+          <a:schemeClr val="phClr"/>
+        </a:solidFill>
+        <a:solidFill>
+          <a:schemeClr val="phClr"/>
+        </a:solidFill>
+        <a:solidFill>
+          <a:schemeClr val="phClr"/>
+        </a:solidFill>
+      </a:fillStyleLst>
+      <a:lnStyleLst>
+        <a:ln w="6350" cap="flat" cmpd="sng" algn="ctr">
+          <a:prstDash val="solid"/>
+          <a:miter/>
+        </a:ln>
+        <a:ln w="6350" cap="flat" cmpd="sng" algn="ctr">
+          <a:prstDash val="solid"/>
+          <a:miter/>
+        </a:ln>
+        <a:ln w="6350" cap="flat" cmpd="sng" algn="ctr">
+          <a:prstDash val="solid"/>
+          <a:miter/>
+        </a:ln>
+      </a:lnStyleLst>
+      <a:effectStyleLst>
+        <a:effectStyle>
+          <a:effectLst/>
+        </a:effectStyle>
+        <a:effectStyle>
+          <a:effectLst/>
+        </a:effectStyle>
+        <a:effectStyle>
+          <a:effectLst/>
+        </a:effectStyle>
+      </a:effectStyleLst>
+      <a:bgFillStyleLst>
+        <a:solidFill>
+          <a:schemeClr val="phClr"/>
+        </a:solidFill>
+        <a:solidFill>
+          <a:schemeClr val="phClr"/>
+        </a:solidFill>
+        <a:solidFill>
+          <a:schemeClr val="phClr"/>
+        </a:solidFill>
+      </a:bgFillStyleLst>
+    </a:fmtScheme>
+  </a:themeElements>
+</a:theme>
+</file>
+
 <file path=ppt/theme/theme3.xml><?xml version="1.0" encoding="utf-8"?>
 <a:theme xmlns:a="http://schemas.openxmlformats.org/drawingml/2006/main" xmlns:r="http://schemas.openxmlformats.org/officeDocument/2006/relationships" name="Office">
   <a:themeElements>
